--- a/slides/inheritance_composition.pptx
+++ b/slides/inheritance_composition.pptx
@@ -12457,11 +12457,7 @@
           <a:p>
             <a:r>
               <a:rPr lang="en-US" dirty="0" smtClean="0"/>
-              <a:t>Composition vs. </a:t>
-            </a:r>
-            <a:r>
-              <a:rPr lang="en-US" smtClean="0"/>
-              <a:t>Aggregation </a:t>
+              <a:t>Composition vs. Aggregation </a:t>
             </a:r>
             <a:endParaRPr lang="en-US" dirty="0"/>
           </a:p>

--- a/slides/inheritance_composition.pptx
+++ b/slides/inheritance_composition.pptx
@@ -5,7 +5,7 @@
     <p:sldMasterId id="2147484294" r:id="rId1"/>
   </p:sldMasterIdLst>
   <p:notesMasterIdLst>
-    <p:notesMasterId r:id="rId26"/>
+    <p:notesMasterId r:id="rId27"/>
   </p:notesMasterIdLst>
   <p:sldIdLst>
     <p:sldId id="256" r:id="rId2"/>
@@ -19,19 +19,20 @@
     <p:sldId id="264" r:id="rId10"/>
     <p:sldId id="265" r:id="rId11"/>
     <p:sldId id="266" r:id="rId12"/>
-    <p:sldId id="277" r:id="rId13"/>
-    <p:sldId id="278" r:id="rId14"/>
-    <p:sldId id="267" r:id="rId15"/>
-    <p:sldId id="268" r:id="rId16"/>
-    <p:sldId id="269" r:id="rId17"/>
-    <p:sldId id="270" r:id="rId18"/>
-    <p:sldId id="271" r:id="rId19"/>
-    <p:sldId id="272" r:id="rId20"/>
-    <p:sldId id="273" r:id="rId21"/>
-    <p:sldId id="274" r:id="rId22"/>
-    <p:sldId id="275" r:id="rId23"/>
-    <p:sldId id="276" r:id="rId24"/>
-    <p:sldId id="279" r:id="rId25"/>
+    <p:sldId id="280" r:id="rId13"/>
+    <p:sldId id="277" r:id="rId14"/>
+    <p:sldId id="278" r:id="rId15"/>
+    <p:sldId id="267" r:id="rId16"/>
+    <p:sldId id="268" r:id="rId17"/>
+    <p:sldId id="269" r:id="rId18"/>
+    <p:sldId id="270" r:id="rId19"/>
+    <p:sldId id="271" r:id="rId20"/>
+    <p:sldId id="272" r:id="rId21"/>
+    <p:sldId id="273" r:id="rId22"/>
+    <p:sldId id="274" r:id="rId23"/>
+    <p:sldId id="275" r:id="rId24"/>
+    <p:sldId id="276" r:id="rId25"/>
+    <p:sldId id="279" r:id="rId26"/>
   </p:sldIdLst>
   <p:sldSz cx="12192000" cy="6858000"/>
   <p:notesSz cx="6858000" cy="9144000"/>
@@ -220,7 +221,7 @@
           <a:p>
             <a:fld id="{C24E9693-3B1A-6144-852A-5B7733F5E2A6}" type="datetimeFigureOut">
               <a:rPr lang="en-US" smtClean="0"/>
-              <a:t>5/14/20</a:t>
+              <a:t>5/20/20</a:t>
             </a:fld>
             <a:endParaRPr lang="en-US"/>
           </a:p>
@@ -569,7 +570,7 @@
           <a:p>
             <a:fld id="{BDAAE321-3917-0140-B87E-FBAD3B4B5EF6}" type="slidenum">
               <a:rPr lang="en-US" smtClean="0"/>
-              <a:t>17</a:t>
+              <a:t>18</a:t>
             </a:fld>
             <a:endParaRPr lang="en-US"/>
           </a:p>
@@ -669,7 +670,7 @@
           <a:p>
             <a:fld id="{BDAAE321-3917-0140-B87E-FBAD3B4B5EF6}" type="slidenum">
               <a:rPr lang="en-US" smtClean="0"/>
-              <a:t>18</a:t>
+              <a:t>19</a:t>
             </a:fld>
             <a:endParaRPr lang="en-US"/>
           </a:p>
@@ -769,7 +770,7 @@
           <a:p>
             <a:fld id="{BDAAE321-3917-0140-B87E-FBAD3B4B5EF6}" type="slidenum">
               <a:rPr lang="en-US" smtClean="0"/>
-              <a:t>19</a:t>
+              <a:t>20</a:t>
             </a:fld>
             <a:endParaRPr lang="en-US"/>
           </a:p>
@@ -861,7 +862,7 @@
           <a:p>
             <a:fld id="{BDAAE321-3917-0140-B87E-FBAD3B4B5EF6}" type="slidenum">
               <a:rPr lang="en-US" smtClean="0"/>
-              <a:t>24</a:t>
+              <a:t>25</a:t>
             </a:fld>
             <a:endParaRPr lang="en-US"/>
           </a:p>
@@ -1158,7 +1159,7 @@
           <a:p>
             <a:fld id="{51673806-0BCD-1F42-BAA8-2011034B3C6A}" type="datetimeFigureOut">
               <a:rPr lang="en-US" smtClean="0"/>
-              <a:t>5/14/20</a:t>
+              <a:t>5/20/20</a:t>
             </a:fld>
             <a:endParaRPr lang="en-US"/>
           </a:p>
@@ -1579,7 +1580,7 @@
           <a:p>
             <a:fld id="{51673806-0BCD-1F42-BAA8-2011034B3C6A}" type="datetimeFigureOut">
               <a:rPr lang="en-US" smtClean="0"/>
-              <a:t>5/14/20</a:t>
+              <a:t>5/20/20</a:t>
             </a:fld>
             <a:endParaRPr lang="en-US"/>
           </a:p>
@@ -1910,7 +1911,7 @@
           <a:p>
             <a:fld id="{51673806-0BCD-1F42-BAA8-2011034B3C6A}" type="datetimeFigureOut">
               <a:rPr lang="en-US" smtClean="0"/>
-              <a:t>5/14/20</a:t>
+              <a:t>5/20/20</a:t>
             </a:fld>
             <a:endParaRPr lang="en-US"/>
           </a:p>
@@ -2310,7 +2311,7 @@
           <a:p>
             <a:fld id="{51673806-0BCD-1F42-BAA8-2011034B3C6A}" type="datetimeFigureOut">
               <a:rPr lang="en-US" smtClean="0"/>
-              <a:t>5/14/20</a:t>
+              <a:t>5/20/20</a:t>
             </a:fld>
             <a:endParaRPr lang="en-US"/>
           </a:p>
@@ -2873,7 +2874,7 @@
           <a:p>
             <a:fld id="{51673806-0BCD-1F42-BAA8-2011034B3C6A}" type="datetimeFigureOut">
               <a:rPr lang="en-US" smtClean="0"/>
-              <a:t>5/14/20</a:t>
+              <a:t>5/20/20</a:t>
             </a:fld>
             <a:endParaRPr lang="en-US"/>
           </a:p>
@@ -3549,7 +3550,7 @@
           <a:p>
             <a:fld id="{51673806-0BCD-1F42-BAA8-2011034B3C6A}" type="datetimeFigureOut">
               <a:rPr lang="en-US" smtClean="0"/>
-              <a:t>5/14/20</a:t>
+              <a:t>5/20/20</a:t>
             </a:fld>
             <a:endParaRPr lang="en-US"/>
           </a:p>
@@ -4457,7 +4458,7 @@
           <a:p>
             <a:fld id="{51673806-0BCD-1F42-BAA8-2011034B3C6A}" type="datetimeFigureOut">
               <a:rPr lang="en-US" smtClean="0"/>
-              <a:t>5/14/20</a:t>
+              <a:t>5/20/20</a:t>
             </a:fld>
             <a:endParaRPr lang="en-US"/>
           </a:p>
@@ -4765,7 +4766,7 @@
           <a:p>
             <a:fld id="{51673806-0BCD-1F42-BAA8-2011034B3C6A}" type="datetimeFigureOut">
               <a:rPr lang="en-US" smtClean="0"/>
-              <a:t>5/14/20</a:t>
+              <a:t>5/20/20</a:t>
             </a:fld>
             <a:endParaRPr lang="en-US"/>
           </a:p>
@@ -5031,7 +5032,7 @@
           <a:p>
             <a:fld id="{51673806-0BCD-1F42-BAA8-2011034B3C6A}" type="datetimeFigureOut">
               <a:rPr lang="en-US" smtClean="0"/>
-              <a:t>5/14/20</a:t>
+              <a:t>5/20/20</a:t>
             </a:fld>
             <a:endParaRPr lang="en-US"/>
           </a:p>
@@ -5361,7 +5362,7 @@
           <a:p>
             <a:fld id="{51673806-0BCD-1F42-BAA8-2011034B3C6A}" type="datetimeFigureOut">
               <a:rPr lang="en-US" smtClean="0"/>
-              <a:t>5/14/20</a:t>
+              <a:t>5/20/20</a:t>
             </a:fld>
             <a:endParaRPr lang="en-US"/>
           </a:p>
@@ -5752,7 +5753,7 @@
           <a:p>
             <a:fld id="{51673806-0BCD-1F42-BAA8-2011034B3C6A}" type="datetimeFigureOut">
               <a:rPr lang="en-US" smtClean="0"/>
-              <a:t>5/14/20</a:t>
+              <a:t>5/20/20</a:t>
             </a:fld>
             <a:endParaRPr lang="en-US"/>
           </a:p>
@@ -6128,7 +6129,7 @@
           <a:p>
             <a:fld id="{51673806-0BCD-1F42-BAA8-2011034B3C6A}" type="datetimeFigureOut">
               <a:rPr lang="en-US" smtClean="0"/>
-              <a:t>5/14/20</a:t>
+              <a:t>5/20/20</a:t>
             </a:fld>
             <a:endParaRPr lang="en-US"/>
           </a:p>
@@ -6634,7 +6635,7 @@
           <a:p>
             <a:fld id="{51673806-0BCD-1F42-BAA8-2011034B3C6A}" type="datetimeFigureOut">
               <a:rPr lang="en-US" smtClean="0"/>
-              <a:t>5/14/20</a:t>
+              <a:t>5/20/20</a:t>
             </a:fld>
             <a:endParaRPr lang="en-US"/>
           </a:p>
@@ -6891,7 +6892,7 @@
           <a:p>
             <a:fld id="{51673806-0BCD-1F42-BAA8-2011034B3C6A}" type="datetimeFigureOut">
               <a:rPr lang="en-US" smtClean="0"/>
-              <a:t>5/14/20</a:t>
+              <a:t>5/20/20</a:t>
             </a:fld>
             <a:endParaRPr lang="en-US"/>
           </a:p>
@@ -7049,7 +7050,7 @@
           <a:p>
             <a:fld id="{51673806-0BCD-1F42-BAA8-2011034B3C6A}" type="datetimeFigureOut">
               <a:rPr lang="en-US" smtClean="0"/>
-              <a:t>5/14/20</a:t>
+              <a:t>5/20/20</a:t>
             </a:fld>
             <a:endParaRPr lang="en-US"/>
           </a:p>
@@ -7439,7 +7440,7 @@
           <a:p>
             <a:fld id="{51673806-0BCD-1F42-BAA8-2011034B3C6A}" type="datetimeFigureOut">
               <a:rPr lang="en-US" smtClean="0"/>
-              <a:t>5/14/20</a:t>
+              <a:t>5/20/20</a:t>
             </a:fld>
             <a:endParaRPr lang="en-US"/>
           </a:p>
@@ -7848,7 +7849,7 @@
           <a:p>
             <a:fld id="{51673806-0BCD-1F42-BAA8-2011034B3C6A}" type="datetimeFigureOut">
               <a:rPr lang="en-US" smtClean="0"/>
-              <a:t>5/14/20</a:t>
+              <a:t>5/20/20</a:t>
             </a:fld>
             <a:endParaRPr lang="en-US"/>
           </a:p>
@@ -8096,7 +8097,7 @@
             <a:fld id="{51673806-0BCD-1F42-BAA8-2011034B3C6A}" type="datetimeFigureOut">
               <a:rPr lang="en-US" smtClean="0"/>
               <a:pPr/>
-              <a:t>5/14/20</a:t>
+              <a:t>5/20/20</a:t>
             </a:fld>
             <a:endParaRPr lang="en-US" dirty="0"/>
           </a:p>
@@ -9210,7 +9211,15 @@
           <a:p>
             <a:r>
               <a:rPr lang="en-US" dirty="0" smtClean="0"/>
-              <a:t>This Includes Exceptions and Warnings </a:t>
+              <a:t>Inheritance: </a:t>
+            </a:r>
+            <a:r>
+              <a:rPr lang="en-US" dirty="0" err="1" smtClean="0"/>
+              <a:t>Subclassing</a:t>
+            </a:r>
+            <a:r>
+              <a:rPr lang="en-US" dirty="0" smtClean="0"/>
+              <a:t> Built-Ins </a:t>
             </a:r>
             <a:endParaRPr lang="en-US" dirty="0"/>
           </a:p>
@@ -9228,8 +9237,8 @@
         </p:nvSpPr>
         <p:spPr>
           <a:xfrm>
-            <a:off x="368490" y="2336873"/>
-            <a:ext cx="3985146" cy="3599316"/>
+            <a:off x="464024" y="2336872"/>
+            <a:ext cx="4585647" cy="4282291"/>
           </a:xfrm>
         </p:spPr>
         <p:txBody>
@@ -9253,34 +9262,7 @@
               <a:tabLst/>
               <a:defRPr/>
             </a:pPr>
-            <a:r>
-              <a:rPr lang="en-US" dirty="0" smtClean="0"/>
-              <a:t>You can create your own </a:t>
-            </a:r>
-            <a:r>
-              <a:rPr lang="en-US" i="1" dirty="0" smtClean="0"/>
-              <a:t>Exception</a:t>
-            </a:r>
-            <a:r>
-              <a:rPr lang="en-US" dirty="0" smtClean="0"/>
-              <a:t> and </a:t>
-            </a:r>
-            <a:r>
-              <a:rPr lang="en-US" i="1" dirty="0" smtClean="0"/>
-              <a:t>Warning </a:t>
-            </a:r>
-            <a:r>
-              <a:rPr lang="en-US" dirty="0" smtClean="0"/>
-              <a:t>classes by </a:t>
-            </a:r>
-            <a:r>
-              <a:rPr lang="en-US" dirty="0" err="1" smtClean="0"/>
-              <a:t>subclassing</a:t>
-            </a:r>
-            <a:r>
-              <a:rPr lang="en-US" dirty="0" smtClean="0"/>
-              <a:t> these built-in types </a:t>
-            </a:r>
+            <a:endParaRPr lang="en-US" dirty="0" smtClean="0"/>
           </a:p>
           <a:p>
             <a:pPr marL="0" marR="0" lvl="0" indent="0" defTabSz="914400" eaLnBrk="1" fontAlgn="auto" latinLnBrk="0" hangingPunct="1">
@@ -9300,7 +9282,7 @@
               <a:tabLst/>
               <a:defRPr/>
             </a:pPr>
-            <a:endParaRPr lang="en-US" dirty="0" smtClean="0"/>
+            <a:endParaRPr lang="en-US" dirty="0"/>
           </a:p>
           <a:p>
             <a:pPr marL="0" marR="0" lvl="0" indent="0" defTabSz="914400" eaLnBrk="1" fontAlgn="auto" latinLnBrk="0" hangingPunct="1">
@@ -9320,31 +9302,10 @@
               <a:tabLst/>
               <a:defRPr/>
             </a:pPr>
-            <a:endParaRPr lang="en-US" dirty="0"/>
-          </a:p>
-          <a:p>
-            <a:pPr marL="0" marR="0" lvl="0" indent="0" defTabSz="914400" eaLnBrk="1" fontAlgn="auto" latinLnBrk="0" hangingPunct="1">
-              <a:lnSpc>
-                <a:spcPct val="100000"/>
-              </a:lnSpc>
-              <a:spcBef>
-                <a:spcPts val="0"/>
-              </a:spcBef>
-              <a:spcAft>
-                <a:spcPts val="0"/>
-              </a:spcAft>
-              <a:buClrTx/>
-              <a:buSzTx/>
-              <a:buFontTx/>
-              <a:buNone/>
-              <a:tabLst/>
-              <a:defRPr/>
-            </a:pPr>
             <a:r>
               <a:rPr lang="en-US" dirty="0" smtClean="0"/>
-              <a:t>Unless you want to do something special, this only requires two lines</a:t>
-            </a:r>
-            <a:endParaRPr lang="en-US" dirty="0"/>
+              <a:t>All of the features and behavior of the list are inherited, with the modification that this only allows integers </a:t>
+            </a:r>
           </a:p>
         </p:txBody>
       </p:sp>
@@ -9370,8 +9331,8 @@
         </p:blipFill>
         <p:spPr>
           <a:xfrm>
-            <a:off x="4561386" y="2052531"/>
-            <a:ext cx="7518400" cy="4749800"/>
+            <a:off x="6804358" y="1596789"/>
+            <a:ext cx="4956795" cy="5152029"/>
           </a:xfrm>
           <a:prstGeom prst="rect">
             <a:avLst/>
@@ -9381,7 +9342,7 @@
     </p:spTree>
     <p:extLst>
       <p:ext uri="{BB962C8B-B14F-4D97-AF65-F5344CB8AC3E}">
-        <p14:creationId xmlns:p14="http://schemas.microsoft.com/office/powerpoint/2010/main" val="1381970054"/>
+        <p14:creationId xmlns:p14="http://schemas.microsoft.com/office/powerpoint/2010/main" val="2077385157"/>
       </p:ext>
     </p:extLst>
   </p:cSld>
@@ -9432,7 +9393,7 @@
           <a:p>
             <a:r>
               <a:rPr lang="en-US" dirty="0" smtClean="0"/>
-              <a:t>Recall: The Python Model </a:t>
+              <a:t>This Includes Exceptions and Warnings </a:t>
             </a:r>
             <a:endParaRPr lang="en-US" dirty="0"/>
           </a:p>
@@ -9450,8 +9411,8 @@
         </p:nvSpPr>
         <p:spPr>
           <a:xfrm>
-            <a:off x="680321" y="2336873"/>
-            <a:ext cx="5597649" cy="3599316"/>
+            <a:off x="368490" y="2336873"/>
+            <a:ext cx="3985146" cy="3599316"/>
           </a:xfrm>
         </p:spPr>
         <p:txBody>
@@ -9476,10 +9437,33 @@
               <a:defRPr/>
             </a:pPr>
             <a:r>
+              <a:rPr lang="en-US" dirty="0" smtClean="0"/>
+              <a:t>You can create your own </a:t>
+            </a:r>
+            <a:r>
               <a:rPr lang="en-US" i="1" dirty="0" smtClean="0"/>
-              <a:t>Everything is an object </a:t>
-            </a:r>
-            <a:endParaRPr lang="en-US" dirty="0" smtClean="0"/>
+              <a:t>Exception</a:t>
+            </a:r>
+            <a:r>
+              <a:rPr lang="en-US" dirty="0" smtClean="0"/>
+              <a:t> and </a:t>
+            </a:r>
+            <a:r>
+              <a:rPr lang="en-US" i="1" dirty="0" smtClean="0"/>
+              <a:t>Warning </a:t>
+            </a:r>
+            <a:r>
+              <a:rPr lang="en-US" dirty="0" smtClean="0"/>
+              <a:t>classes by </a:t>
+            </a:r>
+            <a:r>
+              <a:rPr lang="en-US" dirty="0" err="1" smtClean="0"/>
+              <a:t>subclassing</a:t>
+            </a:r>
+            <a:r>
+              <a:rPr lang="en-US" dirty="0" smtClean="0"/>
+              <a:t> these built-in types </a:t>
+            </a:r>
           </a:p>
           <a:p>
             <a:pPr marL="0" marR="0" lvl="0" indent="0" defTabSz="914400" eaLnBrk="1" fontAlgn="auto" latinLnBrk="0" hangingPunct="1">
@@ -9519,7 +9503,7 @@
               <a:tabLst/>
               <a:defRPr/>
             </a:pPr>
-            <a:endParaRPr lang="en-US" dirty="0" smtClean="0"/>
+            <a:endParaRPr lang="en-US" dirty="0"/>
           </a:p>
           <a:p>
             <a:pPr marL="0" marR="0" lvl="0" indent="0" defTabSz="914400" eaLnBrk="1" fontAlgn="auto" latinLnBrk="0" hangingPunct="1">
@@ -9541,113 +9525,9 @@
             </a:pPr>
             <a:r>
               <a:rPr lang="en-US" dirty="0" smtClean="0"/>
-              <a:t>At the end of the day, </a:t>
-            </a:r>
-            <a:r>
-              <a:rPr lang="en-US" i="1" dirty="0" smtClean="0"/>
-              <a:t>everything</a:t>
-            </a:r>
-            <a:r>
-              <a:rPr lang="en-US" dirty="0" smtClean="0"/>
-              <a:t> inherits from </a:t>
-            </a:r>
-            <a:r>
-              <a:rPr lang="en-US" i="1" dirty="0" smtClean="0"/>
-              <a:t>object</a:t>
-            </a:r>
-            <a:r>
-              <a:rPr lang="en-US" dirty="0"/>
-              <a:t> </a:t>
-            </a:r>
-            <a:endParaRPr lang="en-US" dirty="0" smtClean="0"/>
-          </a:p>
-          <a:p>
-            <a:pPr marL="0" marR="0" lvl="0" indent="0" defTabSz="914400" eaLnBrk="1" fontAlgn="auto" latinLnBrk="0" hangingPunct="1">
-              <a:lnSpc>
-                <a:spcPct val="100000"/>
-              </a:lnSpc>
-              <a:spcBef>
-                <a:spcPts val="0"/>
-              </a:spcBef>
-              <a:spcAft>
-                <a:spcPts val="0"/>
-              </a:spcAft>
-              <a:buClrTx/>
-              <a:buSzTx/>
-              <a:buFontTx/>
-              <a:buNone/>
-              <a:tabLst/>
-              <a:defRPr/>
-            </a:pPr>
-            <a:endParaRPr lang="en-US" i="1" dirty="0"/>
-          </a:p>
-          <a:p>
-            <a:pPr marL="0" marR="0" lvl="0" indent="0" defTabSz="914400" eaLnBrk="1" fontAlgn="auto" latinLnBrk="0" hangingPunct="1">
-              <a:lnSpc>
-                <a:spcPct val="100000"/>
-              </a:lnSpc>
-              <a:spcBef>
-                <a:spcPts val="0"/>
-              </a:spcBef>
-              <a:spcAft>
-                <a:spcPts val="0"/>
-              </a:spcAft>
-              <a:buClrTx/>
-              <a:buSzTx/>
-              <a:buFontTx/>
-              <a:buNone/>
-              <a:tabLst/>
-              <a:defRPr/>
-            </a:pPr>
-            <a:endParaRPr lang="en-US" i="1" dirty="0" smtClean="0"/>
-          </a:p>
-          <a:p>
-            <a:pPr marL="0" marR="0" lvl="0" indent="0" defTabSz="914400" eaLnBrk="1" fontAlgn="auto" latinLnBrk="0" hangingPunct="1">
-              <a:lnSpc>
-                <a:spcPct val="100000"/>
-              </a:lnSpc>
-              <a:spcBef>
-                <a:spcPts val="0"/>
-              </a:spcBef>
-              <a:spcAft>
-                <a:spcPts val="0"/>
-              </a:spcAft>
-              <a:buClrTx/>
-              <a:buSzTx/>
-              <a:buFontTx/>
-              <a:buNone/>
-              <a:tabLst/>
-              <a:defRPr/>
-            </a:pPr>
-            <a:r>
-              <a:rPr lang="en-US" i="1" dirty="0" err="1" smtClean="0"/>
-              <a:t>isinstance</a:t>
-            </a:r>
-            <a:r>
-              <a:rPr lang="en-US" i="1" dirty="0" smtClean="0"/>
-              <a:t>(x, object)</a:t>
-            </a:r>
-            <a:r>
-              <a:rPr lang="en-US" dirty="0" smtClean="0"/>
-              <a:t> will </a:t>
-            </a:r>
-            <a:r>
-              <a:rPr lang="en-US" b="1" i="1" dirty="0" smtClean="0"/>
-              <a:t>always </a:t>
-            </a:r>
-            <a:r>
-              <a:rPr lang="en-US" dirty="0" smtClean="0"/>
-              <a:t>return </a:t>
-            </a:r>
-            <a:r>
-              <a:rPr lang="en-US" i="1" dirty="0" smtClean="0"/>
-              <a:t>True</a:t>
-            </a:r>
-            <a:r>
-              <a:rPr lang="en-US" dirty="0"/>
-              <a:t> </a:t>
-            </a:r>
-            <a:endParaRPr lang="en-US" i="1" dirty="0"/>
+              <a:t>Unless you want to do something special, this only requires two lines</a:t>
+            </a:r>
+            <a:endParaRPr lang="en-US" dirty="0"/>
           </a:p>
         </p:txBody>
       </p:sp>
@@ -9673,8 +9553,8 @@
         </p:blipFill>
         <p:spPr>
           <a:xfrm>
-            <a:off x="6705031" y="2656981"/>
-            <a:ext cx="3886200" cy="2959100"/>
+            <a:off x="4561386" y="2052531"/>
+            <a:ext cx="7518400" cy="4749800"/>
           </a:xfrm>
           <a:prstGeom prst="rect">
             <a:avLst/>
@@ -9684,7 +9564,7 @@
     </p:spTree>
     <p:extLst>
       <p:ext uri="{BB962C8B-B14F-4D97-AF65-F5344CB8AC3E}">
-        <p14:creationId xmlns:p14="http://schemas.microsoft.com/office/powerpoint/2010/main" val="1195106245"/>
+        <p14:creationId xmlns:p14="http://schemas.microsoft.com/office/powerpoint/2010/main" val="1381970054"/>
       </p:ext>
     </p:extLst>
   </p:cSld>
@@ -9735,6 +9615,309 @@
           <a:p>
             <a:r>
               <a:rPr lang="en-US" dirty="0" smtClean="0"/>
+              <a:t>Recall: The Python Model </a:t>
+            </a:r>
+            <a:endParaRPr lang="en-US" dirty="0"/>
+          </a:p>
+        </p:txBody>
+      </p:sp>
+      <p:sp>
+        <p:nvSpPr>
+          <p:cNvPr id="3" name="Content Placeholder 2"/>
+          <p:cNvSpPr>
+            <a:spLocks noGrp="1"/>
+          </p:cNvSpPr>
+          <p:nvPr>
+            <p:ph idx="1"/>
+          </p:nvPr>
+        </p:nvSpPr>
+        <p:spPr>
+          <a:xfrm>
+            <a:off x="680321" y="2336873"/>
+            <a:ext cx="5597649" cy="3599316"/>
+          </a:xfrm>
+        </p:spPr>
+        <p:txBody>
+          <a:bodyPr/>
+          <a:lstStyle/>
+          <a:p>
+            <a:pPr marL="0" marR="0" lvl="0" indent="0" defTabSz="914400" eaLnBrk="1" fontAlgn="auto" latinLnBrk="0" hangingPunct="1">
+              <a:lnSpc>
+                <a:spcPct val="100000"/>
+              </a:lnSpc>
+              <a:spcBef>
+                <a:spcPts val="0"/>
+              </a:spcBef>
+              <a:spcAft>
+                <a:spcPts val="0"/>
+              </a:spcAft>
+              <a:buClrTx/>
+              <a:buSzTx/>
+              <a:buFontTx/>
+              <a:buNone/>
+              <a:tabLst/>
+              <a:defRPr/>
+            </a:pPr>
+            <a:r>
+              <a:rPr lang="en-US" i="1" dirty="0" smtClean="0"/>
+              <a:t>Everything is an object </a:t>
+            </a:r>
+            <a:endParaRPr lang="en-US" dirty="0" smtClean="0"/>
+          </a:p>
+          <a:p>
+            <a:pPr marL="0" marR="0" lvl="0" indent="0" defTabSz="914400" eaLnBrk="1" fontAlgn="auto" latinLnBrk="0" hangingPunct="1">
+              <a:lnSpc>
+                <a:spcPct val="100000"/>
+              </a:lnSpc>
+              <a:spcBef>
+                <a:spcPts val="0"/>
+              </a:spcBef>
+              <a:spcAft>
+                <a:spcPts val="0"/>
+              </a:spcAft>
+              <a:buClrTx/>
+              <a:buSzTx/>
+              <a:buFontTx/>
+              <a:buNone/>
+              <a:tabLst/>
+              <a:defRPr/>
+            </a:pPr>
+            <a:endParaRPr lang="en-US" dirty="0" smtClean="0"/>
+          </a:p>
+          <a:p>
+            <a:pPr marL="0" marR="0" lvl="0" indent="0" defTabSz="914400" eaLnBrk="1" fontAlgn="auto" latinLnBrk="0" hangingPunct="1">
+              <a:lnSpc>
+                <a:spcPct val="100000"/>
+              </a:lnSpc>
+              <a:spcBef>
+                <a:spcPts val="0"/>
+              </a:spcBef>
+              <a:spcAft>
+                <a:spcPts val="0"/>
+              </a:spcAft>
+              <a:buClrTx/>
+              <a:buSzTx/>
+              <a:buFontTx/>
+              <a:buNone/>
+              <a:tabLst/>
+              <a:defRPr/>
+            </a:pPr>
+            <a:endParaRPr lang="en-US" dirty="0" smtClean="0"/>
+          </a:p>
+          <a:p>
+            <a:pPr marL="0" marR="0" lvl="0" indent="0" defTabSz="914400" eaLnBrk="1" fontAlgn="auto" latinLnBrk="0" hangingPunct="1">
+              <a:lnSpc>
+                <a:spcPct val="100000"/>
+              </a:lnSpc>
+              <a:spcBef>
+                <a:spcPts val="0"/>
+              </a:spcBef>
+              <a:spcAft>
+                <a:spcPts val="0"/>
+              </a:spcAft>
+              <a:buClrTx/>
+              <a:buSzTx/>
+              <a:buFontTx/>
+              <a:buNone/>
+              <a:tabLst/>
+              <a:defRPr/>
+            </a:pPr>
+            <a:r>
+              <a:rPr lang="en-US" dirty="0" smtClean="0"/>
+              <a:t>At the end of the day, </a:t>
+            </a:r>
+            <a:r>
+              <a:rPr lang="en-US" i="1" dirty="0" smtClean="0"/>
+              <a:t>everything</a:t>
+            </a:r>
+            <a:r>
+              <a:rPr lang="en-US" dirty="0" smtClean="0"/>
+              <a:t> inherits from </a:t>
+            </a:r>
+            <a:r>
+              <a:rPr lang="en-US" i="1" dirty="0" smtClean="0"/>
+              <a:t>object</a:t>
+            </a:r>
+            <a:r>
+              <a:rPr lang="en-US" dirty="0"/>
+              <a:t> </a:t>
+            </a:r>
+            <a:endParaRPr lang="en-US" dirty="0" smtClean="0"/>
+          </a:p>
+          <a:p>
+            <a:pPr marL="0" marR="0" lvl="0" indent="0" defTabSz="914400" eaLnBrk="1" fontAlgn="auto" latinLnBrk="0" hangingPunct="1">
+              <a:lnSpc>
+                <a:spcPct val="100000"/>
+              </a:lnSpc>
+              <a:spcBef>
+                <a:spcPts val="0"/>
+              </a:spcBef>
+              <a:spcAft>
+                <a:spcPts val="0"/>
+              </a:spcAft>
+              <a:buClrTx/>
+              <a:buSzTx/>
+              <a:buFontTx/>
+              <a:buNone/>
+              <a:tabLst/>
+              <a:defRPr/>
+            </a:pPr>
+            <a:endParaRPr lang="en-US" i="1" dirty="0"/>
+          </a:p>
+          <a:p>
+            <a:pPr marL="0" marR="0" lvl="0" indent="0" defTabSz="914400" eaLnBrk="1" fontAlgn="auto" latinLnBrk="0" hangingPunct="1">
+              <a:lnSpc>
+                <a:spcPct val="100000"/>
+              </a:lnSpc>
+              <a:spcBef>
+                <a:spcPts val="0"/>
+              </a:spcBef>
+              <a:spcAft>
+                <a:spcPts val="0"/>
+              </a:spcAft>
+              <a:buClrTx/>
+              <a:buSzTx/>
+              <a:buFontTx/>
+              <a:buNone/>
+              <a:tabLst/>
+              <a:defRPr/>
+            </a:pPr>
+            <a:endParaRPr lang="en-US" i="1" dirty="0" smtClean="0"/>
+          </a:p>
+          <a:p>
+            <a:pPr marL="0" marR="0" lvl="0" indent="0" defTabSz="914400" eaLnBrk="1" fontAlgn="auto" latinLnBrk="0" hangingPunct="1">
+              <a:lnSpc>
+                <a:spcPct val="100000"/>
+              </a:lnSpc>
+              <a:spcBef>
+                <a:spcPts val="0"/>
+              </a:spcBef>
+              <a:spcAft>
+                <a:spcPts val="0"/>
+              </a:spcAft>
+              <a:buClrTx/>
+              <a:buSzTx/>
+              <a:buFontTx/>
+              <a:buNone/>
+              <a:tabLst/>
+              <a:defRPr/>
+            </a:pPr>
+            <a:r>
+              <a:rPr lang="en-US" i="1" dirty="0" err="1" smtClean="0"/>
+              <a:t>isinstance</a:t>
+            </a:r>
+            <a:r>
+              <a:rPr lang="en-US" i="1" dirty="0" smtClean="0"/>
+              <a:t>(x, object)</a:t>
+            </a:r>
+            <a:r>
+              <a:rPr lang="en-US" dirty="0" smtClean="0"/>
+              <a:t> will </a:t>
+            </a:r>
+            <a:r>
+              <a:rPr lang="en-US" b="1" i="1" dirty="0" smtClean="0"/>
+              <a:t>always </a:t>
+            </a:r>
+            <a:r>
+              <a:rPr lang="en-US" dirty="0" smtClean="0"/>
+              <a:t>return </a:t>
+            </a:r>
+            <a:r>
+              <a:rPr lang="en-US" i="1" dirty="0" smtClean="0"/>
+              <a:t>True</a:t>
+            </a:r>
+            <a:r>
+              <a:rPr lang="en-US" dirty="0"/>
+              <a:t> </a:t>
+            </a:r>
+            <a:endParaRPr lang="en-US" i="1" dirty="0"/>
+          </a:p>
+        </p:txBody>
+      </p:sp>
+      <p:pic>
+        <p:nvPicPr>
+          <p:cNvPr id="4" name="Picture 3"/>
+          <p:cNvPicPr>
+            <a:picLocks noChangeAspect="1"/>
+          </p:cNvPicPr>
+          <p:nvPr/>
+        </p:nvPicPr>
+        <p:blipFill>
+          <a:blip r:embed="rId2">
+            <a:extLst>
+              <a:ext uri="{28A0092B-C50C-407E-A947-70E740481C1C}">
+                <a14:useLocalDpi xmlns:a14="http://schemas.microsoft.com/office/drawing/2010/main" val="0"/>
+              </a:ext>
+            </a:extLst>
+          </a:blip>
+          <a:stretch>
+            <a:fillRect/>
+          </a:stretch>
+        </p:blipFill>
+        <p:spPr>
+          <a:xfrm>
+            <a:off x="6705031" y="2656981"/>
+            <a:ext cx="3886200" cy="2959100"/>
+          </a:xfrm>
+          <a:prstGeom prst="rect">
+            <a:avLst/>
+          </a:prstGeom>
+        </p:spPr>
+      </p:pic>
+    </p:spTree>
+    <p:extLst>
+      <p:ext uri="{BB962C8B-B14F-4D97-AF65-F5344CB8AC3E}">
+        <p14:creationId xmlns:p14="http://schemas.microsoft.com/office/powerpoint/2010/main" val="1195106245"/>
+      </p:ext>
+    </p:extLst>
+  </p:cSld>
+  <p:clrMapOvr>
+    <a:masterClrMapping/>
+  </p:clrMapOvr>
+  <p:timing>
+    <p:tnLst>
+      <p:par>
+        <p:cTn id="1" dur="indefinite" restart="never" nodeType="tmRoot"/>
+      </p:par>
+    </p:tnLst>
+  </p:timing>
+</p:sld>
+</file>
+
+<file path=ppt/slides/slide15.xml><?xml version="1.0" encoding="utf-8"?>
+<p:sld xmlns:a="http://schemas.openxmlformats.org/drawingml/2006/main" xmlns:r="http://schemas.openxmlformats.org/officeDocument/2006/relationships" xmlns:p="http://schemas.openxmlformats.org/presentationml/2006/main">
+  <p:cSld>
+    <p:spTree>
+      <p:nvGrpSpPr>
+        <p:cNvPr id="1" name=""/>
+        <p:cNvGrpSpPr/>
+        <p:nvPr/>
+      </p:nvGrpSpPr>
+      <p:grpSpPr>
+        <a:xfrm>
+          <a:off x="0" y="0"/>
+          <a:ext cx="0" cy="0"/>
+          <a:chOff x="0" y="0"/>
+          <a:chExt cx="0" cy="0"/>
+        </a:xfrm>
+      </p:grpSpPr>
+      <p:sp>
+        <p:nvSpPr>
+          <p:cNvPr id="2" name="Title 1"/>
+          <p:cNvSpPr>
+            <a:spLocks noGrp="1"/>
+          </p:cNvSpPr>
+          <p:nvPr>
+            <p:ph type="title"/>
+          </p:nvPr>
+        </p:nvSpPr>
+        <p:spPr/>
+        <p:txBody>
+          <a:bodyPr/>
+          <a:lstStyle/>
+          <a:p>
+            <a:r>
+              <a:rPr lang="en-US" dirty="0" smtClean="0"/>
               <a:t>Composition </a:t>
             </a:r>
             <a:endParaRPr lang="en-US" dirty="0"/>
@@ -9844,7 +10027,7 @@
 </p:sld>
 </file>
 
-<file path=ppt/slides/slide15.xml><?xml version="1.0" encoding="utf-8"?>
+<file path=ppt/slides/slide16.xml><?xml version="1.0" encoding="utf-8"?>
 <p:sld xmlns:a="http://schemas.openxmlformats.org/drawingml/2006/main" xmlns:r="http://schemas.openxmlformats.org/officeDocument/2006/relationships" xmlns:p="http://schemas.openxmlformats.org/presentationml/2006/main">
   <p:cSld>
     <p:spTree>
@@ -10648,7 +10831,7 @@
 </p:sld>
 </file>
 
-<file path=ppt/slides/slide16.xml><?xml version="1.0" encoding="utf-8"?>
+<file path=ppt/slides/slide17.xml><?xml version="1.0" encoding="utf-8"?>
 <p:sld xmlns:a="http://schemas.openxmlformats.org/drawingml/2006/main" xmlns:r="http://schemas.openxmlformats.org/officeDocument/2006/relationships" xmlns:p="http://schemas.openxmlformats.org/presentationml/2006/main">
   <p:cSld>
     <p:spTree>
@@ -10767,216 +10950,6 @@
     <p:extLst>
       <p:ext uri="{BB962C8B-B14F-4D97-AF65-F5344CB8AC3E}">
         <p14:creationId xmlns:p14="http://schemas.microsoft.com/office/powerpoint/2010/main" val="735303073"/>
-      </p:ext>
-    </p:extLst>
-  </p:cSld>
-  <p:clrMapOvr>
-    <a:masterClrMapping/>
-  </p:clrMapOvr>
-  <p:timing>
-    <p:tnLst>
-      <p:par>
-        <p:cTn id="1" dur="indefinite" restart="never" nodeType="tmRoot"/>
-      </p:par>
-    </p:tnLst>
-  </p:timing>
-</p:sld>
-</file>
-
-<file path=ppt/slides/slide17.xml><?xml version="1.0" encoding="utf-8"?>
-<p:sld xmlns:a="http://schemas.openxmlformats.org/drawingml/2006/main" xmlns:r="http://schemas.openxmlformats.org/officeDocument/2006/relationships" xmlns:p="http://schemas.openxmlformats.org/presentationml/2006/main">
-  <p:cSld>
-    <p:spTree>
-      <p:nvGrpSpPr>
-        <p:cNvPr id="1" name=""/>
-        <p:cNvGrpSpPr/>
-        <p:nvPr/>
-      </p:nvGrpSpPr>
-      <p:grpSpPr>
-        <a:xfrm>
-          <a:off x="0" y="0"/>
-          <a:ext cx="0" cy="0"/>
-          <a:chOff x="0" y="0"/>
-          <a:chExt cx="0" cy="0"/>
-        </a:xfrm>
-      </p:grpSpPr>
-      <p:sp>
-        <p:nvSpPr>
-          <p:cNvPr id="2" name="Title 1"/>
-          <p:cNvSpPr>
-            <a:spLocks noGrp="1"/>
-          </p:cNvSpPr>
-          <p:nvPr>
-            <p:ph type="title"/>
-          </p:nvPr>
-        </p:nvSpPr>
-        <p:spPr/>
-        <p:txBody>
-          <a:bodyPr/>
-          <a:lstStyle/>
-          <a:p>
-            <a:r>
-              <a:rPr lang="en-US" dirty="0" smtClean="0"/>
-              <a:t>Composition: A Solar System </a:t>
-            </a:r>
-            <a:endParaRPr lang="en-US" dirty="0"/>
-          </a:p>
-        </p:txBody>
-      </p:sp>
-      <p:sp>
-        <p:nvSpPr>
-          <p:cNvPr id="3" name="Content Placeholder 2"/>
-          <p:cNvSpPr>
-            <a:spLocks noGrp="1"/>
-          </p:cNvSpPr>
-          <p:nvPr>
-            <p:ph idx="1"/>
-          </p:nvPr>
-        </p:nvSpPr>
-        <p:spPr>
-          <a:xfrm>
-            <a:off x="680321" y="2336873"/>
-            <a:ext cx="5229160" cy="3599316"/>
-          </a:xfrm>
-        </p:spPr>
-        <p:txBody>
-          <a:bodyPr/>
-          <a:lstStyle/>
-          <a:p>
-            <a:pPr marL="0" marR="0" lvl="0" indent="0" defTabSz="914400" eaLnBrk="1" fontAlgn="auto" latinLnBrk="0" hangingPunct="1">
-              <a:lnSpc>
-                <a:spcPct val="100000"/>
-              </a:lnSpc>
-              <a:spcBef>
-                <a:spcPts val="0"/>
-              </a:spcBef>
-              <a:spcAft>
-                <a:spcPts val="0"/>
-              </a:spcAft>
-              <a:buClrTx/>
-              <a:buSzTx/>
-              <a:buFontTx/>
-              <a:buNone/>
-              <a:tabLst/>
-              <a:defRPr/>
-            </a:pPr>
-            <a:r>
-              <a:rPr lang="en-US" dirty="0" smtClean="0"/>
-              <a:t>First pieces: the inheritance structure of the solar system bodies. All solar system bodies have a name and a mass. </a:t>
-            </a:r>
-          </a:p>
-          <a:p>
-            <a:pPr marL="0" marR="0" lvl="0" indent="0" defTabSz="914400" eaLnBrk="1" fontAlgn="auto" latinLnBrk="0" hangingPunct="1">
-              <a:lnSpc>
-                <a:spcPct val="100000"/>
-              </a:lnSpc>
-              <a:spcBef>
-                <a:spcPts val="0"/>
-              </a:spcBef>
-              <a:spcAft>
-                <a:spcPts val="0"/>
-              </a:spcAft>
-              <a:buClrTx/>
-              <a:buSzTx/>
-              <a:buFontTx/>
-              <a:buNone/>
-              <a:tabLst/>
-              <a:defRPr/>
-            </a:pPr>
-            <a:endParaRPr lang="en-US" dirty="0"/>
-          </a:p>
-          <a:p>
-            <a:pPr marL="0" marR="0" lvl="0" indent="0" defTabSz="914400" eaLnBrk="1" fontAlgn="auto" latinLnBrk="0" hangingPunct="1">
-              <a:lnSpc>
-                <a:spcPct val="100000"/>
-              </a:lnSpc>
-              <a:spcBef>
-                <a:spcPts val="0"/>
-              </a:spcBef>
-              <a:spcAft>
-                <a:spcPts val="0"/>
-              </a:spcAft>
-              <a:buClrTx/>
-              <a:buSzTx/>
-              <a:buFontTx/>
-              <a:buNone/>
-              <a:tabLst/>
-              <a:defRPr/>
-            </a:pPr>
-            <a:r>
-              <a:rPr lang="en-US" dirty="0" smtClean="0"/>
-              <a:t>The star doesn’t need any more than this, so we can let it inherit </a:t>
-            </a:r>
-            <a:r>
-              <a:rPr lang="en-US" i="1" dirty="0" smtClean="0"/>
-              <a:t>everything</a:t>
-            </a:r>
-            <a:r>
-              <a:rPr lang="en-US" dirty="0" smtClean="0"/>
-              <a:t> </a:t>
-            </a:r>
-            <a:r>
-              <a:rPr lang="mr-IN" dirty="0" smtClean="0"/>
-              <a:t>–</a:t>
-            </a:r>
-            <a:r>
-              <a:rPr lang="en-US" dirty="0" smtClean="0"/>
-              <a:t> even the </a:t>
-            </a:r>
-            <a:r>
-              <a:rPr lang="en-US" i="1" dirty="0" smtClean="0"/>
-              <a:t>__</a:t>
-            </a:r>
-            <a:r>
-              <a:rPr lang="en-US" i="1" dirty="0" err="1" smtClean="0"/>
-              <a:t>init</a:t>
-            </a:r>
-            <a:r>
-              <a:rPr lang="en-US" i="1" dirty="0" smtClean="0"/>
-              <a:t>__</a:t>
-            </a:r>
-            <a:r>
-              <a:rPr lang="en-US" dirty="0" smtClean="0"/>
-              <a:t> function. </a:t>
-            </a:r>
-            <a:endParaRPr lang="en-US" dirty="0"/>
-          </a:p>
-        </p:txBody>
-      </p:sp>
-      <p:pic>
-        <p:nvPicPr>
-          <p:cNvPr id="5" name="Picture 4"/>
-          <p:cNvPicPr>
-            <a:picLocks noChangeAspect="1"/>
-          </p:cNvPicPr>
-          <p:nvPr/>
-        </p:nvPicPr>
-        <p:blipFill>
-          <a:blip r:embed="rId3">
-            <a:extLst>
-              <a:ext uri="{28A0092B-C50C-407E-A947-70E740481C1C}">
-                <a14:useLocalDpi xmlns:a14="http://schemas.microsoft.com/office/drawing/2010/main" val="0"/>
-              </a:ext>
-            </a:extLst>
-          </a:blip>
-          <a:stretch>
-            <a:fillRect/>
-          </a:stretch>
-        </p:blipFill>
-        <p:spPr>
-          <a:xfrm>
-            <a:off x="6409896" y="3803929"/>
-            <a:ext cx="2297375" cy="733884"/>
-          </a:xfrm>
-          <a:prstGeom prst="rect">
-            <a:avLst/>
-          </a:prstGeom>
-        </p:spPr>
-      </p:pic>
-    </p:spTree>
-    <p:extLst>
-      <p:ext uri="{BB962C8B-B14F-4D97-AF65-F5344CB8AC3E}">
-        <p14:creationId xmlns:p14="http://schemas.microsoft.com/office/powerpoint/2010/main" val="469453324"/>
       </p:ext>
     </p:extLst>
   </p:cSld>
@@ -11115,7 +11088,39 @@
             </a:pPr>
             <a:r>
               <a:rPr lang="en-US" dirty="0" smtClean="0"/>
-              <a:t>A satellite object also has a semi-major axis and an eccentricity. </a:t>
+              <a:t>The star doesn’t need any more than this, so we can let it inherit </a:t>
+            </a:r>
+            <a:r>
+              <a:rPr lang="en-US" i="1" dirty="0" smtClean="0"/>
+              <a:t>everything</a:t>
+            </a:r>
+            <a:r>
+              <a:rPr lang="en-US" dirty="0" smtClean="0"/>
+              <a:t> </a:t>
+            </a:r>
+            <a:r>
+              <a:rPr lang="mr-IN" dirty="0" smtClean="0"/>
+              <a:t>–</a:t>
+            </a:r>
+            <a:r>
+              <a:rPr lang="en-US" dirty="0" smtClean="0"/>
+              <a:t> even the </a:t>
+            </a:r>
+            <a:r>
+              <a:rPr lang="en-US" i="1" dirty="0" smtClean="0"/>
+              <a:t>__</a:t>
+            </a:r>
+            <a:r>
+              <a:rPr lang="en-US" i="1" dirty="0" err="1" smtClean="0"/>
+              <a:t>init</a:t>
+            </a:r>
+            <a:r>
+              <a:rPr lang="en-US" i="1" dirty="0" smtClean="0"/>
+              <a:t>__</a:t>
+            </a:r>
+            <a:r>
+              <a:rPr lang="en-US" dirty="0" smtClean="0"/>
+              <a:t> function. </a:t>
             </a:r>
             <a:endParaRPr lang="en-US" dirty="0"/>
           </a:p>
@@ -11123,7 +11128,7 @@
       </p:sp>
       <p:pic>
         <p:nvPicPr>
-          <p:cNvPr id="4" name="Picture 3"/>
+          <p:cNvPr id="5" name="Picture 4"/>
           <p:cNvPicPr>
             <a:picLocks noChangeAspect="1"/>
           </p:cNvPicPr>
@@ -11143,8 +11148,8 @@
         </p:blipFill>
         <p:spPr>
           <a:xfrm>
-            <a:off x="6323464" y="150125"/>
-            <a:ext cx="5701130" cy="6421272"/>
+            <a:off x="6409896" y="3803929"/>
+            <a:ext cx="2297375" cy="733884"/>
           </a:xfrm>
           <a:prstGeom prst="rect">
             <a:avLst/>
@@ -11154,7 +11159,7 @@
     </p:spTree>
     <p:extLst>
       <p:ext uri="{BB962C8B-B14F-4D97-AF65-F5344CB8AC3E}">
-        <p14:creationId xmlns:p14="http://schemas.microsoft.com/office/powerpoint/2010/main" val="574786461"/>
+        <p14:creationId xmlns:p14="http://schemas.microsoft.com/office/powerpoint/2010/main" val="469453324"/>
       </p:ext>
     </p:extLst>
   </p:cSld>
@@ -11295,56 +11300,13 @@
               <a:rPr lang="en-US" dirty="0" smtClean="0"/>
               <a:t>A satellite object also has a semi-major axis and an eccentricity. </a:t>
             </a:r>
-          </a:p>
-          <a:p>
-            <a:pPr marL="0" marR="0" lvl="0" indent="0" defTabSz="914400" eaLnBrk="1" fontAlgn="auto" latinLnBrk="0" hangingPunct="1">
-              <a:lnSpc>
-                <a:spcPct val="100000"/>
-              </a:lnSpc>
-              <a:spcBef>
-                <a:spcPts val="0"/>
-              </a:spcBef>
-              <a:spcAft>
-                <a:spcPts val="0"/>
-              </a:spcAft>
-              <a:buClrTx/>
-              <a:buSzTx/>
-              <a:buFontTx/>
-              <a:buNone/>
-              <a:tabLst/>
-              <a:defRPr/>
-            </a:pPr>
-            <a:endParaRPr lang="en-US" dirty="0"/>
-          </a:p>
-          <a:p>
-            <a:pPr marL="0" marR="0" lvl="0" indent="0" defTabSz="914400" eaLnBrk="1" fontAlgn="auto" latinLnBrk="0" hangingPunct="1">
-              <a:lnSpc>
-                <a:spcPct val="100000"/>
-              </a:lnSpc>
-              <a:spcBef>
-                <a:spcPts val="0"/>
-              </a:spcBef>
-              <a:spcAft>
-                <a:spcPts val="0"/>
-              </a:spcAft>
-              <a:buClrTx/>
-              <a:buSzTx/>
-              <a:buFontTx/>
-              <a:buNone/>
-              <a:tabLst/>
-              <a:defRPr/>
-            </a:pPr>
-            <a:r>
-              <a:rPr lang="en-US" dirty="0" smtClean="0"/>
-              <a:t>Planets, moons, asteroids, and comets don’t need any data beyond that. </a:t>
-            </a:r>
             <a:endParaRPr lang="en-US" dirty="0"/>
           </a:p>
         </p:txBody>
       </p:sp>
       <p:pic>
         <p:nvPicPr>
-          <p:cNvPr id="5" name="Picture 4"/>
+          <p:cNvPr id="4" name="Picture 3"/>
           <p:cNvPicPr>
             <a:picLocks noChangeAspect="1"/>
           </p:cNvPicPr>
@@ -11364,8 +11326,8 @@
         </p:blipFill>
         <p:spPr>
           <a:xfrm>
-            <a:off x="7186684" y="2708701"/>
-            <a:ext cx="2895600" cy="2641600"/>
+            <a:off x="6323464" y="150125"/>
+            <a:ext cx="5701130" cy="6421272"/>
           </a:xfrm>
           <a:prstGeom prst="rect">
             <a:avLst/>
@@ -11375,7 +11337,7 @@
     </p:spTree>
     <p:extLst>
       <p:ext uri="{BB962C8B-B14F-4D97-AF65-F5344CB8AC3E}">
-        <p14:creationId xmlns:p14="http://schemas.microsoft.com/office/powerpoint/2010/main" val="739908823"/>
+        <p14:creationId xmlns:p14="http://schemas.microsoft.com/office/powerpoint/2010/main" val="574786461"/>
       </p:ext>
     </p:extLst>
   </p:cSld>
@@ -11662,8 +11624,8 @@
         </p:nvSpPr>
         <p:spPr>
           <a:xfrm>
-            <a:off x="680322" y="2336873"/>
-            <a:ext cx="5065386" cy="3599316"/>
+            <a:off x="680321" y="2336873"/>
+            <a:ext cx="5229160" cy="3599316"/>
           </a:xfrm>
         </p:spPr>
         <p:txBody>
@@ -11689,15 +11651,7 @@
             </a:pPr>
             <a:r>
               <a:rPr lang="en-US" dirty="0" smtClean="0"/>
-              <a:t>Next: A planetary system composed of a planet object and moons. This requires no new syntax </a:t>
-            </a:r>
-            <a:r>
-              <a:rPr lang="mr-IN" dirty="0" smtClean="0"/>
-              <a:t>–</a:t>
-            </a:r>
-            <a:r>
-              <a:rPr lang="en-US" dirty="0" smtClean="0"/>
-              <a:t> these can be properties of a new class. </a:t>
+              <a:t>First pieces: the inheritance structure of the solar system bodies. All solar system bodies have a name and a mass. </a:t>
             </a:r>
           </a:p>
           <a:p>
@@ -11718,7 +11672,7 @@
               <a:tabLst/>
               <a:defRPr/>
             </a:pPr>
-            <a:endParaRPr lang="en-US" dirty="0" smtClean="0"/>
+            <a:endParaRPr lang="en-US" dirty="0"/>
           </a:p>
           <a:p>
             <a:pPr marL="0" marR="0" lvl="0" indent="0" defTabSz="914400" eaLnBrk="1" fontAlgn="auto" latinLnBrk="0" hangingPunct="1">
@@ -11738,7 +11692,10 @@
               <a:tabLst/>
               <a:defRPr/>
             </a:pPr>
-            <a:endParaRPr lang="en-US" dirty="0"/>
+            <a:r>
+              <a:rPr lang="en-US" dirty="0" smtClean="0"/>
+              <a:t>A satellite object also has a semi-major axis and an eccentricity. </a:t>
+            </a:r>
           </a:p>
           <a:p>
             <a:pPr marL="0" marR="0" lvl="0" indent="0" defTabSz="914400" eaLnBrk="1" fontAlgn="auto" latinLnBrk="0" hangingPunct="1">
@@ -11758,9 +11715,29 @@
               <a:tabLst/>
               <a:defRPr/>
             </a:pPr>
+            <a:endParaRPr lang="en-US" dirty="0"/>
+          </a:p>
+          <a:p>
+            <a:pPr marL="0" marR="0" lvl="0" indent="0" defTabSz="914400" eaLnBrk="1" fontAlgn="auto" latinLnBrk="0" hangingPunct="1">
+              <a:lnSpc>
+                <a:spcPct val="100000"/>
+              </a:lnSpc>
+              <a:spcBef>
+                <a:spcPts val="0"/>
+              </a:spcBef>
+              <a:spcAft>
+                <a:spcPts val="0"/>
+              </a:spcAft>
+              <a:buClrTx/>
+              <a:buSzTx/>
+              <a:buFontTx/>
+              <a:buNone/>
+              <a:tabLst/>
+              <a:defRPr/>
+            </a:pPr>
             <a:r>
               <a:rPr lang="en-US" dirty="0" smtClean="0"/>
-              <a:t>Here the planet attribute is just the planet object, and the moons is a list of moon objects. </a:t>
+              <a:t>Planets, moons, asteroids, and comets don’t need any data beyond that. </a:t>
             </a:r>
             <a:endParaRPr lang="en-US" dirty="0"/>
           </a:p>
@@ -11768,14 +11745,14 @@
       </p:sp>
       <p:pic>
         <p:nvPicPr>
-          <p:cNvPr id="6" name="Picture 5"/>
+          <p:cNvPr id="5" name="Picture 4"/>
           <p:cNvPicPr>
             <a:picLocks noChangeAspect="1"/>
           </p:cNvPicPr>
           <p:nvPr/>
         </p:nvPicPr>
         <p:blipFill>
-          <a:blip r:embed="rId2">
+          <a:blip r:embed="rId3">
             <a:extLst>
               <a:ext uri="{28A0092B-C50C-407E-A947-70E740481C1C}">
                 <a14:useLocalDpi xmlns:a14="http://schemas.microsoft.com/office/drawing/2010/main" val="0"/>
@@ -11788,8 +11765,8 @@
         </p:blipFill>
         <p:spPr>
           <a:xfrm>
-            <a:off x="6293250" y="616748"/>
-            <a:ext cx="5898750" cy="6104772"/>
+            <a:off x="7186684" y="2708701"/>
+            <a:ext cx="2895600" cy="2641600"/>
           </a:xfrm>
           <a:prstGeom prst="rect">
             <a:avLst/>
@@ -11799,7 +11776,7 @@
     </p:spTree>
     <p:extLst>
       <p:ext uri="{BB962C8B-B14F-4D97-AF65-F5344CB8AC3E}">
-        <p14:creationId xmlns:p14="http://schemas.microsoft.com/office/powerpoint/2010/main" val="365487806"/>
+        <p14:creationId xmlns:p14="http://schemas.microsoft.com/office/powerpoint/2010/main" val="739908823"/>
       </p:ext>
     </p:extLst>
   </p:cSld>
@@ -11869,7 +11846,7 @@
         <p:spPr>
           <a:xfrm>
             <a:off x="680322" y="2336873"/>
-            <a:ext cx="4328406" cy="3599316"/>
+            <a:ext cx="5065386" cy="3599316"/>
           </a:xfrm>
         </p:spPr>
         <p:txBody>
@@ -11895,7 +11872,15 @@
             </a:pPr>
             <a:r>
               <a:rPr lang="en-US" dirty="0" smtClean="0"/>
-              <a:t>Next: A solar system object composed of a star, planetary system objects, asteroids, and comets. </a:t>
+              <a:t>Next: A planetary system composed of a planet object and moons. This requires no new syntax </a:t>
+            </a:r>
+            <a:r>
+              <a:rPr lang="mr-IN" dirty="0" smtClean="0"/>
+              <a:t>–</a:t>
+            </a:r>
+            <a:r>
+              <a:rPr lang="en-US" dirty="0" smtClean="0"/>
+              <a:t> these can be properties of a new class. </a:t>
             </a:r>
           </a:p>
           <a:p>
@@ -11916,7 +11901,7 @@
               <a:tabLst/>
               <a:defRPr/>
             </a:pPr>
-            <a:endParaRPr lang="en-US" dirty="0"/>
+            <a:endParaRPr lang="en-US" dirty="0" smtClean="0"/>
           </a:p>
           <a:p>
             <a:pPr marL="0" marR="0" lvl="0" indent="0" defTabSz="914400" eaLnBrk="1" fontAlgn="auto" latinLnBrk="0" hangingPunct="1">
@@ -11936,25 +11921,29 @@
               <a:tabLst/>
               <a:defRPr/>
             </a:pPr>
+            <a:endParaRPr lang="en-US" dirty="0"/>
+          </a:p>
+          <a:p>
+            <a:pPr marL="0" marR="0" lvl="0" indent="0" defTabSz="914400" eaLnBrk="1" fontAlgn="auto" latinLnBrk="0" hangingPunct="1">
+              <a:lnSpc>
+                <a:spcPct val="100000"/>
+              </a:lnSpc>
+              <a:spcBef>
+                <a:spcPts val="0"/>
+              </a:spcBef>
+              <a:spcAft>
+                <a:spcPts val="0"/>
+              </a:spcAft>
+              <a:buClrTx/>
+              <a:buSzTx/>
+              <a:buFontTx/>
+              <a:buNone/>
+              <a:tabLst/>
+              <a:defRPr/>
+            </a:pPr>
             <a:r>
               <a:rPr lang="en-US" dirty="0" smtClean="0"/>
-              <a:t>Note: the </a:t>
-            </a:r>
-            <a:r>
-              <a:rPr lang="en-US" i="1" dirty="0" smtClean="0"/>
-              <a:t>__</a:t>
-            </a:r>
-            <a:r>
-              <a:rPr lang="en-US" i="1" dirty="0" err="1" smtClean="0"/>
-              <a:t>init</a:t>
-            </a:r>
-            <a:r>
-              <a:rPr lang="en-US" i="1" dirty="0" smtClean="0"/>
-              <a:t>__ </a:t>
-            </a:r>
-            <a:r>
-              <a:rPr lang="en-US" dirty="0" smtClean="0"/>
-              <a:t>function is calling setter functions not pictured here. </a:t>
+              <a:t>Here the planet attribute is just the planet object, and the moons is a list of moon objects. </a:t>
             </a:r>
             <a:endParaRPr lang="en-US" dirty="0"/>
           </a:p>
@@ -11962,7 +11951,7 @@
       </p:sp>
       <p:pic>
         <p:nvPicPr>
-          <p:cNvPr id="4" name="Picture 3"/>
+          <p:cNvPr id="6" name="Picture 5"/>
           <p:cNvPicPr>
             <a:picLocks noChangeAspect="1"/>
           </p:cNvPicPr>
@@ -11982,8 +11971,8 @@
         </p:blipFill>
         <p:spPr>
           <a:xfrm>
-            <a:off x="5169848" y="2336873"/>
-            <a:ext cx="6751163" cy="3859473"/>
+            <a:off x="6293250" y="616748"/>
+            <a:ext cx="5898750" cy="6104772"/>
           </a:xfrm>
           <a:prstGeom prst="rect">
             <a:avLst/>
@@ -11993,7 +11982,7 @@
     </p:spTree>
     <p:extLst>
       <p:ext uri="{BB962C8B-B14F-4D97-AF65-F5344CB8AC3E}">
-        <p14:creationId xmlns:p14="http://schemas.microsoft.com/office/powerpoint/2010/main" val="1624147783"/>
+        <p14:creationId xmlns:p14="http://schemas.microsoft.com/office/powerpoint/2010/main" val="365487806"/>
       </p:ext>
     </p:extLst>
   </p:cSld>
@@ -12132,70 +12121,31 @@
             </a:pPr>
             <a:r>
               <a:rPr lang="en-US" dirty="0" smtClean="0"/>
-              <a:t>The </a:t>
+              <a:t>Note: the </a:t>
             </a:r>
             <a:r>
               <a:rPr lang="en-US" i="1" dirty="0" smtClean="0"/>
-              <a:t>planets</a:t>
+              <a:t>__</a:t>
+            </a:r>
+            <a:r>
+              <a:rPr lang="en-US" i="1" dirty="0" err="1" smtClean="0"/>
+              <a:t>init</a:t>
+            </a:r>
+            <a:r>
+              <a:rPr lang="en-US" i="1" dirty="0" smtClean="0"/>
+              <a:t>__ </a:t>
             </a:r>
             <a:r>
               <a:rPr lang="en-US" dirty="0" smtClean="0"/>
-              <a:t> attribute is a list of </a:t>
-            </a:r>
-            <a:r>
-              <a:rPr lang="en-US" i="1" dirty="0" err="1" smtClean="0"/>
-              <a:t>planetary_system</a:t>
-            </a:r>
-            <a:r>
-              <a:rPr lang="en-US" dirty="0" smtClean="0"/>
-              <a:t> objects. The </a:t>
-            </a:r>
-            <a:r>
-              <a:rPr lang="en-US" i="1" dirty="0" smtClean="0"/>
-              <a:t>asteroids</a:t>
-            </a:r>
-            <a:r>
-              <a:rPr lang="en-US" dirty="0"/>
-              <a:t> </a:t>
-            </a:r>
-            <a:r>
-              <a:rPr lang="en-US" dirty="0" smtClean="0"/>
-              <a:t>and </a:t>
-            </a:r>
-            <a:r>
-              <a:rPr lang="en-US" i="1" dirty="0" smtClean="0"/>
-              <a:t>comets</a:t>
-            </a:r>
-            <a:r>
-              <a:rPr lang="en-US" dirty="0" smtClean="0"/>
-              <a:t> properties proceed similarly. </a:t>
-            </a:r>
-          </a:p>
-          <a:p>
-            <a:pPr marL="0" marR="0" lvl="0" indent="0" defTabSz="914400" eaLnBrk="1" fontAlgn="auto" latinLnBrk="0" hangingPunct="1">
-              <a:lnSpc>
-                <a:spcPct val="100000"/>
-              </a:lnSpc>
-              <a:spcBef>
-                <a:spcPts val="0"/>
-              </a:spcBef>
-              <a:spcAft>
-                <a:spcPts val="0"/>
-              </a:spcAft>
-              <a:buClrTx/>
-              <a:buSzTx/>
-              <a:buFontTx/>
-              <a:buNone/>
-              <a:tabLst/>
-              <a:defRPr/>
-            </a:pPr>
+              <a:t>function is calling setter functions not pictured here. </a:t>
+            </a:r>
             <a:endParaRPr lang="en-US" dirty="0"/>
           </a:p>
         </p:txBody>
       </p:sp>
       <p:pic>
         <p:nvPicPr>
-          <p:cNvPr id="5" name="Picture 4"/>
+          <p:cNvPr id="4" name="Picture 3"/>
           <p:cNvPicPr>
             <a:picLocks noChangeAspect="1"/>
           </p:cNvPicPr>
@@ -12215,8 +12165,8 @@
         </p:blipFill>
         <p:spPr>
           <a:xfrm>
-            <a:off x="5194300" y="2601451"/>
-            <a:ext cx="6751997" cy="3070159"/>
+            <a:off x="5169848" y="2336873"/>
+            <a:ext cx="6751163" cy="3859473"/>
           </a:xfrm>
           <a:prstGeom prst="rect">
             <a:avLst/>
@@ -12226,7 +12176,7 @@
     </p:spTree>
     <p:extLst>
       <p:ext uri="{BB962C8B-B14F-4D97-AF65-F5344CB8AC3E}">
-        <p14:creationId xmlns:p14="http://schemas.microsoft.com/office/powerpoint/2010/main" val="746160780"/>
+        <p14:creationId xmlns:p14="http://schemas.microsoft.com/office/powerpoint/2010/main" val="1624147783"/>
       </p:ext>
     </p:extLst>
   </p:cSld>
@@ -12322,6 +12272,239 @@
             </a:pPr>
             <a:r>
               <a:rPr lang="en-US" dirty="0" smtClean="0"/>
+              <a:t>Next: A solar system object composed of a star, planetary system objects, asteroids, and comets. </a:t>
+            </a:r>
+          </a:p>
+          <a:p>
+            <a:pPr marL="0" marR="0" lvl="0" indent="0" defTabSz="914400" eaLnBrk="1" fontAlgn="auto" latinLnBrk="0" hangingPunct="1">
+              <a:lnSpc>
+                <a:spcPct val="100000"/>
+              </a:lnSpc>
+              <a:spcBef>
+                <a:spcPts val="0"/>
+              </a:spcBef>
+              <a:spcAft>
+                <a:spcPts val="0"/>
+              </a:spcAft>
+              <a:buClrTx/>
+              <a:buSzTx/>
+              <a:buFontTx/>
+              <a:buNone/>
+              <a:tabLst/>
+              <a:defRPr/>
+            </a:pPr>
+            <a:endParaRPr lang="en-US" dirty="0"/>
+          </a:p>
+          <a:p>
+            <a:pPr marL="0" marR="0" lvl="0" indent="0" defTabSz="914400" eaLnBrk="1" fontAlgn="auto" latinLnBrk="0" hangingPunct="1">
+              <a:lnSpc>
+                <a:spcPct val="100000"/>
+              </a:lnSpc>
+              <a:spcBef>
+                <a:spcPts val="0"/>
+              </a:spcBef>
+              <a:spcAft>
+                <a:spcPts val="0"/>
+              </a:spcAft>
+              <a:buClrTx/>
+              <a:buSzTx/>
+              <a:buFontTx/>
+              <a:buNone/>
+              <a:tabLst/>
+              <a:defRPr/>
+            </a:pPr>
+            <a:r>
+              <a:rPr lang="en-US" dirty="0" smtClean="0"/>
+              <a:t>The </a:t>
+            </a:r>
+            <a:r>
+              <a:rPr lang="en-US" i="1" dirty="0" smtClean="0"/>
+              <a:t>planets</a:t>
+            </a:r>
+            <a:r>
+              <a:rPr lang="en-US" dirty="0" smtClean="0"/>
+              <a:t> attribute is a list of </a:t>
+            </a:r>
+            <a:r>
+              <a:rPr lang="en-US" i="1" dirty="0" err="1" smtClean="0"/>
+              <a:t>planetary_system</a:t>
+            </a:r>
+            <a:r>
+              <a:rPr lang="en-US" dirty="0" smtClean="0"/>
+              <a:t> objects. The </a:t>
+            </a:r>
+            <a:r>
+              <a:rPr lang="en-US" i="1" dirty="0" smtClean="0"/>
+              <a:t>asteroids</a:t>
+            </a:r>
+            <a:r>
+              <a:rPr lang="en-US" dirty="0"/>
+              <a:t> </a:t>
+            </a:r>
+            <a:r>
+              <a:rPr lang="en-US" dirty="0" smtClean="0"/>
+              <a:t>and </a:t>
+            </a:r>
+            <a:r>
+              <a:rPr lang="en-US" i="1" dirty="0" smtClean="0"/>
+              <a:t>comets</a:t>
+            </a:r>
+            <a:r>
+              <a:rPr lang="en-US" dirty="0" smtClean="0"/>
+              <a:t> properties proceed similarly. </a:t>
+            </a:r>
+          </a:p>
+          <a:p>
+            <a:pPr marL="0" marR="0" lvl="0" indent="0" defTabSz="914400" eaLnBrk="1" fontAlgn="auto" latinLnBrk="0" hangingPunct="1">
+              <a:lnSpc>
+                <a:spcPct val="100000"/>
+              </a:lnSpc>
+              <a:spcBef>
+                <a:spcPts val="0"/>
+              </a:spcBef>
+              <a:spcAft>
+                <a:spcPts val="0"/>
+              </a:spcAft>
+              <a:buClrTx/>
+              <a:buSzTx/>
+              <a:buFontTx/>
+              <a:buNone/>
+              <a:tabLst/>
+              <a:defRPr/>
+            </a:pPr>
+            <a:endParaRPr lang="en-US" dirty="0"/>
+          </a:p>
+        </p:txBody>
+      </p:sp>
+      <p:pic>
+        <p:nvPicPr>
+          <p:cNvPr id="5" name="Picture 4"/>
+          <p:cNvPicPr>
+            <a:picLocks noChangeAspect="1"/>
+          </p:cNvPicPr>
+          <p:nvPr/>
+        </p:nvPicPr>
+        <p:blipFill>
+          <a:blip r:embed="rId2">
+            <a:extLst>
+              <a:ext uri="{28A0092B-C50C-407E-A947-70E740481C1C}">
+                <a14:useLocalDpi xmlns:a14="http://schemas.microsoft.com/office/drawing/2010/main" val="0"/>
+              </a:ext>
+            </a:extLst>
+          </a:blip>
+          <a:stretch>
+            <a:fillRect/>
+          </a:stretch>
+        </p:blipFill>
+        <p:spPr>
+          <a:xfrm>
+            <a:off x="5194300" y="2601451"/>
+            <a:ext cx="6751997" cy="3070159"/>
+          </a:xfrm>
+          <a:prstGeom prst="rect">
+            <a:avLst/>
+          </a:prstGeom>
+        </p:spPr>
+      </p:pic>
+    </p:spTree>
+    <p:extLst>
+      <p:ext uri="{BB962C8B-B14F-4D97-AF65-F5344CB8AC3E}">
+        <p14:creationId xmlns:p14="http://schemas.microsoft.com/office/powerpoint/2010/main" val="746160780"/>
+      </p:ext>
+    </p:extLst>
+  </p:cSld>
+  <p:clrMapOvr>
+    <a:masterClrMapping/>
+  </p:clrMapOvr>
+  <p:timing>
+    <p:tnLst>
+      <p:par>
+        <p:cTn id="1" dur="indefinite" restart="never" nodeType="tmRoot"/>
+      </p:par>
+    </p:tnLst>
+  </p:timing>
+</p:sld>
+</file>
+
+<file path=ppt/slides/slide24.xml><?xml version="1.0" encoding="utf-8"?>
+<p:sld xmlns:a="http://schemas.openxmlformats.org/drawingml/2006/main" xmlns:r="http://schemas.openxmlformats.org/officeDocument/2006/relationships" xmlns:p="http://schemas.openxmlformats.org/presentationml/2006/main">
+  <p:cSld>
+    <p:spTree>
+      <p:nvGrpSpPr>
+        <p:cNvPr id="1" name=""/>
+        <p:cNvGrpSpPr/>
+        <p:nvPr/>
+      </p:nvGrpSpPr>
+      <p:grpSpPr>
+        <a:xfrm>
+          <a:off x="0" y="0"/>
+          <a:ext cx="0" cy="0"/>
+          <a:chOff x="0" y="0"/>
+          <a:chExt cx="0" cy="0"/>
+        </a:xfrm>
+      </p:grpSpPr>
+      <p:sp>
+        <p:nvSpPr>
+          <p:cNvPr id="2" name="Title 1"/>
+          <p:cNvSpPr>
+            <a:spLocks noGrp="1"/>
+          </p:cNvSpPr>
+          <p:nvPr>
+            <p:ph type="title"/>
+          </p:nvPr>
+        </p:nvSpPr>
+        <p:spPr/>
+        <p:txBody>
+          <a:bodyPr/>
+          <a:lstStyle/>
+          <a:p>
+            <a:r>
+              <a:rPr lang="en-US" dirty="0" smtClean="0"/>
+              <a:t>Composition: A Solar System </a:t>
+            </a:r>
+            <a:endParaRPr lang="en-US" dirty="0"/>
+          </a:p>
+        </p:txBody>
+      </p:sp>
+      <p:sp>
+        <p:nvSpPr>
+          <p:cNvPr id="3" name="Content Placeholder 2"/>
+          <p:cNvSpPr>
+            <a:spLocks noGrp="1"/>
+          </p:cNvSpPr>
+          <p:nvPr>
+            <p:ph idx="1"/>
+          </p:nvPr>
+        </p:nvSpPr>
+        <p:spPr>
+          <a:xfrm>
+            <a:off x="680322" y="2336873"/>
+            <a:ext cx="4328406" cy="3599316"/>
+          </a:xfrm>
+        </p:spPr>
+        <p:txBody>
+          <a:bodyPr/>
+          <a:lstStyle/>
+          <a:p>
+            <a:pPr marL="0" marR="0" lvl="0" indent="0" defTabSz="914400" eaLnBrk="1" fontAlgn="auto" latinLnBrk="0" hangingPunct="1">
+              <a:lnSpc>
+                <a:spcPct val="100000"/>
+              </a:lnSpc>
+              <a:spcBef>
+                <a:spcPts val="0"/>
+              </a:spcBef>
+              <a:spcAft>
+                <a:spcPts val="0"/>
+              </a:spcAft>
+              <a:buClrTx/>
+              <a:buSzTx/>
+              <a:buFontTx/>
+              <a:buNone/>
+              <a:tabLst/>
+              <a:defRPr/>
+            </a:pPr>
+            <a:r>
+              <a:rPr lang="en-US" dirty="0" smtClean="0"/>
               <a:t>The </a:t>
             </a:r>
             <a:r>
@@ -12423,7 +12606,7 @@
 </p:sld>
 </file>
 
-<file path=ppt/slides/slide24.xml><?xml version="1.0" encoding="utf-8"?>
+<file path=ppt/slides/slide25.xml><?xml version="1.0" encoding="utf-8"?>
 <p:sld xmlns:a="http://schemas.openxmlformats.org/drawingml/2006/main" xmlns:r="http://schemas.openxmlformats.org/officeDocument/2006/relationships" xmlns:p="http://schemas.openxmlformats.org/presentationml/2006/main">
   <p:cSld>
     <p:spTree>
@@ -13702,8 +13885,13 @@
             </a:r>
             <a:r>
               <a:rPr lang="en-US" dirty="0" smtClean="0"/>
-              <a:t> storing the data any person would have, like their name, height, age, gender, etc. </a:t>
-            </a:r>
+              <a:t> storing the data any person would </a:t>
+            </a:r>
+            <a:r>
+              <a:rPr lang="en-US" dirty="0" smtClean="0"/>
+              <a:t>have (e.g. their name). </a:t>
+            </a:r>
+            <a:endParaRPr lang="en-US" dirty="0" smtClean="0"/>
           </a:p>
           <a:p>
             <a:pPr marL="0" indent="0">

--- a/slides/inheritance_composition.pptx
+++ b/slides/inheritance_composition.pptx
@@ -13885,13 +13885,8 @@
             </a:r>
             <a:r>
               <a:rPr lang="en-US" dirty="0" smtClean="0"/>
-              <a:t> storing the data any person would </a:t>
-            </a:r>
-            <a:r>
-              <a:rPr lang="en-US" dirty="0" smtClean="0"/>
-              <a:t>have (e.g. their name). </a:t>
-            </a:r>
-            <a:endParaRPr lang="en-US" dirty="0" smtClean="0"/>
+              <a:t> storing the data any person would have (e.g. their name). </a:t>
+            </a:r>
           </a:p>
           <a:p>
             <a:pPr marL="0" indent="0">

--- a/slides/inheritance_composition.pptx
+++ b/slides/inheritance_composition.pptx
@@ -221,7 +221,7 @@
           <a:p>
             <a:fld id="{C24E9693-3B1A-6144-852A-5B7733F5E2A6}" type="datetimeFigureOut">
               <a:rPr lang="en-US" smtClean="0"/>
-              <a:t>5/20/20</a:t>
+              <a:t>4/30/21</a:t>
             </a:fld>
             <a:endParaRPr lang="en-US"/>
           </a:p>
@@ -535,19 +535,43 @@
           <a:p>
             <a:r>
               <a:rPr lang="en-US" dirty="0" smtClean="0"/>
-              <a:t>In case anyone hadn’t seen</a:t>
+              <a:t>Say verbally</a:t>
             </a:r>
             <a:r>
               <a:rPr lang="en-US" baseline="0" dirty="0" smtClean="0"/>
-              <a:t> it up to this point, </a:t>
-            </a:r>
-            <a:r>
-              <a:rPr lang="en-US" i="1" baseline="0" dirty="0" smtClean="0"/>
-              <a:t>pass</a:t>
-            </a:r>
-            <a:r>
-              <a:rPr lang="en-US" i="0" baseline="0" dirty="0" smtClean="0"/>
-              <a:t> is a python keyword that just means “do nothing” </a:t>
+              <a:t> that you can do this simply because even the __</a:t>
+            </a:r>
+            <a:r>
+              <a:rPr lang="en-US" baseline="0" dirty="0" err="1" smtClean="0"/>
+              <a:t>init</a:t>
+            </a:r>
+            <a:r>
+              <a:rPr lang="en-US" baseline="0" dirty="0" smtClean="0"/>
+              <a:t>__ function can be inherited. If you’re just going to “</a:t>
+            </a:r>
+            <a:r>
+              <a:rPr lang="en-US" baseline="0" dirty="0" err="1" smtClean="0"/>
+              <a:t>def</a:t>
+            </a:r>
+            <a:r>
+              <a:rPr lang="en-US" baseline="0" dirty="0" smtClean="0"/>
+              <a:t> __</a:t>
+            </a:r>
+            <a:r>
+              <a:rPr lang="en-US" baseline="0" dirty="0" err="1" smtClean="0"/>
+              <a:t>init</a:t>
+            </a:r>
+            <a:r>
+              <a:rPr lang="en-US" baseline="0" dirty="0" smtClean="0"/>
+              <a:t>__(self): super().__</a:t>
+            </a:r>
+            <a:r>
+              <a:rPr lang="en-US" baseline="0" dirty="0" err="1" smtClean="0"/>
+              <a:t>init</a:t>
+            </a:r>
+            <a:r>
+              <a:rPr lang="en-US" baseline="0" dirty="0" smtClean="0"/>
+              <a:t>__()” then you don’t even need to write that. </a:t>
             </a:r>
             <a:endParaRPr lang="en-US" dirty="0"/>
           </a:p>
@@ -570,7 +594,7 @@
           <a:p>
             <a:fld id="{BDAAE321-3917-0140-B87E-FBAD3B4B5EF6}" type="slidenum">
               <a:rPr lang="en-US" smtClean="0"/>
-              <a:t>18</a:t>
+              <a:t>13</a:t>
             </a:fld>
             <a:endParaRPr lang="en-US"/>
           </a:p>
@@ -579,7 +603,7 @@
     </p:spTree>
     <p:extLst>
       <p:ext uri="{BB962C8B-B14F-4D97-AF65-F5344CB8AC3E}">
-        <p14:creationId xmlns:p14="http://schemas.microsoft.com/office/powerpoint/2010/main" val="1309425973"/>
+        <p14:creationId xmlns:p14="http://schemas.microsoft.com/office/powerpoint/2010/main" val="502024618"/>
       </p:ext>
     </p:extLst>
   </p:cSld>
@@ -670,7 +694,7 @@
           <a:p>
             <a:fld id="{BDAAE321-3917-0140-B87E-FBAD3B4B5EF6}" type="slidenum">
               <a:rPr lang="en-US" smtClean="0"/>
-              <a:t>19</a:t>
+              <a:t>18</a:t>
             </a:fld>
             <a:endParaRPr lang="en-US"/>
           </a:p>
@@ -679,7 +703,7 @@
     </p:spTree>
     <p:extLst>
       <p:ext uri="{BB962C8B-B14F-4D97-AF65-F5344CB8AC3E}">
-        <p14:creationId xmlns:p14="http://schemas.microsoft.com/office/powerpoint/2010/main" val="1054605821"/>
+        <p14:creationId xmlns:p14="http://schemas.microsoft.com/office/powerpoint/2010/main" val="1309425973"/>
       </p:ext>
     </p:extLst>
   </p:cSld>
@@ -770,6 +794,106 @@
           <a:p>
             <a:fld id="{BDAAE321-3917-0140-B87E-FBAD3B4B5EF6}" type="slidenum">
               <a:rPr lang="en-US" smtClean="0"/>
+              <a:t>19</a:t>
+            </a:fld>
+            <a:endParaRPr lang="en-US"/>
+          </a:p>
+        </p:txBody>
+      </p:sp>
+    </p:spTree>
+    <p:extLst>
+      <p:ext uri="{BB962C8B-B14F-4D97-AF65-F5344CB8AC3E}">
+        <p14:creationId xmlns:p14="http://schemas.microsoft.com/office/powerpoint/2010/main" val="1054605821"/>
+      </p:ext>
+    </p:extLst>
+  </p:cSld>
+  <p:clrMapOvr>
+    <a:masterClrMapping/>
+  </p:clrMapOvr>
+</p:notes>
+</file>
+
+<file path=ppt/notesSlides/notesSlide4.xml><?xml version="1.0" encoding="utf-8"?>
+<p:notes xmlns:a="http://schemas.openxmlformats.org/drawingml/2006/main" xmlns:r="http://schemas.openxmlformats.org/officeDocument/2006/relationships" xmlns:p="http://schemas.openxmlformats.org/presentationml/2006/main">
+  <p:cSld>
+    <p:spTree>
+      <p:nvGrpSpPr>
+        <p:cNvPr id="1" name=""/>
+        <p:cNvGrpSpPr/>
+        <p:nvPr/>
+      </p:nvGrpSpPr>
+      <p:grpSpPr>
+        <a:xfrm>
+          <a:off x="0" y="0"/>
+          <a:ext cx="0" cy="0"/>
+          <a:chOff x="0" y="0"/>
+          <a:chExt cx="0" cy="0"/>
+        </a:xfrm>
+      </p:grpSpPr>
+      <p:sp>
+        <p:nvSpPr>
+          <p:cNvPr id="2" name="Slide Image Placeholder 1"/>
+          <p:cNvSpPr>
+            <a:spLocks noGrp="1" noRot="1" noChangeAspect="1"/>
+          </p:cNvSpPr>
+          <p:nvPr>
+            <p:ph type="sldImg"/>
+          </p:nvPr>
+        </p:nvSpPr>
+        <p:spPr/>
+      </p:sp>
+      <p:sp>
+        <p:nvSpPr>
+          <p:cNvPr id="3" name="Notes Placeholder 2"/>
+          <p:cNvSpPr>
+            <a:spLocks noGrp="1"/>
+          </p:cNvSpPr>
+          <p:nvPr>
+            <p:ph type="body" idx="1"/>
+          </p:nvPr>
+        </p:nvSpPr>
+        <p:spPr/>
+        <p:txBody>
+          <a:bodyPr/>
+          <a:lstStyle/>
+          <a:p>
+            <a:r>
+              <a:rPr lang="en-US" dirty="0" smtClean="0"/>
+              <a:t>In case anyone hadn’t seen</a:t>
+            </a:r>
+            <a:r>
+              <a:rPr lang="en-US" baseline="0" dirty="0" smtClean="0"/>
+              <a:t> it up to this point, </a:t>
+            </a:r>
+            <a:r>
+              <a:rPr lang="en-US" i="1" baseline="0" dirty="0" smtClean="0"/>
+              <a:t>pass</a:t>
+            </a:r>
+            <a:r>
+              <a:rPr lang="en-US" i="0" baseline="0" dirty="0" smtClean="0"/>
+              <a:t> is a python keyword that just means “do nothing” </a:t>
+            </a:r>
+            <a:endParaRPr lang="en-US" dirty="0"/>
+          </a:p>
+        </p:txBody>
+      </p:sp>
+      <p:sp>
+        <p:nvSpPr>
+          <p:cNvPr id="4" name="Slide Number Placeholder 3"/>
+          <p:cNvSpPr>
+            <a:spLocks noGrp="1"/>
+          </p:cNvSpPr>
+          <p:nvPr>
+            <p:ph type="sldNum" sz="quarter" idx="10"/>
+          </p:nvPr>
+        </p:nvSpPr>
+        <p:spPr/>
+        <p:txBody>
+          <a:bodyPr/>
+          <a:lstStyle/>
+          <a:p>
+            <a:fld id="{BDAAE321-3917-0140-B87E-FBAD3B4B5EF6}" type="slidenum">
+              <a:rPr lang="en-US" smtClean="0"/>
               <a:t>20</a:t>
             </a:fld>
             <a:endParaRPr lang="en-US"/>
@@ -789,7 +913,7 @@
 </p:notes>
 </file>
 
-<file path=ppt/notesSlides/notesSlide4.xml><?xml version="1.0" encoding="utf-8"?>
+<file path=ppt/notesSlides/notesSlide5.xml><?xml version="1.0" encoding="utf-8"?>
 <p:notes xmlns:a="http://schemas.openxmlformats.org/drawingml/2006/main" xmlns:r="http://schemas.openxmlformats.org/officeDocument/2006/relationships" xmlns:p="http://schemas.openxmlformats.org/presentationml/2006/main">
   <p:cSld>
     <p:spTree>
@@ -1159,7 +1283,7 @@
           <a:p>
             <a:fld id="{51673806-0BCD-1F42-BAA8-2011034B3C6A}" type="datetimeFigureOut">
               <a:rPr lang="en-US" smtClean="0"/>
-              <a:t>5/20/20</a:t>
+              <a:t>4/30/21</a:t>
             </a:fld>
             <a:endParaRPr lang="en-US"/>
           </a:p>
@@ -1580,7 +1704,7 @@
           <a:p>
             <a:fld id="{51673806-0BCD-1F42-BAA8-2011034B3C6A}" type="datetimeFigureOut">
               <a:rPr lang="en-US" smtClean="0"/>
-              <a:t>5/20/20</a:t>
+              <a:t>4/30/21</a:t>
             </a:fld>
             <a:endParaRPr lang="en-US"/>
           </a:p>
@@ -1911,7 +2035,7 @@
           <a:p>
             <a:fld id="{51673806-0BCD-1F42-BAA8-2011034B3C6A}" type="datetimeFigureOut">
               <a:rPr lang="en-US" smtClean="0"/>
-              <a:t>5/20/20</a:t>
+              <a:t>4/30/21</a:t>
             </a:fld>
             <a:endParaRPr lang="en-US"/>
           </a:p>
@@ -2311,7 +2435,7 @@
           <a:p>
             <a:fld id="{51673806-0BCD-1F42-BAA8-2011034B3C6A}" type="datetimeFigureOut">
               <a:rPr lang="en-US" smtClean="0"/>
-              <a:t>5/20/20</a:t>
+              <a:t>4/30/21</a:t>
             </a:fld>
             <a:endParaRPr lang="en-US"/>
           </a:p>
@@ -2874,7 +2998,7 @@
           <a:p>
             <a:fld id="{51673806-0BCD-1F42-BAA8-2011034B3C6A}" type="datetimeFigureOut">
               <a:rPr lang="en-US" smtClean="0"/>
-              <a:t>5/20/20</a:t>
+              <a:t>4/30/21</a:t>
             </a:fld>
             <a:endParaRPr lang="en-US"/>
           </a:p>
@@ -3550,7 +3674,7 @@
           <a:p>
             <a:fld id="{51673806-0BCD-1F42-BAA8-2011034B3C6A}" type="datetimeFigureOut">
               <a:rPr lang="en-US" smtClean="0"/>
-              <a:t>5/20/20</a:t>
+              <a:t>4/30/21</a:t>
             </a:fld>
             <a:endParaRPr lang="en-US"/>
           </a:p>
@@ -4458,7 +4582,7 @@
           <a:p>
             <a:fld id="{51673806-0BCD-1F42-BAA8-2011034B3C6A}" type="datetimeFigureOut">
               <a:rPr lang="en-US" smtClean="0"/>
-              <a:t>5/20/20</a:t>
+              <a:t>4/30/21</a:t>
             </a:fld>
             <a:endParaRPr lang="en-US"/>
           </a:p>
@@ -4766,7 +4890,7 @@
           <a:p>
             <a:fld id="{51673806-0BCD-1F42-BAA8-2011034B3C6A}" type="datetimeFigureOut">
               <a:rPr lang="en-US" smtClean="0"/>
-              <a:t>5/20/20</a:t>
+              <a:t>4/30/21</a:t>
             </a:fld>
             <a:endParaRPr lang="en-US"/>
           </a:p>
@@ -5032,7 +5156,7 @@
           <a:p>
             <a:fld id="{51673806-0BCD-1F42-BAA8-2011034B3C6A}" type="datetimeFigureOut">
               <a:rPr lang="en-US" smtClean="0"/>
-              <a:t>5/20/20</a:t>
+              <a:t>4/30/21</a:t>
             </a:fld>
             <a:endParaRPr lang="en-US"/>
           </a:p>
@@ -5362,7 +5486,7 @@
           <a:p>
             <a:fld id="{51673806-0BCD-1F42-BAA8-2011034B3C6A}" type="datetimeFigureOut">
               <a:rPr lang="en-US" smtClean="0"/>
-              <a:t>5/20/20</a:t>
+              <a:t>4/30/21</a:t>
             </a:fld>
             <a:endParaRPr lang="en-US"/>
           </a:p>
@@ -5753,7 +5877,7 @@
           <a:p>
             <a:fld id="{51673806-0BCD-1F42-BAA8-2011034B3C6A}" type="datetimeFigureOut">
               <a:rPr lang="en-US" smtClean="0"/>
-              <a:t>5/20/20</a:t>
+              <a:t>4/30/21</a:t>
             </a:fld>
             <a:endParaRPr lang="en-US"/>
           </a:p>
@@ -6129,7 +6253,7 @@
           <a:p>
             <a:fld id="{51673806-0BCD-1F42-BAA8-2011034B3C6A}" type="datetimeFigureOut">
               <a:rPr lang="en-US" smtClean="0"/>
-              <a:t>5/20/20</a:t>
+              <a:t>4/30/21</a:t>
             </a:fld>
             <a:endParaRPr lang="en-US"/>
           </a:p>
@@ -6635,7 +6759,7 @@
           <a:p>
             <a:fld id="{51673806-0BCD-1F42-BAA8-2011034B3C6A}" type="datetimeFigureOut">
               <a:rPr lang="en-US" smtClean="0"/>
-              <a:t>5/20/20</a:t>
+              <a:t>4/30/21</a:t>
             </a:fld>
             <a:endParaRPr lang="en-US"/>
           </a:p>
@@ -6892,7 +7016,7 @@
           <a:p>
             <a:fld id="{51673806-0BCD-1F42-BAA8-2011034B3C6A}" type="datetimeFigureOut">
               <a:rPr lang="en-US" smtClean="0"/>
-              <a:t>5/20/20</a:t>
+              <a:t>4/30/21</a:t>
             </a:fld>
             <a:endParaRPr lang="en-US"/>
           </a:p>
@@ -7050,7 +7174,7 @@
           <a:p>
             <a:fld id="{51673806-0BCD-1F42-BAA8-2011034B3C6A}" type="datetimeFigureOut">
               <a:rPr lang="en-US" smtClean="0"/>
-              <a:t>5/20/20</a:t>
+              <a:t>4/30/21</a:t>
             </a:fld>
             <a:endParaRPr lang="en-US"/>
           </a:p>
@@ -7440,7 +7564,7 @@
           <a:p>
             <a:fld id="{51673806-0BCD-1F42-BAA8-2011034B3C6A}" type="datetimeFigureOut">
               <a:rPr lang="en-US" smtClean="0"/>
-              <a:t>5/20/20</a:t>
+              <a:t>4/30/21</a:t>
             </a:fld>
             <a:endParaRPr lang="en-US"/>
           </a:p>
@@ -7849,7 +7973,7 @@
           <a:p>
             <a:fld id="{51673806-0BCD-1F42-BAA8-2011034B3C6A}" type="datetimeFigureOut">
               <a:rPr lang="en-US" smtClean="0"/>
-              <a:t>5/20/20</a:t>
+              <a:t>4/30/21</a:t>
             </a:fld>
             <a:endParaRPr lang="en-US"/>
           </a:p>
@@ -8097,7 +8221,7 @@
             <a:fld id="{51673806-0BCD-1F42-BAA8-2011034B3C6A}" type="datetimeFigureOut">
               <a:rPr lang="en-US" smtClean="0"/>
               <a:pPr/>
-              <a:t>5/20/20</a:t>
+              <a:t>4/30/21</a:t>
             </a:fld>
             <a:endParaRPr lang="en-US" dirty="0"/>
           </a:p>
@@ -8568,8 +8692,16 @@
           <a:lstStyle/>
           <a:p>
             <a:r>
+              <a:rPr lang="en-US"/>
+              <a:t>SURP </a:t>
+            </a:r>
+            <a:r>
+              <a:rPr lang="en-US" smtClean="0"/>
+              <a:t>2021 </a:t>
+            </a:r>
+            <a:r>
               <a:rPr lang="en-US" dirty="0"/>
-              <a:t>SURP 2020 Python Bootcamp</a:t>
+              <a:t>Python Bootcamp</a:t>
             </a:r>
           </a:p>
           <a:p>
@@ -9540,7 +9672,7 @@
           <p:nvPr/>
         </p:nvPicPr>
         <p:blipFill>
-          <a:blip r:embed="rId2">
+          <a:blip r:embed="rId3">
             <a:extLst>
               <a:ext uri="{28A0092B-C50C-407E-A947-70E740481C1C}">
                 <a14:useLocalDpi xmlns:a14="http://schemas.microsoft.com/office/drawing/2010/main" val="0"/>
@@ -10910,7 +11042,7 @@
             </a:pPr>
             <a:r>
               <a:rPr lang="en-US" dirty="0" smtClean="0"/>
-              <a:t>First pieces: the inheritance structure of the solar system bodies. All solar system bodies have a name and a mass. </a:t>
+              <a:t>First pieces: the inheritance structure of the solar system bodies. All solar system bodies have a name and a mass, so we put those in the base class. </a:t>
             </a:r>
             <a:endParaRPr lang="en-US" dirty="0"/>
           </a:p>
@@ -11045,7 +11177,7 @@
             </a:pPr>
             <a:r>
               <a:rPr lang="en-US" dirty="0" smtClean="0"/>
-              <a:t>First pieces: the inheritance structure of the solar system bodies. All solar system bodies have a name and a mass. </a:t>
+              <a:t>First pieces: the inheritance structure of the solar system bodies. All solar system bodies have a name and a mass, so we put those in the base class. </a:t>
             </a:r>
           </a:p>
           <a:p>
@@ -11236,26 +11368,27 @@
           <a:bodyPr/>
           <a:lstStyle/>
           <a:p>
-            <a:pPr marL="0" marR="0" lvl="0" indent="0" defTabSz="914400" eaLnBrk="1" fontAlgn="auto" latinLnBrk="0" hangingPunct="1">
+            <a:pPr marL="0" lvl="0" indent="0">
               <a:lnSpc>
                 <a:spcPct val="100000"/>
               </a:lnSpc>
               <a:spcBef>
                 <a:spcPts val="0"/>
               </a:spcBef>
-              <a:spcAft>
-                <a:spcPts val="0"/>
-              </a:spcAft>
-              <a:buClrTx/>
-              <a:buSzTx/>
-              <a:buFontTx/>
-              <a:buNone/>
-              <a:tabLst/>
+              <a:buNone/>
               <a:defRPr/>
             </a:pPr>
             <a:r>
               <a:rPr lang="en-US" dirty="0" smtClean="0"/>
-              <a:t>First pieces: the inheritance structure of the solar system bodies. All solar system bodies have a name and a mass. </a:t>
+              <a:t>First pieces: the inheritance structure of the solar system bodies. All solar system bodies have a name and a mass, </a:t>
+            </a:r>
+            <a:r>
+              <a:rPr lang="en-US" dirty="0"/>
+              <a:t>so we put those in the base class</a:t>
+            </a:r>
+            <a:r>
+              <a:rPr lang="en-US" dirty="0" smtClean="0"/>
+              <a:t>. </a:t>
             </a:r>
           </a:p>
           <a:p>
@@ -11629,30 +11762,30 @@
           </a:xfrm>
         </p:spPr>
         <p:txBody>
-          <a:bodyPr/>
+          <a:bodyPr>
+            <a:normAutofit lnSpcReduction="10000"/>
+          </a:bodyPr>
           <a:lstStyle/>
           <a:p>
-            <a:pPr marL="0" marR="0" lvl="0" indent="0" defTabSz="914400" eaLnBrk="1" fontAlgn="auto" latinLnBrk="0" hangingPunct="1">
+            <a:pPr marL="0" lvl="0" indent="0">
               <a:lnSpc>
                 <a:spcPct val="100000"/>
               </a:lnSpc>
               <a:spcBef>
                 <a:spcPts val="0"/>
               </a:spcBef>
-              <a:spcAft>
-                <a:spcPts val="0"/>
-              </a:spcAft>
-              <a:buClrTx/>
-              <a:buSzTx/>
-              <a:buFontTx/>
-              <a:buNone/>
-              <a:tabLst/>
+              <a:buNone/>
               <a:defRPr/>
             </a:pPr>
             <a:r>
               <a:rPr lang="en-US" dirty="0" smtClean="0"/>
-              <a:t>First pieces: the inheritance structure of the solar system bodies. All solar system bodies have a name and a mass. </a:t>
-            </a:r>
+              <a:t>First pieces: the inheritance structure of the solar system bodies. All solar system bodies have a name and a mass, </a:t>
+            </a:r>
+            <a:r>
+              <a:rPr lang="en-US" dirty="0"/>
+              <a:t>so we put those in the base class. </a:t>
+            </a:r>
+            <a:endParaRPr lang="en-US" dirty="0" smtClean="0"/>
           </a:p>
           <a:p>
             <a:pPr marL="0" marR="0" lvl="0" indent="0" defTabSz="914400" eaLnBrk="1" fontAlgn="auto" latinLnBrk="0" hangingPunct="1">
@@ -14075,7 +14208,7 @@
             </a:pPr>
             <a:r>
               <a:rPr lang="en-US" dirty="0" smtClean="0"/>
-              <a:t>The derived class needs to call its parent classes </a:t>
+              <a:t>The derived class needs to call its parent class’s </a:t>
             </a:r>
             <a:r>
               <a:rPr lang="en-US" i="1" dirty="0" smtClean="0"/>

--- a/slides/inheritance_composition.pptx
+++ b/slides/inheritance_composition.pptx
@@ -221,7 +221,7 @@
           <a:p>
             <a:fld id="{C24E9693-3B1A-6144-852A-5B7733F5E2A6}" type="datetimeFigureOut">
               <a:rPr lang="en-US" smtClean="0"/>
-              <a:t>4/30/21</a:t>
+              <a:t>5/7/21</a:t>
             </a:fld>
             <a:endParaRPr lang="en-US"/>
           </a:p>
@@ -1283,7 +1283,7 @@
           <a:p>
             <a:fld id="{51673806-0BCD-1F42-BAA8-2011034B3C6A}" type="datetimeFigureOut">
               <a:rPr lang="en-US" smtClean="0"/>
-              <a:t>4/30/21</a:t>
+              <a:t>5/7/21</a:t>
             </a:fld>
             <a:endParaRPr lang="en-US"/>
           </a:p>
@@ -1704,7 +1704,7 @@
           <a:p>
             <a:fld id="{51673806-0BCD-1F42-BAA8-2011034B3C6A}" type="datetimeFigureOut">
               <a:rPr lang="en-US" smtClean="0"/>
-              <a:t>4/30/21</a:t>
+              <a:t>5/7/21</a:t>
             </a:fld>
             <a:endParaRPr lang="en-US"/>
           </a:p>
@@ -2035,7 +2035,7 @@
           <a:p>
             <a:fld id="{51673806-0BCD-1F42-BAA8-2011034B3C6A}" type="datetimeFigureOut">
               <a:rPr lang="en-US" smtClean="0"/>
-              <a:t>4/30/21</a:t>
+              <a:t>5/7/21</a:t>
             </a:fld>
             <a:endParaRPr lang="en-US"/>
           </a:p>
@@ -2435,7 +2435,7 @@
           <a:p>
             <a:fld id="{51673806-0BCD-1F42-BAA8-2011034B3C6A}" type="datetimeFigureOut">
               <a:rPr lang="en-US" smtClean="0"/>
-              <a:t>4/30/21</a:t>
+              <a:t>5/7/21</a:t>
             </a:fld>
             <a:endParaRPr lang="en-US"/>
           </a:p>
@@ -2998,7 +2998,7 @@
           <a:p>
             <a:fld id="{51673806-0BCD-1F42-BAA8-2011034B3C6A}" type="datetimeFigureOut">
               <a:rPr lang="en-US" smtClean="0"/>
-              <a:t>4/30/21</a:t>
+              <a:t>5/7/21</a:t>
             </a:fld>
             <a:endParaRPr lang="en-US"/>
           </a:p>
@@ -3674,7 +3674,7 @@
           <a:p>
             <a:fld id="{51673806-0BCD-1F42-BAA8-2011034B3C6A}" type="datetimeFigureOut">
               <a:rPr lang="en-US" smtClean="0"/>
-              <a:t>4/30/21</a:t>
+              <a:t>5/7/21</a:t>
             </a:fld>
             <a:endParaRPr lang="en-US"/>
           </a:p>
@@ -4582,7 +4582,7 @@
           <a:p>
             <a:fld id="{51673806-0BCD-1F42-BAA8-2011034B3C6A}" type="datetimeFigureOut">
               <a:rPr lang="en-US" smtClean="0"/>
-              <a:t>4/30/21</a:t>
+              <a:t>5/7/21</a:t>
             </a:fld>
             <a:endParaRPr lang="en-US"/>
           </a:p>
@@ -4890,7 +4890,7 @@
           <a:p>
             <a:fld id="{51673806-0BCD-1F42-BAA8-2011034B3C6A}" type="datetimeFigureOut">
               <a:rPr lang="en-US" smtClean="0"/>
-              <a:t>4/30/21</a:t>
+              <a:t>5/7/21</a:t>
             </a:fld>
             <a:endParaRPr lang="en-US"/>
           </a:p>
@@ -5156,7 +5156,7 @@
           <a:p>
             <a:fld id="{51673806-0BCD-1F42-BAA8-2011034B3C6A}" type="datetimeFigureOut">
               <a:rPr lang="en-US" smtClean="0"/>
-              <a:t>4/30/21</a:t>
+              <a:t>5/7/21</a:t>
             </a:fld>
             <a:endParaRPr lang="en-US"/>
           </a:p>
@@ -5486,7 +5486,7 @@
           <a:p>
             <a:fld id="{51673806-0BCD-1F42-BAA8-2011034B3C6A}" type="datetimeFigureOut">
               <a:rPr lang="en-US" smtClean="0"/>
-              <a:t>4/30/21</a:t>
+              <a:t>5/7/21</a:t>
             </a:fld>
             <a:endParaRPr lang="en-US"/>
           </a:p>
@@ -5877,7 +5877,7 @@
           <a:p>
             <a:fld id="{51673806-0BCD-1F42-BAA8-2011034B3C6A}" type="datetimeFigureOut">
               <a:rPr lang="en-US" smtClean="0"/>
-              <a:t>4/30/21</a:t>
+              <a:t>5/7/21</a:t>
             </a:fld>
             <a:endParaRPr lang="en-US"/>
           </a:p>
@@ -6253,7 +6253,7 @@
           <a:p>
             <a:fld id="{51673806-0BCD-1F42-BAA8-2011034B3C6A}" type="datetimeFigureOut">
               <a:rPr lang="en-US" smtClean="0"/>
-              <a:t>4/30/21</a:t>
+              <a:t>5/7/21</a:t>
             </a:fld>
             <a:endParaRPr lang="en-US"/>
           </a:p>
@@ -6759,7 +6759,7 @@
           <a:p>
             <a:fld id="{51673806-0BCD-1F42-BAA8-2011034B3C6A}" type="datetimeFigureOut">
               <a:rPr lang="en-US" smtClean="0"/>
-              <a:t>4/30/21</a:t>
+              <a:t>5/7/21</a:t>
             </a:fld>
             <a:endParaRPr lang="en-US"/>
           </a:p>
@@ -7016,7 +7016,7 @@
           <a:p>
             <a:fld id="{51673806-0BCD-1F42-BAA8-2011034B3C6A}" type="datetimeFigureOut">
               <a:rPr lang="en-US" smtClean="0"/>
-              <a:t>4/30/21</a:t>
+              <a:t>5/7/21</a:t>
             </a:fld>
             <a:endParaRPr lang="en-US"/>
           </a:p>
@@ -7174,7 +7174,7 @@
           <a:p>
             <a:fld id="{51673806-0BCD-1F42-BAA8-2011034B3C6A}" type="datetimeFigureOut">
               <a:rPr lang="en-US" smtClean="0"/>
-              <a:t>4/30/21</a:t>
+              <a:t>5/7/21</a:t>
             </a:fld>
             <a:endParaRPr lang="en-US"/>
           </a:p>
@@ -7564,7 +7564,7 @@
           <a:p>
             <a:fld id="{51673806-0BCD-1F42-BAA8-2011034B3C6A}" type="datetimeFigureOut">
               <a:rPr lang="en-US" smtClean="0"/>
-              <a:t>4/30/21</a:t>
+              <a:t>5/7/21</a:t>
             </a:fld>
             <a:endParaRPr lang="en-US"/>
           </a:p>
@@ -7973,7 +7973,7 @@
           <a:p>
             <a:fld id="{51673806-0BCD-1F42-BAA8-2011034B3C6A}" type="datetimeFigureOut">
               <a:rPr lang="en-US" smtClean="0"/>
-              <a:t>4/30/21</a:t>
+              <a:t>5/7/21</a:t>
             </a:fld>
             <a:endParaRPr lang="en-US"/>
           </a:p>
@@ -8221,7 +8221,7 @@
             <a:fld id="{51673806-0BCD-1F42-BAA8-2011034B3C6A}" type="datetimeFigureOut">
               <a:rPr lang="en-US" smtClean="0"/>
               <a:pPr/>
-              <a:t>4/30/21</a:t>
+              <a:t>5/7/21</a:t>
             </a:fld>
             <a:endParaRPr lang="en-US" dirty="0"/>
           </a:p>

--- a/slides/inheritance_composition.pptx
+++ b/slides/inheritance_composition.pptx
@@ -5,7 +5,7 @@
     <p:sldMasterId id="2147484294" r:id="rId1"/>
   </p:sldMasterIdLst>
   <p:notesMasterIdLst>
-    <p:notesMasterId r:id="rId27"/>
+    <p:notesMasterId r:id="rId29"/>
   </p:notesMasterIdLst>
   <p:sldIdLst>
     <p:sldId id="256" r:id="rId2"/>
@@ -21,18 +21,20 @@
     <p:sldId id="266" r:id="rId12"/>
     <p:sldId id="280" r:id="rId13"/>
     <p:sldId id="277" r:id="rId14"/>
-    <p:sldId id="278" r:id="rId15"/>
-    <p:sldId id="267" r:id="rId16"/>
-    <p:sldId id="268" r:id="rId17"/>
-    <p:sldId id="269" r:id="rId18"/>
-    <p:sldId id="270" r:id="rId19"/>
-    <p:sldId id="271" r:id="rId20"/>
-    <p:sldId id="272" r:id="rId21"/>
-    <p:sldId id="273" r:id="rId22"/>
-    <p:sldId id="274" r:id="rId23"/>
-    <p:sldId id="275" r:id="rId24"/>
-    <p:sldId id="276" r:id="rId25"/>
-    <p:sldId id="279" r:id="rId26"/>
+    <p:sldId id="281" r:id="rId15"/>
+    <p:sldId id="282" r:id="rId16"/>
+    <p:sldId id="278" r:id="rId17"/>
+    <p:sldId id="267" r:id="rId18"/>
+    <p:sldId id="268" r:id="rId19"/>
+    <p:sldId id="269" r:id="rId20"/>
+    <p:sldId id="270" r:id="rId21"/>
+    <p:sldId id="271" r:id="rId22"/>
+    <p:sldId id="272" r:id="rId23"/>
+    <p:sldId id="273" r:id="rId24"/>
+    <p:sldId id="274" r:id="rId25"/>
+    <p:sldId id="275" r:id="rId26"/>
+    <p:sldId id="276" r:id="rId27"/>
+    <p:sldId id="279" r:id="rId28"/>
   </p:sldIdLst>
   <p:sldSz cx="12192000" cy="6858000"/>
   <p:notesSz cx="6858000" cy="9144000"/>
@@ -221,7 +223,7 @@
           <a:p>
             <a:fld id="{C24E9693-3B1A-6144-852A-5B7733F5E2A6}" type="datetimeFigureOut">
               <a:rPr lang="en-US" smtClean="0"/>
-              <a:t>5/7/21</a:t>
+              <a:t>5/18/21</a:t>
             </a:fld>
             <a:endParaRPr lang="en-US"/>
           </a:p>
@@ -285,38 +287,37 @@
           <a:p>
             <a:pPr lvl="0"/>
             <a:r>
-              <a:rPr lang="en-US" smtClean="0"/>
+              <a:rPr lang="en-US"/>
               <a:t>Click to edit Master text styles</a:t>
             </a:r>
           </a:p>
           <a:p>
             <a:pPr lvl="1"/>
             <a:r>
-              <a:rPr lang="en-US" smtClean="0"/>
+              <a:rPr lang="en-US"/>
               <a:t>Second level</a:t>
             </a:r>
           </a:p>
           <a:p>
             <a:pPr lvl="2"/>
             <a:r>
-              <a:rPr lang="en-US" smtClean="0"/>
+              <a:rPr lang="en-US"/>
               <a:t>Third level</a:t>
             </a:r>
           </a:p>
           <a:p>
             <a:pPr lvl="3"/>
             <a:r>
-              <a:rPr lang="en-US" smtClean="0"/>
+              <a:rPr lang="en-US"/>
               <a:t>Fourth level</a:t>
             </a:r>
           </a:p>
           <a:p>
             <a:pPr lvl="4"/>
             <a:r>
-              <a:rPr lang="en-US" smtClean="0"/>
+              <a:rPr lang="en-US"/>
               <a:t>Fifth level</a:t>
             </a:r>
-            <a:endParaRPr lang="en-US"/>
           </a:p>
         </p:txBody>
       </p:sp>
@@ -534,44 +535,16 @@
           <a:lstStyle/>
           <a:p>
             <a:r>
-              <a:rPr lang="en-US" dirty="0" smtClean="0"/>
-              <a:t>Say verbally</a:t>
-            </a:r>
-            <a:r>
-              <a:rPr lang="en-US" baseline="0" dirty="0" smtClean="0"/>
-              <a:t> that you can do this simply because even the __</a:t>
-            </a:r>
-            <a:r>
-              <a:rPr lang="en-US" baseline="0" dirty="0" err="1" smtClean="0"/>
-              <a:t>init</a:t>
-            </a:r>
-            <a:r>
-              <a:rPr lang="en-US" baseline="0" dirty="0" smtClean="0"/>
-              <a:t>__ function can be inherited. If you’re just going to “</a:t>
-            </a:r>
-            <a:r>
-              <a:rPr lang="en-US" baseline="0" dirty="0" err="1" smtClean="0"/>
-              <a:t>def</a:t>
-            </a:r>
-            <a:r>
-              <a:rPr lang="en-US" baseline="0" dirty="0" smtClean="0"/>
-              <a:t> __</a:t>
-            </a:r>
-            <a:r>
-              <a:rPr lang="en-US" baseline="0" dirty="0" err="1" smtClean="0"/>
-              <a:t>init</a:t>
-            </a:r>
-            <a:r>
-              <a:rPr lang="en-US" baseline="0" dirty="0" smtClean="0"/>
-              <a:t>__(self): super().__</a:t>
-            </a:r>
-            <a:r>
-              <a:rPr lang="en-US" baseline="0" dirty="0" err="1" smtClean="0"/>
-              <a:t>init</a:t>
-            </a:r>
-            <a:r>
-              <a:rPr lang="en-US" baseline="0" dirty="0" smtClean="0"/>
-              <a:t>__()” then you don’t even need to write that. </a:t>
+              <a:rPr lang="en-US" dirty="0"/>
+              <a:t>In case anyone hasn’t seen it yet, </a:t>
+            </a:r>
+            <a:r>
+              <a:rPr lang="en-US" i="1" dirty="0"/>
+              <a:t>del</a:t>
+            </a:r>
+            <a:r>
+              <a:rPr lang="en-US" i="0" dirty="0"/>
+              <a:t> is a keyword which means delete. </a:t>
             </a:r>
             <a:endParaRPr lang="en-US" dirty="0"/>
           </a:p>
@@ -584,7 +557,7 @@
             <a:spLocks noGrp="1"/>
           </p:cNvSpPr>
           <p:nvPr>
-            <p:ph type="sldNum" sz="quarter" idx="10"/>
+            <p:ph type="sldNum" sz="quarter" idx="5"/>
           </p:nvPr>
         </p:nvSpPr>
         <p:spPr/>
@@ -594,7 +567,7 @@
           <a:p>
             <a:fld id="{BDAAE321-3917-0140-B87E-FBAD3B4B5EF6}" type="slidenum">
               <a:rPr lang="en-US" smtClean="0"/>
-              <a:t>13</a:t>
+              <a:t>11</a:t>
             </a:fld>
             <a:endParaRPr lang="en-US"/>
           </a:p>
@@ -603,7 +576,7 @@
     </p:spTree>
     <p:extLst>
       <p:ext uri="{BB962C8B-B14F-4D97-AF65-F5344CB8AC3E}">
-        <p14:creationId xmlns:p14="http://schemas.microsoft.com/office/powerpoint/2010/main" val="502024618"/>
+        <p14:creationId xmlns:p14="http://schemas.microsoft.com/office/powerpoint/2010/main" val="2418599241"/>
       </p:ext>
     </p:extLst>
   </p:cSld>
@@ -658,20 +631,44 @@
           <a:lstStyle/>
           <a:p>
             <a:r>
-              <a:rPr lang="en-US" dirty="0" smtClean="0"/>
-              <a:t>In case anyone hadn’t seen</a:t>
-            </a:r>
-            <a:r>
-              <a:rPr lang="en-US" baseline="0" dirty="0" smtClean="0"/>
-              <a:t> it up to this point, </a:t>
-            </a:r>
-            <a:r>
-              <a:rPr lang="en-US" i="1" baseline="0" dirty="0" smtClean="0"/>
-              <a:t>pass</a:t>
-            </a:r>
-            <a:r>
-              <a:rPr lang="en-US" i="0" baseline="0" dirty="0" smtClean="0"/>
-              <a:t> is a python keyword that just means “do nothing” </a:t>
+              <a:rPr lang="en-US" dirty="0"/>
+              <a:t>Say verbally</a:t>
+            </a:r>
+            <a:r>
+              <a:rPr lang="en-US" baseline="0" dirty="0"/>
+              <a:t> that you can do this simply because even the __</a:t>
+            </a:r>
+            <a:r>
+              <a:rPr lang="en-US" baseline="0" dirty="0" err="1"/>
+              <a:t>init</a:t>
+            </a:r>
+            <a:r>
+              <a:rPr lang="en-US" baseline="0" dirty="0"/>
+              <a:t>__ function can be inherited. If you’re just going to “</a:t>
+            </a:r>
+            <a:r>
+              <a:rPr lang="en-US" baseline="0" dirty="0" err="1"/>
+              <a:t>def</a:t>
+            </a:r>
+            <a:r>
+              <a:rPr lang="en-US" baseline="0" dirty="0"/>
+              <a:t> __</a:t>
+            </a:r>
+            <a:r>
+              <a:rPr lang="en-US" baseline="0" dirty="0" err="1"/>
+              <a:t>init</a:t>
+            </a:r>
+            <a:r>
+              <a:rPr lang="en-US" baseline="0" dirty="0"/>
+              <a:t>__(self): super().__</a:t>
+            </a:r>
+            <a:r>
+              <a:rPr lang="en-US" baseline="0" dirty="0" err="1"/>
+              <a:t>init</a:t>
+            </a:r>
+            <a:r>
+              <a:rPr lang="en-US" baseline="0" dirty="0"/>
+              <a:t>__()” then you don’t even need to write that. </a:t>
             </a:r>
             <a:endParaRPr lang="en-US" dirty="0"/>
           </a:p>
@@ -694,7 +691,7 @@
           <a:p>
             <a:fld id="{BDAAE321-3917-0140-B87E-FBAD3B4B5EF6}" type="slidenum">
               <a:rPr lang="en-US" smtClean="0"/>
-              <a:t>18</a:t>
+              <a:t>13</a:t>
             </a:fld>
             <a:endParaRPr lang="en-US"/>
           </a:p>
@@ -703,7 +700,7 @@
     </p:spTree>
     <p:extLst>
       <p:ext uri="{BB962C8B-B14F-4D97-AF65-F5344CB8AC3E}">
-        <p14:creationId xmlns:p14="http://schemas.microsoft.com/office/powerpoint/2010/main" val="1309425973"/>
+        <p14:creationId xmlns:p14="http://schemas.microsoft.com/office/powerpoint/2010/main" val="502024618"/>
       </p:ext>
     </p:extLst>
   </p:cSld>
@@ -758,20 +755,63 @@
           <a:lstStyle/>
           <a:p>
             <a:r>
-              <a:rPr lang="en-US" dirty="0" smtClean="0"/>
-              <a:t>In case anyone hadn’t seen</a:t>
-            </a:r>
-            <a:r>
-              <a:rPr lang="en-US" baseline="0" dirty="0" smtClean="0"/>
-              <a:t> it up to this point, </a:t>
-            </a:r>
-            <a:r>
-              <a:rPr lang="en-US" i="1" baseline="0" dirty="0" smtClean="0"/>
-              <a:t>pass</a:t>
-            </a:r>
-            <a:r>
-              <a:rPr lang="en-US" i="0" baseline="0" dirty="0" smtClean="0"/>
-              <a:t> is a python keyword that just means “do nothing” </a:t>
+              <a:rPr lang="en-US" dirty="0"/>
+              <a:t>Note verbally here that “</a:t>
+            </a:r>
+            <a:r>
+              <a:rPr lang="en-US" dirty="0" err="1"/>
+              <a:t>self.__class</a:t>
+            </a:r>
+            <a:r>
+              <a:rPr lang="en-US" dirty="0"/>
+              <a:t>__” is the same as saying “positive(…)” – it’s a way of invoking the class without having to type its actual name (what if the name changed?). This class is in the git repository under examples/classes/</a:t>
+            </a:r>
+            <a:r>
+              <a:rPr lang="en-US" dirty="0" err="1"/>
+              <a:t>positive.py</a:t>
+            </a:r>
+            <a:r>
+              <a:rPr lang="en-US" dirty="0"/>
+              <a:t>. </a:t>
+            </a:r>
+          </a:p>
+          <a:p>
+            <a:pPr marL="0" marR="0" lvl="0" indent="0" algn="l" defTabSz="914400" rtl="0" eaLnBrk="1" fontAlgn="auto" latinLnBrk="0" hangingPunct="1">
+              <a:lnSpc>
+                <a:spcPct val="100000"/>
+              </a:lnSpc>
+              <a:spcBef>
+                <a:spcPts val="0"/>
+              </a:spcBef>
+              <a:spcAft>
+                <a:spcPts val="0"/>
+              </a:spcAft>
+              <a:buClrTx/>
+              <a:buSzTx/>
+              <a:buFontTx/>
+              <a:buNone/>
+              <a:tabLst/>
+              <a:defRPr/>
+            </a:pPr>
+            <a:r>
+              <a:rPr lang="en-US" dirty="0"/>
+              <a:t>A good example of </a:t>
+            </a:r>
+            <a:r>
+              <a:rPr lang="en-US" i="1" dirty="0"/>
+              <a:t>__new__</a:t>
+            </a:r>
+            <a:r>
+              <a:rPr lang="en-US" i="0" dirty="0"/>
+              <a:t> returning a different class is the multizone object in VICE returning a </a:t>
+            </a:r>
+            <a:r>
+              <a:rPr lang="en-US" i="0" dirty="0" err="1"/>
+              <a:t>singlezone</a:t>
+            </a:r>
+            <a:r>
+              <a:rPr lang="en-US" i="0" dirty="0"/>
+              <a:t> object when the number of zones is equal to one. </a:t>
             </a:r>
             <a:endParaRPr lang="en-US" dirty="0"/>
           </a:p>
@@ -784,7 +824,7 @@
             <a:spLocks noGrp="1"/>
           </p:cNvSpPr>
           <p:nvPr>
-            <p:ph type="sldNum" sz="quarter" idx="10"/>
+            <p:ph type="sldNum" sz="quarter" idx="5"/>
           </p:nvPr>
         </p:nvSpPr>
         <p:spPr/>
@@ -794,7 +834,7 @@
           <a:p>
             <a:fld id="{BDAAE321-3917-0140-B87E-FBAD3B4B5EF6}" type="slidenum">
               <a:rPr lang="en-US" smtClean="0"/>
-              <a:t>19</a:t>
+              <a:t>14</a:t>
             </a:fld>
             <a:endParaRPr lang="en-US"/>
           </a:p>
@@ -803,7 +843,7 @@
     </p:spTree>
     <p:extLst>
       <p:ext uri="{BB962C8B-B14F-4D97-AF65-F5344CB8AC3E}">
-        <p14:creationId xmlns:p14="http://schemas.microsoft.com/office/powerpoint/2010/main" val="1054605821"/>
+        <p14:creationId xmlns:p14="http://schemas.microsoft.com/office/powerpoint/2010/main" val="2243112266"/>
       </p:ext>
     </p:extLst>
   </p:cSld>
@@ -858,20 +898,46 @@
           <a:lstStyle/>
           <a:p>
             <a:r>
-              <a:rPr lang="en-US" dirty="0" smtClean="0"/>
-              <a:t>In case anyone hadn’t seen</a:t>
-            </a:r>
-            <a:r>
-              <a:rPr lang="en-US" baseline="0" dirty="0" smtClean="0"/>
-              <a:t> it up to this point, </a:t>
-            </a:r>
-            <a:r>
-              <a:rPr lang="en-US" i="1" baseline="0" dirty="0" smtClean="0"/>
-              <a:t>pass</a:t>
-            </a:r>
-            <a:r>
-              <a:rPr lang="en-US" i="0" baseline="0" dirty="0" smtClean="0"/>
-              <a:t> is a python keyword that just means “do nothing” </a:t>
+              <a:rPr lang="en-US" dirty="0"/>
+              <a:t>Note verbally here that “</a:t>
+            </a:r>
+            <a:r>
+              <a:rPr lang="en-US" dirty="0" err="1"/>
+              <a:t>self.__class</a:t>
+            </a:r>
+            <a:r>
+              <a:rPr lang="en-US" dirty="0"/>
+              <a:t>__” is the same as saying “positive(…)” – it’s a way of invoking the class without having to type its actual name (what if the name changed?). This class is in the git repository under examples/classes/</a:t>
+            </a:r>
+            <a:r>
+              <a:rPr lang="en-US" dirty="0" err="1"/>
+              <a:t>positive.py</a:t>
+            </a:r>
+            <a:r>
+              <a:rPr lang="en-US" dirty="0"/>
+              <a:t>. </a:t>
+            </a:r>
+          </a:p>
+          <a:p>
+            <a:r>
+              <a:rPr lang="en-US" dirty="0"/>
+              <a:t>A good example of </a:t>
+            </a:r>
+            <a:r>
+              <a:rPr lang="en-US" i="1" dirty="0"/>
+              <a:t>__new__</a:t>
+            </a:r>
+            <a:r>
+              <a:rPr lang="en-US" i="0" dirty="0"/>
+              <a:t> returning a different class is the multizone object in VICE returning a </a:t>
+            </a:r>
+            <a:r>
+              <a:rPr lang="en-US" i="0" dirty="0" err="1"/>
+              <a:t>singlezone</a:t>
+            </a:r>
+            <a:r>
+              <a:rPr lang="en-US" i="0" dirty="0"/>
+              <a:t> object when the number of zones is equal to one. </a:t>
             </a:r>
             <a:endParaRPr lang="en-US" dirty="0"/>
           </a:p>
@@ -884,7 +950,7 @@
             <a:spLocks noGrp="1"/>
           </p:cNvSpPr>
           <p:nvPr>
-            <p:ph type="sldNum" sz="quarter" idx="10"/>
+            <p:ph type="sldNum" sz="quarter" idx="5"/>
           </p:nvPr>
         </p:nvSpPr>
         <p:spPr/>
@@ -894,7 +960,7 @@
           <a:p>
             <a:fld id="{BDAAE321-3917-0140-B87E-FBAD3B4B5EF6}" type="slidenum">
               <a:rPr lang="en-US" smtClean="0"/>
-              <a:t>20</a:t>
+              <a:t>15</a:t>
             </a:fld>
             <a:endParaRPr lang="en-US"/>
           </a:p>
@@ -903,7 +969,7 @@
     </p:spTree>
     <p:extLst>
       <p:ext uri="{BB962C8B-B14F-4D97-AF65-F5344CB8AC3E}">
-        <p14:creationId xmlns:p14="http://schemas.microsoft.com/office/powerpoint/2010/main" val="1717272031"/>
+        <p14:creationId xmlns:p14="http://schemas.microsoft.com/office/powerpoint/2010/main" val="994287842"/>
       </p:ext>
     </p:extLst>
   </p:cSld>
@@ -958,12 +1024,20 @@
           <a:lstStyle/>
           <a:p>
             <a:r>
-              <a:rPr lang="en-US" dirty="0" smtClean="0"/>
-              <a:t>This is worth noting because folks who engineer their code will</a:t>
-            </a:r>
-            <a:r>
-              <a:rPr lang="en-US" baseline="0" dirty="0" smtClean="0"/>
-              <a:t> likely run across this caveat. </a:t>
+              <a:rPr lang="en-US" dirty="0"/>
+              <a:t>In case anyone hadn’t seen</a:t>
+            </a:r>
+            <a:r>
+              <a:rPr lang="en-US" baseline="0" dirty="0"/>
+              <a:t> it up to this point, </a:t>
+            </a:r>
+            <a:r>
+              <a:rPr lang="en-US" i="1" baseline="0" dirty="0"/>
+              <a:t>pass</a:t>
+            </a:r>
+            <a:r>
+              <a:rPr lang="en-US" i="0" baseline="0" dirty="0"/>
+              <a:t> is a python keyword that just means “do nothing” </a:t>
             </a:r>
             <a:endParaRPr lang="en-US" dirty="0"/>
           </a:p>
@@ -986,7 +1060,299 @@
           <a:p>
             <a:fld id="{BDAAE321-3917-0140-B87E-FBAD3B4B5EF6}" type="slidenum">
               <a:rPr lang="en-US" smtClean="0"/>
-              <a:t>25</a:t>
+              <a:t>20</a:t>
+            </a:fld>
+            <a:endParaRPr lang="en-US"/>
+          </a:p>
+        </p:txBody>
+      </p:sp>
+    </p:spTree>
+    <p:extLst>
+      <p:ext uri="{BB962C8B-B14F-4D97-AF65-F5344CB8AC3E}">
+        <p14:creationId xmlns:p14="http://schemas.microsoft.com/office/powerpoint/2010/main" val="1309425973"/>
+      </p:ext>
+    </p:extLst>
+  </p:cSld>
+  <p:clrMapOvr>
+    <a:masterClrMapping/>
+  </p:clrMapOvr>
+</p:notes>
+</file>
+
+<file path=ppt/notesSlides/notesSlide6.xml><?xml version="1.0" encoding="utf-8"?>
+<p:notes xmlns:a="http://schemas.openxmlformats.org/drawingml/2006/main" xmlns:r="http://schemas.openxmlformats.org/officeDocument/2006/relationships" xmlns:p="http://schemas.openxmlformats.org/presentationml/2006/main">
+  <p:cSld>
+    <p:spTree>
+      <p:nvGrpSpPr>
+        <p:cNvPr id="1" name=""/>
+        <p:cNvGrpSpPr/>
+        <p:nvPr/>
+      </p:nvGrpSpPr>
+      <p:grpSpPr>
+        <a:xfrm>
+          <a:off x="0" y="0"/>
+          <a:ext cx="0" cy="0"/>
+          <a:chOff x="0" y="0"/>
+          <a:chExt cx="0" cy="0"/>
+        </a:xfrm>
+      </p:grpSpPr>
+      <p:sp>
+        <p:nvSpPr>
+          <p:cNvPr id="2" name="Slide Image Placeholder 1"/>
+          <p:cNvSpPr>
+            <a:spLocks noGrp="1" noRot="1" noChangeAspect="1"/>
+          </p:cNvSpPr>
+          <p:nvPr>
+            <p:ph type="sldImg"/>
+          </p:nvPr>
+        </p:nvSpPr>
+        <p:spPr/>
+      </p:sp>
+      <p:sp>
+        <p:nvSpPr>
+          <p:cNvPr id="3" name="Notes Placeholder 2"/>
+          <p:cNvSpPr>
+            <a:spLocks noGrp="1"/>
+          </p:cNvSpPr>
+          <p:nvPr>
+            <p:ph type="body" idx="1"/>
+          </p:nvPr>
+        </p:nvSpPr>
+        <p:spPr/>
+        <p:txBody>
+          <a:bodyPr/>
+          <a:lstStyle/>
+          <a:p>
+            <a:r>
+              <a:rPr lang="en-US" dirty="0"/>
+              <a:t>In case anyone hadn’t seen</a:t>
+            </a:r>
+            <a:r>
+              <a:rPr lang="en-US" baseline="0" dirty="0"/>
+              <a:t> it up to this point, </a:t>
+            </a:r>
+            <a:r>
+              <a:rPr lang="en-US" i="1" baseline="0" dirty="0"/>
+              <a:t>pass</a:t>
+            </a:r>
+            <a:r>
+              <a:rPr lang="en-US" i="0" baseline="0" dirty="0"/>
+              <a:t> is a python keyword that just means “do nothing” </a:t>
+            </a:r>
+            <a:endParaRPr lang="en-US" dirty="0"/>
+          </a:p>
+        </p:txBody>
+      </p:sp>
+      <p:sp>
+        <p:nvSpPr>
+          <p:cNvPr id="4" name="Slide Number Placeholder 3"/>
+          <p:cNvSpPr>
+            <a:spLocks noGrp="1"/>
+          </p:cNvSpPr>
+          <p:nvPr>
+            <p:ph type="sldNum" sz="quarter" idx="10"/>
+          </p:nvPr>
+        </p:nvSpPr>
+        <p:spPr/>
+        <p:txBody>
+          <a:bodyPr/>
+          <a:lstStyle/>
+          <a:p>
+            <a:fld id="{BDAAE321-3917-0140-B87E-FBAD3B4B5EF6}" type="slidenum">
+              <a:rPr lang="en-US" smtClean="0"/>
+              <a:t>21</a:t>
+            </a:fld>
+            <a:endParaRPr lang="en-US"/>
+          </a:p>
+        </p:txBody>
+      </p:sp>
+    </p:spTree>
+    <p:extLst>
+      <p:ext uri="{BB962C8B-B14F-4D97-AF65-F5344CB8AC3E}">
+        <p14:creationId xmlns:p14="http://schemas.microsoft.com/office/powerpoint/2010/main" val="1054605821"/>
+      </p:ext>
+    </p:extLst>
+  </p:cSld>
+  <p:clrMapOvr>
+    <a:masterClrMapping/>
+  </p:clrMapOvr>
+</p:notes>
+</file>
+
+<file path=ppt/notesSlides/notesSlide7.xml><?xml version="1.0" encoding="utf-8"?>
+<p:notes xmlns:a="http://schemas.openxmlformats.org/drawingml/2006/main" xmlns:r="http://schemas.openxmlformats.org/officeDocument/2006/relationships" xmlns:p="http://schemas.openxmlformats.org/presentationml/2006/main">
+  <p:cSld>
+    <p:spTree>
+      <p:nvGrpSpPr>
+        <p:cNvPr id="1" name=""/>
+        <p:cNvGrpSpPr/>
+        <p:nvPr/>
+      </p:nvGrpSpPr>
+      <p:grpSpPr>
+        <a:xfrm>
+          <a:off x="0" y="0"/>
+          <a:ext cx="0" cy="0"/>
+          <a:chOff x="0" y="0"/>
+          <a:chExt cx="0" cy="0"/>
+        </a:xfrm>
+      </p:grpSpPr>
+      <p:sp>
+        <p:nvSpPr>
+          <p:cNvPr id="2" name="Slide Image Placeholder 1"/>
+          <p:cNvSpPr>
+            <a:spLocks noGrp="1" noRot="1" noChangeAspect="1"/>
+          </p:cNvSpPr>
+          <p:nvPr>
+            <p:ph type="sldImg"/>
+          </p:nvPr>
+        </p:nvSpPr>
+        <p:spPr/>
+      </p:sp>
+      <p:sp>
+        <p:nvSpPr>
+          <p:cNvPr id="3" name="Notes Placeholder 2"/>
+          <p:cNvSpPr>
+            <a:spLocks noGrp="1"/>
+          </p:cNvSpPr>
+          <p:nvPr>
+            <p:ph type="body" idx="1"/>
+          </p:nvPr>
+        </p:nvSpPr>
+        <p:spPr/>
+        <p:txBody>
+          <a:bodyPr/>
+          <a:lstStyle/>
+          <a:p>
+            <a:r>
+              <a:rPr lang="en-US" dirty="0"/>
+              <a:t>In case anyone hadn’t seen</a:t>
+            </a:r>
+            <a:r>
+              <a:rPr lang="en-US" baseline="0" dirty="0"/>
+              <a:t> it up to this point, </a:t>
+            </a:r>
+            <a:r>
+              <a:rPr lang="en-US" i="1" baseline="0" dirty="0"/>
+              <a:t>pass</a:t>
+            </a:r>
+            <a:r>
+              <a:rPr lang="en-US" i="0" baseline="0" dirty="0"/>
+              <a:t> is a python keyword that just means “do nothing” </a:t>
+            </a:r>
+            <a:endParaRPr lang="en-US" dirty="0"/>
+          </a:p>
+        </p:txBody>
+      </p:sp>
+      <p:sp>
+        <p:nvSpPr>
+          <p:cNvPr id="4" name="Slide Number Placeholder 3"/>
+          <p:cNvSpPr>
+            <a:spLocks noGrp="1"/>
+          </p:cNvSpPr>
+          <p:nvPr>
+            <p:ph type="sldNum" sz="quarter" idx="10"/>
+          </p:nvPr>
+        </p:nvSpPr>
+        <p:spPr/>
+        <p:txBody>
+          <a:bodyPr/>
+          <a:lstStyle/>
+          <a:p>
+            <a:fld id="{BDAAE321-3917-0140-B87E-FBAD3B4B5EF6}" type="slidenum">
+              <a:rPr lang="en-US" smtClean="0"/>
+              <a:t>22</a:t>
+            </a:fld>
+            <a:endParaRPr lang="en-US"/>
+          </a:p>
+        </p:txBody>
+      </p:sp>
+    </p:spTree>
+    <p:extLst>
+      <p:ext uri="{BB962C8B-B14F-4D97-AF65-F5344CB8AC3E}">
+        <p14:creationId xmlns:p14="http://schemas.microsoft.com/office/powerpoint/2010/main" val="1717272031"/>
+      </p:ext>
+    </p:extLst>
+  </p:cSld>
+  <p:clrMapOvr>
+    <a:masterClrMapping/>
+  </p:clrMapOvr>
+</p:notes>
+</file>
+
+<file path=ppt/notesSlides/notesSlide8.xml><?xml version="1.0" encoding="utf-8"?>
+<p:notes xmlns:a="http://schemas.openxmlformats.org/drawingml/2006/main" xmlns:r="http://schemas.openxmlformats.org/officeDocument/2006/relationships" xmlns:p="http://schemas.openxmlformats.org/presentationml/2006/main">
+  <p:cSld>
+    <p:spTree>
+      <p:nvGrpSpPr>
+        <p:cNvPr id="1" name=""/>
+        <p:cNvGrpSpPr/>
+        <p:nvPr/>
+      </p:nvGrpSpPr>
+      <p:grpSpPr>
+        <a:xfrm>
+          <a:off x="0" y="0"/>
+          <a:ext cx="0" cy="0"/>
+          <a:chOff x="0" y="0"/>
+          <a:chExt cx="0" cy="0"/>
+        </a:xfrm>
+      </p:grpSpPr>
+      <p:sp>
+        <p:nvSpPr>
+          <p:cNvPr id="2" name="Slide Image Placeholder 1"/>
+          <p:cNvSpPr>
+            <a:spLocks noGrp="1" noRot="1" noChangeAspect="1"/>
+          </p:cNvSpPr>
+          <p:nvPr>
+            <p:ph type="sldImg"/>
+          </p:nvPr>
+        </p:nvSpPr>
+        <p:spPr/>
+      </p:sp>
+      <p:sp>
+        <p:nvSpPr>
+          <p:cNvPr id="3" name="Notes Placeholder 2"/>
+          <p:cNvSpPr>
+            <a:spLocks noGrp="1"/>
+          </p:cNvSpPr>
+          <p:nvPr>
+            <p:ph type="body" idx="1"/>
+          </p:nvPr>
+        </p:nvSpPr>
+        <p:spPr/>
+        <p:txBody>
+          <a:bodyPr/>
+          <a:lstStyle/>
+          <a:p>
+            <a:r>
+              <a:rPr lang="en-US" dirty="0"/>
+              <a:t>This is worth noting because folks who engineer their code will</a:t>
+            </a:r>
+            <a:r>
+              <a:rPr lang="en-US" baseline="0" dirty="0"/>
+              <a:t> likely run across this caveat. </a:t>
+            </a:r>
+            <a:endParaRPr lang="en-US" dirty="0"/>
+          </a:p>
+        </p:txBody>
+      </p:sp>
+      <p:sp>
+        <p:nvSpPr>
+          <p:cNvPr id="4" name="Slide Number Placeholder 3"/>
+          <p:cNvSpPr>
+            <a:spLocks noGrp="1"/>
+          </p:cNvSpPr>
+          <p:nvPr>
+            <p:ph type="sldNum" sz="quarter" idx="10"/>
+          </p:nvPr>
+        </p:nvSpPr>
+        <p:spPr/>
+        <p:txBody>
+          <a:bodyPr/>
+          <a:lstStyle/>
+          <a:p>
+            <a:fld id="{BDAAE321-3917-0140-B87E-FBAD3B4B5EF6}" type="slidenum">
+              <a:rPr lang="en-US" smtClean="0"/>
+              <a:t>27</a:t>
             </a:fld>
             <a:endParaRPr lang="en-US"/>
           </a:p>
@@ -1192,10 +1558,9 @@
           </a:lstStyle>
           <a:p>
             <a:r>
-              <a:rPr lang="en-US" dirty="0" smtClean="0"/>
+              <a:rPr lang="en-US" dirty="0"/>
               <a:t>Click to edit Master title style</a:t>
             </a:r>
-            <a:endParaRPr lang="en-US" dirty="0"/>
           </a:p>
         </p:txBody>
       </p:sp>
@@ -1259,10 +1624,9 @@
           </a:lstStyle>
           <a:p>
             <a:r>
-              <a:rPr lang="en-US" dirty="0" smtClean="0"/>
+              <a:rPr lang="en-US" dirty="0"/>
               <a:t>Click to edit Master subtitle style</a:t>
             </a:r>
-            <a:endParaRPr lang="en-US" dirty="0"/>
           </a:p>
         </p:txBody>
       </p:sp>
@@ -1283,7 +1647,7 @@
           <a:p>
             <a:fld id="{51673806-0BCD-1F42-BAA8-2011034B3C6A}" type="datetimeFigureOut">
               <a:rPr lang="en-US" smtClean="0"/>
-              <a:t>5/7/21</a:t>
+              <a:t>5/18/21</a:t>
             </a:fld>
             <a:endParaRPr lang="en-US"/>
           </a:p>
@@ -1341,13 +1705,6 @@
   <p:clrMapOvr>
     <a:masterClrMapping/>
   </p:clrMapOvr>
-  <p:timing>
-    <p:tnLst>
-      <p:par>
-        <p:cTn id="1" dur="indefinite" restart="never" nodeType="tmRoot"/>
-      </p:par>
-    </p:tnLst>
-  </p:timing>
   <p:extLst>
     <p:ext uri="{DCECCB84-F9BA-43D5-87BE-67443E8EF086}">
       <p15:sldGuideLst xmlns:p15="http://schemas.microsoft.com/office/powerpoint/2012/main"/>
@@ -1539,7 +1896,7 @@
           </a:lstStyle>
           <a:p>
             <a:r>
-              <a:rPr lang="en-US" smtClean="0"/>
+              <a:rPr lang="en-US"/>
               <a:t>Click to edit Master title style</a:t>
             </a:r>
             <a:endParaRPr lang="en-US" dirty="0"/>
@@ -1615,7 +1972,7 @@
           </a:lstStyle>
           <a:p>
             <a:r>
-              <a:rPr lang="en-US" smtClean="0"/>
+              <a:rPr lang="en-US"/>
               <a:t>Drag picture to placeholder or click icon to add</a:t>
             </a:r>
             <a:endParaRPr lang="en-US" dirty="0"/>
@@ -1681,7 +2038,7 @@
           <a:p>
             <a:pPr lvl="0"/>
             <a:r>
-              <a:rPr lang="en-US" smtClean="0"/>
+              <a:rPr lang="en-US"/>
               <a:t>Click to edit Master text styles</a:t>
             </a:r>
           </a:p>
@@ -1704,7 +2061,7 @@
           <a:p>
             <a:fld id="{51673806-0BCD-1F42-BAA8-2011034B3C6A}" type="datetimeFigureOut">
               <a:rPr lang="en-US" smtClean="0"/>
-              <a:t>5/7/21</a:t>
+              <a:t>5/18/21</a:t>
             </a:fld>
             <a:endParaRPr lang="en-US"/>
           </a:p>
@@ -1946,7 +2303,7 @@
           </a:lstStyle>
           <a:p>
             <a:r>
-              <a:rPr lang="en-US" smtClean="0"/>
+              <a:rPr lang="en-US"/>
               <a:t>Click to edit Master title style</a:t>
             </a:r>
             <a:endParaRPr lang="en-US" dirty="0"/>
@@ -2012,7 +2369,7 @@
           <a:p>
             <a:pPr lvl="0"/>
             <a:r>
-              <a:rPr lang="en-US" smtClean="0"/>
+              <a:rPr lang="en-US"/>
               <a:t>Click to edit Master text styles</a:t>
             </a:r>
           </a:p>
@@ -2035,7 +2392,7 @@
           <a:p>
             <a:fld id="{51673806-0BCD-1F42-BAA8-2011034B3C6A}" type="datetimeFigureOut">
               <a:rPr lang="en-US" smtClean="0"/>
-              <a:t>5/7/21</a:t>
+              <a:t>5/18/21</a:t>
             </a:fld>
             <a:endParaRPr lang="en-US"/>
           </a:p>
@@ -2277,7 +2634,7 @@
           </a:lstStyle>
           <a:p>
             <a:r>
-              <a:rPr lang="en-US" smtClean="0"/>
+              <a:rPr lang="en-US"/>
               <a:t>Click to edit Master title style</a:t>
             </a:r>
             <a:endParaRPr lang="en-US" dirty="0"/>
@@ -2345,7 +2702,7 @@
           <a:p>
             <a:pPr lvl="0"/>
             <a:r>
-              <a:rPr lang="en-US" smtClean="0"/>
+              <a:rPr lang="en-US"/>
               <a:t>Click to edit Master text styles</a:t>
             </a:r>
           </a:p>
@@ -2412,7 +2769,7 @@
           <a:p>
             <a:pPr lvl="0"/>
             <a:r>
-              <a:rPr lang="en-US" smtClean="0"/>
+              <a:rPr lang="en-US"/>
               <a:t>Click to edit Master text styles</a:t>
             </a:r>
           </a:p>
@@ -2435,7 +2792,7 @@
           <a:p>
             <a:fld id="{51673806-0BCD-1F42-BAA8-2011034B3C6A}" type="datetimeFigureOut">
               <a:rPr lang="en-US" smtClean="0"/>
-              <a:t>5/7/21</a:t>
+              <a:t>5/18/21</a:t>
             </a:fld>
             <a:endParaRPr lang="en-US"/>
           </a:p>
@@ -2909,7 +3266,7 @@
           </a:lstStyle>
           <a:p>
             <a:r>
-              <a:rPr lang="en-US" smtClean="0"/>
+              <a:rPr lang="en-US"/>
               <a:t>Click to edit Master title style</a:t>
             </a:r>
             <a:endParaRPr lang="en-US" dirty="0"/>
@@ -2975,7 +3332,7 @@
           <a:p>
             <a:pPr lvl="0"/>
             <a:r>
-              <a:rPr lang="en-US" smtClean="0"/>
+              <a:rPr lang="en-US"/>
               <a:t>Click to edit Master text styles</a:t>
             </a:r>
           </a:p>
@@ -2998,7 +3355,7 @@
           <a:p>
             <a:fld id="{51673806-0BCD-1F42-BAA8-2011034B3C6A}" type="datetimeFigureOut">
               <a:rPr lang="en-US" smtClean="0"/>
-              <a:t>5/7/21</a:t>
+              <a:t>5/18/21</a:t>
             </a:fld>
             <a:endParaRPr lang="en-US"/>
           </a:p>
@@ -3236,7 +3593,7 @@
           <a:lstStyle/>
           <a:p>
             <a:r>
-              <a:rPr lang="en-US" smtClean="0"/>
+              <a:rPr lang="en-US"/>
               <a:t>Click to edit Master title style</a:t>
             </a:r>
             <a:endParaRPr lang="en-US" dirty="0"/>
@@ -3308,7 +3665,7 @@
           <a:p>
             <a:pPr lvl="0"/>
             <a:r>
-              <a:rPr lang="en-US" smtClean="0"/>
+              <a:rPr lang="en-US"/>
               <a:t>Click to edit Master text styles</a:t>
             </a:r>
           </a:p>
@@ -3375,7 +3732,7 @@
           <a:p>
             <a:pPr lvl="0"/>
             <a:r>
-              <a:rPr lang="en-US" smtClean="0"/>
+              <a:rPr lang="en-US"/>
               <a:t>Click to edit Master text styles</a:t>
             </a:r>
           </a:p>
@@ -3446,7 +3803,7 @@
           <a:p>
             <a:pPr lvl="0"/>
             <a:r>
-              <a:rPr lang="en-US" smtClean="0"/>
+              <a:rPr lang="en-US"/>
               <a:t>Click to edit Master text styles</a:t>
             </a:r>
           </a:p>
@@ -3513,7 +3870,7 @@
           <a:p>
             <a:pPr lvl="0"/>
             <a:r>
-              <a:rPr lang="en-US" smtClean="0"/>
+              <a:rPr lang="en-US"/>
               <a:t>Click to edit Master text styles</a:t>
             </a:r>
           </a:p>
@@ -3584,7 +3941,7 @@
           <a:p>
             <a:pPr lvl="0"/>
             <a:r>
-              <a:rPr lang="en-US" smtClean="0"/>
+              <a:rPr lang="en-US"/>
               <a:t>Click to edit Master text styles</a:t>
             </a:r>
           </a:p>
@@ -3651,7 +4008,7 @@
           <a:p>
             <a:pPr lvl="0"/>
             <a:r>
-              <a:rPr lang="en-US" smtClean="0"/>
+              <a:rPr lang="en-US"/>
               <a:t>Click to edit Master text styles</a:t>
             </a:r>
           </a:p>
@@ -3674,7 +4031,7 @@
           <a:p>
             <a:fld id="{51673806-0BCD-1F42-BAA8-2011034B3C6A}" type="datetimeFigureOut">
               <a:rPr lang="en-US" smtClean="0"/>
-              <a:t>5/7/21</a:t>
+              <a:t>5/18/21</a:t>
             </a:fld>
             <a:endParaRPr lang="en-US"/>
           </a:p>
@@ -3907,7 +4264,7 @@
           <a:lstStyle/>
           <a:p>
             <a:r>
-              <a:rPr lang="en-US" smtClean="0"/>
+              <a:rPr lang="en-US"/>
               <a:t>Click to edit Master title style</a:t>
             </a:r>
             <a:endParaRPr lang="en-US" dirty="0"/>
@@ -3979,7 +4336,7 @@
           <a:p>
             <a:pPr lvl="0"/>
             <a:r>
-              <a:rPr lang="en-US" smtClean="0"/>
+              <a:rPr lang="en-US"/>
               <a:t>Click to edit Master text styles</a:t>
             </a:r>
           </a:p>
@@ -4057,7 +4414,7 @@
           </a:lstStyle>
           <a:p>
             <a:r>
-              <a:rPr lang="en-US" smtClean="0"/>
+              <a:rPr lang="en-US"/>
               <a:t>Drag picture to placeholder or click icon to add</a:t>
             </a:r>
             <a:endParaRPr lang="en-US" dirty="0"/>
@@ -4125,7 +4482,7 @@
           <a:p>
             <a:pPr lvl="0"/>
             <a:r>
-              <a:rPr lang="en-US" smtClean="0"/>
+              <a:rPr lang="en-US"/>
               <a:t>Click to edit Master text styles</a:t>
             </a:r>
           </a:p>
@@ -4196,7 +4553,7 @@
           <a:p>
             <a:pPr lvl="0"/>
             <a:r>
-              <a:rPr lang="en-US" smtClean="0"/>
+              <a:rPr lang="en-US"/>
               <a:t>Click to edit Master text styles</a:t>
             </a:r>
           </a:p>
@@ -4274,7 +4631,7 @@
           </a:lstStyle>
           <a:p>
             <a:r>
-              <a:rPr lang="en-US" smtClean="0"/>
+              <a:rPr lang="en-US"/>
               <a:t>Drag picture to placeholder or click icon to add</a:t>
             </a:r>
             <a:endParaRPr lang="en-US" dirty="0"/>
@@ -4342,7 +4699,7 @@
           <a:p>
             <a:pPr lvl="0"/>
             <a:r>
-              <a:rPr lang="en-US" smtClean="0"/>
+              <a:rPr lang="en-US"/>
               <a:t>Click to edit Master text styles</a:t>
             </a:r>
           </a:p>
@@ -4413,7 +4770,7 @@
           <a:p>
             <a:pPr lvl="0"/>
             <a:r>
-              <a:rPr lang="en-US" smtClean="0"/>
+              <a:rPr lang="en-US"/>
               <a:t>Click to edit Master text styles</a:t>
             </a:r>
           </a:p>
@@ -4491,7 +4848,7 @@
           </a:lstStyle>
           <a:p>
             <a:r>
-              <a:rPr lang="en-US" smtClean="0"/>
+              <a:rPr lang="en-US"/>
               <a:t>Drag picture to placeholder or click icon to add</a:t>
             </a:r>
             <a:endParaRPr lang="en-US" dirty="0"/>
@@ -4559,7 +4916,7 @@
           <a:p>
             <a:pPr lvl="0"/>
             <a:r>
-              <a:rPr lang="en-US" smtClean="0"/>
+              <a:rPr lang="en-US"/>
               <a:t>Click to edit Master text styles</a:t>
             </a:r>
           </a:p>
@@ -4582,7 +4939,7 @@
           <a:p>
             <a:fld id="{51673806-0BCD-1F42-BAA8-2011034B3C6A}" type="datetimeFigureOut">
               <a:rPr lang="en-US" smtClean="0"/>
-              <a:t>5/7/21</a:t>
+              <a:t>5/18/21</a:t>
             </a:fld>
             <a:endParaRPr lang="en-US"/>
           </a:p>
@@ -4814,7 +5171,7 @@
           </a:lstStyle>
           <a:p>
             <a:r>
-              <a:rPr lang="en-US" smtClean="0"/>
+              <a:rPr lang="en-US"/>
               <a:t>Click to edit Master title style</a:t>
             </a:r>
             <a:endParaRPr lang="en-US" dirty="0"/>
@@ -4838,35 +5195,35 @@
           <a:p>
             <a:pPr lvl="0"/>
             <a:r>
-              <a:rPr lang="en-US" smtClean="0"/>
+              <a:rPr lang="en-US"/>
               <a:t>Click to edit Master text styles</a:t>
             </a:r>
           </a:p>
           <a:p>
             <a:pPr lvl="1"/>
             <a:r>
-              <a:rPr lang="en-US" smtClean="0"/>
+              <a:rPr lang="en-US"/>
               <a:t>Second level</a:t>
             </a:r>
           </a:p>
           <a:p>
             <a:pPr lvl="2"/>
             <a:r>
-              <a:rPr lang="en-US" smtClean="0"/>
+              <a:rPr lang="en-US"/>
               <a:t>Third level</a:t>
             </a:r>
           </a:p>
           <a:p>
             <a:pPr lvl="3"/>
             <a:r>
-              <a:rPr lang="en-US" smtClean="0"/>
+              <a:rPr lang="en-US"/>
               <a:t>Fourth level</a:t>
             </a:r>
           </a:p>
           <a:p>
             <a:pPr lvl="4"/>
             <a:r>
-              <a:rPr lang="en-US" smtClean="0"/>
+              <a:rPr lang="en-US"/>
               <a:t>Fifth level</a:t>
             </a:r>
             <a:endParaRPr lang="en-US" dirty="0"/>
@@ -4890,7 +5247,7 @@
           <a:p>
             <a:fld id="{51673806-0BCD-1F42-BAA8-2011034B3C6A}" type="datetimeFigureOut">
               <a:rPr lang="en-US" smtClean="0"/>
-              <a:t>5/7/21</a:t>
+              <a:t>5/18/21</a:t>
             </a:fld>
             <a:endParaRPr lang="en-US"/>
           </a:p>
@@ -4943,13 +5300,6 @@
   <p:clrMapOvr>
     <a:masterClrMapping/>
   </p:clrMapOvr>
-  <p:timing>
-    <p:tnLst>
-      <p:par>
-        <p:cTn id="1" dur="indefinite" restart="never" nodeType="tmRoot"/>
-      </p:par>
-    </p:tnLst>
-  </p:timing>
 </p:sldLayout>
 </file>
 
@@ -5070,7 +5420,7 @@
           <a:lstStyle/>
           <a:p>
             <a:r>
-              <a:rPr lang="en-US" smtClean="0"/>
+              <a:rPr lang="en-US"/>
               <a:t>Click to edit Master title style</a:t>
             </a:r>
             <a:endParaRPr lang="en-US" dirty="0"/>
@@ -5099,35 +5449,35 @@
           <a:p>
             <a:pPr lvl="0"/>
             <a:r>
-              <a:rPr lang="en-US" smtClean="0"/>
+              <a:rPr lang="en-US"/>
               <a:t>Click to edit Master text styles</a:t>
             </a:r>
           </a:p>
           <a:p>
             <a:pPr lvl="1"/>
             <a:r>
-              <a:rPr lang="en-US" smtClean="0"/>
+              <a:rPr lang="en-US"/>
               <a:t>Second level</a:t>
             </a:r>
           </a:p>
           <a:p>
             <a:pPr lvl="2"/>
             <a:r>
-              <a:rPr lang="en-US" smtClean="0"/>
+              <a:rPr lang="en-US"/>
               <a:t>Third level</a:t>
             </a:r>
           </a:p>
           <a:p>
             <a:pPr lvl="3"/>
             <a:r>
-              <a:rPr lang="en-US" smtClean="0"/>
+              <a:rPr lang="en-US"/>
               <a:t>Fourth level</a:t>
             </a:r>
           </a:p>
           <a:p>
             <a:pPr lvl="4"/>
             <a:r>
-              <a:rPr lang="en-US" smtClean="0"/>
+              <a:rPr lang="en-US"/>
               <a:t>Fifth level</a:t>
             </a:r>
             <a:endParaRPr lang="en-US" dirty="0"/>
@@ -5156,7 +5506,7 @@
           <a:p>
             <a:fld id="{51673806-0BCD-1F42-BAA8-2011034B3C6A}" type="datetimeFigureOut">
               <a:rPr lang="en-US" smtClean="0"/>
-              <a:t>5/7/21</a:t>
+              <a:t>5/18/21</a:t>
             </a:fld>
             <a:endParaRPr lang="en-US"/>
           </a:p>
@@ -5223,13 +5573,6 @@
   <p:clrMapOvr>
     <a:masterClrMapping/>
   </p:clrMapOvr>
-  <p:timing>
-    <p:tnLst>
-      <p:par>
-        <p:cTn id="1" dur="indefinite" restart="never" nodeType="tmRoot"/>
-      </p:par>
-    </p:tnLst>
-  </p:timing>
   <p:extLst>
     <p:ext uri="{DCECCB84-F9BA-43D5-87BE-67443E8EF086}">
       <p15:sldGuideLst xmlns:p15="http://schemas.microsoft.com/office/powerpoint/2012/main"/>
@@ -5410,7 +5753,7 @@
           <a:lstStyle/>
           <a:p>
             <a:r>
-              <a:rPr lang="en-US" smtClean="0"/>
+              <a:rPr lang="en-US"/>
               <a:t>Click to edit Master title style</a:t>
             </a:r>
             <a:endParaRPr lang="en-US" dirty="0"/>
@@ -5434,35 +5777,35 @@
           <a:p>
             <a:pPr lvl="0"/>
             <a:r>
-              <a:rPr lang="en-US" smtClean="0"/>
+              <a:rPr lang="en-US"/>
               <a:t>Click to edit Master text styles</a:t>
             </a:r>
           </a:p>
           <a:p>
             <a:pPr lvl="1"/>
             <a:r>
-              <a:rPr lang="en-US" smtClean="0"/>
+              <a:rPr lang="en-US"/>
               <a:t>Second level</a:t>
             </a:r>
           </a:p>
           <a:p>
             <a:pPr lvl="2"/>
             <a:r>
-              <a:rPr lang="en-US" smtClean="0"/>
+              <a:rPr lang="en-US"/>
               <a:t>Third level</a:t>
             </a:r>
           </a:p>
           <a:p>
             <a:pPr lvl="3"/>
             <a:r>
-              <a:rPr lang="en-US" smtClean="0"/>
+              <a:rPr lang="en-US"/>
               <a:t>Fourth level</a:t>
             </a:r>
           </a:p>
           <a:p>
             <a:pPr lvl="4"/>
             <a:r>
-              <a:rPr lang="en-US" smtClean="0"/>
+              <a:rPr lang="en-US"/>
               <a:t>Fifth level</a:t>
             </a:r>
             <a:endParaRPr lang="en-US" dirty="0"/>
@@ -5486,7 +5829,7 @@
           <a:p>
             <a:fld id="{51673806-0BCD-1F42-BAA8-2011034B3C6A}" type="datetimeFigureOut">
               <a:rPr lang="en-US" smtClean="0"/>
-              <a:t>5/7/21</a:t>
+              <a:t>5/18/21</a:t>
             </a:fld>
             <a:endParaRPr lang="en-US"/>
           </a:p>
@@ -5539,13 +5882,6 @@
   <p:clrMapOvr>
     <a:masterClrMapping/>
   </p:clrMapOvr>
-  <p:timing>
-    <p:tnLst>
-      <p:par>
-        <p:cTn id="1" dur="indefinite" restart="never" nodeType="tmRoot"/>
-      </p:par>
-    </p:tnLst>
-  </p:timing>
 </p:sldLayout>
 </file>
 
@@ -5732,7 +6068,7 @@
           </a:lstStyle>
           <a:p>
             <a:r>
-              <a:rPr lang="en-US" smtClean="0"/>
+              <a:rPr lang="en-US"/>
               <a:t>Click to edit Master title style</a:t>
             </a:r>
             <a:endParaRPr lang="en-US" dirty="0"/>
@@ -5854,7 +6190,7 @@
           <a:p>
             <a:pPr lvl="0"/>
             <a:r>
-              <a:rPr lang="en-US" smtClean="0"/>
+              <a:rPr lang="en-US"/>
               <a:t>Click to edit Master text styles</a:t>
             </a:r>
           </a:p>
@@ -5877,7 +6213,7 @@
           <a:p>
             <a:fld id="{51673806-0BCD-1F42-BAA8-2011034B3C6A}" type="datetimeFigureOut">
               <a:rPr lang="en-US" smtClean="0"/>
-              <a:t>5/7/21</a:t>
+              <a:t>5/18/21</a:t>
             </a:fld>
             <a:endParaRPr lang="en-US"/>
           </a:p>
@@ -6115,7 +6451,7 @@
           <a:lstStyle/>
           <a:p>
             <a:r>
-              <a:rPr lang="en-US" smtClean="0"/>
+              <a:rPr lang="en-US"/>
               <a:t>Click to edit Master title style</a:t>
             </a:r>
             <a:endParaRPr lang="en-US" dirty="0"/>
@@ -6144,35 +6480,35 @@
           <a:p>
             <a:pPr lvl="0"/>
             <a:r>
-              <a:rPr lang="en-US" smtClean="0"/>
+              <a:rPr lang="en-US"/>
               <a:t>Click to edit Master text styles</a:t>
             </a:r>
           </a:p>
           <a:p>
             <a:pPr lvl="1"/>
             <a:r>
-              <a:rPr lang="en-US" smtClean="0"/>
+              <a:rPr lang="en-US"/>
               <a:t>Second level</a:t>
             </a:r>
           </a:p>
           <a:p>
             <a:pPr lvl="2"/>
             <a:r>
-              <a:rPr lang="en-US" smtClean="0"/>
+              <a:rPr lang="en-US"/>
               <a:t>Third level</a:t>
             </a:r>
           </a:p>
           <a:p>
             <a:pPr lvl="3"/>
             <a:r>
-              <a:rPr lang="en-US" smtClean="0"/>
+              <a:rPr lang="en-US"/>
               <a:t>Fourth level</a:t>
             </a:r>
           </a:p>
           <a:p>
             <a:pPr lvl="4"/>
             <a:r>
-              <a:rPr lang="en-US" smtClean="0"/>
+              <a:rPr lang="en-US"/>
               <a:t>Fifth level</a:t>
             </a:r>
             <a:endParaRPr lang="en-US" dirty="0"/>
@@ -6201,35 +6537,35 @@
           <a:p>
             <a:pPr lvl="0"/>
             <a:r>
-              <a:rPr lang="en-US" smtClean="0"/>
+              <a:rPr lang="en-US"/>
               <a:t>Click to edit Master text styles</a:t>
             </a:r>
           </a:p>
           <a:p>
             <a:pPr lvl="1"/>
             <a:r>
-              <a:rPr lang="en-US" smtClean="0"/>
+              <a:rPr lang="en-US"/>
               <a:t>Second level</a:t>
             </a:r>
           </a:p>
           <a:p>
             <a:pPr lvl="2"/>
             <a:r>
-              <a:rPr lang="en-US" smtClean="0"/>
+              <a:rPr lang="en-US"/>
               <a:t>Third level</a:t>
             </a:r>
           </a:p>
           <a:p>
             <a:pPr lvl="3"/>
             <a:r>
-              <a:rPr lang="en-US" smtClean="0"/>
+              <a:rPr lang="en-US"/>
               <a:t>Fourth level</a:t>
             </a:r>
           </a:p>
           <a:p>
             <a:pPr lvl="4"/>
             <a:r>
-              <a:rPr lang="en-US" smtClean="0"/>
+              <a:rPr lang="en-US"/>
               <a:t>Fifth level</a:t>
             </a:r>
             <a:endParaRPr lang="en-US" dirty="0"/>
@@ -6253,7 +6589,7 @@
           <a:p>
             <a:fld id="{51673806-0BCD-1F42-BAA8-2011034B3C6A}" type="datetimeFigureOut">
               <a:rPr lang="en-US" smtClean="0"/>
-              <a:t>5/7/21</a:t>
+              <a:t>5/18/21</a:t>
             </a:fld>
             <a:endParaRPr lang="en-US"/>
           </a:p>
@@ -6491,7 +6827,7 @@
           <a:lstStyle/>
           <a:p>
             <a:r>
-              <a:rPr lang="en-US" smtClean="0"/>
+              <a:rPr lang="en-US"/>
               <a:t>Click to edit Master title style</a:t>
             </a:r>
             <a:endParaRPr lang="en-US" dirty="0"/>
@@ -6557,7 +6893,7 @@
           <a:p>
             <a:pPr lvl="0"/>
             <a:r>
-              <a:rPr lang="en-US" smtClean="0"/>
+              <a:rPr lang="en-US"/>
               <a:t>Click to edit Master text styles</a:t>
             </a:r>
           </a:p>
@@ -6585,35 +6921,35 @@
           <a:p>
             <a:pPr lvl="0"/>
             <a:r>
-              <a:rPr lang="en-US" smtClean="0"/>
+              <a:rPr lang="en-US"/>
               <a:t>Click to edit Master text styles</a:t>
             </a:r>
           </a:p>
           <a:p>
             <a:pPr lvl="1"/>
             <a:r>
-              <a:rPr lang="en-US" smtClean="0"/>
+              <a:rPr lang="en-US"/>
               <a:t>Second level</a:t>
             </a:r>
           </a:p>
           <a:p>
             <a:pPr lvl="2"/>
             <a:r>
-              <a:rPr lang="en-US" smtClean="0"/>
+              <a:rPr lang="en-US"/>
               <a:t>Third level</a:t>
             </a:r>
           </a:p>
           <a:p>
             <a:pPr lvl="3"/>
             <a:r>
-              <a:rPr lang="en-US" smtClean="0"/>
+              <a:rPr lang="en-US"/>
               <a:t>Fourth level</a:t>
             </a:r>
           </a:p>
           <a:p>
             <a:pPr lvl="4"/>
             <a:r>
-              <a:rPr lang="en-US" smtClean="0"/>
+              <a:rPr lang="en-US"/>
               <a:t>Fifth level</a:t>
             </a:r>
             <a:endParaRPr lang="en-US" dirty="0"/>
@@ -6679,7 +7015,7 @@
           <a:p>
             <a:pPr lvl="0"/>
             <a:r>
-              <a:rPr lang="en-US" smtClean="0"/>
+              <a:rPr lang="en-US"/>
               <a:t>Click to edit Master text styles</a:t>
             </a:r>
           </a:p>
@@ -6707,35 +7043,35 @@
           <a:p>
             <a:pPr lvl="0"/>
             <a:r>
-              <a:rPr lang="en-US" smtClean="0"/>
+              <a:rPr lang="en-US"/>
               <a:t>Click to edit Master text styles</a:t>
             </a:r>
           </a:p>
           <a:p>
             <a:pPr lvl="1"/>
             <a:r>
-              <a:rPr lang="en-US" smtClean="0"/>
+              <a:rPr lang="en-US"/>
               <a:t>Second level</a:t>
             </a:r>
           </a:p>
           <a:p>
             <a:pPr lvl="2"/>
             <a:r>
-              <a:rPr lang="en-US" smtClean="0"/>
+              <a:rPr lang="en-US"/>
               <a:t>Third level</a:t>
             </a:r>
           </a:p>
           <a:p>
             <a:pPr lvl="3"/>
             <a:r>
-              <a:rPr lang="en-US" smtClean="0"/>
+              <a:rPr lang="en-US"/>
               <a:t>Fourth level</a:t>
             </a:r>
           </a:p>
           <a:p>
             <a:pPr lvl="4"/>
             <a:r>
-              <a:rPr lang="en-US" smtClean="0"/>
+              <a:rPr lang="en-US"/>
               <a:t>Fifth level</a:t>
             </a:r>
             <a:endParaRPr lang="en-US" dirty="0"/>
@@ -6759,7 +7095,7 @@
           <a:p>
             <a:fld id="{51673806-0BCD-1F42-BAA8-2011034B3C6A}" type="datetimeFigureOut">
               <a:rPr lang="en-US" smtClean="0"/>
-              <a:t>5/7/21</a:t>
+              <a:t>5/18/21</a:t>
             </a:fld>
             <a:endParaRPr lang="en-US"/>
           </a:p>
@@ -6992,7 +7328,7 @@
           <a:lstStyle/>
           <a:p>
             <a:r>
-              <a:rPr lang="en-US" smtClean="0"/>
+              <a:rPr lang="en-US"/>
               <a:t>Click to edit Master title style</a:t>
             </a:r>
             <a:endParaRPr lang="en-US" dirty="0"/>
@@ -7016,7 +7352,7 @@
           <a:p>
             <a:fld id="{51673806-0BCD-1F42-BAA8-2011034B3C6A}" type="datetimeFigureOut">
               <a:rPr lang="en-US" smtClean="0"/>
-              <a:t>5/7/21</a:t>
+              <a:t>5/18/21</a:t>
             </a:fld>
             <a:endParaRPr lang="en-US"/>
           </a:p>
@@ -7174,7 +7510,7 @@
           <a:p>
             <a:fld id="{51673806-0BCD-1F42-BAA8-2011034B3C6A}" type="datetimeFigureOut">
               <a:rPr lang="en-US" smtClean="0"/>
-              <a:t>5/7/21</a:t>
+              <a:t>5/18/21</a:t>
             </a:fld>
             <a:endParaRPr lang="en-US"/>
           </a:p>
@@ -7418,7 +7754,7 @@
           </a:lstStyle>
           <a:p>
             <a:r>
-              <a:rPr lang="en-US" smtClean="0"/>
+              <a:rPr lang="en-US"/>
               <a:t>Click to edit Master title style</a:t>
             </a:r>
             <a:endParaRPr lang="en-US" dirty="0"/>
@@ -7447,35 +7783,35 @@
           <a:p>
             <a:pPr lvl="0"/>
             <a:r>
-              <a:rPr lang="en-US" smtClean="0"/>
+              <a:rPr lang="en-US"/>
               <a:t>Click to edit Master text styles</a:t>
             </a:r>
           </a:p>
           <a:p>
             <a:pPr lvl="1"/>
             <a:r>
-              <a:rPr lang="en-US" smtClean="0"/>
+              <a:rPr lang="en-US"/>
               <a:t>Second level</a:t>
             </a:r>
           </a:p>
           <a:p>
             <a:pPr lvl="2"/>
             <a:r>
-              <a:rPr lang="en-US" smtClean="0"/>
+              <a:rPr lang="en-US"/>
               <a:t>Third level</a:t>
             </a:r>
           </a:p>
           <a:p>
             <a:pPr lvl="3"/>
             <a:r>
-              <a:rPr lang="en-US" smtClean="0"/>
+              <a:rPr lang="en-US"/>
               <a:t>Fourth level</a:t>
             </a:r>
           </a:p>
           <a:p>
             <a:pPr lvl="4"/>
             <a:r>
-              <a:rPr lang="en-US" smtClean="0"/>
+              <a:rPr lang="en-US"/>
               <a:t>Fifth level</a:t>
             </a:r>
             <a:endParaRPr lang="en-US" dirty="0"/>
@@ -7541,7 +7877,7 @@
           <a:p>
             <a:pPr lvl="0"/>
             <a:r>
-              <a:rPr lang="en-US" smtClean="0"/>
+              <a:rPr lang="en-US"/>
               <a:t>Click to edit Master text styles</a:t>
             </a:r>
           </a:p>
@@ -7564,7 +7900,7 @@
           <a:p>
             <a:fld id="{51673806-0BCD-1F42-BAA8-2011034B3C6A}" type="datetimeFigureOut">
               <a:rPr lang="en-US" smtClean="0"/>
-              <a:t>5/7/21</a:t>
+              <a:t>5/18/21</a:t>
             </a:fld>
             <a:endParaRPr lang="en-US"/>
           </a:p>
@@ -7808,7 +8144,7 @@
           </a:lstStyle>
           <a:p>
             <a:r>
-              <a:rPr lang="en-US" smtClean="0"/>
+              <a:rPr lang="en-US"/>
               <a:t>Click to edit Master title style</a:t>
             </a:r>
             <a:endParaRPr lang="en-US" dirty="0"/>
@@ -7884,7 +8220,7 @@
           </a:lstStyle>
           <a:p>
             <a:r>
-              <a:rPr lang="en-US" smtClean="0"/>
+              <a:rPr lang="en-US"/>
               <a:t>Drag picture to placeholder or click icon to add</a:t>
             </a:r>
             <a:endParaRPr lang="en-US" dirty="0"/>
@@ -7950,7 +8286,7 @@
           <a:p>
             <a:pPr lvl="0"/>
             <a:r>
-              <a:rPr lang="en-US" smtClean="0"/>
+              <a:rPr lang="en-US"/>
               <a:t>Click to edit Master text styles</a:t>
             </a:r>
           </a:p>
@@ -7973,7 +8309,7 @@
           <a:p>
             <a:fld id="{51673806-0BCD-1F42-BAA8-2011034B3C6A}" type="datetimeFigureOut">
               <a:rPr lang="en-US" smtClean="0"/>
-              <a:t>5/7/21</a:t>
+              <a:t>5/18/21</a:t>
             </a:fld>
             <a:endParaRPr lang="en-US"/>
           </a:p>
@@ -7995,7 +8331,7 @@
           <a:lstStyle/>
           <a:p>
             <a:r>
-              <a:rPr lang="en-US" smtClean="0"/>
+              <a:rPr lang="en-US"/>
               <a:t>
               </a:t>
             </a:r>
@@ -8113,10 +8449,9 @@
           <a:lstStyle/>
           <a:p>
             <a:r>
-              <a:rPr lang="en-US" dirty="0" smtClean="0"/>
+              <a:rPr lang="en-US" dirty="0"/>
               <a:t>Click to edit Master title style</a:t>
             </a:r>
-            <a:endParaRPr lang="en-US" dirty="0"/>
           </a:p>
         </p:txBody>
       </p:sp>
@@ -8147,38 +8482,37 @@
           <a:p>
             <a:pPr lvl="0"/>
             <a:r>
-              <a:rPr lang="en-US" dirty="0" smtClean="0"/>
+              <a:rPr lang="en-US" dirty="0"/>
               <a:t>Click to edit Master text styles</a:t>
             </a:r>
           </a:p>
           <a:p>
             <a:pPr lvl="1"/>
             <a:r>
-              <a:rPr lang="en-US" dirty="0" smtClean="0"/>
+              <a:rPr lang="en-US" dirty="0"/>
               <a:t>Second level</a:t>
             </a:r>
           </a:p>
           <a:p>
             <a:pPr lvl="2"/>
             <a:r>
-              <a:rPr lang="en-US" dirty="0" smtClean="0"/>
+              <a:rPr lang="en-US" dirty="0"/>
               <a:t>Third level</a:t>
             </a:r>
           </a:p>
           <a:p>
             <a:pPr lvl="3"/>
             <a:r>
-              <a:rPr lang="en-US" dirty="0" smtClean="0"/>
+              <a:rPr lang="en-US" dirty="0"/>
               <a:t>Fourth level</a:t>
             </a:r>
           </a:p>
           <a:p>
             <a:pPr lvl="4"/>
             <a:r>
-              <a:rPr lang="en-US" dirty="0" smtClean="0"/>
+              <a:rPr lang="en-US" dirty="0"/>
               <a:t>Fifth level</a:t>
             </a:r>
-            <a:endParaRPr lang="en-US" dirty="0"/>
           </a:p>
         </p:txBody>
       </p:sp>
@@ -8221,7 +8555,7 @@
             <a:fld id="{51673806-0BCD-1F42-BAA8-2011034B3C6A}" type="datetimeFigureOut">
               <a:rPr lang="en-US" smtClean="0"/>
               <a:pPr/>
-              <a:t>5/7/21</a:t>
+              <a:t>5/18/21</a:t>
             </a:fld>
             <a:endParaRPr lang="en-US" dirty="0"/>
           </a:p>
@@ -8339,13 +8673,6 @@
     <p:sldLayoutId id="2147484310" r:id="rId16"/>
     <p:sldLayoutId id="2147484311" r:id="rId17"/>
   </p:sldLayoutIdLst>
-  <p:timing>
-    <p:tnLst>
-      <p:par>
-        <p:cTn id="1" dur="indefinite" restart="never" nodeType="tmRoot"/>
-      </p:par>
-    </p:tnLst>
-  </p:timing>
   <p:txStyles>
     <p:titleStyle>
       <a:lvl1pPr algn="l" defTabSz="914400" rtl="0" eaLnBrk="1" latinLnBrk="0" hangingPunct="1">
@@ -8667,10 +8994,9 @@
           <a:lstStyle/>
           <a:p>
             <a:r>
-              <a:rPr lang="en-US" dirty="0" smtClean="0"/>
+              <a:rPr lang="en-US" dirty="0"/>
               <a:t>Inheritance &amp; Composition</a:t>
             </a:r>
-            <a:endParaRPr lang="en-US" dirty="0"/>
           </a:p>
         </p:txBody>
       </p:sp>
@@ -8693,11 +9019,7 @@
           <a:p>
             <a:r>
               <a:rPr lang="en-US"/>
-              <a:t>SURP </a:t>
-            </a:r>
-            <a:r>
-              <a:rPr lang="en-US" smtClean="0"/>
-              <a:t>2021 </a:t>
+              <a:t>SURP 2021 </a:t>
             </a:r>
             <a:r>
               <a:rPr lang="en-US" dirty="0"/>
@@ -8713,13 +9035,8 @@
           <a:p>
             <a:r>
               <a:rPr lang="en-US" dirty="0"/>
-              <a:t>Slides by: James W. </a:t>
-            </a:r>
-            <a:r>
-              <a:rPr lang="en-US" dirty="0" smtClean="0"/>
-              <a:t>Johnson</a:t>
-            </a:r>
-            <a:endParaRPr lang="en-US" dirty="0"/>
+              <a:t>Slides by: James W. Johnson</a:t>
+            </a:r>
           </a:p>
         </p:txBody>
       </p:sp>
@@ -8733,13 +9050,6 @@
   <p:clrMapOvr>
     <a:masterClrMapping/>
   </p:clrMapOvr>
-  <p:timing>
-    <p:tnLst>
-      <p:par>
-        <p:cTn id="1" dur="indefinite" restart="never" nodeType="tmRoot"/>
-      </p:par>
-    </p:tnLst>
-  </p:timing>
 </p:sld>
 </file>
 
@@ -8776,18 +9086,17 @@
           <a:lstStyle/>
           <a:p>
             <a:r>
-              <a:rPr lang="en-US" dirty="0" smtClean="0"/>
+              <a:rPr lang="en-US" dirty="0"/>
               <a:t>Inheritance: </a:t>
             </a:r>
             <a:r>
-              <a:rPr lang="en-US" dirty="0" err="1" smtClean="0"/>
+              <a:rPr lang="en-US" dirty="0" err="1"/>
               <a:t>Subclassing</a:t>
             </a:r>
             <a:r>
-              <a:rPr lang="en-US" dirty="0" smtClean="0"/>
+              <a:rPr lang="en-US" dirty="0"/>
               <a:t> Built-Ins </a:t>
             </a:r>
-            <a:endParaRPr lang="en-US" dirty="0"/>
           </a:p>
         </p:txBody>
       </p:sp>
@@ -8828,7 +9137,7 @@
               <a:tabLst/>
               <a:defRPr/>
             </a:pPr>
-            <a:endParaRPr lang="en-US" dirty="0" smtClean="0"/>
+            <a:endParaRPr lang="en-US" dirty="0"/>
           </a:p>
           <a:p>
             <a:pPr marL="0" marR="0" lvl="0" indent="0" defTabSz="914400" eaLnBrk="1" fontAlgn="auto" latinLnBrk="0" hangingPunct="1">
@@ -8849,22 +9158,22 @@
               <a:defRPr/>
             </a:pPr>
             <a:r>
-              <a:rPr lang="en-US" dirty="0" smtClean="0"/>
+              <a:rPr lang="en-US" dirty="0"/>
               <a:t>Example: subclass </a:t>
             </a:r>
             <a:r>
-              <a:rPr lang="en-US" i="1" dirty="0" smtClean="0"/>
+              <a:rPr lang="en-US" i="1" dirty="0"/>
               <a:t>list</a:t>
             </a:r>
             <a:r>
-              <a:rPr lang="en-US" dirty="0" smtClean="0"/>
+              <a:rPr lang="en-US" dirty="0"/>
               <a:t> to make a simple </a:t>
             </a:r>
             <a:r>
-              <a:rPr lang="en-US" i="1" dirty="0" smtClean="0"/>
+              <a:rPr lang="en-US" i="1" dirty="0"/>
               <a:t>array </a:t>
             </a:r>
-            <a:endParaRPr lang="en-US" dirty="0" smtClean="0"/>
+            <a:endParaRPr lang="en-US" dirty="0"/>
           </a:p>
           <a:p>
             <a:pPr marL="0" marR="0" lvl="0" indent="0" defTabSz="914400" eaLnBrk="1" fontAlgn="auto" latinLnBrk="0" hangingPunct="1">
@@ -8884,7 +9193,7 @@
               <a:tabLst/>
               <a:defRPr/>
             </a:pPr>
-            <a:endParaRPr lang="en-US" dirty="0" smtClean="0"/>
+            <a:endParaRPr lang="en-US" dirty="0"/>
           </a:p>
           <a:p>
             <a:pPr marL="0" marR="0" lvl="0" indent="0" defTabSz="914400" eaLnBrk="1" fontAlgn="auto" latinLnBrk="0" hangingPunct="1">
@@ -8945,7 +9254,7 @@
               <a:defRPr/>
             </a:pPr>
             <a:r>
-              <a:rPr lang="en-US" dirty="0" smtClean="0"/>
+              <a:rPr lang="en-US" dirty="0"/>
               <a:t>Arrays differ from lists in that all elements must be of the same type. </a:t>
             </a:r>
           </a:p>
@@ -8991,13 +9300,6 @@
   <p:clrMapOvr>
     <a:masterClrMapping/>
   </p:clrMapOvr>
-  <p:timing>
-    <p:tnLst>
-      <p:par>
-        <p:cTn id="1" dur="indefinite" restart="never" nodeType="tmRoot"/>
-      </p:par>
-    </p:tnLst>
-  </p:timing>
 </p:sld>
 </file>
 
@@ -9034,18 +9336,17 @@
           <a:lstStyle/>
           <a:p>
             <a:r>
-              <a:rPr lang="en-US" dirty="0" smtClean="0"/>
+              <a:rPr lang="en-US" dirty="0"/>
               <a:t>Inheritance: </a:t>
             </a:r>
             <a:r>
-              <a:rPr lang="en-US" dirty="0" err="1" smtClean="0"/>
+              <a:rPr lang="en-US" dirty="0" err="1"/>
               <a:t>Subclassing</a:t>
             </a:r>
             <a:r>
-              <a:rPr lang="en-US" dirty="0" smtClean="0"/>
+              <a:rPr lang="en-US" dirty="0"/>
               <a:t> Built-Ins </a:t>
             </a:r>
-            <a:endParaRPr lang="en-US" dirty="0"/>
           </a:p>
         </p:txBody>
       </p:sp>
@@ -9087,39 +9388,39 @@
               <a:defRPr/>
             </a:pPr>
             <a:r>
-              <a:rPr lang="en-US" dirty="0" smtClean="0"/>
+              <a:rPr lang="en-US" dirty="0"/>
               <a:t>In the example, a </a:t>
             </a:r>
             <a:r>
-              <a:rPr lang="en-US" i="1" dirty="0" err="1" smtClean="0"/>
+              <a:rPr lang="en-US" i="1" dirty="0" err="1"/>
               <a:t>TypeError</a:t>
             </a:r>
             <a:r>
-              <a:rPr lang="en-US" dirty="0" smtClean="0"/>
+              <a:rPr lang="en-US" dirty="0"/>
               <a:t> is raised by </a:t>
             </a:r>
             <a:r>
-              <a:rPr lang="en-US" i="1" dirty="0" smtClean="0"/>
+              <a:rPr lang="en-US" i="1" dirty="0"/>
               <a:t>__</a:t>
             </a:r>
             <a:r>
-              <a:rPr lang="en-US" i="1" dirty="0" err="1" smtClean="0"/>
+              <a:rPr lang="en-US" i="1" dirty="0" err="1"/>
               <a:t>init</a:t>
             </a:r>
             <a:r>
-              <a:rPr lang="en-US" i="1" dirty="0" smtClean="0"/>
+              <a:rPr lang="en-US" i="1" dirty="0"/>
               <a:t>__</a:t>
             </a:r>
             <a:r>
-              <a:rPr lang="en-US" dirty="0" smtClean="0"/>
+              <a:rPr lang="en-US" dirty="0"/>
               <a:t> if not all elements are of the specified </a:t>
             </a:r>
             <a:r>
-              <a:rPr lang="en-US" i="1" dirty="0" err="1" smtClean="0"/>
+              <a:rPr lang="en-US" i="1" dirty="0" err="1"/>
               <a:t>dtype</a:t>
             </a:r>
             <a:r>
-              <a:rPr lang="en-US" dirty="0" smtClean="0"/>
+              <a:rPr lang="en-US" dirty="0"/>
               <a:t>. </a:t>
             </a:r>
           </a:p>
@@ -9141,7 +9442,7 @@
               <a:tabLst/>
               <a:defRPr/>
             </a:pPr>
-            <a:endParaRPr lang="en-US" dirty="0" smtClean="0"/>
+            <a:endParaRPr lang="en-US" dirty="0"/>
           </a:p>
           <a:p>
             <a:pPr marL="0" marR="0" lvl="0" indent="0" defTabSz="914400" eaLnBrk="1" fontAlgn="auto" latinLnBrk="0" hangingPunct="1">
@@ -9162,31 +9463,31 @@
               <a:defRPr/>
             </a:pPr>
             <a:r>
-              <a:rPr lang="en-US" dirty="0" smtClean="0"/>
+              <a:rPr lang="en-US" dirty="0"/>
               <a:t>Then override the inherited </a:t>
             </a:r>
             <a:r>
-              <a:rPr lang="en-US" i="1" dirty="0" smtClean="0"/>
+              <a:rPr lang="en-US" i="1" dirty="0"/>
               <a:t>__</a:t>
             </a:r>
             <a:r>
-              <a:rPr lang="en-US" i="1" dirty="0" err="1" smtClean="0"/>
+              <a:rPr lang="en-US" i="1" dirty="0" err="1"/>
               <a:t>setitem</a:t>
             </a:r>
             <a:r>
-              <a:rPr lang="en-US" i="1" dirty="0" smtClean="0"/>
+              <a:rPr lang="en-US" i="1" dirty="0"/>
               <a:t>__</a:t>
             </a:r>
             <a:r>
-              <a:rPr lang="en-US" dirty="0" smtClean="0"/>
+              <a:rPr lang="en-US" dirty="0"/>
               <a:t> to only accept the specified </a:t>
             </a:r>
             <a:r>
-              <a:rPr lang="en-US" i="1" dirty="0" err="1" smtClean="0"/>
+              <a:rPr lang="en-US" i="1" dirty="0" err="1"/>
               <a:t>dtype</a:t>
             </a:r>
             <a:r>
-              <a:rPr lang="en-US" dirty="0" smtClean="0"/>
+              <a:rPr lang="en-US" dirty="0"/>
               <a:t>. </a:t>
             </a:r>
           </a:p>
@@ -9229,31 +9530,31 @@
               <a:defRPr/>
             </a:pPr>
             <a:r>
-              <a:rPr lang="en-US" dirty="0" smtClean="0"/>
+              <a:rPr lang="en-US" dirty="0"/>
               <a:t>Note the reappearance of </a:t>
             </a:r>
             <a:r>
-              <a:rPr lang="en-US" i="1" dirty="0" smtClean="0"/>
+              <a:rPr lang="en-US" i="1" dirty="0"/>
               <a:t>super</a:t>
             </a:r>
             <a:r>
-              <a:rPr lang="en-US" dirty="0" smtClean="0"/>
+              <a:rPr lang="en-US" dirty="0"/>
               <a:t> </a:t>
             </a:r>
             <a:r>
-              <a:rPr lang="mr-IN" dirty="0" smtClean="0"/>
+              <a:rPr lang="mr-IN" dirty="0"/>
               <a:t>–</a:t>
             </a:r>
             <a:r>
-              <a:rPr lang="en-US" dirty="0" smtClean="0"/>
+              <a:rPr lang="en-US" dirty="0"/>
               <a:t> it can be used </a:t>
             </a:r>
             <a:r>
-              <a:rPr lang="en-US" i="1" dirty="0" smtClean="0"/>
+              <a:rPr lang="en-US" i="1" dirty="0"/>
               <a:t>anywhere</a:t>
             </a:r>
             <a:r>
-              <a:rPr lang="en-US" dirty="0" smtClean="0"/>
+              <a:rPr lang="en-US" dirty="0"/>
               <a:t> to refer to an inherited class or function. </a:t>
             </a:r>
           </a:p>
@@ -9268,7 +9569,7 @@
           <p:nvPr/>
         </p:nvPicPr>
         <p:blipFill>
-          <a:blip r:embed="rId2">
+          <a:blip r:embed="rId3">
             <a:extLst>
               <a:ext uri="{28A0092B-C50C-407E-A947-70E740481C1C}">
                 <a14:useLocalDpi xmlns:a14="http://schemas.microsoft.com/office/drawing/2010/main" val="0"/>
@@ -9299,13 +9600,6 @@
   <p:clrMapOvr>
     <a:masterClrMapping/>
   </p:clrMapOvr>
-  <p:timing>
-    <p:tnLst>
-      <p:par>
-        <p:cTn id="1" dur="indefinite" restart="never" nodeType="tmRoot"/>
-      </p:par>
-    </p:tnLst>
-  </p:timing>
 </p:sld>
 </file>
 
@@ -9342,18 +9636,17 @@
           <a:lstStyle/>
           <a:p>
             <a:r>
-              <a:rPr lang="en-US" dirty="0" smtClean="0"/>
+              <a:rPr lang="en-US" dirty="0"/>
               <a:t>Inheritance: </a:t>
             </a:r>
             <a:r>
-              <a:rPr lang="en-US" dirty="0" err="1" smtClean="0"/>
+              <a:rPr lang="en-US" dirty="0" err="1"/>
               <a:t>Subclassing</a:t>
             </a:r>
             <a:r>
-              <a:rPr lang="en-US" dirty="0" smtClean="0"/>
+              <a:rPr lang="en-US" dirty="0"/>
               <a:t> Built-Ins </a:t>
             </a:r>
-            <a:endParaRPr lang="en-US" dirty="0"/>
           </a:p>
         </p:txBody>
       </p:sp>
@@ -9394,7 +9687,7 @@
               <a:tabLst/>
               <a:defRPr/>
             </a:pPr>
-            <a:endParaRPr lang="en-US" dirty="0" smtClean="0"/>
+            <a:endParaRPr lang="en-US" dirty="0"/>
           </a:p>
           <a:p>
             <a:pPr marL="0" marR="0" lvl="0" indent="0" defTabSz="914400" eaLnBrk="1" fontAlgn="auto" latinLnBrk="0" hangingPunct="1">
@@ -9435,7 +9728,7 @@
               <a:defRPr/>
             </a:pPr>
             <a:r>
-              <a:rPr lang="en-US" dirty="0" smtClean="0"/>
+              <a:rPr lang="en-US" dirty="0"/>
               <a:t>All of the features and behavior of the list are inherited, with the modification that this only allows integers </a:t>
             </a:r>
           </a:p>
@@ -9481,13 +9774,6 @@
   <p:clrMapOvr>
     <a:masterClrMapping/>
   </p:clrMapOvr>
-  <p:timing>
-    <p:tnLst>
-      <p:par>
-        <p:cTn id="1" dur="indefinite" restart="never" nodeType="tmRoot"/>
-      </p:par>
-    </p:tnLst>
-  </p:timing>
 </p:sld>
 </file>
 
@@ -9524,10 +9810,9 @@
           <a:lstStyle/>
           <a:p>
             <a:r>
-              <a:rPr lang="en-US" dirty="0" smtClean="0"/>
+              <a:rPr lang="en-US" dirty="0"/>
               <a:t>This Includes Exceptions and Warnings </a:t>
             </a:r>
-            <a:endParaRPr lang="en-US" dirty="0"/>
           </a:p>
         </p:txBody>
       </p:sp>
@@ -9569,31 +9854,31 @@
               <a:defRPr/>
             </a:pPr>
             <a:r>
-              <a:rPr lang="en-US" dirty="0" smtClean="0"/>
+              <a:rPr lang="en-US" dirty="0"/>
               <a:t>You can create your own </a:t>
             </a:r>
             <a:r>
-              <a:rPr lang="en-US" i="1" dirty="0" smtClean="0"/>
+              <a:rPr lang="en-US" i="1" dirty="0"/>
               <a:t>Exception</a:t>
             </a:r>
             <a:r>
-              <a:rPr lang="en-US" dirty="0" smtClean="0"/>
+              <a:rPr lang="en-US" dirty="0"/>
               <a:t> and </a:t>
             </a:r>
             <a:r>
-              <a:rPr lang="en-US" i="1" dirty="0" smtClean="0"/>
+              <a:rPr lang="en-US" i="1" dirty="0"/>
               <a:t>Warning </a:t>
             </a:r>
             <a:r>
-              <a:rPr lang="en-US" dirty="0" smtClean="0"/>
+              <a:rPr lang="en-US" dirty="0"/>
               <a:t>classes by </a:t>
             </a:r>
             <a:r>
-              <a:rPr lang="en-US" dirty="0" err="1" smtClean="0"/>
+              <a:rPr lang="en-US" dirty="0" err="1"/>
               <a:t>subclassing</a:t>
             </a:r>
             <a:r>
-              <a:rPr lang="en-US" dirty="0" smtClean="0"/>
+              <a:rPr lang="en-US" dirty="0"/>
               <a:t> these built-in types </a:t>
             </a:r>
           </a:p>
@@ -9615,7 +9900,7 @@
               <a:tabLst/>
               <a:defRPr/>
             </a:pPr>
-            <a:endParaRPr lang="en-US" dirty="0" smtClean="0"/>
+            <a:endParaRPr lang="en-US" dirty="0"/>
           </a:p>
           <a:p>
             <a:pPr marL="0" marR="0" lvl="0" indent="0" defTabSz="914400" eaLnBrk="1" fontAlgn="auto" latinLnBrk="0" hangingPunct="1">
@@ -9656,10 +9941,9 @@
               <a:defRPr/>
             </a:pPr>
             <a:r>
-              <a:rPr lang="en-US" dirty="0" smtClean="0"/>
+              <a:rPr lang="en-US" dirty="0"/>
               <a:t>Unless you want to do something special, this only requires two lines</a:t>
             </a:r>
-            <a:endParaRPr lang="en-US" dirty="0"/>
           </a:p>
         </p:txBody>
       </p:sp>
@@ -9703,13 +9987,6 @@
   <p:clrMapOvr>
     <a:masterClrMapping/>
   </p:clrMapOvr>
-  <p:timing>
-    <p:tnLst>
-      <p:par>
-        <p:cTn id="1" dur="indefinite" restart="never" nodeType="tmRoot"/>
-      </p:par>
-    </p:tnLst>
-  </p:timing>
 </p:sld>
 </file>
 
@@ -9732,7 +10009,13 @@
       </p:grpSpPr>
       <p:sp>
         <p:nvSpPr>
-          <p:cNvPr id="2" name="Title 1"/>
+          <p:cNvPr id="2" name="Title 1">
+            <a:extLst>
+              <a:ext uri="{FF2B5EF4-FFF2-40B4-BE49-F238E27FC236}">
+                <a16:creationId xmlns:a16="http://schemas.microsoft.com/office/drawing/2014/main" id="{1B4D1929-2FC9-7E45-9BDE-87D4064C9FF3}"/>
+              </a:ext>
+            </a:extLst>
+          </p:cNvPr>
           <p:cNvSpPr>
             <a:spLocks noGrp="1"/>
           </p:cNvSpPr>
@@ -9746,10 +10029,597 @@
           <a:lstStyle/>
           <a:p>
             <a:r>
-              <a:rPr lang="en-US" dirty="0" smtClean="0"/>
+              <a:rPr lang="en-US" dirty="0"/>
+              <a:t>Inheritance: </a:t>
+            </a:r>
+            <a:r>
+              <a:rPr lang="en-US" dirty="0" err="1"/>
+              <a:t>Subclassing</a:t>
+            </a:r>
+            <a:r>
+              <a:rPr lang="en-US" dirty="0"/>
+              <a:t> Built-Ins</a:t>
+            </a:r>
+          </a:p>
+        </p:txBody>
+      </p:sp>
+      <p:sp>
+        <p:nvSpPr>
+          <p:cNvPr id="3" name="Content Placeholder 2">
+            <a:extLst>
+              <a:ext uri="{FF2B5EF4-FFF2-40B4-BE49-F238E27FC236}">
+                <a16:creationId xmlns:a16="http://schemas.microsoft.com/office/drawing/2014/main" id="{CC27660E-51F3-BA44-B55B-7FCCEBD55ABB}"/>
+              </a:ext>
+            </a:extLst>
+          </p:cNvPr>
+          <p:cNvSpPr>
+            <a:spLocks noGrp="1"/>
+          </p:cNvSpPr>
+          <p:nvPr>
+            <p:ph idx="1"/>
+          </p:nvPr>
+        </p:nvSpPr>
+        <p:spPr>
+          <a:xfrm>
+            <a:off x="680321" y="2336872"/>
+            <a:ext cx="4956204" cy="4295939"/>
+          </a:xfrm>
+        </p:spPr>
+        <p:txBody>
+          <a:bodyPr/>
+          <a:lstStyle/>
+          <a:p>
+            <a:pPr marL="0" indent="0">
+              <a:buNone/>
+            </a:pPr>
+            <a:r>
+              <a:rPr lang="en-US" dirty="0"/>
+              <a:t>Sub-classing immutable types requires over-riding </a:t>
+            </a:r>
+            <a:r>
+              <a:rPr lang="en-US" i="1" dirty="0"/>
+              <a:t>__new__ </a:t>
+            </a:r>
+            <a:r>
+              <a:rPr lang="en-US" dirty="0"/>
+              <a:t>rather than </a:t>
+            </a:r>
+            <a:r>
+              <a:rPr lang="en-US" i="1" dirty="0"/>
+              <a:t>__</a:t>
+            </a:r>
+            <a:r>
+              <a:rPr lang="en-US" i="1" dirty="0" err="1"/>
+              <a:t>init</a:t>
+            </a:r>
+            <a:r>
+              <a:rPr lang="en-US" i="1" dirty="0"/>
+              <a:t>__</a:t>
+            </a:r>
+            <a:r>
+              <a:rPr lang="en-US" dirty="0"/>
+              <a:t> (example: positive </a:t>
+            </a:r>
+            <a:r>
+              <a:rPr lang="en-US" i="1" dirty="0" err="1"/>
+              <a:t>int</a:t>
+            </a:r>
+            <a:r>
+              <a:rPr lang="en-US" dirty="0"/>
+              <a:t>) </a:t>
+            </a:r>
+          </a:p>
+          <a:p>
+            <a:pPr marL="0" indent="0">
+              <a:buNone/>
+            </a:pPr>
+            <a:endParaRPr lang="en-US" dirty="0"/>
+          </a:p>
+          <a:p>
+            <a:pPr marL="0" indent="0">
+              <a:buNone/>
+            </a:pPr>
+            <a:r>
+              <a:rPr lang="en-US" i="1" dirty="0"/>
+              <a:t>__new__</a:t>
+            </a:r>
+            <a:r>
+              <a:rPr lang="en-US" dirty="0"/>
+              <a:t> vs. </a:t>
+            </a:r>
+            <a:r>
+              <a:rPr lang="en-US" i="1" dirty="0"/>
+              <a:t>__</a:t>
+            </a:r>
+            <a:r>
+              <a:rPr lang="en-US" i="1" dirty="0" err="1"/>
+              <a:t>init</a:t>
+            </a:r>
+            <a:r>
+              <a:rPr lang="en-US" i="1" dirty="0"/>
+              <a:t>__</a:t>
+            </a:r>
+            <a:r>
+              <a:rPr lang="en-US" dirty="0"/>
+              <a:t>:</a:t>
+            </a:r>
+          </a:p>
+          <a:p>
+            <a:pPr lvl="1"/>
+            <a:r>
+              <a:rPr lang="en-US" dirty="0"/>
+              <a:t>__</a:t>
+            </a:r>
+            <a:r>
+              <a:rPr lang="en-US" i="1" dirty="0" err="1"/>
+              <a:t>init</a:t>
+            </a:r>
+            <a:r>
+              <a:rPr lang="en-US" i="1" dirty="0"/>
+              <a:t>__</a:t>
+            </a:r>
+            <a:r>
+              <a:rPr lang="en-US" dirty="0"/>
+              <a:t> must return </a:t>
+            </a:r>
+            <a:r>
+              <a:rPr lang="en-US" i="1" dirty="0"/>
+              <a:t>None </a:t>
+            </a:r>
+            <a:r>
+              <a:rPr lang="en-US" dirty="0"/>
+              <a:t>; </a:t>
+            </a:r>
+            <a:r>
+              <a:rPr lang="en-US" i="1" dirty="0"/>
+              <a:t>__new__</a:t>
+            </a:r>
+            <a:r>
+              <a:rPr lang="en-US" dirty="0"/>
+              <a:t> must return the object </a:t>
+            </a:r>
+          </a:p>
+          <a:p>
+            <a:pPr lvl="1"/>
+            <a:r>
+              <a:rPr lang="en-US" i="1" dirty="0" err="1"/>
+              <a:t>cls</a:t>
+            </a:r>
+            <a:r>
+              <a:rPr lang="en-US" i="1" dirty="0"/>
+              <a:t> </a:t>
+            </a:r>
+            <a:r>
+              <a:rPr lang="en-US" dirty="0"/>
+              <a:t>versus </a:t>
+            </a:r>
+            <a:r>
+              <a:rPr lang="en-US" i="1" dirty="0"/>
+              <a:t>self</a:t>
+            </a:r>
+            <a:r>
+              <a:rPr lang="en-US" dirty="0"/>
+              <a:t> as first parameter </a:t>
+            </a:r>
+            <a:endParaRPr lang="en-US" i="1" dirty="0"/>
+          </a:p>
+          <a:p>
+            <a:pPr lvl="1"/>
+            <a:r>
+              <a:rPr lang="en-US" i="1" dirty="0"/>
+              <a:t>__new__ </a:t>
+            </a:r>
+            <a:r>
+              <a:rPr lang="en-US" dirty="0"/>
+              <a:t>handles creation of the class ; </a:t>
+            </a:r>
+            <a:r>
+              <a:rPr lang="en-US" i="1" dirty="0"/>
+              <a:t>__</a:t>
+            </a:r>
+            <a:r>
+              <a:rPr lang="en-US" i="1" dirty="0" err="1"/>
+              <a:t>init</a:t>
+            </a:r>
+            <a:r>
+              <a:rPr lang="en-US" i="1" dirty="0"/>
+              <a:t>__</a:t>
+            </a:r>
+            <a:r>
+              <a:rPr lang="en-US" dirty="0"/>
+              <a:t> handles initialization </a:t>
+            </a:r>
+          </a:p>
+          <a:p>
+            <a:pPr lvl="1"/>
+            <a:r>
+              <a:rPr lang="en-US" i="1" dirty="0"/>
+              <a:t>__new__</a:t>
+            </a:r>
+            <a:r>
+              <a:rPr lang="en-US" dirty="0"/>
+              <a:t> can be used to return instances of entirely different classes if need be </a:t>
+            </a:r>
+            <a:endParaRPr lang="en-US" i="1" dirty="0"/>
+          </a:p>
+        </p:txBody>
+      </p:sp>
+      <p:pic>
+        <p:nvPicPr>
+          <p:cNvPr id="5" name="Picture 4">
+            <a:extLst>
+              <a:ext uri="{FF2B5EF4-FFF2-40B4-BE49-F238E27FC236}">
+                <a16:creationId xmlns:a16="http://schemas.microsoft.com/office/drawing/2014/main" id="{80D6EC6A-49B8-A44F-BBA0-3BDE1080A256}"/>
+              </a:ext>
+            </a:extLst>
+          </p:cNvPr>
+          <p:cNvPicPr>
+            <a:picLocks noChangeAspect="1"/>
+          </p:cNvPicPr>
+          <p:nvPr/>
+        </p:nvPicPr>
+        <p:blipFill>
+          <a:blip r:embed="rId3"/>
+          <a:stretch>
+            <a:fillRect/>
+          </a:stretch>
+        </p:blipFill>
+        <p:spPr>
+          <a:xfrm>
+            <a:off x="6073253" y="2047106"/>
+            <a:ext cx="5905500" cy="4711700"/>
+          </a:xfrm>
+          <a:prstGeom prst="rect">
+            <a:avLst/>
+          </a:prstGeom>
+        </p:spPr>
+      </p:pic>
+    </p:spTree>
+    <p:extLst>
+      <p:ext uri="{BB962C8B-B14F-4D97-AF65-F5344CB8AC3E}">
+        <p14:creationId xmlns:p14="http://schemas.microsoft.com/office/powerpoint/2010/main" val="113577337"/>
+      </p:ext>
+    </p:extLst>
+  </p:cSld>
+  <p:clrMapOvr>
+    <a:masterClrMapping/>
+  </p:clrMapOvr>
+</p:sld>
+</file>
+
+<file path=ppt/slides/slide15.xml><?xml version="1.0" encoding="utf-8"?>
+<p:sld xmlns:a="http://schemas.openxmlformats.org/drawingml/2006/main" xmlns:r="http://schemas.openxmlformats.org/officeDocument/2006/relationships" xmlns:p="http://schemas.openxmlformats.org/presentationml/2006/main">
+  <p:cSld>
+    <p:spTree>
+      <p:nvGrpSpPr>
+        <p:cNvPr id="1" name=""/>
+        <p:cNvGrpSpPr/>
+        <p:nvPr/>
+      </p:nvGrpSpPr>
+      <p:grpSpPr>
+        <a:xfrm>
+          <a:off x="0" y="0"/>
+          <a:ext cx="0" cy="0"/>
+          <a:chOff x="0" y="0"/>
+          <a:chExt cx="0" cy="0"/>
+        </a:xfrm>
+      </p:grpSpPr>
+      <p:sp>
+        <p:nvSpPr>
+          <p:cNvPr id="2" name="Title 1">
+            <a:extLst>
+              <a:ext uri="{FF2B5EF4-FFF2-40B4-BE49-F238E27FC236}">
+                <a16:creationId xmlns:a16="http://schemas.microsoft.com/office/drawing/2014/main" id="{1B4D1929-2FC9-7E45-9BDE-87D4064C9FF3}"/>
+              </a:ext>
+            </a:extLst>
+          </p:cNvPr>
+          <p:cNvSpPr>
+            <a:spLocks noGrp="1"/>
+          </p:cNvSpPr>
+          <p:nvPr>
+            <p:ph type="title"/>
+          </p:nvPr>
+        </p:nvSpPr>
+        <p:spPr/>
+        <p:txBody>
+          <a:bodyPr/>
+          <a:lstStyle/>
+          <a:p>
+            <a:r>
+              <a:rPr lang="en-US" dirty="0"/>
+              <a:t>Inheritance: </a:t>
+            </a:r>
+            <a:r>
+              <a:rPr lang="en-US" dirty="0" err="1"/>
+              <a:t>Subclassing</a:t>
+            </a:r>
+            <a:r>
+              <a:rPr lang="en-US" dirty="0"/>
+              <a:t> Built-Ins</a:t>
+            </a:r>
+          </a:p>
+        </p:txBody>
+      </p:sp>
+      <p:sp>
+        <p:nvSpPr>
+          <p:cNvPr id="3" name="Content Placeholder 2">
+            <a:extLst>
+              <a:ext uri="{FF2B5EF4-FFF2-40B4-BE49-F238E27FC236}">
+                <a16:creationId xmlns:a16="http://schemas.microsoft.com/office/drawing/2014/main" id="{CC27660E-51F3-BA44-B55B-7FCCEBD55ABB}"/>
+              </a:ext>
+            </a:extLst>
+          </p:cNvPr>
+          <p:cNvSpPr>
+            <a:spLocks noGrp="1"/>
+          </p:cNvSpPr>
+          <p:nvPr>
+            <p:ph idx="1"/>
+          </p:nvPr>
+        </p:nvSpPr>
+        <p:spPr>
+          <a:xfrm>
+            <a:off x="680321" y="2336872"/>
+            <a:ext cx="4956204" cy="4295939"/>
+          </a:xfrm>
+        </p:spPr>
+        <p:txBody>
+          <a:bodyPr/>
+          <a:lstStyle/>
+          <a:p>
+            <a:pPr marL="0" indent="0">
+              <a:buNone/>
+            </a:pPr>
+            <a:r>
+              <a:rPr lang="en-US" dirty="0"/>
+              <a:t>Sub-classing immutable types requires over-riding </a:t>
+            </a:r>
+            <a:r>
+              <a:rPr lang="en-US" i="1" dirty="0"/>
+              <a:t>__new__ </a:t>
+            </a:r>
+            <a:r>
+              <a:rPr lang="en-US" dirty="0"/>
+              <a:t>rather than </a:t>
+            </a:r>
+            <a:r>
+              <a:rPr lang="en-US" i="1" dirty="0"/>
+              <a:t>__</a:t>
+            </a:r>
+            <a:r>
+              <a:rPr lang="en-US" i="1" dirty="0" err="1"/>
+              <a:t>init</a:t>
+            </a:r>
+            <a:r>
+              <a:rPr lang="en-US" i="1" dirty="0"/>
+              <a:t>__</a:t>
+            </a:r>
+            <a:r>
+              <a:rPr lang="en-US" dirty="0"/>
+              <a:t> (example: positive </a:t>
+            </a:r>
+            <a:r>
+              <a:rPr lang="en-US" i="1" dirty="0" err="1"/>
+              <a:t>int</a:t>
+            </a:r>
+            <a:r>
+              <a:rPr lang="en-US" dirty="0"/>
+              <a:t>) </a:t>
+            </a:r>
+          </a:p>
+          <a:p>
+            <a:pPr marL="0" indent="0">
+              <a:buNone/>
+            </a:pPr>
+            <a:endParaRPr lang="en-US" dirty="0"/>
+          </a:p>
+          <a:p>
+            <a:pPr marL="0" indent="0">
+              <a:buNone/>
+            </a:pPr>
+            <a:r>
+              <a:rPr lang="en-US" i="1" dirty="0"/>
+              <a:t>__new__</a:t>
+            </a:r>
+            <a:r>
+              <a:rPr lang="en-US" dirty="0"/>
+              <a:t> vs. </a:t>
+            </a:r>
+            <a:r>
+              <a:rPr lang="en-US" i="1" dirty="0"/>
+              <a:t>__</a:t>
+            </a:r>
+            <a:r>
+              <a:rPr lang="en-US" i="1" dirty="0" err="1"/>
+              <a:t>init</a:t>
+            </a:r>
+            <a:r>
+              <a:rPr lang="en-US" i="1" dirty="0"/>
+              <a:t>__</a:t>
+            </a:r>
+            <a:r>
+              <a:rPr lang="en-US" dirty="0"/>
+              <a:t>:</a:t>
+            </a:r>
+          </a:p>
+          <a:p>
+            <a:pPr lvl="1"/>
+            <a:r>
+              <a:rPr lang="en-US" dirty="0"/>
+              <a:t>__</a:t>
+            </a:r>
+            <a:r>
+              <a:rPr lang="en-US" i="1" dirty="0" err="1"/>
+              <a:t>init</a:t>
+            </a:r>
+            <a:r>
+              <a:rPr lang="en-US" i="1" dirty="0"/>
+              <a:t>__</a:t>
+            </a:r>
+            <a:r>
+              <a:rPr lang="en-US" dirty="0"/>
+              <a:t> must return </a:t>
+            </a:r>
+            <a:r>
+              <a:rPr lang="en-US" i="1" dirty="0"/>
+              <a:t>None </a:t>
+            </a:r>
+            <a:r>
+              <a:rPr lang="en-US" dirty="0"/>
+              <a:t>; </a:t>
+            </a:r>
+            <a:r>
+              <a:rPr lang="en-US" i="1" dirty="0"/>
+              <a:t>__new__</a:t>
+            </a:r>
+            <a:r>
+              <a:rPr lang="en-US" dirty="0"/>
+              <a:t> must return the object </a:t>
+            </a:r>
+          </a:p>
+          <a:p>
+            <a:pPr lvl="1"/>
+            <a:r>
+              <a:rPr lang="en-US" i="1" dirty="0" err="1"/>
+              <a:t>cls</a:t>
+            </a:r>
+            <a:r>
+              <a:rPr lang="en-US" i="1" dirty="0"/>
+              <a:t> </a:t>
+            </a:r>
+            <a:r>
+              <a:rPr lang="en-US" dirty="0"/>
+              <a:t>versus </a:t>
+            </a:r>
+            <a:r>
+              <a:rPr lang="en-US" i="1" dirty="0"/>
+              <a:t>self</a:t>
+            </a:r>
+            <a:r>
+              <a:rPr lang="en-US" dirty="0"/>
+              <a:t> as first parameter </a:t>
+            </a:r>
+            <a:endParaRPr lang="en-US" i="1" dirty="0"/>
+          </a:p>
+          <a:p>
+            <a:pPr lvl="1"/>
+            <a:r>
+              <a:rPr lang="en-US" i="1" dirty="0"/>
+              <a:t>__new__ </a:t>
+            </a:r>
+            <a:r>
+              <a:rPr lang="en-US" dirty="0"/>
+              <a:t>handles creation of the class ; </a:t>
+            </a:r>
+            <a:r>
+              <a:rPr lang="en-US" i="1" dirty="0"/>
+              <a:t>__</a:t>
+            </a:r>
+            <a:r>
+              <a:rPr lang="en-US" i="1" dirty="0" err="1"/>
+              <a:t>init</a:t>
+            </a:r>
+            <a:r>
+              <a:rPr lang="en-US" i="1" dirty="0"/>
+              <a:t>__</a:t>
+            </a:r>
+            <a:r>
+              <a:rPr lang="en-US" dirty="0"/>
+              <a:t> handles initialization </a:t>
+            </a:r>
+          </a:p>
+          <a:p>
+            <a:pPr lvl="1"/>
+            <a:r>
+              <a:rPr lang="en-US" i="1" dirty="0"/>
+              <a:t>__new__</a:t>
+            </a:r>
+            <a:r>
+              <a:rPr lang="en-US" dirty="0"/>
+              <a:t> can be used to return instances of entirely different classes if need be </a:t>
+            </a:r>
+            <a:endParaRPr lang="en-US" i="1" dirty="0"/>
+          </a:p>
+        </p:txBody>
+      </p:sp>
+      <p:pic>
+        <p:nvPicPr>
+          <p:cNvPr id="6" name="Picture 5">
+            <a:extLst>
+              <a:ext uri="{FF2B5EF4-FFF2-40B4-BE49-F238E27FC236}">
+                <a16:creationId xmlns:a16="http://schemas.microsoft.com/office/drawing/2014/main" id="{30DAC113-D2E8-AA4C-9090-23C43DB43A2C}"/>
+              </a:ext>
+            </a:extLst>
+          </p:cNvPr>
+          <p:cNvPicPr>
+            <a:picLocks noChangeAspect="1"/>
+          </p:cNvPicPr>
+          <p:nvPr/>
+        </p:nvPicPr>
+        <p:blipFill>
+          <a:blip r:embed="rId3"/>
+          <a:stretch>
+            <a:fillRect/>
+          </a:stretch>
+        </p:blipFill>
+        <p:spPr>
+          <a:xfrm>
+            <a:off x="5893842" y="2112908"/>
+            <a:ext cx="6088892" cy="4615911"/>
+          </a:xfrm>
+          <a:prstGeom prst="rect">
+            <a:avLst/>
+          </a:prstGeom>
+        </p:spPr>
+      </p:pic>
+    </p:spTree>
+    <p:extLst>
+      <p:ext uri="{BB962C8B-B14F-4D97-AF65-F5344CB8AC3E}">
+        <p14:creationId xmlns:p14="http://schemas.microsoft.com/office/powerpoint/2010/main" val="2126732098"/>
+      </p:ext>
+    </p:extLst>
+  </p:cSld>
+  <p:clrMapOvr>
+    <a:masterClrMapping/>
+  </p:clrMapOvr>
+</p:sld>
+</file>
+
+<file path=ppt/slides/slide16.xml><?xml version="1.0" encoding="utf-8"?>
+<p:sld xmlns:a="http://schemas.openxmlformats.org/drawingml/2006/main" xmlns:r="http://schemas.openxmlformats.org/officeDocument/2006/relationships" xmlns:p="http://schemas.openxmlformats.org/presentationml/2006/main">
+  <p:cSld>
+    <p:spTree>
+      <p:nvGrpSpPr>
+        <p:cNvPr id="1" name=""/>
+        <p:cNvGrpSpPr/>
+        <p:nvPr/>
+      </p:nvGrpSpPr>
+      <p:grpSpPr>
+        <a:xfrm>
+          <a:off x="0" y="0"/>
+          <a:ext cx="0" cy="0"/>
+          <a:chOff x="0" y="0"/>
+          <a:chExt cx="0" cy="0"/>
+        </a:xfrm>
+      </p:grpSpPr>
+      <p:sp>
+        <p:nvSpPr>
+          <p:cNvPr id="2" name="Title 1"/>
+          <p:cNvSpPr>
+            <a:spLocks noGrp="1"/>
+          </p:cNvSpPr>
+          <p:nvPr>
+            <p:ph type="title"/>
+          </p:nvPr>
+        </p:nvSpPr>
+        <p:spPr/>
+        <p:txBody>
+          <a:bodyPr/>
+          <a:lstStyle/>
+          <a:p>
+            <a:r>
+              <a:rPr lang="en-US" dirty="0"/>
               <a:t>Recall: The Python Model </a:t>
             </a:r>
-            <a:endParaRPr lang="en-US" dirty="0"/>
           </a:p>
         </p:txBody>
       </p:sp>
@@ -9791,10 +10661,10 @@
               <a:defRPr/>
             </a:pPr>
             <a:r>
-              <a:rPr lang="en-US" i="1" dirty="0" smtClean="0"/>
+              <a:rPr lang="en-US" i="1" dirty="0"/>
               <a:t>Everything is an object </a:t>
             </a:r>
-            <a:endParaRPr lang="en-US" dirty="0" smtClean="0"/>
+            <a:endParaRPr lang="en-US" dirty="0"/>
           </a:p>
           <a:p>
             <a:pPr marL="0" marR="0" lvl="0" indent="0" defTabSz="914400" eaLnBrk="1" fontAlgn="auto" latinLnBrk="0" hangingPunct="1">
@@ -9814,7 +10684,7 @@
               <a:tabLst/>
               <a:defRPr/>
             </a:pPr>
-            <a:endParaRPr lang="en-US" dirty="0" smtClean="0"/>
+            <a:endParaRPr lang="en-US" dirty="0"/>
           </a:p>
           <a:p>
             <a:pPr marL="0" marR="0" lvl="0" indent="0" defTabSz="914400" eaLnBrk="1" fontAlgn="auto" latinLnBrk="0" hangingPunct="1">
@@ -9834,7 +10704,7 @@
               <a:tabLst/>
               <a:defRPr/>
             </a:pPr>
-            <a:endParaRPr lang="en-US" dirty="0" smtClean="0"/>
+            <a:endParaRPr lang="en-US" dirty="0"/>
           </a:p>
           <a:p>
             <a:pPr marL="0" marR="0" lvl="0" indent="0" defTabSz="914400" eaLnBrk="1" fontAlgn="auto" latinLnBrk="0" hangingPunct="1">
@@ -9855,26 +10725,25 @@
               <a:defRPr/>
             </a:pPr>
             <a:r>
-              <a:rPr lang="en-US" dirty="0" smtClean="0"/>
+              <a:rPr lang="en-US" dirty="0"/>
               <a:t>At the end of the day, </a:t>
             </a:r>
             <a:r>
-              <a:rPr lang="en-US" i="1" dirty="0" smtClean="0"/>
+              <a:rPr lang="en-US" i="1" dirty="0"/>
               <a:t>everything</a:t>
             </a:r>
             <a:r>
-              <a:rPr lang="en-US" dirty="0" smtClean="0"/>
+              <a:rPr lang="en-US" dirty="0"/>
               <a:t> inherits from </a:t>
             </a:r>
             <a:r>
-              <a:rPr lang="en-US" i="1" dirty="0" smtClean="0"/>
+              <a:rPr lang="en-US" i="1" dirty="0"/>
               <a:t>object</a:t>
             </a:r>
             <a:r>
               <a:rPr lang="en-US" dirty="0"/>
               <a:t> </a:t>
             </a:r>
-            <a:endParaRPr lang="en-US" dirty="0" smtClean="0"/>
           </a:p>
           <a:p>
             <a:pPr marL="0" marR="0" lvl="0" indent="0" defTabSz="914400" eaLnBrk="1" fontAlgn="auto" latinLnBrk="0" hangingPunct="1">
@@ -9914,7 +10783,7 @@
               <a:tabLst/>
               <a:defRPr/>
             </a:pPr>
-            <a:endParaRPr lang="en-US" i="1" dirty="0" smtClean="0"/>
+            <a:endParaRPr lang="en-US" i="1" dirty="0"/>
           </a:p>
           <a:p>
             <a:pPr marL="0" marR="0" lvl="0" indent="0" defTabSz="914400" eaLnBrk="1" fontAlgn="auto" latinLnBrk="0" hangingPunct="1">
@@ -9935,27 +10804,27 @@
               <a:defRPr/>
             </a:pPr>
             <a:r>
-              <a:rPr lang="en-US" i="1" dirty="0" err="1" smtClean="0"/>
+              <a:rPr lang="en-US" i="1" dirty="0" err="1"/>
               <a:t>isinstance</a:t>
             </a:r>
             <a:r>
-              <a:rPr lang="en-US" i="1" dirty="0" smtClean="0"/>
+              <a:rPr lang="en-US" i="1" dirty="0"/>
               <a:t>(x, object)</a:t>
             </a:r>
             <a:r>
-              <a:rPr lang="en-US" dirty="0" smtClean="0"/>
+              <a:rPr lang="en-US" dirty="0"/>
               <a:t> will </a:t>
             </a:r>
             <a:r>
-              <a:rPr lang="en-US" b="1" i="1" dirty="0" smtClean="0"/>
+              <a:rPr lang="en-US" b="1" i="1" dirty="0"/>
               <a:t>always </a:t>
             </a:r>
             <a:r>
-              <a:rPr lang="en-US" dirty="0" smtClean="0"/>
+              <a:rPr lang="en-US" dirty="0"/>
               <a:t>return </a:t>
             </a:r>
             <a:r>
-              <a:rPr lang="en-US" i="1" dirty="0" smtClean="0"/>
+              <a:rPr lang="en-US" i="1" dirty="0"/>
               <a:t>True</a:t>
             </a:r>
             <a:r>
@@ -10006,17 +10875,10 @@
   <p:clrMapOvr>
     <a:masterClrMapping/>
   </p:clrMapOvr>
-  <p:timing>
-    <p:tnLst>
-      <p:par>
-        <p:cTn id="1" dur="indefinite" restart="never" nodeType="tmRoot"/>
-      </p:par>
-    </p:tnLst>
-  </p:timing>
 </p:sld>
 </file>
 
-<file path=ppt/slides/slide15.xml><?xml version="1.0" encoding="utf-8"?>
+<file path=ppt/slides/slide17.xml><?xml version="1.0" encoding="utf-8"?>
 <p:sld xmlns:a="http://schemas.openxmlformats.org/drawingml/2006/main" xmlns:r="http://schemas.openxmlformats.org/officeDocument/2006/relationships" xmlns:p="http://schemas.openxmlformats.org/presentationml/2006/main">
   <p:cSld>
     <p:spTree>
@@ -10049,10 +10911,9 @@
           <a:lstStyle/>
           <a:p>
             <a:r>
-              <a:rPr lang="en-US" dirty="0" smtClean="0"/>
+              <a:rPr lang="en-US" dirty="0"/>
               <a:t>Composition </a:t>
             </a:r>
-            <a:endParaRPr lang="en-US" dirty="0"/>
           </a:p>
         </p:txBody>
       </p:sp>
@@ -10089,7 +10950,7 @@
               <a:defRPr/>
             </a:pPr>
             <a:r>
-              <a:rPr lang="en-US" dirty="0" smtClean="0"/>
+              <a:rPr lang="en-US" dirty="0"/>
               <a:t>An astronomical example: A solar system </a:t>
             </a:r>
           </a:p>
@@ -10132,10 +10993,9 @@
               <a:defRPr/>
             </a:pPr>
             <a:r>
-              <a:rPr lang="en-US" dirty="0" smtClean="0"/>
+              <a:rPr lang="en-US" dirty="0"/>
               <a:t>Components: star, planets, moons, asteroids, comets </a:t>
             </a:r>
-            <a:endParaRPr lang="en-US" dirty="0"/>
           </a:p>
         </p:txBody>
       </p:sp>
@@ -10149,17 +11009,10 @@
   <p:clrMapOvr>
     <a:masterClrMapping/>
   </p:clrMapOvr>
-  <p:timing>
-    <p:tnLst>
-      <p:par>
-        <p:cTn id="1" dur="indefinite" restart="never" nodeType="tmRoot"/>
-      </p:par>
-    </p:tnLst>
-  </p:timing>
 </p:sld>
 </file>
 
-<file path=ppt/slides/slide16.xml><?xml version="1.0" encoding="utf-8"?>
+<file path=ppt/slides/slide18.xml><?xml version="1.0" encoding="utf-8"?>
 <p:sld xmlns:a="http://schemas.openxmlformats.org/drawingml/2006/main" xmlns:r="http://schemas.openxmlformats.org/officeDocument/2006/relationships" xmlns:p="http://schemas.openxmlformats.org/presentationml/2006/main">
   <p:cSld>
     <p:spTree>
@@ -10192,10 +11045,9 @@
           <a:lstStyle/>
           <a:p>
             <a:r>
-              <a:rPr lang="en-US" dirty="0" smtClean="0"/>
+              <a:rPr lang="en-US" dirty="0"/>
               <a:t>Composition </a:t>
             </a:r>
-            <a:endParaRPr lang="en-US" dirty="0"/>
           </a:p>
         </p:txBody>
       </p:sp>
@@ -10232,7 +11084,7 @@
               <a:defRPr/>
             </a:pPr>
             <a:r>
-              <a:rPr lang="en-US" dirty="0" smtClean="0"/>
+              <a:rPr lang="en-US" dirty="0"/>
               <a:t>An astronomical example: A solar system </a:t>
             </a:r>
           </a:p>
@@ -10254,7 +11106,7 @@
               <a:tabLst/>
               <a:defRPr/>
             </a:pPr>
-            <a:endParaRPr lang="en-US" dirty="0" smtClean="0"/>
+            <a:endParaRPr lang="en-US" dirty="0"/>
           </a:p>
           <a:p>
             <a:pPr marL="0" marR="0" lvl="0" indent="0" defTabSz="914400" eaLnBrk="1" fontAlgn="auto" latinLnBrk="0" hangingPunct="1">
@@ -10275,10 +11127,9 @@
               <a:defRPr/>
             </a:pPr>
             <a:r>
-              <a:rPr lang="en-US" dirty="0" smtClean="0"/>
+              <a:rPr lang="en-US" dirty="0"/>
               <a:t>Components: star, planets, moons, asteroids, comets </a:t>
             </a:r>
-            <a:endParaRPr lang="en-US" dirty="0"/>
           </a:p>
         </p:txBody>
       </p:sp>
@@ -10306,13 +11157,47 @@
           <a:p>
             <a:pPr algn="ctr"/>
             <a:r>
-              <a:rPr lang="en-US" sz="2400" dirty="0" smtClean="0">
+              <a:rPr lang="en-US" sz="2400" dirty="0">
                 <a:latin typeface="Times New Roman" charset="0"/>
                 <a:ea typeface="Times New Roman" charset="0"/>
                 <a:cs typeface="Times New Roman" charset="0"/>
               </a:rPr>
               <a:t>Star</a:t>
             </a:r>
+          </a:p>
+        </p:txBody>
+      </p:sp>
+      <p:sp>
+        <p:nvSpPr>
+          <p:cNvPr id="5" name="TextBox 4"/>
+          <p:cNvSpPr txBox="1"/>
+          <p:nvPr/>
+        </p:nvSpPr>
+        <p:spPr>
+          <a:xfrm>
+            <a:off x="6935336" y="4059303"/>
+            <a:ext cx="1187356" cy="461665"/>
+          </a:xfrm>
+          <a:prstGeom prst="rect">
+            <a:avLst/>
+          </a:prstGeom>
+          <a:noFill/>
+        </p:spPr>
+        <p:txBody>
+          <a:bodyPr wrap="square" rtlCol="0">
+            <a:spAutoFit/>
+          </a:bodyPr>
+          <a:lstStyle/>
+          <a:p>
+            <a:pPr algn="ctr"/>
+            <a:r>
+              <a:rPr lang="en-US" sz="2400">
+                <a:latin typeface="Times New Roman" charset="0"/>
+                <a:ea typeface="Times New Roman" charset="0"/>
+                <a:cs typeface="Times New Roman" charset="0"/>
+              </a:rPr>
+              <a:t>Satellite</a:t>
+            </a:r>
             <a:endParaRPr lang="en-US" sz="2400" dirty="0">
               <a:latin typeface="Times New Roman" charset="0"/>
               <a:ea typeface="Times New Roman" charset="0"/>
@@ -10323,13 +11208,13 @@
       </p:sp>
       <p:sp>
         <p:nvSpPr>
-          <p:cNvPr id="5" name="TextBox 4"/>
+          <p:cNvPr id="6" name="TextBox 5"/>
           <p:cNvSpPr txBox="1"/>
           <p:nvPr/>
         </p:nvSpPr>
         <p:spPr>
           <a:xfrm>
-            <a:off x="6935336" y="4059303"/>
+            <a:off x="3906158" y="4974599"/>
             <a:ext cx="1187356" cy="461665"/>
           </a:xfrm>
           <a:prstGeom prst="rect">
@@ -10345,57 +11230,13 @@
           <a:p>
             <a:pPr algn="ctr"/>
             <a:r>
-              <a:rPr lang="en-US" sz="2400" smtClean="0">
-                <a:latin typeface="Times New Roman" charset="0"/>
-                <a:ea typeface="Times New Roman" charset="0"/>
-                <a:cs typeface="Times New Roman" charset="0"/>
-              </a:rPr>
-              <a:t>Satellite</a:t>
-            </a:r>
-            <a:endParaRPr lang="en-US" sz="2400" dirty="0">
-              <a:latin typeface="Times New Roman" charset="0"/>
-              <a:ea typeface="Times New Roman" charset="0"/>
-              <a:cs typeface="Times New Roman" charset="0"/>
-            </a:endParaRPr>
-          </a:p>
-        </p:txBody>
-      </p:sp>
-      <p:sp>
-        <p:nvSpPr>
-          <p:cNvPr id="6" name="TextBox 5"/>
-          <p:cNvSpPr txBox="1"/>
-          <p:nvPr/>
-        </p:nvSpPr>
-        <p:spPr>
-          <a:xfrm>
-            <a:off x="3906158" y="4974599"/>
-            <a:ext cx="1187356" cy="461665"/>
-          </a:xfrm>
-          <a:prstGeom prst="rect">
-            <a:avLst/>
-          </a:prstGeom>
-          <a:noFill/>
-        </p:spPr>
-        <p:txBody>
-          <a:bodyPr wrap="square" rtlCol="0">
-            <a:spAutoFit/>
-          </a:bodyPr>
-          <a:lstStyle/>
-          <a:p>
-            <a:pPr algn="ctr"/>
-            <a:r>
-              <a:rPr lang="en-US" sz="2400" dirty="0" smtClean="0">
+              <a:rPr lang="en-US" sz="2400" dirty="0">
                 <a:latin typeface="Times New Roman" charset="0"/>
                 <a:ea typeface="Times New Roman" charset="0"/>
                 <a:cs typeface="Times New Roman" charset="0"/>
               </a:rPr>
               <a:t>Planet</a:t>
             </a:r>
-            <a:endParaRPr lang="en-US" sz="2400" dirty="0">
-              <a:latin typeface="Times New Roman" charset="0"/>
-              <a:ea typeface="Times New Roman" charset="0"/>
-              <a:cs typeface="Times New Roman" charset="0"/>
-            </a:endParaRPr>
           </a:p>
         </p:txBody>
       </p:sp>
@@ -10423,18 +11264,13 @@
           <a:p>
             <a:pPr algn="ctr"/>
             <a:r>
-              <a:rPr lang="en-US" sz="2400" dirty="0" smtClean="0">
+              <a:rPr lang="en-US" sz="2400" dirty="0">
                 <a:latin typeface="Times New Roman" charset="0"/>
                 <a:ea typeface="Times New Roman" charset="0"/>
                 <a:cs typeface="Times New Roman" charset="0"/>
               </a:rPr>
               <a:t>Moon</a:t>
             </a:r>
-            <a:endParaRPr lang="en-US" sz="2400" dirty="0">
-              <a:latin typeface="Times New Roman" charset="0"/>
-              <a:ea typeface="Times New Roman" charset="0"/>
-              <a:cs typeface="Times New Roman" charset="0"/>
-            </a:endParaRPr>
           </a:p>
         </p:txBody>
       </p:sp>
@@ -10462,18 +11298,13 @@
           <a:p>
             <a:pPr algn="ctr"/>
             <a:r>
-              <a:rPr lang="en-US" sz="2400" dirty="0" smtClean="0">
+              <a:rPr lang="en-US" sz="2400" dirty="0">
                 <a:latin typeface="Times New Roman" charset="0"/>
                 <a:ea typeface="Times New Roman" charset="0"/>
                 <a:cs typeface="Times New Roman" charset="0"/>
               </a:rPr>
               <a:t>Asteroid</a:t>
             </a:r>
-            <a:endParaRPr lang="en-US" sz="2400" dirty="0">
-              <a:latin typeface="Times New Roman" charset="0"/>
-              <a:ea typeface="Times New Roman" charset="0"/>
-              <a:cs typeface="Times New Roman" charset="0"/>
-            </a:endParaRPr>
           </a:p>
         </p:txBody>
       </p:sp>
@@ -10501,18 +11332,13 @@
           <a:p>
             <a:pPr algn="ctr"/>
             <a:r>
-              <a:rPr lang="en-US" sz="2400" dirty="0" smtClean="0">
+              <a:rPr lang="en-US" sz="2400" dirty="0">
                 <a:latin typeface="Times New Roman" charset="0"/>
                 <a:ea typeface="Times New Roman" charset="0"/>
                 <a:cs typeface="Times New Roman" charset="0"/>
               </a:rPr>
               <a:t>Comet</a:t>
             </a:r>
-            <a:endParaRPr lang="en-US" sz="2400" dirty="0">
-              <a:latin typeface="Times New Roman" charset="0"/>
-              <a:ea typeface="Times New Roman" charset="0"/>
-              <a:cs typeface="Times New Roman" charset="0"/>
-            </a:endParaRPr>
           </a:p>
         </p:txBody>
       </p:sp>
@@ -10680,18 +11506,13 @@
           <a:p>
             <a:pPr algn="ctr"/>
             <a:r>
-              <a:rPr lang="en-US" sz="2400" dirty="0" smtClean="0">
+              <a:rPr lang="en-US" sz="2400" dirty="0">
                 <a:latin typeface="Times New Roman" charset="0"/>
                 <a:ea typeface="Times New Roman" charset="0"/>
                 <a:cs typeface="Times New Roman" charset="0"/>
               </a:rPr>
               <a:t>Planetary System</a:t>
             </a:r>
-            <a:endParaRPr lang="en-US" sz="2400" dirty="0">
-              <a:latin typeface="Times New Roman" charset="0"/>
-              <a:ea typeface="Times New Roman" charset="0"/>
-              <a:cs typeface="Times New Roman" charset="0"/>
-            </a:endParaRPr>
           </a:p>
         </p:txBody>
       </p:sp>
@@ -10819,18 +11640,13 @@
           <a:p>
             <a:pPr algn="ctr"/>
             <a:r>
-              <a:rPr lang="en-US" sz="2400" dirty="0" smtClean="0">
+              <a:rPr lang="en-US" sz="2400" dirty="0">
                 <a:latin typeface="Times New Roman" charset="0"/>
                 <a:ea typeface="Times New Roman" charset="0"/>
                 <a:cs typeface="Times New Roman" charset="0"/>
               </a:rPr>
               <a:t>Solar System</a:t>
             </a:r>
-            <a:endParaRPr lang="en-US" sz="2400" dirty="0">
-              <a:latin typeface="Times New Roman" charset="0"/>
-              <a:ea typeface="Times New Roman" charset="0"/>
-              <a:cs typeface="Times New Roman" charset="0"/>
-            </a:endParaRPr>
           </a:p>
         </p:txBody>
       </p:sp>
@@ -10858,18 +11674,13 @@
           <a:p>
             <a:pPr algn="ctr"/>
             <a:r>
-              <a:rPr lang="en-US" sz="2400" dirty="0" smtClean="0">
+              <a:rPr lang="en-US" sz="2400" dirty="0">
                 <a:latin typeface="Times New Roman" charset="0"/>
                 <a:ea typeface="Times New Roman" charset="0"/>
                 <a:cs typeface="Times New Roman" charset="0"/>
               </a:rPr>
               <a:t>Body</a:t>
             </a:r>
-            <a:endParaRPr lang="en-US" sz="2400" dirty="0">
-              <a:latin typeface="Times New Roman" charset="0"/>
-              <a:ea typeface="Times New Roman" charset="0"/>
-              <a:cs typeface="Times New Roman" charset="0"/>
-            </a:endParaRPr>
           </a:p>
         </p:txBody>
       </p:sp>
@@ -10953,17 +11764,10 @@
   <p:clrMapOvr>
     <a:masterClrMapping/>
   </p:clrMapOvr>
-  <p:timing>
-    <p:tnLst>
-      <p:par>
-        <p:cTn id="1" dur="indefinite" restart="never" nodeType="tmRoot"/>
-      </p:par>
-    </p:tnLst>
-  </p:timing>
 </p:sld>
 </file>
 
-<file path=ppt/slides/slide17.xml><?xml version="1.0" encoding="utf-8"?>
+<file path=ppt/slides/slide19.xml><?xml version="1.0" encoding="utf-8"?>
 <p:sld xmlns:a="http://schemas.openxmlformats.org/drawingml/2006/main" xmlns:r="http://schemas.openxmlformats.org/officeDocument/2006/relationships" xmlns:p="http://schemas.openxmlformats.org/presentationml/2006/main">
   <p:cSld>
     <p:spTree>
@@ -10996,10 +11800,9 @@
           <a:lstStyle/>
           <a:p>
             <a:r>
-              <a:rPr lang="en-US" dirty="0" smtClean="0"/>
+              <a:rPr lang="en-US" dirty="0"/>
               <a:t>Composition: A Solar System </a:t>
             </a:r>
-            <a:endParaRPr lang="en-US" dirty="0"/>
           </a:p>
         </p:txBody>
       </p:sp>
@@ -11041,10 +11844,9 @@
               <a:defRPr/>
             </a:pPr>
             <a:r>
-              <a:rPr lang="en-US" dirty="0" smtClean="0"/>
+              <a:rPr lang="en-US" dirty="0"/>
               <a:t>First pieces: the inheritance structure of the solar system bodies. All solar system bodies have a name and a mass, so we put those in the base class. </a:t>
             </a:r>
-            <a:endParaRPr lang="en-US" dirty="0"/>
           </a:p>
         </p:txBody>
       </p:sp>
@@ -11088,17 +11890,10 @@
   <p:clrMapOvr>
     <a:masterClrMapping/>
   </p:clrMapOvr>
-  <p:timing>
-    <p:tnLst>
-      <p:par>
-        <p:cTn id="1" dur="indefinite" restart="never" nodeType="tmRoot"/>
-      </p:par>
-    </p:tnLst>
-  </p:timing>
 </p:sld>
 </file>
 
-<file path=ppt/slides/slide18.xml><?xml version="1.0" encoding="utf-8"?>
+<file path=ppt/slides/slide2.xml><?xml version="1.0" encoding="utf-8"?>
 <p:sld xmlns:a="http://schemas.openxmlformats.org/drawingml/2006/main" xmlns:r="http://schemas.openxmlformats.org/officeDocument/2006/relationships" xmlns:p="http://schemas.openxmlformats.org/presentationml/2006/main">
   <p:cSld>
     <p:spTree>
@@ -11131,10 +11926,9 @@
           <a:lstStyle/>
           <a:p>
             <a:r>
-              <a:rPr lang="en-US" dirty="0" smtClean="0"/>
-              <a:t>Composition: A Solar System </a:t>
-            </a:r>
-            <a:endParaRPr lang="en-US" dirty="0"/>
+              <a:rPr lang="en-US" dirty="0"/>
+              <a:t>What Are They?</a:t>
+            </a:r>
           </a:p>
         </p:txBody>
       </p:sp>
@@ -11150,8 +11944,8 @@
         </p:nvSpPr>
         <p:spPr>
           <a:xfrm>
-            <a:off x="680321" y="2336873"/>
-            <a:ext cx="5229160" cy="3599316"/>
+            <a:off x="680321" y="2336872"/>
+            <a:ext cx="9613861" cy="4050279"/>
           </a:xfrm>
         </p:spPr>
         <p:txBody>
@@ -11176,10 +11970,192 @@
               <a:defRPr/>
             </a:pPr>
             <a:r>
-              <a:rPr lang="en-US" dirty="0" smtClean="0"/>
-              <a:t>First pieces: the inheritance structure of the solar system bodies. All solar system bodies have a name and a mass, so we put those in the base class. </a:t>
-            </a:r>
-          </a:p>
+              <a:rPr lang="en-US" dirty="0"/>
+              <a:t>Inheritance </a:t>
+            </a:r>
+          </a:p>
+          <a:p>
+            <a:pPr lvl="1">
+              <a:lnSpc>
+                <a:spcPct val="100000"/>
+              </a:lnSpc>
+              <a:spcBef>
+                <a:spcPts val="0"/>
+              </a:spcBef>
+            </a:pPr>
+            <a:r>
+              <a:rPr lang="en-US" dirty="0"/>
+              <a:t>An object is based on another object, is a special type of that object, or is some kind of extension of it </a:t>
+            </a:r>
+          </a:p>
+          <a:p>
+            <a:pPr lvl="1">
+              <a:lnSpc>
+                <a:spcPct val="100000"/>
+              </a:lnSpc>
+              <a:spcBef>
+                <a:spcPts val="0"/>
+              </a:spcBef>
+            </a:pPr>
+            <a:r>
+              <a:rPr lang="en-US" i="1" dirty="0"/>
+              <a:t>Subclasses</a:t>
+            </a:r>
+            <a:r>
+              <a:rPr lang="en-US" dirty="0"/>
+              <a:t> “inherit” functionality from their </a:t>
+            </a:r>
+            <a:r>
+              <a:rPr lang="en-US" i="1" dirty="0"/>
+              <a:t>parent class</a:t>
+            </a:r>
+            <a:r>
+              <a:rPr lang="en-US" dirty="0"/>
+              <a:t>, which may have its own parent class </a:t>
+            </a:r>
+          </a:p>
+          <a:p>
+            <a:pPr marL="0" indent="0">
+              <a:lnSpc>
+                <a:spcPct val="100000"/>
+              </a:lnSpc>
+              <a:spcBef>
+                <a:spcPts val="0"/>
+              </a:spcBef>
+              <a:buNone/>
+            </a:pPr>
+            <a:endParaRPr lang="en-US" i="1" dirty="0"/>
+          </a:p>
+          <a:p>
+            <a:pPr marL="0" indent="0">
+              <a:lnSpc>
+                <a:spcPct val="100000"/>
+              </a:lnSpc>
+              <a:spcBef>
+                <a:spcPts val="0"/>
+              </a:spcBef>
+              <a:buNone/>
+            </a:pPr>
+            <a:endParaRPr lang="en-US" i="1" dirty="0"/>
+          </a:p>
+          <a:p>
+            <a:pPr marL="0" indent="0">
+              <a:lnSpc>
+                <a:spcPct val="100000"/>
+              </a:lnSpc>
+              <a:spcBef>
+                <a:spcPts val="0"/>
+              </a:spcBef>
+              <a:buNone/>
+            </a:pPr>
+            <a:r>
+              <a:rPr lang="en-US" dirty="0"/>
+              <a:t>Composition </a:t>
+            </a:r>
+          </a:p>
+          <a:p>
+            <a:pPr lvl="1">
+              <a:lnSpc>
+                <a:spcPct val="100000"/>
+              </a:lnSpc>
+              <a:spcBef>
+                <a:spcPts val="0"/>
+              </a:spcBef>
+            </a:pPr>
+            <a:r>
+              <a:rPr lang="en-US" dirty="0"/>
+              <a:t>An object </a:t>
+            </a:r>
+            <a:r>
+              <a:rPr lang="en-US" i="1" dirty="0"/>
+              <a:t>contains</a:t>
+            </a:r>
+            <a:r>
+              <a:rPr lang="en-US" dirty="0"/>
+              <a:t> other objects, is </a:t>
+            </a:r>
+            <a:r>
+              <a:rPr lang="en-US" i="1" dirty="0"/>
+              <a:t>made of</a:t>
+            </a:r>
+            <a:r>
+              <a:rPr lang="en-US" dirty="0"/>
+              <a:t> them, and may not have meaning without them </a:t>
+            </a:r>
+          </a:p>
+        </p:txBody>
+      </p:sp>
+    </p:spTree>
+    <p:extLst>
+      <p:ext uri="{BB962C8B-B14F-4D97-AF65-F5344CB8AC3E}">
+        <p14:creationId xmlns:p14="http://schemas.microsoft.com/office/powerpoint/2010/main" val="1834234156"/>
+      </p:ext>
+    </p:extLst>
+  </p:cSld>
+  <p:clrMapOvr>
+    <a:masterClrMapping/>
+  </p:clrMapOvr>
+</p:sld>
+</file>
+
+<file path=ppt/slides/slide20.xml><?xml version="1.0" encoding="utf-8"?>
+<p:sld xmlns:a="http://schemas.openxmlformats.org/drawingml/2006/main" xmlns:r="http://schemas.openxmlformats.org/officeDocument/2006/relationships" xmlns:p="http://schemas.openxmlformats.org/presentationml/2006/main">
+  <p:cSld>
+    <p:spTree>
+      <p:nvGrpSpPr>
+        <p:cNvPr id="1" name=""/>
+        <p:cNvGrpSpPr/>
+        <p:nvPr/>
+      </p:nvGrpSpPr>
+      <p:grpSpPr>
+        <a:xfrm>
+          <a:off x="0" y="0"/>
+          <a:ext cx="0" cy="0"/>
+          <a:chOff x="0" y="0"/>
+          <a:chExt cx="0" cy="0"/>
+        </a:xfrm>
+      </p:grpSpPr>
+      <p:sp>
+        <p:nvSpPr>
+          <p:cNvPr id="2" name="Title 1"/>
+          <p:cNvSpPr>
+            <a:spLocks noGrp="1"/>
+          </p:cNvSpPr>
+          <p:nvPr>
+            <p:ph type="title"/>
+          </p:nvPr>
+        </p:nvSpPr>
+        <p:spPr/>
+        <p:txBody>
+          <a:bodyPr/>
+          <a:lstStyle/>
+          <a:p>
+            <a:r>
+              <a:rPr lang="en-US" dirty="0"/>
+              <a:t>Composition: A Solar System </a:t>
+            </a:r>
+          </a:p>
+        </p:txBody>
+      </p:sp>
+      <p:sp>
+        <p:nvSpPr>
+          <p:cNvPr id="3" name="Content Placeholder 2"/>
+          <p:cNvSpPr>
+            <a:spLocks noGrp="1"/>
+          </p:cNvSpPr>
+          <p:nvPr>
+            <p:ph idx="1"/>
+          </p:nvPr>
+        </p:nvSpPr>
+        <p:spPr>
+          <a:xfrm>
+            <a:off x="680321" y="2336873"/>
+            <a:ext cx="5229160" cy="3599316"/>
+          </a:xfrm>
+        </p:spPr>
+        <p:txBody>
+          <a:bodyPr/>
+          <a:lstStyle/>
           <a:p>
             <a:pPr marL="0" marR="0" lvl="0" indent="0" defTabSz="914400" eaLnBrk="1" fontAlgn="auto" latinLnBrk="0" hangingPunct="1">
               <a:lnSpc>
@@ -11198,7 +12174,10 @@
               <a:tabLst/>
               <a:defRPr/>
             </a:pPr>
-            <a:endParaRPr lang="en-US" dirty="0"/>
+            <a:r>
+              <a:rPr lang="en-US" dirty="0"/>
+              <a:t>First pieces: the inheritance structure of the solar system bodies. All solar system bodies have a name and a mass, so we put those in the base class. </a:t>
+            </a:r>
           </a:p>
           <a:p>
             <a:pPr marL="0" marR="0" lvl="0" indent="0" defTabSz="914400" eaLnBrk="1" fontAlgn="auto" latinLnBrk="0" hangingPunct="1">
@@ -11218,43 +12197,62 @@
               <a:tabLst/>
               <a:defRPr/>
             </a:pPr>
-            <a:r>
-              <a:rPr lang="en-US" dirty="0" smtClean="0"/>
+            <a:endParaRPr lang="en-US" dirty="0"/>
+          </a:p>
+          <a:p>
+            <a:pPr marL="0" marR="0" lvl="0" indent="0" defTabSz="914400" eaLnBrk="1" fontAlgn="auto" latinLnBrk="0" hangingPunct="1">
+              <a:lnSpc>
+                <a:spcPct val="100000"/>
+              </a:lnSpc>
+              <a:spcBef>
+                <a:spcPts val="0"/>
+              </a:spcBef>
+              <a:spcAft>
+                <a:spcPts val="0"/>
+              </a:spcAft>
+              <a:buClrTx/>
+              <a:buSzTx/>
+              <a:buFontTx/>
+              <a:buNone/>
+              <a:tabLst/>
+              <a:defRPr/>
+            </a:pPr>
+            <a:r>
+              <a:rPr lang="en-US" dirty="0"/>
               <a:t>The star doesn’t need any more than this, so we can let it inherit </a:t>
             </a:r>
             <a:r>
-              <a:rPr lang="en-US" i="1" dirty="0" smtClean="0"/>
+              <a:rPr lang="en-US" i="1" dirty="0"/>
               <a:t>everything</a:t>
             </a:r>
             <a:r>
-              <a:rPr lang="en-US" dirty="0" smtClean="0"/>
+              <a:rPr lang="en-US" dirty="0"/>
               <a:t> </a:t>
             </a:r>
             <a:r>
-              <a:rPr lang="mr-IN" dirty="0" smtClean="0"/>
+              <a:rPr lang="mr-IN" dirty="0"/>
               <a:t>–</a:t>
             </a:r>
             <a:r>
-              <a:rPr lang="en-US" dirty="0" smtClean="0"/>
+              <a:rPr lang="en-US" dirty="0"/>
               <a:t> even the </a:t>
             </a:r>
             <a:r>
-              <a:rPr lang="en-US" i="1" dirty="0" smtClean="0"/>
+              <a:rPr lang="en-US" i="1" dirty="0"/>
               <a:t>__</a:t>
             </a:r>
             <a:r>
-              <a:rPr lang="en-US" i="1" dirty="0" err="1" smtClean="0"/>
+              <a:rPr lang="en-US" i="1" dirty="0" err="1"/>
               <a:t>init</a:t>
             </a:r>
             <a:r>
-              <a:rPr lang="en-US" i="1" dirty="0" smtClean="0"/>
+              <a:rPr lang="en-US" i="1" dirty="0"/>
               <a:t>__</a:t>
             </a:r>
             <a:r>
-              <a:rPr lang="en-US" dirty="0" smtClean="0"/>
+              <a:rPr lang="en-US" dirty="0"/>
               <a:t> function. </a:t>
             </a:r>
-            <a:endParaRPr lang="en-US" dirty="0"/>
           </a:p>
         </p:txBody>
       </p:sp>
@@ -11298,17 +12296,10 @@
   <p:clrMapOvr>
     <a:masterClrMapping/>
   </p:clrMapOvr>
-  <p:timing>
-    <p:tnLst>
-      <p:par>
-        <p:cTn id="1" dur="indefinite" restart="never" nodeType="tmRoot"/>
-      </p:par>
-    </p:tnLst>
-  </p:timing>
 </p:sld>
 </file>
 
-<file path=ppt/slides/slide19.xml><?xml version="1.0" encoding="utf-8"?>
+<file path=ppt/slides/slide21.xml><?xml version="1.0" encoding="utf-8"?>
 <p:sld xmlns:a="http://schemas.openxmlformats.org/drawingml/2006/main" xmlns:r="http://schemas.openxmlformats.org/officeDocument/2006/relationships" xmlns:p="http://schemas.openxmlformats.org/presentationml/2006/main">
   <p:cSld>
     <p:spTree>
@@ -11341,10 +12332,9 @@
           <a:lstStyle/>
           <a:p>
             <a:r>
-              <a:rPr lang="en-US" dirty="0" smtClean="0"/>
+              <a:rPr lang="en-US" dirty="0"/>
               <a:t>Composition: A Solar System </a:t>
             </a:r>
-            <a:endParaRPr lang="en-US" dirty="0"/>
           </a:p>
         </p:txBody>
       </p:sp>
@@ -11379,16 +12369,8 @@
               <a:defRPr/>
             </a:pPr>
             <a:r>
-              <a:rPr lang="en-US" dirty="0" smtClean="0"/>
-              <a:t>First pieces: the inheritance structure of the solar system bodies. All solar system bodies have a name and a mass, </a:t>
-            </a:r>
-            <a:r>
-              <a:rPr lang="en-US" dirty="0"/>
-              <a:t>so we put those in the base class</a:t>
-            </a:r>
-            <a:r>
-              <a:rPr lang="en-US" dirty="0" smtClean="0"/>
-              <a:t>. </a:t>
+              <a:rPr lang="en-US" dirty="0"/>
+              <a:t>First pieces: the inheritance structure of the solar system bodies. All solar system bodies have a name and a mass, so we put those in the base class. </a:t>
             </a:r>
           </a:p>
           <a:p>
@@ -11430,10 +12412,9 @@
               <a:defRPr/>
             </a:pPr>
             <a:r>
-              <a:rPr lang="en-US" dirty="0" smtClean="0"/>
+              <a:rPr lang="en-US" dirty="0"/>
               <a:t>A satellite object also has a semi-major axis and an eccentricity. </a:t>
             </a:r>
-            <a:endParaRPr lang="en-US" dirty="0"/>
           </a:p>
         </p:txBody>
       </p:sp>
@@ -11477,17 +12458,10 @@
   <p:clrMapOvr>
     <a:masterClrMapping/>
   </p:clrMapOvr>
-  <p:timing>
-    <p:tnLst>
-      <p:par>
-        <p:cTn id="1" dur="indefinite" restart="never" nodeType="tmRoot"/>
-      </p:par>
-    </p:tnLst>
-  </p:timing>
 </p:sld>
 </file>
 
-<file path=ppt/slides/slide2.xml><?xml version="1.0" encoding="utf-8"?>
+<file path=ppt/slides/slide22.xml><?xml version="1.0" encoding="utf-8"?>
 <p:sld xmlns:a="http://schemas.openxmlformats.org/drawingml/2006/main" xmlns:r="http://schemas.openxmlformats.org/officeDocument/2006/relationships" xmlns:p="http://schemas.openxmlformats.org/presentationml/2006/main">
   <p:cSld>
     <p:spTree>
@@ -11520,10 +12494,9 @@
           <a:lstStyle/>
           <a:p>
             <a:r>
-              <a:rPr lang="en-US" dirty="0" smtClean="0"/>
-              <a:t>What Are They?</a:t>
-            </a:r>
-            <a:endParaRPr lang="en-US" dirty="0"/>
+              <a:rPr lang="en-US" dirty="0"/>
+              <a:t>Composition: A Solar System </a:t>
+            </a:r>
           </a:p>
         </p:txBody>
       </p:sp>
@@ -11539,13 +12512,31 @@
         </p:nvSpPr>
         <p:spPr>
           <a:xfrm>
-            <a:off x="680321" y="2336872"/>
-            <a:ext cx="9613861" cy="4050279"/>
-          </a:xfrm>
-        </p:spPr>
-        <p:txBody>
-          <a:bodyPr/>
+            <a:off x="680321" y="2336873"/>
+            <a:ext cx="5229160" cy="3599316"/>
+          </a:xfrm>
+        </p:spPr>
+        <p:txBody>
+          <a:bodyPr>
+            <a:normAutofit lnSpcReduction="10000"/>
+          </a:bodyPr>
           <a:lstStyle/>
+          <a:p>
+            <a:pPr marL="0" lvl="0" indent="0">
+              <a:lnSpc>
+                <a:spcPct val="100000"/>
+              </a:lnSpc>
+              <a:spcBef>
+                <a:spcPts val="0"/>
+              </a:spcBef>
+              <a:buNone/>
+              <a:defRPr/>
+            </a:pPr>
+            <a:r>
+              <a:rPr lang="en-US" dirty="0"/>
+              <a:t>First pieces: the inheritance structure of the solar system bodies. All solar system bodies have a name and a mass, so we put those in the base class. </a:t>
+            </a:r>
+          </a:p>
           <a:p>
             <a:pPr marL="0" marR="0" lvl="0" indent="0" defTabSz="914400" eaLnBrk="1" fontAlgn="auto" latinLnBrk="0" hangingPunct="1">
               <a:lnSpc>
@@ -11564,228 +12555,7 @@
               <a:tabLst/>
               <a:defRPr/>
             </a:pPr>
-            <a:r>
-              <a:rPr lang="en-US" dirty="0" smtClean="0"/>
-              <a:t>Inheritance </a:t>
-            </a:r>
-          </a:p>
-          <a:p>
-            <a:pPr lvl="1">
-              <a:lnSpc>
-                <a:spcPct val="100000"/>
-              </a:lnSpc>
-              <a:spcBef>
-                <a:spcPts val="0"/>
-              </a:spcBef>
-            </a:pPr>
-            <a:r>
-              <a:rPr lang="en-US" dirty="0" smtClean="0"/>
-              <a:t>An object is based on another object, is a special type of that object, or is some kind of extension of it </a:t>
-            </a:r>
-          </a:p>
-          <a:p>
-            <a:pPr lvl="1">
-              <a:lnSpc>
-                <a:spcPct val="100000"/>
-              </a:lnSpc>
-              <a:spcBef>
-                <a:spcPts val="0"/>
-              </a:spcBef>
-            </a:pPr>
-            <a:r>
-              <a:rPr lang="en-US" i="1" dirty="0" smtClean="0"/>
-              <a:t>Subclasses</a:t>
-            </a:r>
-            <a:r>
-              <a:rPr lang="en-US" dirty="0"/>
-              <a:t> </a:t>
-            </a:r>
-            <a:r>
-              <a:rPr lang="en-US" dirty="0" smtClean="0"/>
-              <a:t>“inherit” functionality from their </a:t>
-            </a:r>
-            <a:r>
-              <a:rPr lang="en-US" i="1" dirty="0" smtClean="0"/>
-              <a:t>parent class</a:t>
-            </a:r>
-            <a:r>
-              <a:rPr lang="en-US" dirty="0" smtClean="0"/>
-              <a:t>, which may have its own parent class </a:t>
-            </a:r>
-          </a:p>
-          <a:p>
-            <a:pPr marL="0" indent="0">
-              <a:lnSpc>
-                <a:spcPct val="100000"/>
-              </a:lnSpc>
-              <a:spcBef>
-                <a:spcPts val="0"/>
-              </a:spcBef>
-              <a:buNone/>
-            </a:pPr>
-            <a:endParaRPr lang="en-US" i="1" dirty="0" smtClean="0"/>
-          </a:p>
-          <a:p>
-            <a:pPr marL="0" indent="0">
-              <a:lnSpc>
-                <a:spcPct val="100000"/>
-              </a:lnSpc>
-              <a:spcBef>
-                <a:spcPts val="0"/>
-              </a:spcBef>
-              <a:buNone/>
-            </a:pPr>
-            <a:endParaRPr lang="en-US" i="1" dirty="0"/>
-          </a:p>
-          <a:p>
-            <a:pPr marL="0" indent="0">
-              <a:lnSpc>
-                <a:spcPct val="100000"/>
-              </a:lnSpc>
-              <a:spcBef>
-                <a:spcPts val="0"/>
-              </a:spcBef>
-              <a:buNone/>
-            </a:pPr>
-            <a:r>
-              <a:rPr lang="en-US" dirty="0" smtClean="0"/>
-              <a:t>Composition </a:t>
-            </a:r>
-          </a:p>
-          <a:p>
-            <a:pPr lvl="1">
-              <a:lnSpc>
-                <a:spcPct val="100000"/>
-              </a:lnSpc>
-              <a:spcBef>
-                <a:spcPts val="0"/>
-              </a:spcBef>
-            </a:pPr>
-            <a:r>
-              <a:rPr lang="en-US" dirty="0" smtClean="0"/>
-              <a:t>An object </a:t>
-            </a:r>
-            <a:r>
-              <a:rPr lang="en-US" i="1" dirty="0" smtClean="0"/>
-              <a:t>contains</a:t>
-            </a:r>
-            <a:r>
-              <a:rPr lang="en-US" dirty="0" smtClean="0"/>
-              <a:t> other objects, is </a:t>
-            </a:r>
-            <a:r>
-              <a:rPr lang="en-US" i="1" dirty="0" smtClean="0"/>
-              <a:t>made of</a:t>
-            </a:r>
-            <a:r>
-              <a:rPr lang="en-US" dirty="0" smtClean="0"/>
-              <a:t> them, and may not have meaning without them </a:t>
-            </a:r>
             <a:endParaRPr lang="en-US" dirty="0"/>
-          </a:p>
-        </p:txBody>
-      </p:sp>
-    </p:spTree>
-    <p:extLst>
-      <p:ext uri="{BB962C8B-B14F-4D97-AF65-F5344CB8AC3E}">
-        <p14:creationId xmlns:p14="http://schemas.microsoft.com/office/powerpoint/2010/main" val="1834234156"/>
-      </p:ext>
-    </p:extLst>
-  </p:cSld>
-  <p:clrMapOvr>
-    <a:masterClrMapping/>
-  </p:clrMapOvr>
-  <p:timing>
-    <p:tnLst>
-      <p:par>
-        <p:cTn id="1" dur="indefinite" restart="never" nodeType="tmRoot"/>
-      </p:par>
-    </p:tnLst>
-  </p:timing>
-</p:sld>
-</file>
-
-<file path=ppt/slides/slide20.xml><?xml version="1.0" encoding="utf-8"?>
-<p:sld xmlns:a="http://schemas.openxmlformats.org/drawingml/2006/main" xmlns:r="http://schemas.openxmlformats.org/officeDocument/2006/relationships" xmlns:p="http://schemas.openxmlformats.org/presentationml/2006/main">
-  <p:cSld>
-    <p:spTree>
-      <p:nvGrpSpPr>
-        <p:cNvPr id="1" name=""/>
-        <p:cNvGrpSpPr/>
-        <p:nvPr/>
-      </p:nvGrpSpPr>
-      <p:grpSpPr>
-        <a:xfrm>
-          <a:off x="0" y="0"/>
-          <a:ext cx="0" cy="0"/>
-          <a:chOff x="0" y="0"/>
-          <a:chExt cx="0" cy="0"/>
-        </a:xfrm>
-      </p:grpSpPr>
-      <p:sp>
-        <p:nvSpPr>
-          <p:cNvPr id="2" name="Title 1"/>
-          <p:cNvSpPr>
-            <a:spLocks noGrp="1"/>
-          </p:cNvSpPr>
-          <p:nvPr>
-            <p:ph type="title"/>
-          </p:nvPr>
-        </p:nvSpPr>
-        <p:spPr/>
-        <p:txBody>
-          <a:bodyPr/>
-          <a:lstStyle/>
-          <a:p>
-            <a:r>
-              <a:rPr lang="en-US" dirty="0" smtClean="0"/>
-              <a:t>Composition: A Solar System </a:t>
-            </a:r>
-            <a:endParaRPr lang="en-US" dirty="0"/>
-          </a:p>
-        </p:txBody>
-      </p:sp>
-      <p:sp>
-        <p:nvSpPr>
-          <p:cNvPr id="3" name="Content Placeholder 2"/>
-          <p:cNvSpPr>
-            <a:spLocks noGrp="1"/>
-          </p:cNvSpPr>
-          <p:nvPr>
-            <p:ph idx="1"/>
-          </p:nvPr>
-        </p:nvSpPr>
-        <p:spPr>
-          <a:xfrm>
-            <a:off x="680321" y="2336873"/>
-            <a:ext cx="5229160" cy="3599316"/>
-          </a:xfrm>
-        </p:spPr>
-        <p:txBody>
-          <a:bodyPr>
-            <a:normAutofit lnSpcReduction="10000"/>
-          </a:bodyPr>
-          <a:lstStyle/>
-          <a:p>
-            <a:pPr marL="0" lvl="0" indent="0">
-              <a:lnSpc>
-                <a:spcPct val="100000"/>
-              </a:lnSpc>
-              <a:spcBef>
-                <a:spcPts val="0"/>
-              </a:spcBef>
-              <a:buNone/>
-              <a:defRPr/>
-            </a:pPr>
-            <a:r>
-              <a:rPr lang="en-US" dirty="0" smtClean="0"/>
-              <a:t>First pieces: the inheritance structure of the solar system bodies. All solar system bodies have a name and a mass, </a:t>
-            </a:r>
-            <a:r>
-              <a:rPr lang="en-US" dirty="0"/>
-              <a:t>so we put those in the base class. </a:t>
-            </a:r>
-            <a:endParaRPr lang="en-US" dirty="0" smtClean="0"/>
           </a:p>
           <a:p>
             <a:pPr marL="0" marR="0" lvl="0" indent="0" defTabSz="914400" eaLnBrk="1" fontAlgn="auto" latinLnBrk="0" hangingPunct="1">
@@ -11805,7 +12575,10 @@
               <a:tabLst/>
               <a:defRPr/>
             </a:pPr>
-            <a:endParaRPr lang="en-US" dirty="0"/>
+            <a:r>
+              <a:rPr lang="en-US" dirty="0"/>
+              <a:t>A satellite object also has a semi-major axis and an eccentricity. </a:t>
+            </a:r>
           </a:p>
           <a:p>
             <a:pPr marL="0" marR="0" lvl="0" indent="0" defTabSz="914400" eaLnBrk="1" fontAlgn="auto" latinLnBrk="0" hangingPunct="1">
@@ -11825,10 +12598,7 @@
               <a:tabLst/>
               <a:defRPr/>
             </a:pPr>
-            <a:r>
-              <a:rPr lang="en-US" dirty="0" smtClean="0"/>
-              <a:t>A satellite object also has a semi-major axis and an eccentricity. </a:t>
-            </a:r>
+            <a:endParaRPr lang="en-US" dirty="0"/>
           </a:p>
           <a:p>
             <a:pPr marL="0" marR="0" lvl="0" indent="0" defTabSz="914400" eaLnBrk="1" fontAlgn="auto" latinLnBrk="0" hangingPunct="1">
@@ -11848,31 +12618,10 @@
               <a:tabLst/>
               <a:defRPr/>
             </a:pPr>
-            <a:endParaRPr lang="en-US" dirty="0"/>
-          </a:p>
-          <a:p>
-            <a:pPr marL="0" marR="0" lvl="0" indent="0" defTabSz="914400" eaLnBrk="1" fontAlgn="auto" latinLnBrk="0" hangingPunct="1">
-              <a:lnSpc>
-                <a:spcPct val="100000"/>
-              </a:lnSpc>
-              <a:spcBef>
-                <a:spcPts val="0"/>
-              </a:spcBef>
-              <a:spcAft>
-                <a:spcPts val="0"/>
-              </a:spcAft>
-              <a:buClrTx/>
-              <a:buSzTx/>
-              <a:buFontTx/>
-              <a:buNone/>
-              <a:tabLst/>
-              <a:defRPr/>
-            </a:pPr>
-            <a:r>
-              <a:rPr lang="en-US" dirty="0" smtClean="0"/>
+            <a:r>
+              <a:rPr lang="en-US" dirty="0"/>
               <a:t>Planets, moons, asteroids, and comets don’t need any data beyond that. </a:t>
             </a:r>
-            <a:endParaRPr lang="en-US" dirty="0"/>
           </a:p>
         </p:txBody>
       </p:sp>
@@ -11916,17 +12665,10 @@
   <p:clrMapOvr>
     <a:masterClrMapping/>
   </p:clrMapOvr>
-  <p:timing>
-    <p:tnLst>
-      <p:par>
-        <p:cTn id="1" dur="indefinite" restart="never" nodeType="tmRoot"/>
-      </p:par>
-    </p:tnLst>
-  </p:timing>
 </p:sld>
 </file>
 
-<file path=ppt/slides/slide21.xml><?xml version="1.0" encoding="utf-8"?>
+<file path=ppt/slides/slide23.xml><?xml version="1.0" encoding="utf-8"?>
 <p:sld xmlns:a="http://schemas.openxmlformats.org/drawingml/2006/main" xmlns:r="http://schemas.openxmlformats.org/officeDocument/2006/relationships" xmlns:p="http://schemas.openxmlformats.org/presentationml/2006/main">
   <p:cSld>
     <p:spTree>
@@ -11959,10 +12701,9 @@
           <a:lstStyle/>
           <a:p>
             <a:r>
-              <a:rPr lang="en-US" dirty="0" smtClean="0"/>
+              <a:rPr lang="en-US" dirty="0"/>
               <a:t>Composition: A Solar System </a:t>
             </a:r>
-            <a:endParaRPr lang="en-US" dirty="0"/>
           </a:p>
         </p:txBody>
       </p:sp>
@@ -12004,15 +12745,15 @@
               <a:defRPr/>
             </a:pPr>
             <a:r>
-              <a:rPr lang="en-US" dirty="0" smtClean="0"/>
+              <a:rPr lang="en-US" dirty="0"/>
               <a:t>Next: A planetary system composed of a planet object and moons. This requires no new syntax </a:t>
             </a:r>
             <a:r>
-              <a:rPr lang="mr-IN" dirty="0" smtClean="0"/>
+              <a:rPr lang="mr-IN" dirty="0"/>
               <a:t>–</a:t>
             </a:r>
             <a:r>
-              <a:rPr lang="en-US" dirty="0" smtClean="0"/>
+              <a:rPr lang="en-US" dirty="0"/>
               <a:t> these can be properties of a new class. </a:t>
             </a:r>
           </a:p>
@@ -12034,7 +12775,7 @@
               <a:tabLst/>
               <a:defRPr/>
             </a:pPr>
-            <a:endParaRPr lang="en-US" dirty="0" smtClean="0"/>
+            <a:endParaRPr lang="en-US" dirty="0"/>
           </a:p>
           <a:p>
             <a:pPr marL="0" marR="0" lvl="0" indent="0" defTabSz="914400" eaLnBrk="1" fontAlgn="auto" latinLnBrk="0" hangingPunct="1">
@@ -12075,10 +12816,9 @@
               <a:defRPr/>
             </a:pPr>
             <a:r>
-              <a:rPr lang="en-US" dirty="0" smtClean="0"/>
+              <a:rPr lang="en-US" dirty="0"/>
               <a:t>Here the planet attribute is just the planet object, and the moons is a list of moon objects. </a:t>
             </a:r>
-            <a:endParaRPr lang="en-US" dirty="0"/>
           </a:p>
         </p:txBody>
       </p:sp>
@@ -12122,17 +12862,10 @@
   <p:clrMapOvr>
     <a:masterClrMapping/>
   </p:clrMapOvr>
-  <p:timing>
-    <p:tnLst>
-      <p:par>
-        <p:cTn id="1" dur="indefinite" restart="never" nodeType="tmRoot"/>
-      </p:par>
-    </p:tnLst>
-  </p:timing>
 </p:sld>
 </file>
 
-<file path=ppt/slides/slide22.xml><?xml version="1.0" encoding="utf-8"?>
+<file path=ppt/slides/slide24.xml><?xml version="1.0" encoding="utf-8"?>
 <p:sld xmlns:a="http://schemas.openxmlformats.org/drawingml/2006/main" xmlns:r="http://schemas.openxmlformats.org/officeDocument/2006/relationships" xmlns:p="http://schemas.openxmlformats.org/presentationml/2006/main">
   <p:cSld>
     <p:spTree>
@@ -12165,10 +12898,9 @@
           <a:lstStyle/>
           <a:p>
             <a:r>
-              <a:rPr lang="en-US" dirty="0" smtClean="0"/>
+              <a:rPr lang="en-US" dirty="0"/>
               <a:t>Composition: A Solar System </a:t>
             </a:r>
-            <a:endParaRPr lang="en-US" dirty="0"/>
           </a:p>
         </p:txBody>
       </p:sp>
@@ -12210,7 +12942,7 @@
               <a:defRPr/>
             </a:pPr>
             <a:r>
-              <a:rPr lang="en-US" dirty="0" smtClean="0"/>
+              <a:rPr lang="en-US" dirty="0"/>
               <a:t>Next: A solar system object composed of a star, planetary system objects, asteroids, and comets. </a:t>
             </a:r>
           </a:p>
@@ -12253,26 +12985,25 @@
               <a:defRPr/>
             </a:pPr>
             <a:r>
-              <a:rPr lang="en-US" dirty="0" smtClean="0"/>
+              <a:rPr lang="en-US" dirty="0"/>
               <a:t>Note: the </a:t>
             </a:r>
             <a:r>
-              <a:rPr lang="en-US" i="1" dirty="0" smtClean="0"/>
+              <a:rPr lang="en-US" i="1" dirty="0"/>
               <a:t>__</a:t>
             </a:r>
             <a:r>
-              <a:rPr lang="en-US" i="1" dirty="0" err="1" smtClean="0"/>
+              <a:rPr lang="en-US" i="1" dirty="0" err="1"/>
               <a:t>init</a:t>
             </a:r>
             <a:r>
-              <a:rPr lang="en-US" i="1" dirty="0" smtClean="0"/>
+              <a:rPr lang="en-US" i="1" dirty="0"/>
               <a:t>__ </a:t>
             </a:r>
             <a:r>
-              <a:rPr lang="en-US" dirty="0" smtClean="0"/>
+              <a:rPr lang="en-US" dirty="0"/>
               <a:t>function is calling setter functions not pictured here. </a:t>
             </a:r>
-            <a:endParaRPr lang="en-US" dirty="0"/>
           </a:p>
         </p:txBody>
       </p:sp>
@@ -12316,17 +13047,10 @@
   <p:clrMapOvr>
     <a:masterClrMapping/>
   </p:clrMapOvr>
-  <p:timing>
-    <p:tnLst>
-      <p:par>
-        <p:cTn id="1" dur="indefinite" restart="never" nodeType="tmRoot"/>
-      </p:par>
-    </p:tnLst>
-  </p:timing>
 </p:sld>
 </file>
 
-<file path=ppt/slides/slide23.xml><?xml version="1.0" encoding="utf-8"?>
+<file path=ppt/slides/slide25.xml><?xml version="1.0" encoding="utf-8"?>
 <p:sld xmlns:a="http://schemas.openxmlformats.org/drawingml/2006/main" xmlns:r="http://schemas.openxmlformats.org/officeDocument/2006/relationships" xmlns:p="http://schemas.openxmlformats.org/presentationml/2006/main">
   <p:cSld>
     <p:spTree>
@@ -12359,10 +13083,9 @@
           <a:lstStyle/>
           <a:p>
             <a:r>
-              <a:rPr lang="en-US" dirty="0" smtClean="0"/>
+              <a:rPr lang="en-US" dirty="0"/>
               <a:t>Composition: A Solar System </a:t>
             </a:r>
-            <a:endParaRPr lang="en-US" dirty="0"/>
           </a:p>
         </p:txBody>
       </p:sp>
@@ -12404,7 +13127,7 @@
               <a:defRPr/>
             </a:pPr>
             <a:r>
-              <a:rPr lang="en-US" dirty="0" smtClean="0"/>
+              <a:rPr lang="en-US" dirty="0"/>
               <a:t>Next: A solar system object composed of a star, planetary system objects, asteroids, and comets. </a:t>
             </a:r>
           </a:p>
@@ -12447,43 +13170,39 @@
               <a:defRPr/>
             </a:pPr>
             <a:r>
-              <a:rPr lang="en-US" dirty="0" smtClean="0"/>
+              <a:rPr lang="en-US" dirty="0"/>
               <a:t>The </a:t>
             </a:r>
             <a:r>
-              <a:rPr lang="en-US" i="1" dirty="0" smtClean="0"/>
+              <a:rPr lang="en-US" i="1" dirty="0"/>
               <a:t>planets</a:t>
             </a:r>
             <a:r>
-              <a:rPr lang="en-US" dirty="0" smtClean="0"/>
+              <a:rPr lang="en-US" dirty="0"/>
               <a:t> attribute is a list of </a:t>
             </a:r>
             <a:r>
-              <a:rPr lang="en-US" i="1" dirty="0" err="1" smtClean="0"/>
+              <a:rPr lang="en-US" i="1" dirty="0" err="1"/>
               <a:t>planetary_system</a:t>
             </a:r>
             <a:r>
-              <a:rPr lang="en-US" dirty="0" smtClean="0"/>
+              <a:rPr lang="en-US" dirty="0"/>
               <a:t> objects. The </a:t>
             </a:r>
             <a:r>
-              <a:rPr lang="en-US" i="1" dirty="0" smtClean="0"/>
+              <a:rPr lang="en-US" i="1" dirty="0"/>
               <a:t>asteroids</a:t>
             </a:r>
             <a:r>
               <a:rPr lang="en-US" dirty="0"/>
-              <a:t> </a:t>
-            </a:r>
-            <a:r>
-              <a:rPr lang="en-US" dirty="0" smtClean="0"/>
-              <a:t>and </a:t>
-            </a:r>
-            <a:r>
-              <a:rPr lang="en-US" i="1" dirty="0" smtClean="0"/>
+              <a:t> and </a:t>
+            </a:r>
+            <a:r>
+              <a:rPr lang="en-US" i="1" dirty="0"/>
               <a:t>comets</a:t>
             </a:r>
             <a:r>
-              <a:rPr lang="en-US" dirty="0" smtClean="0"/>
+              <a:rPr lang="en-US" dirty="0"/>
               <a:t> properties proceed similarly. </a:t>
             </a:r>
           </a:p>
@@ -12549,17 +13268,10 @@
   <p:clrMapOvr>
     <a:masterClrMapping/>
   </p:clrMapOvr>
-  <p:timing>
-    <p:tnLst>
-      <p:par>
-        <p:cTn id="1" dur="indefinite" restart="never" nodeType="tmRoot"/>
-      </p:par>
-    </p:tnLst>
-  </p:timing>
 </p:sld>
 </file>
 
-<file path=ppt/slides/slide24.xml><?xml version="1.0" encoding="utf-8"?>
+<file path=ppt/slides/slide26.xml><?xml version="1.0" encoding="utf-8"?>
 <p:sld xmlns:a="http://schemas.openxmlformats.org/drawingml/2006/main" xmlns:r="http://schemas.openxmlformats.org/officeDocument/2006/relationships" xmlns:p="http://schemas.openxmlformats.org/presentationml/2006/main">
   <p:cSld>
     <p:spTree>
@@ -12592,10 +13304,9 @@
           <a:lstStyle/>
           <a:p>
             <a:r>
-              <a:rPr lang="en-US" dirty="0" smtClean="0"/>
+              <a:rPr lang="en-US" dirty="0"/>
               <a:t>Composition: A Solar System </a:t>
             </a:r>
-            <a:endParaRPr lang="en-US" dirty="0"/>
           </a:p>
         </p:txBody>
       </p:sp>
@@ -12637,23 +13348,23 @@
               <a:defRPr/>
             </a:pPr>
             <a:r>
-              <a:rPr lang="en-US" dirty="0" smtClean="0"/>
+              <a:rPr lang="en-US" dirty="0"/>
               <a:t>The </a:t>
             </a:r>
             <a:r>
-              <a:rPr lang="en-US" i="1" dirty="0" err="1" smtClean="0"/>
+              <a:rPr lang="en-US" i="1" dirty="0" err="1"/>
               <a:t>planetary_system</a:t>
             </a:r>
             <a:r>
-              <a:rPr lang="en-US" dirty="0" smtClean="0"/>
+              <a:rPr lang="en-US" dirty="0"/>
               <a:t> and the </a:t>
             </a:r>
             <a:r>
-              <a:rPr lang="en-US" i="1" dirty="0" err="1" smtClean="0"/>
+              <a:rPr lang="en-US" i="1" dirty="0" err="1"/>
               <a:t>solar_system</a:t>
             </a:r>
             <a:r>
-              <a:rPr lang="en-US" dirty="0" smtClean="0"/>
+              <a:rPr lang="en-US" dirty="0"/>
               <a:t> objects in action: </a:t>
             </a:r>
           </a:p>
@@ -12729,17 +13440,10 @@
   <p:clrMapOvr>
     <a:masterClrMapping/>
   </p:clrMapOvr>
-  <p:timing>
-    <p:tnLst>
-      <p:par>
-        <p:cTn id="1" dur="indefinite" restart="never" nodeType="tmRoot"/>
-      </p:par>
-    </p:tnLst>
-  </p:timing>
 </p:sld>
 </file>
 
-<file path=ppt/slides/slide25.xml><?xml version="1.0" encoding="utf-8"?>
+<file path=ppt/slides/slide27.xml><?xml version="1.0" encoding="utf-8"?>
 <p:sld xmlns:a="http://schemas.openxmlformats.org/drawingml/2006/main" xmlns:r="http://schemas.openxmlformats.org/officeDocument/2006/relationships" xmlns:p="http://schemas.openxmlformats.org/presentationml/2006/main">
   <p:cSld>
     <p:spTree>
@@ -12772,10 +13476,9 @@
           <a:lstStyle/>
           <a:p>
             <a:r>
-              <a:rPr lang="en-US" dirty="0" smtClean="0"/>
+              <a:rPr lang="en-US" dirty="0"/>
               <a:t>Composition vs. Aggregation </a:t>
             </a:r>
-            <a:endParaRPr lang="en-US" dirty="0"/>
           </a:p>
         </p:txBody>
       </p:sp>
@@ -12819,23 +13522,23 @@
               <a:defRPr/>
             </a:pPr>
             <a:r>
-              <a:rPr lang="en-US" i="1" dirty="0" smtClean="0"/>
+              <a:rPr lang="en-US" i="1" dirty="0"/>
               <a:t>Composition</a:t>
             </a:r>
             <a:r>
-              <a:rPr lang="en-US" dirty="0" smtClean="0"/>
+              <a:rPr lang="en-US" dirty="0"/>
               <a:t> differs in detail from </a:t>
             </a:r>
             <a:r>
-              <a:rPr lang="en-US" i="1" dirty="0" smtClean="0"/>
+              <a:rPr lang="en-US" i="1" dirty="0"/>
               <a:t>aggregation </a:t>
             </a:r>
             <a:r>
-              <a:rPr lang="mr-IN" dirty="0" smtClean="0"/>
+              <a:rPr lang="mr-IN" dirty="0"/>
               <a:t>–</a:t>
             </a:r>
             <a:r>
-              <a:rPr lang="en-US" dirty="0" smtClean="0"/>
+              <a:rPr lang="en-US" dirty="0"/>
               <a:t> composition implies ownership whereas aggregation implies usage. </a:t>
             </a:r>
           </a:p>
@@ -12878,7 +13581,7 @@
               <a:defRPr/>
             </a:pPr>
             <a:r>
-              <a:rPr lang="en-US" dirty="0" smtClean="0"/>
+              <a:rPr lang="en-US" dirty="0"/>
               <a:t>Consider a program in which object A “owns” object B, and object B is destroyed when object A is destroyed. This is composition. </a:t>
             </a:r>
           </a:p>
@@ -12921,19 +13624,15 @@
               <a:defRPr/>
             </a:pPr>
             <a:r>
-              <a:rPr lang="en-US" dirty="0" smtClean="0"/>
+              <a:rPr lang="en-US" dirty="0"/>
               <a:t>Consider another program in which object A “uses” object B, and object B is </a:t>
             </a:r>
             <a:r>
               <a:rPr lang="en-US" i="1" dirty="0"/>
-              <a:t>n</a:t>
-            </a:r>
-            <a:r>
-              <a:rPr lang="en-US" i="1" dirty="0" smtClean="0"/>
-              <a:t>ot</a:t>
-            </a:r>
-            <a:r>
-              <a:rPr lang="en-US" dirty="0" smtClean="0"/>
+              <a:t>not</a:t>
+            </a:r>
+            <a:r>
+              <a:rPr lang="en-US" dirty="0"/>
               <a:t> destroyed when object A is destroyed. This is aggregation. </a:t>
             </a:r>
           </a:p>
@@ -12976,10 +13675,9 @@
               <a:defRPr/>
             </a:pPr>
             <a:r>
-              <a:rPr lang="en-US" dirty="0" smtClean="0"/>
+              <a:rPr lang="en-US" dirty="0"/>
               <a:t>Like composition, aggregation requires no syntax we haven’t already covered - the two are often confused. A simple example would be a file importing some instance of a class and making use of that particular instance in another class. </a:t>
             </a:r>
-            <a:endParaRPr lang="en-US" dirty="0"/>
           </a:p>
         </p:txBody>
       </p:sp>
@@ -12993,13 +13691,6 @@
   <p:clrMapOvr>
     <a:masterClrMapping/>
   </p:clrMapOvr>
-  <p:timing>
-    <p:tnLst>
-      <p:par>
-        <p:cTn id="1" dur="indefinite" restart="never" nodeType="tmRoot"/>
-      </p:par>
-    </p:tnLst>
-  </p:timing>
 </p:sld>
 </file>
 
@@ -13036,10 +13727,9 @@
           <a:lstStyle/>
           <a:p>
             <a:r>
-              <a:rPr lang="en-US" dirty="0" smtClean="0"/>
+              <a:rPr lang="en-US" dirty="0"/>
               <a:t>Inheritance </a:t>
             </a:r>
-            <a:endParaRPr lang="en-US" dirty="0"/>
           </a:p>
         </p:txBody>
       </p:sp>
@@ -13083,7 +13773,7 @@
               <a:defRPr/>
             </a:pPr>
             <a:r>
-              <a:rPr lang="en-US" dirty="0" smtClean="0"/>
+              <a:rPr lang="en-US" dirty="0"/>
               <a:t>A classic example: Pets (the implementation of this is left for an exercise) </a:t>
             </a:r>
           </a:p>
@@ -13125,7 +13815,7 @@
               <a:tabLst/>
               <a:defRPr/>
             </a:pPr>
-            <a:endParaRPr lang="en-US" dirty="0" smtClean="0"/>
+            <a:endParaRPr lang="en-US" dirty="0"/>
           </a:p>
           <a:p>
             <a:pPr marL="0" marR="0" lvl="0" indent="0" defTabSz="914400" eaLnBrk="1" fontAlgn="auto" latinLnBrk="0" hangingPunct="1">
@@ -13165,7 +13855,7 @@
               <a:tabLst/>
               <a:defRPr/>
             </a:pPr>
-            <a:endParaRPr lang="en-US" dirty="0" smtClean="0"/>
+            <a:endParaRPr lang="en-US" dirty="0"/>
           </a:p>
           <a:p>
             <a:pPr marL="0" marR="0" lvl="0" indent="0" defTabSz="914400" eaLnBrk="1" fontAlgn="auto" latinLnBrk="0" hangingPunct="1">
@@ -13205,7 +13895,7 @@
               <a:tabLst/>
               <a:defRPr/>
             </a:pPr>
-            <a:endParaRPr lang="en-US" dirty="0" smtClean="0"/>
+            <a:endParaRPr lang="en-US" dirty="0"/>
           </a:p>
           <a:p>
             <a:pPr marL="0" marR="0" lvl="0" indent="0" defTabSz="914400" eaLnBrk="1" fontAlgn="auto" latinLnBrk="0" hangingPunct="1">
@@ -13245,7 +13935,7 @@
               <a:tabLst/>
               <a:defRPr/>
             </a:pPr>
-            <a:endParaRPr lang="en-US" dirty="0" smtClean="0"/>
+            <a:endParaRPr lang="en-US" dirty="0"/>
           </a:p>
           <a:p>
             <a:pPr marL="0" marR="0" lvl="0" indent="0" defTabSz="914400" eaLnBrk="1" fontAlgn="auto" latinLnBrk="0" hangingPunct="1">
@@ -13266,39 +13956,39 @@
               <a:defRPr/>
             </a:pPr>
             <a:r>
-              <a:rPr lang="en-US" dirty="0" smtClean="0"/>
+              <a:rPr lang="en-US" dirty="0"/>
               <a:t>Features shared by all pets should be implemented in the </a:t>
             </a:r>
             <a:r>
-              <a:rPr lang="en-US" i="1" dirty="0" smtClean="0"/>
+              <a:rPr lang="en-US" i="1" dirty="0"/>
               <a:t>pet</a:t>
             </a:r>
             <a:r>
-              <a:rPr lang="en-US" dirty="0" smtClean="0"/>
+              <a:rPr lang="en-US" dirty="0"/>
               <a:t> base class. Those shared by all cats but not dogs in the </a:t>
             </a:r>
             <a:r>
-              <a:rPr lang="en-US" i="1" dirty="0" smtClean="0"/>
+              <a:rPr lang="en-US" i="1" dirty="0"/>
               <a:t>cat</a:t>
             </a:r>
             <a:r>
-              <a:rPr lang="en-US" dirty="0" smtClean="0"/>
+              <a:rPr lang="en-US" dirty="0"/>
               <a:t> class. These features will be automatically included in all </a:t>
             </a:r>
             <a:r>
-              <a:rPr lang="en-US" i="1" dirty="0" smtClean="0"/>
+              <a:rPr lang="en-US" i="1" dirty="0"/>
               <a:t>subclasses</a:t>
             </a:r>
             <a:r>
-              <a:rPr lang="en-US" dirty="0" smtClean="0"/>
+              <a:rPr lang="en-US" dirty="0"/>
               <a:t> (a.k.a. </a:t>
             </a:r>
             <a:r>
-              <a:rPr lang="en-US" i="1" dirty="0" smtClean="0"/>
+              <a:rPr lang="en-US" i="1" dirty="0"/>
               <a:t>derived classes</a:t>
             </a:r>
             <a:r>
-              <a:rPr lang="en-US" dirty="0" smtClean="0"/>
+              <a:rPr lang="en-US" dirty="0"/>
               <a:t>). </a:t>
             </a:r>
           </a:p>
@@ -13373,15 +14063,7 @@
                 <a:ea typeface="Times New Roman" charset="0"/>
                 <a:cs typeface="Times New Roman" charset="0"/>
               </a:rPr>
-              <a:t>c</a:t>
-            </a:r>
-            <a:r>
-              <a:rPr lang="en-US" sz="2400" dirty="0" smtClean="0">
-                <a:latin typeface="Times New Roman" charset="0"/>
-                <a:ea typeface="Times New Roman" charset="0"/>
-                <a:cs typeface="Times New Roman" charset="0"/>
-              </a:rPr>
-              <a:t>at </a:t>
+              <a:t>cat </a:t>
             </a:r>
           </a:p>
         </p:txBody>
@@ -13415,15 +14097,7 @@
                 <a:ea typeface="Times New Roman" charset="0"/>
                 <a:cs typeface="Times New Roman" charset="0"/>
               </a:rPr>
-              <a:t>p</a:t>
-            </a:r>
-            <a:r>
-              <a:rPr lang="en-US" sz="2400" dirty="0" smtClean="0">
-                <a:latin typeface="Times New Roman" charset="0"/>
-                <a:ea typeface="Times New Roman" charset="0"/>
-                <a:cs typeface="Times New Roman" charset="0"/>
-              </a:rPr>
-              <a:t>et</a:t>
+              <a:t>pet</a:t>
             </a:r>
           </a:p>
         </p:txBody>
@@ -13457,29 +14131,128 @@
                 <a:ea typeface="Times New Roman" charset="0"/>
                 <a:cs typeface="Times New Roman" charset="0"/>
               </a:rPr>
-              <a:t>d</a:t>
-            </a:r>
-            <a:r>
-              <a:rPr lang="en-US" sz="2400" dirty="0" smtClean="0">
+              <a:t>dog</a:t>
+            </a:r>
+          </a:p>
+        </p:txBody>
+      </p:sp>
+      <p:sp>
+        <p:nvSpPr>
+          <p:cNvPr id="9" name="TextBox 8"/>
+          <p:cNvSpPr txBox="1"/>
+          <p:nvPr/>
+        </p:nvSpPr>
+        <p:spPr>
+          <a:xfrm>
+            <a:off x="6679156" y="4358439"/>
+            <a:ext cx="1618683" cy="461665"/>
+          </a:xfrm>
+          <a:prstGeom prst="rect">
+            <a:avLst/>
+          </a:prstGeom>
+          <a:noFill/>
+        </p:spPr>
+        <p:txBody>
+          <a:bodyPr wrap="square" rtlCol="0">
+            <a:spAutoFit/>
+          </a:bodyPr>
+          <a:lstStyle/>
+          <a:p>
+            <a:pPr algn="ctr"/>
+            <a:r>
+              <a:rPr lang="en-US" sz="2400" dirty="0">
                 <a:latin typeface="Times New Roman" charset="0"/>
                 <a:ea typeface="Times New Roman" charset="0"/>
                 <a:cs typeface="Times New Roman" charset="0"/>
               </a:rPr>
-              <a:t>og</a:t>
-            </a:r>
-          </a:p>
-        </p:txBody>
-      </p:sp>
-      <p:sp>
-        <p:nvSpPr>
-          <p:cNvPr id="9" name="TextBox 8"/>
+              <a:t>spaniel </a:t>
+            </a:r>
+          </a:p>
+        </p:txBody>
+      </p:sp>
+      <p:sp>
+        <p:nvSpPr>
+          <p:cNvPr id="10" name="TextBox 9"/>
           <p:cNvSpPr txBox="1"/>
           <p:nvPr/>
         </p:nvSpPr>
         <p:spPr>
           <a:xfrm>
-            <a:off x="6679156" y="4358439"/>
-            <a:ext cx="1618683" cy="461665"/>
+            <a:off x="9500369" y="4415619"/>
+            <a:ext cx="1580086" cy="461665"/>
+          </a:xfrm>
+          <a:prstGeom prst="rect">
+            <a:avLst/>
+          </a:prstGeom>
+          <a:noFill/>
+        </p:spPr>
+        <p:txBody>
+          <a:bodyPr wrap="square" rtlCol="0">
+            <a:spAutoFit/>
+          </a:bodyPr>
+          <a:lstStyle/>
+          <a:p>
+            <a:pPr algn="ctr"/>
+            <a:r>
+              <a:rPr lang="en-US" sz="2400" dirty="0">
+                <a:latin typeface="Times New Roman" charset="0"/>
+                <a:ea typeface="Times New Roman" charset="0"/>
+                <a:cs typeface="Times New Roman" charset="0"/>
+              </a:rPr>
+              <a:t>shepherd </a:t>
+            </a:r>
+          </a:p>
+        </p:txBody>
+      </p:sp>
+      <p:sp>
+        <p:nvSpPr>
+          <p:cNvPr id="11" name="TextBox 10"/>
+          <p:cNvSpPr txBox="1"/>
+          <p:nvPr/>
+        </p:nvSpPr>
+        <p:spPr>
+          <a:xfrm>
+            <a:off x="1641847" y="4386723"/>
+            <a:ext cx="1450360" cy="461665"/>
+          </a:xfrm>
+          <a:prstGeom prst="rect">
+            <a:avLst/>
+          </a:prstGeom>
+          <a:noFill/>
+        </p:spPr>
+        <p:txBody>
+          <a:bodyPr wrap="square" rtlCol="0">
+            <a:spAutoFit/>
+          </a:bodyPr>
+          <a:lstStyle/>
+          <a:p>
+            <a:pPr algn="ctr"/>
+            <a:r>
+              <a:rPr lang="en-US" sz="2400" dirty="0" err="1">
+                <a:latin typeface="Times New Roman" charset="0"/>
+                <a:ea typeface="Times New Roman" charset="0"/>
+                <a:cs typeface="Times New Roman" charset="0"/>
+              </a:rPr>
+              <a:t>bengal</a:t>
+            </a:r>
+            <a:endParaRPr lang="en-US" sz="2400" dirty="0">
+              <a:latin typeface="Times New Roman" charset="0"/>
+              <a:ea typeface="Times New Roman" charset="0"/>
+              <a:cs typeface="Times New Roman" charset="0"/>
+            </a:endParaRPr>
+          </a:p>
+        </p:txBody>
+      </p:sp>
+      <p:sp>
+        <p:nvSpPr>
+          <p:cNvPr id="12" name="TextBox 11"/>
+          <p:cNvSpPr txBox="1"/>
+          <p:nvPr/>
+        </p:nvSpPr>
+        <p:spPr>
+          <a:xfrm>
+            <a:off x="4348582" y="4358439"/>
+            <a:ext cx="1502677" cy="461665"/>
           </a:xfrm>
           <a:prstGeom prst="rect">
             <a:avLst/>
@@ -13502,145 +14275,14 @@
               <a:t>s</a:t>
             </a:r>
             <a:r>
-              <a:rPr lang="en-US" sz="2400" dirty="0" smtClean="0">
-                <a:latin typeface="Times New Roman" charset="0"/>
-                <a:ea typeface="Times New Roman" charset="0"/>
-                <a:cs typeface="Times New Roman" charset="0"/>
-              </a:rPr>
-              <a:t>paniel </a:t>
-            </a:r>
-          </a:p>
-        </p:txBody>
-      </p:sp>
-      <p:sp>
-        <p:nvSpPr>
-          <p:cNvPr id="10" name="TextBox 9"/>
-          <p:cNvSpPr txBox="1"/>
-          <p:nvPr/>
-        </p:nvSpPr>
-        <p:spPr>
-          <a:xfrm>
-            <a:off x="9500369" y="4415619"/>
-            <a:ext cx="1580086" cy="461665"/>
-          </a:xfrm>
-          <a:prstGeom prst="rect">
-            <a:avLst/>
-          </a:prstGeom>
-          <a:noFill/>
-        </p:spPr>
-        <p:txBody>
-          <a:bodyPr wrap="square" rtlCol="0">
-            <a:spAutoFit/>
-          </a:bodyPr>
-          <a:lstStyle/>
-          <a:p>
-            <a:pPr algn="ctr"/>
-            <a:r>
-              <a:rPr lang="en-US" sz="2400" dirty="0">
-                <a:latin typeface="Times New Roman" charset="0"/>
-                <a:ea typeface="Times New Roman" charset="0"/>
-                <a:cs typeface="Times New Roman" charset="0"/>
-              </a:rPr>
-              <a:t>s</a:t>
-            </a:r>
-            <a:r>
-              <a:rPr lang="en-US" sz="2400" dirty="0" smtClean="0">
-                <a:latin typeface="Times New Roman" charset="0"/>
-                <a:ea typeface="Times New Roman" charset="0"/>
-                <a:cs typeface="Times New Roman" charset="0"/>
-              </a:rPr>
-              <a:t>hepherd </a:t>
-            </a:r>
-          </a:p>
-        </p:txBody>
-      </p:sp>
-      <p:sp>
-        <p:nvSpPr>
-          <p:cNvPr id="11" name="TextBox 10"/>
-          <p:cNvSpPr txBox="1"/>
-          <p:nvPr/>
-        </p:nvSpPr>
-        <p:spPr>
-          <a:xfrm>
-            <a:off x="1641847" y="4386723"/>
-            <a:ext cx="1450360" cy="461665"/>
-          </a:xfrm>
-          <a:prstGeom prst="rect">
-            <a:avLst/>
-          </a:prstGeom>
-          <a:noFill/>
-        </p:spPr>
-        <p:txBody>
-          <a:bodyPr wrap="square" rtlCol="0">
-            <a:spAutoFit/>
-          </a:bodyPr>
-          <a:lstStyle/>
-          <a:p>
-            <a:pPr algn="ctr"/>
-            <a:r>
-              <a:rPr lang="en-US" sz="2400" dirty="0" err="1">
-                <a:latin typeface="Times New Roman" charset="0"/>
-                <a:ea typeface="Times New Roman" charset="0"/>
-                <a:cs typeface="Times New Roman" charset="0"/>
-              </a:rPr>
-              <a:t>b</a:t>
-            </a:r>
-            <a:r>
-              <a:rPr lang="en-US" sz="2400" dirty="0" err="1" smtClean="0">
-                <a:latin typeface="Times New Roman" charset="0"/>
-                <a:ea typeface="Times New Roman" charset="0"/>
-                <a:cs typeface="Times New Roman" charset="0"/>
-              </a:rPr>
-              <a:t>engal</a:t>
-            </a:r>
-            <a:endParaRPr lang="en-US" sz="2400" dirty="0" smtClean="0">
-              <a:latin typeface="Times New Roman" charset="0"/>
-              <a:ea typeface="Times New Roman" charset="0"/>
-              <a:cs typeface="Times New Roman" charset="0"/>
-            </a:endParaRPr>
-          </a:p>
-        </p:txBody>
-      </p:sp>
-      <p:sp>
-        <p:nvSpPr>
-          <p:cNvPr id="12" name="TextBox 11"/>
-          <p:cNvSpPr txBox="1"/>
-          <p:nvPr/>
-        </p:nvSpPr>
-        <p:spPr>
-          <a:xfrm>
-            <a:off x="4348582" y="4358439"/>
-            <a:ext cx="1502677" cy="461665"/>
-          </a:xfrm>
-          <a:prstGeom prst="rect">
-            <a:avLst/>
-          </a:prstGeom>
-          <a:noFill/>
-        </p:spPr>
-        <p:txBody>
-          <a:bodyPr wrap="square" rtlCol="0">
-            <a:spAutoFit/>
-          </a:bodyPr>
-          <a:lstStyle/>
-          <a:p>
-            <a:pPr algn="ctr"/>
-            <a:r>
-              <a:rPr lang="en-US" sz="2400" dirty="0">
-                <a:latin typeface="Times New Roman" charset="0"/>
-                <a:ea typeface="Times New Roman" charset="0"/>
-                <a:cs typeface="Times New Roman" charset="0"/>
-              </a:rPr>
-              <a:t>s</a:t>
-            </a:r>
-            <a:r>
-              <a:rPr lang="en-US" sz="2400" smtClean="0">
+              <a:rPr lang="en-US" sz="2400">
                 <a:latin typeface="Times New Roman" charset="0"/>
                 <a:ea typeface="Times New Roman" charset="0"/>
                 <a:cs typeface="Times New Roman" charset="0"/>
               </a:rPr>
               <a:t>iamese</a:t>
             </a:r>
-            <a:endParaRPr lang="en-US" sz="2400" dirty="0" smtClean="0">
+            <a:endParaRPr lang="en-US" sz="2400" dirty="0">
               <a:latin typeface="Times New Roman" charset="0"/>
               <a:ea typeface="Times New Roman" charset="0"/>
               <a:cs typeface="Times New Roman" charset="0"/>
@@ -13868,13 +14510,6 @@
   <p:clrMapOvr>
     <a:masterClrMapping/>
   </p:clrMapOvr>
-  <p:timing>
-    <p:tnLst>
-      <p:par>
-        <p:cTn id="1" dur="indefinite" restart="never" nodeType="tmRoot"/>
-      </p:par>
-    </p:tnLst>
-  </p:timing>
 </p:sld>
 </file>
 
@@ -13911,10 +14546,9 @@
           <a:lstStyle/>
           <a:p>
             <a:r>
-              <a:rPr lang="en-US" dirty="0" smtClean="0"/>
+              <a:rPr lang="en-US" dirty="0"/>
               <a:t>Inheritance: Students and Professors </a:t>
             </a:r>
-            <a:endParaRPr lang="en-US" dirty="0"/>
           </a:p>
         </p:txBody>
       </p:sp>
@@ -13956,7 +14590,7 @@
               <a:defRPr/>
             </a:pPr>
             <a:r>
-              <a:rPr lang="en-US" dirty="0" smtClean="0"/>
+              <a:rPr lang="en-US" dirty="0"/>
               <a:t>First: A base class </a:t>
             </a:r>
           </a:p>
@@ -13970,7 +14604,7 @@
               </a:spcBef>
             </a:pPr>
             <a:r>
-              <a:rPr lang="en-US" dirty="0" smtClean="0"/>
+              <a:rPr lang="en-US" dirty="0"/>
               <a:t>You need something to inherit from </a:t>
             </a:r>
           </a:p>
@@ -13996,7 +14630,7 @@
               </a:spcBef>
               <a:buNone/>
             </a:pPr>
-            <a:endParaRPr lang="en-US" dirty="0" smtClean="0"/>
+            <a:endParaRPr lang="en-US" dirty="0"/>
           </a:p>
           <a:p>
             <a:pPr marL="0" indent="0">
@@ -14009,15 +14643,15 @@
               <a:buNone/>
             </a:pPr>
             <a:r>
-              <a:rPr lang="en-US" dirty="0" smtClean="0"/>
+              <a:rPr lang="en-US" dirty="0"/>
               <a:t>Both can inherit from a base class </a:t>
             </a:r>
             <a:r>
-              <a:rPr lang="en-US" i="1" dirty="0" smtClean="0"/>
+              <a:rPr lang="en-US" i="1" dirty="0"/>
               <a:t>person</a:t>
             </a:r>
             <a:r>
-              <a:rPr lang="en-US" dirty="0" smtClean="0"/>
+              <a:rPr lang="en-US" dirty="0"/>
               <a:t> storing the data any person would have (e.g. their name). </a:t>
             </a:r>
           </a:p>
@@ -14044,10 +14678,9 @@
               <a:buNone/>
             </a:pPr>
             <a:r>
-              <a:rPr lang="en-US" dirty="0" smtClean="0"/>
+              <a:rPr lang="en-US" dirty="0"/>
               <a:t>So far there’s nothing new. </a:t>
             </a:r>
-            <a:endParaRPr lang="en-US" dirty="0"/>
           </a:p>
         </p:txBody>
       </p:sp>
@@ -14091,13 +14724,6 @@
   <p:clrMapOvr>
     <a:masterClrMapping/>
   </p:clrMapOvr>
-  <p:timing>
-    <p:tnLst>
-      <p:par>
-        <p:cTn id="1" dur="indefinite" restart="never" nodeType="tmRoot"/>
-      </p:par>
-    </p:tnLst>
-  </p:timing>
 </p:sld>
 </file>
 
@@ -14134,10 +14760,9 @@
           <a:lstStyle/>
           <a:p>
             <a:r>
-              <a:rPr lang="en-US" dirty="0" smtClean="0"/>
+              <a:rPr lang="en-US" dirty="0"/>
               <a:t>Inheritance: Students and Professors </a:t>
             </a:r>
-            <a:endParaRPr lang="en-US" dirty="0"/>
           </a:p>
         </p:txBody>
       </p:sp>
@@ -14179,10 +14804,9 @@
               <a:defRPr/>
             </a:pPr>
             <a:r>
-              <a:rPr lang="en-US" dirty="0" smtClean="0"/>
+              <a:rPr lang="en-US" dirty="0"/>
               <a:t>Next: A derived class </a:t>
             </a:r>
-            <a:endParaRPr lang="en-US" dirty="0"/>
           </a:p>
           <a:p>
             <a:pPr marL="0" indent="0">
@@ -14194,7 +14818,7 @@
               </a:spcBef>
               <a:buNone/>
             </a:pPr>
-            <a:endParaRPr lang="en-US" dirty="0" smtClean="0"/>
+            <a:endParaRPr lang="en-US" dirty="0"/>
           </a:p>
           <a:p>
             <a:pPr marL="0" indent="0">
@@ -14207,23 +14831,23 @@
               <a:buNone/>
             </a:pPr>
             <a:r>
-              <a:rPr lang="en-US" dirty="0" smtClean="0"/>
+              <a:rPr lang="en-US" dirty="0"/>
               <a:t>The derived class needs to call its parent class’s </a:t>
             </a:r>
             <a:r>
-              <a:rPr lang="en-US" i="1" dirty="0" smtClean="0"/>
+              <a:rPr lang="en-US" i="1" dirty="0"/>
               <a:t>__</a:t>
             </a:r>
             <a:r>
-              <a:rPr lang="en-US" i="1" dirty="0" err="1" smtClean="0"/>
+              <a:rPr lang="en-US" i="1" dirty="0" err="1"/>
               <a:t>init</a:t>
             </a:r>
             <a:r>
-              <a:rPr lang="en-US" i="1" dirty="0" smtClean="0"/>
+              <a:rPr lang="en-US" i="1" dirty="0"/>
               <a:t>__</a:t>
             </a:r>
             <a:r>
-              <a:rPr lang="en-US" dirty="0" smtClean="0"/>
+              <a:rPr lang="en-US" dirty="0"/>
               <a:t> function, and inheritance is accomplished. </a:t>
             </a:r>
           </a:p>
@@ -14249,7 +14873,7 @@
               </a:spcBef>
               <a:buNone/>
             </a:pPr>
-            <a:endParaRPr lang="en-US" dirty="0" smtClean="0"/>
+            <a:endParaRPr lang="en-US" dirty="0"/>
           </a:p>
           <a:p>
             <a:pPr marL="0" indent="0">
@@ -14261,7 +14885,7 @@
               </a:spcBef>
               <a:buNone/>
             </a:pPr>
-            <a:endParaRPr lang="en-US" dirty="0" smtClean="0"/>
+            <a:endParaRPr lang="en-US" dirty="0"/>
           </a:p>
           <a:p>
             <a:pPr marL="0" indent="0">
@@ -14286,23 +14910,23 @@
               <a:buNone/>
             </a:pPr>
             <a:r>
-              <a:rPr lang="en-US" dirty="0" smtClean="0"/>
+              <a:rPr lang="en-US" dirty="0"/>
               <a:t>Here student objects have a property </a:t>
             </a:r>
             <a:r>
-              <a:rPr lang="en-US" i="1" dirty="0" smtClean="0"/>
+              <a:rPr lang="en-US" i="1" dirty="0"/>
               <a:t>name</a:t>
             </a:r>
             <a:r>
-              <a:rPr lang="en-US" dirty="0" smtClean="0"/>
+              <a:rPr lang="en-US" dirty="0"/>
               <a:t> which is </a:t>
             </a:r>
             <a:r>
-              <a:rPr lang="en-US" i="1" dirty="0" smtClean="0"/>
+              <a:rPr lang="en-US" i="1" dirty="0"/>
               <a:t>inherited</a:t>
             </a:r>
             <a:r>
-              <a:rPr lang="en-US" dirty="0" smtClean="0"/>
+              <a:rPr lang="en-US" dirty="0"/>
               <a:t> from the person object. </a:t>
             </a:r>
           </a:p>
@@ -14378,13 +15002,6 @@
   <p:clrMapOvr>
     <a:masterClrMapping/>
   </p:clrMapOvr>
-  <p:timing>
-    <p:tnLst>
-      <p:par>
-        <p:cTn id="1" dur="indefinite" restart="never" nodeType="tmRoot"/>
-      </p:par>
-    </p:tnLst>
-  </p:timing>
 </p:sld>
 </file>
 
@@ -14421,10 +15038,9 @@
           <a:lstStyle/>
           <a:p>
             <a:r>
-              <a:rPr lang="en-US" dirty="0" smtClean="0"/>
+              <a:rPr lang="en-US" dirty="0"/>
               <a:t>Inheritance: Students and Professors </a:t>
             </a:r>
-            <a:endParaRPr lang="en-US" dirty="0"/>
           </a:p>
         </p:txBody>
       </p:sp>
@@ -14466,10 +15082,9 @@
               <a:defRPr/>
             </a:pPr>
             <a:r>
-              <a:rPr lang="en-US" dirty="0" smtClean="0"/>
+              <a:rPr lang="en-US" dirty="0"/>
               <a:t>Next: A derived class </a:t>
             </a:r>
-            <a:endParaRPr lang="en-US" dirty="0"/>
           </a:p>
           <a:p>
             <a:pPr marL="0" indent="0">
@@ -14481,7 +15096,7 @@
               </a:spcBef>
               <a:buNone/>
             </a:pPr>
-            <a:endParaRPr lang="en-US" dirty="0" smtClean="0"/>
+            <a:endParaRPr lang="en-US" dirty="0"/>
           </a:p>
           <a:p>
             <a:pPr marL="0" indent="0">
@@ -14494,7 +15109,7 @@
               <a:buNone/>
             </a:pPr>
             <a:r>
-              <a:rPr lang="en-US" dirty="0" smtClean="0"/>
+              <a:rPr lang="en-US" dirty="0"/>
               <a:t>The derived class can have properties, functions, etc. that is unique to that derived class. </a:t>
             </a:r>
           </a:p>
@@ -14520,7 +15135,7 @@
               </a:spcBef>
               <a:buNone/>
             </a:pPr>
-            <a:endParaRPr lang="en-US" dirty="0" smtClean="0"/>
+            <a:endParaRPr lang="en-US" dirty="0"/>
           </a:p>
           <a:p>
             <a:pPr marL="0" indent="0">
@@ -14532,7 +15147,7 @@
               </a:spcBef>
               <a:buNone/>
             </a:pPr>
-            <a:endParaRPr lang="en-US" dirty="0" smtClean="0"/>
+            <a:endParaRPr lang="en-US" dirty="0"/>
           </a:p>
           <a:p>
             <a:pPr marL="0" indent="0">
@@ -14618,13 +15233,6 @@
   <p:clrMapOvr>
     <a:masterClrMapping/>
   </p:clrMapOvr>
-  <p:timing>
-    <p:tnLst>
-      <p:par>
-        <p:cTn id="1" dur="indefinite" restart="never" nodeType="tmRoot"/>
-      </p:par>
-    </p:tnLst>
-  </p:timing>
 </p:sld>
 </file>
 
@@ -14661,10 +15269,9 @@
           <a:lstStyle/>
           <a:p>
             <a:r>
-              <a:rPr lang="en-US" dirty="0" smtClean="0"/>
+              <a:rPr lang="en-US" dirty="0"/>
               <a:t>Inheritance: Students and Professors </a:t>
             </a:r>
-            <a:endParaRPr lang="en-US" dirty="0"/>
           </a:p>
         </p:txBody>
       </p:sp>
@@ -14706,10 +15313,9 @@
               <a:defRPr/>
             </a:pPr>
             <a:r>
-              <a:rPr lang="en-US" dirty="0" smtClean="0"/>
+              <a:rPr lang="en-US" dirty="0"/>
               <a:t>Next: Another derived class </a:t>
             </a:r>
-            <a:endParaRPr lang="en-US" dirty="0"/>
           </a:p>
           <a:p>
             <a:pPr marL="0" indent="0">
@@ -14721,7 +15327,7 @@
               </a:spcBef>
               <a:buNone/>
             </a:pPr>
-            <a:endParaRPr lang="en-US" dirty="0" smtClean="0"/>
+            <a:endParaRPr lang="en-US" dirty="0"/>
           </a:p>
           <a:p>
             <a:pPr marL="0" indent="0">
@@ -14734,7 +15340,7 @@
               <a:buNone/>
             </a:pPr>
             <a:r>
-              <a:rPr lang="en-US" dirty="0" smtClean="0"/>
+              <a:rPr lang="en-US" dirty="0"/>
               <a:t>A different derived class can have a function with the same name executing a different task. </a:t>
             </a:r>
           </a:p>
@@ -14760,7 +15366,7 @@
               </a:spcBef>
               <a:buNone/>
             </a:pPr>
-            <a:endParaRPr lang="en-US" dirty="0" smtClean="0"/>
+            <a:endParaRPr lang="en-US" dirty="0"/>
           </a:p>
           <a:p>
             <a:pPr marL="0" indent="0">
@@ -14772,7 +15378,7 @@
               </a:spcBef>
               <a:buNone/>
             </a:pPr>
-            <a:endParaRPr lang="en-US" dirty="0" smtClean="0"/>
+            <a:endParaRPr lang="en-US" dirty="0"/>
           </a:p>
           <a:p>
             <a:pPr marL="0" indent="0">
@@ -14858,13 +15464,6 @@
   <p:clrMapOvr>
     <a:masterClrMapping/>
   </p:clrMapOvr>
-  <p:timing>
-    <p:tnLst>
-      <p:par>
-        <p:cTn id="1" dur="indefinite" restart="never" nodeType="tmRoot"/>
-      </p:par>
-    </p:tnLst>
-  </p:timing>
 </p:sld>
 </file>
 
@@ -14901,10 +15500,9 @@
           <a:lstStyle/>
           <a:p>
             <a:r>
-              <a:rPr lang="en-US" dirty="0" smtClean="0"/>
+              <a:rPr lang="en-US" dirty="0"/>
               <a:t>Inheritance: Students and Professors </a:t>
             </a:r>
-            <a:endParaRPr lang="en-US" dirty="0"/>
           </a:p>
         </p:txBody>
       </p:sp>
@@ -14946,15 +15544,15 @@
               <a:defRPr/>
             </a:pPr>
             <a:r>
-              <a:rPr lang="en-US" dirty="0" smtClean="0"/>
+              <a:rPr lang="en-US" dirty="0"/>
               <a:t>The derived classes can also </a:t>
             </a:r>
             <a:r>
-              <a:rPr lang="en-US" i="1" dirty="0" smtClean="0"/>
+              <a:rPr lang="en-US" i="1" dirty="0"/>
               <a:t>override</a:t>
             </a:r>
             <a:r>
-              <a:rPr lang="en-US" dirty="0" smtClean="0"/>
+              <a:rPr lang="en-US" dirty="0"/>
               <a:t> inherited functions or properties. </a:t>
             </a:r>
           </a:p>
@@ -14996,7 +15594,7 @@
               <a:tabLst/>
               <a:defRPr/>
             </a:pPr>
-            <a:endParaRPr lang="en-US" dirty="0" smtClean="0"/>
+            <a:endParaRPr lang="en-US" dirty="0"/>
           </a:p>
           <a:p>
             <a:pPr marL="0" marR="0" lvl="0" indent="0" defTabSz="914400" eaLnBrk="1" fontAlgn="auto" latinLnBrk="0" hangingPunct="1">
@@ -15036,7 +15634,7 @@
               <a:tabLst/>
               <a:defRPr/>
             </a:pPr>
-            <a:endParaRPr lang="en-US" dirty="0" smtClean="0"/>
+            <a:endParaRPr lang="en-US" dirty="0"/>
           </a:p>
           <a:p>
             <a:pPr marL="0" marR="0" lvl="0" indent="0" defTabSz="914400" eaLnBrk="1" fontAlgn="auto" latinLnBrk="0" hangingPunct="1">
@@ -15076,7 +15674,7 @@
               <a:tabLst/>
               <a:defRPr/>
             </a:pPr>
-            <a:endParaRPr lang="en-US" dirty="0" smtClean="0"/>
+            <a:endParaRPr lang="en-US" dirty="0"/>
           </a:p>
           <a:p>
             <a:pPr marL="0" marR="0" lvl="0" indent="0" defTabSz="914400" eaLnBrk="1" fontAlgn="auto" latinLnBrk="0" hangingPunct="1">
@@ -15097,23 +15695,23 @@
               <a:defRPr/>
             </a:pPr>
             <a:r>
-              <a:rPr lang="en-US" dirty="0" smtClean="0"/>
+              <a:rPr lang="en-US" dirty="0"/>
               <a:t>This can be used to create objects which share data and do </a:t>
             </a:r>
             <a:r>
-              <a:rPr lang="en-US" i="1" dirty="0" smtClean="0"/>
+              <a:rPr lang="en-US" i="1" dirty="0"/>
               <a:t>different </a:t>
             </a:r>
             <a:r>
-              <a:rPr lang="en-US" dirty="0" smtClean="0"/>
+              <a:rPr lang="en-US" dirty="0"/>
               <a:t>things when you call the </a:t>
             </a:r>
             <a:r>
-              <a:rPr lang="en-US" i="1" dirty="0" smtClean="0"/>
+              <a:rPr lang="en-US" i="1" dirty="0"/>
               <a:t>same </a:t>
             </a:r>
             <a:r>
-              <a:rPr lang="en-US" dirty="0" smtClean="0"/>
+              <a:rPr lang="en-US" dirty="0"/>
               <a:t>function. </a:t>
             </a:r>
           </a:p>
@@ -15139,7 +15737,7 @@
               </a:spcBef>
               <a:buNone/>
             </a:pPr>
-            <a:endParaRPr lang="en-US" dirty="0" smtClean="0"/>
+            <a:endParaRPr lang="en-US" dirty="0"/>
           </a:p>
           <a:p>
             <a:pPr marL="0" indent="0">
@@ -15151,7 +15749,7 @@
               </a:spcBef>
               <a:buNone/>
             </a:pPr>
-            <a:endParaRPr lang="en-US" dirty="0" smtClean="0"/>
+            <a:endParaRPr lang="en-US" dirty="0"/>
           </a:p>
           <a:p>
             <a:pPr marL="0" indent="0">
@@ -15237,13 +15835,6 @@
   <p:clrMapOvr>
     <a:masterClrMapping/>
   </p:clrMapOvr>
-  <p:timing>
-    <p:tnLst>
-      <p:par>
-        <p:cTn id="1" dur="indefinite" restart="never" nodeType="tmRoot"/>
-      </p:par>
-    </p:tnLst>
-  </p:timing>
 </p:sld>
 </file>
 
@@ -15280,18 +15871,17 @@
           <a:lstStyle/>
           <a:p>
             <a:r>
-              <a:rPr lang="en-US" dirty="0" smtClean="0"/>
+              <a:rPr lang="en-US" dirty="0"/>
               <a:t>Inheritance: </a:t>
             </a:r>
             <a:r>
-              <a:rPr lang="en-US" dirty="0" err="1" smtClean="0"/>
+              <a:rPr lang="en-US" dirty="0" err="1"/>
               <a:t>Subclassing</a:t>
             </a:r>
             <a:r>
-              <a:rPr lang="en-US" dirty="0" smtClean="0"/>
+              <a:rPr lang="en-US" dirty="0"/>
               <a:t> Built-Ins </a:t>
             </a:r>
-            <a:endParaRPr lang="en-US" dirty="0"/>
           </a:p>
         </p:txBody>
       </p:sp>
@@ -15333,15 +15923,15 @@
               <a:defRPr/>
             </a:pPr>
             <a:r>
-              <a:rPr lang="en-US" dirty="0" smtClean="0"/>
+              <a:rPr lang="en-US" dirty="0"/>
               <a:t>Built-in data types can be </a:t>
             </a:r>
             <a:r>
-              <a:rPr lang="en-US" dirty="0" err="1" smtClean="0"/>
+              <a:rPr lang="en-US" dirty="0" err="1"/>
               <a:t>subclassed</a:t>
             </a:r>
             <a:r>
-              <a:rPr lang="en-US" dirty="0" smtClean="0"/>
+              <a:rPr lang="en-US" dirty="0"/>
               <a:t> too! </a:t>
             </a:r>
           </a:p>
@@ -15363,7 +15953,7 @@
               <a:tabLst/>
               <a:defRPr/>
             </a:pPr>
-            <a:endParaRPr lang="en-US" dirty="0" smtClean="0"/>
+            <a:endParaRPr lang="en-US" dirty="0"/>
           </a:p>
           <a:p>
             <a:pPr marL="0" marR="0" lvl="0" indent="0" defTabSz="914400" eaLnBrk="1" fontAlgn="auto" latinLnBrk="0" hangingPunct="1">
@@ -15383,7 +15973,50 @@
               <a:tabLst/>
               <a:defRPr/>
             </a:pPr>
-            <a:endParaRPr lang="en-US" dirty="0"/>
+            <a:r>
+              <a:rPr lang="en-US" dirty="0"/>
+              <a:t>The </a:t>
+            </a:r>
+            <a:r>
+              <a:rPr lang="en-US" i="1" dirty="0"/>
+              <a:t>__</a:t>
+            </a:r>
+            <a:r>
+              <a:rPr lang="en-US" i="1" dirty="0" err="1"/>
+              <a:t>init</a:t>
+            </a:r>
+            <a:r>
+              <a:rPr lang="en-US" i="1" dirty="0"/>
+              <a:t>__</a:t>
+            </a:r>
+            <a:r>
+              <a:rPr lang="en-US" dirty="0"/>
+              <a:t> functions of built-in types usually accept </a:t>
+            </a:r>
+            <a:r>
+              <a:rPr lang="en-US" i="1" dirty="0"/>
+              <a:t>*</a:t>
+            </a:r>
+            <a:r>
+              <a:rPr lang="en-US" i="1" dirty="0" err="1"/>
+              <a:t>args</a:t>
+            </a:r>
+            <a:r>
+              <a:rPr lang="en-US" dirty="0"/>
+              <a:t> and </a:t>
+            </a:r>
+            <a:r>
+              <a:rPr lang="en-US" i="1" dirty="0"/>
+              <a:t>**</a:t>
+            </a:r>
+            <a:r>
+              <a:rPr lang="en-US" i="1" dirty="0" err="1"/>
+              <a:t>kwargs</a:t>
+            </a:r>
+            <a:r>
+              <a:rPr lang="en-US" dirty="0"/>
+              <a:t> as parameters </a:t>
+            </a:r>
           </a:p>
           <a:p>
             <a:pPr marL="0" marR="0" lvl="0" indent="0" defTabSz="914400" eaLnBrk="1" fontAlgn="auto" latinLnBrk="0" hangingPunct="1">
@@ -15403,50 +16036,7 @@
               <a:tabLst/>
               <a:defRPr/>
             </a:pPr>
-            <a:r>
-              <a:rPr lang="en-US" dirty="0" smtClean="0"/>
-              <a:t>This is a little more difficult than subclass a user-defined class, because the </a:t>
-            </a:r>
-            <a:r>
-              <a:rPr lang="en-US" i="1" dirty="0" smtClean="0"/>
-              <a:t>__</a:t>
-            </a:r>
-            <a:r>
-              <a:rPr lang="en-US" i="1" dirty="0" err="1" smtClean="0"/>
-              <a:t>init</a:t>
-            </a:r>
-            <a:r>
-              <a:rPr lang="en-US" i="1" dirty="0" smtClean="0"/>
-              <a:t>__</a:t>
-            </a:r>
-            <a:r>
-              <a:rPr lang="en-US" dirty="0" smtClean="0"/>
-              <a:t> function of a built-in type usually accepts </a:t>
-            </a:r>
-            <a:r>
-              <a:rPr lang="en-US" i="1" dirty="0" smtClean="0"/>
-              <a:t>*</a:t>
-            </a:r>
-            <a:r>
-              <a:rPr lang="en-US" i="1" dirty="0" err="1" smtClean="0"/>
-              <a:t>args</a:t>
-            </a:r>
-            <a:r>
-              <a:rPr lang="en-US" dirty="0" smtClean="0"/>
-              <a:t> and </a:t>
-            </a:r>
-            <a:r>
-              <a:rPr lang="en-US" i="1" dirty="0" smtClean="0"/>
-              <a:t>**</a:t>
-            </a:r>
-            <a:r>
-              <a:rPr lang="en-US" i="1" dirty="0" err="1" smtClean="0"/>
-              <a:t>kwargs</a:t>
-            </a:r>
-            <a:r>
-              <a:rPr lang="en-US" dirty="0" smtClean="0"/>
-              <a:t> as parameters. </a:t>
-            </a:r>
+            <a:endParaRPr lang="en-US" dirty="0"/>
           </a:p>
           <a:p>
             <a:pPr marL="0" marR="0" lvl="0" indent="0" defTabSz="914400" eaLnBrk="1" fontAlgn="auto" latinLnBrk="0" hangingPunct="1">
@@ -15466,7 +16056,120 @@
               <a:tabLst/>
               <a:defRPr/>
             </a:pPr>
-            <a:endParaRPr lang="en-US" dirty="0"/>
+            <a:r>
+              <a:rPr lang="en-US" dirty="0"/>
+              <a:t>Immutable types will require overriding </a:t>
+            </a:r>
+            <a:r>
+              <a:rPr lang="en-US" i="1" dirty="0"/>
+              <a:t>__new__</a:t>
+            </a:r>
+            <a:r>
+              <a:rPr lang="en-US" dirty="0"/>
+              <a:t> as opposed to </a:t>
+            </a:r>
+            <a:r>
+              <a:rPr lang="en-US" i="1" dirty="0"/>
+              <a:t>__</a:t>
+            </a:r>
+            <a:r>
+              <a:rPr lang="en-US" i="1" dirty="0" err="1"/>
+              <a:t>init</a:t>
+            </a:r>
+            <a:r>
+              <a:rPr lang="en-US" i="1" dirty="0"/>
+              <a:t>__</a:t>
+            </a:r>
+            <a:r>
+              <a:rPr lang="en-US" dirty="0"/>
+              <a:t> </a:t>
+            </a:r>
+          </a:p>
+          <a:p>
+            <a:pPr lvl="1">
+              <a:lnSpc>
+                <a:spcPct val="100000"/>
+              </a:lnSpc>
+              <a:spcBef>
+                <a:spcPts val="0"/>
+              </a:spcBef>
+              <a:defRPr/>
+            </a:pPr>
+            <a:r>
+              <a:rPr lang="en-US" dirty="0"/>
+              <a:t>This includes </a:t>
+            </a:r>
+            <a:r>
+              <a:rPr lang="en-US" i="1" dirty="0" err="1"/>
+              <a:t>int</a:t>
+            </a:r>
+            <a:r>
+              <a:rPr lang="en-US" dirty="0"/>
+              <a:t>, </a:t>
+            </a:r>
+            <a:r>
+              <a:rPr lang="en-US" i="1" dirty="0"/>
+              <a:t>float</a:t>
+            </a:r>
+            <a:r>
+              <a:rPr lang="en-US" dirty="0"/>
+              <a:t>, </a:t>
+            </a:r>
+            <a:r>
+              <a:rPr lang="en-US" i="1" dirty="0"/>
+              <a:t>bool</a:t>
+            </a:r>
+            <a:r>
+              <a:rPr lang="en-US" dirty="0"/>
+              <a:t>, </a:t>
+            </a:r>
+            <a:r>
+              <a:rPr lang="en-US" i="1" dirty="0"/>
+              <a:t>string</a:t>
+            </a:r>
+            <a:r>
+              <a:rPr lang="en-US" dirty="0"/>
+              <a:t>, </a:t>
+            </a:r>
+            <a:r>
+              <a:rPr lang="en-US" i="1" dirty="0"/>
+              <a:t>tuple</a:t>
+            </a:r>
+            <a:r>
+              <a:rPr lang="en-US" dirty="0"/>
+              <a:t>, and </a:t>
+            </a:r>
+            <a:r>
+              <a:rPr lang="en-US" i="1" dirty="0"/>
+              <a:t>range</a:t>
+            </a:r>
+            <a:r>
+              <a:rPr lang="en-US" dirty="0"/>
+              <a:t> </a:t>
+            </a:r>
+          </a:p>
+          <a:p>
+            <a:pPr lvl="1">
+              <a:lnSpc>
+                <a:spcPct val="100000"/>
+              </a:lnSpc>
+              <a:spcBef>
+                <a:spcPts val="0"/>
+              </a:spcBef>
+              <a:defRPr/>
+            </a:pPr>
+            <a:r>
+              <a:rPr lang="en-US" dirty="0"/>
+              <a:t>In practice you’ll only override </a:t>
+            </a:r>
+            <a:r>
+              <a:rPr lang="en-US" i="1" dirty="0"/>
+              <a:t>__new__</a:t>
+            </a:r>
+            <a:r>
+              <a:rPr lang="en-US" dirty="0"/>
+              <a:t> in rare, specific instances </a:t>
+            </a:r>
           </a:p>
           <a:p>
             <a:pPr marL="0" marR="0" lvl="0" indent="0" defTabSz="914400" eaLnBrk="1" fontAlgn="auto" latinLnBrk="0" hangingPunct="1">
@@ -15486,7 +16189,7 @@
               <a:tabLst/>
               <a:defRPr/>
             </a:pPr>
-            <a:endParaRPr lang="en-US" dirty="0" smtClean="0"/>
+            <a:endParaRPr lang="en-US" dirty="0"/>
           </a:p>
           <a:p>
             <a:pPr marL="0" marR="0" lvl="0" indent="0" defTabSz="914400" eaLnBrk="1" fontAlgn="auto" latinLnBrk="0" hangingPunct="1">
@@ -15507,14 +16210,9 @@
               <a:defRPr/>
             </a:pPr>
             <a:r>
-              <a:rPr lang="en-US" dirty="0" smtClean="0"/>
-              <a:t>Sometimes inheriting built-in features can be </a:t>
-            </a:r>
-            <a:r>
-              <a:rPr lang="en-US" i="1" dirty="0" smtClean="0"/>
-              <a:t>very powerful</a:t>
-            </a:r>
-            <a:endParaRPr lang="en-US" dirty="0"/>
+              <a:rPr lang="en-US" dirty="0"/>
+              <a:t>Sometimes inheriting built-in features can be very powerful</a:t>
+            </a:r>
           </a:p>
         </p:txBody>
       </p:sp>
@@ -15528,13 +16226,6 @@
   <p:clrMapOvr>
     <a:masterClrMapping/>
   </p:clrMapOvr>
-  <p:timing>
-    <p:tnLst>
-      <p:par>
-        <p:cTn id="1" dur="indefinite" restart="never" nodeType="tmRoot"/>
-      </p:par>
-    </p:tnLst>
-  </p:timing>
 </p:sld>
 </file>
 

--- a/slides/inheritance_composition.pptx
+++ b/slides/inheritance_composition.pptx
@@ -223,7 +223,7 @@
           <a:p>
             <a:fld id="{C24E9693-3B1A-6144-852A-5B7733F5E2A6}" type="datetimeFigureOut">
               <a:rPr lang="en-US" smtClean="0"/>
-              <a:t>5/18/21</a:t>
+              <a:t>5/19/21</a:t>
             </a:fld>
             <a:endParaRPr lang="en-US"/>
           </a:p>
@@ -1647,7 +1647,7 @@
           <a:p>
             <a:fld id="{51673806-0BCD-1F42-BAA8-2011034B3C6A}" type="datetimeFigureOut">
               <a:rPr lang="en-US" smtClean="0"/>
-              <a:t>5/18/21</a:t>
+              <a:t>5/19/21</a:t>
             </a:fld>
             <a:endParaRPr lang="en-US"/>
           </a:p>
@@ -2061,7 +2061,7 @@
           <a:p>
             <a:fld id="{51673806-0BCD-1F42-BAA8-2011034B3C6A}" type="datetimeFigureOut">
               <a:rPr lang="en-US" smtClean="0"/>
-              <a:t>5/18/21</a:t>
+              <a:t>5/19/21</a:t>
             </a:fld>
             <a:endParaRPr lang="en-US"/>
           </a:p>
@@ -2392,7 +2392,7 @@
           <a:p>
             <a:fld id="{51673806-0BCD-1F42-BAA8-2011034B3C6A}" type="datetimeFigureOut">
               <a:rPr lang="en-US" smtClean="0"/>
-              <a:t>5/18/21</a:t>
+              <a:t>5/19/21</a:t>
             </a:fld>
             <a:endParaRPr lang="en-US"/>
           </a:p>
@@ -2792,7 +2792,7 @@
           <a:p>
             <a:fld id="{51673806-0BCD-1F42-BAA8-2011034B3C6A}" type="datetimeFigureOut">
               <a:rPr lang="en-US" smtClean="0"/>
-              <a:t>5/18/21</a:t>
+              <a:t>5/19/21</a:t>
             </a:fld>
             <a:endParaRPr lang="en-US"/>
           </a:p>
@@ -3355,7 +3355,7 @@
           <a:p>
             <a:fld id="{51673806-0BCD-1F42-BAA8-2011034B3C6A}" type="datetimeFigureOut">
               <a:rPr lang="en-US" smtClean="0"/>
-              <a:t>5/18/21</a:t>
+              <a:t>5/19/21</a:t>
             </a:fld>
             <a:endParaRPr lang="en-US"/>
           </a:p>
@@ -4031,7 +4031,7 @@
           <a:p>
             <a:fld id="{51673806-0BCD-1F42-BAA8-2011034B3C6A}" type="datetimeFigureOut">
               <a:rPr lang="en-US" smtClean="0"/>
-              <a:t>5/18/21</a:t>
+              <a:t>5/19/21</a:t>
             </a:fld>
             <a:endParaRPr lang="en-US"/>
           </a:p>
@@ -4939,7 +4939,7 @@
           <a:p>
             <a:fld id="{51673806-0BCD-1F42-BAA8-2011034B3C6A}" type="datetimeFigureOut">
               <a:rPr lang="en-US" smtClean="0"/>
-              <a:t>5/18/21</a:t>
+              <a:t>5/19/21</a:t>
             </a:fld>
             <a:endParaRPr lang="en-US"/>
           </a:p>
@@ -5247,7 +5247,7 @@
           <a:p>
             <a:fld id="{51673806-0BCD-1F42-BAA8-2011034B3C6A}" type="datetimeFigureOut">
               <a:rPr lang="en-US" smtClean="0"/>
-              <a:t>5/18/21</a:t>
+              <a:t>5/19/21</a:t>
             </a:fld>
             <a:endParaRPr lang="en-US"/>
           </a:p>
@@ -5506,7 +5506,7 @@
           <a:p>
             <a:fld id="{51673806-0BCD-1F42-BAA8-2011034B3C6A}" type="datetimeFigureOut">
               <a:rPr lang="en-US" smtClean="0"/>
-              <a:t>5/18/21</a:t>
+              <a:t>5/19/21</a:t>
             </a:fld>
             <a:endParaRPr lang="en-US"/>
           </a:p>
@@ -5829,7 +5829,7 @@
           <a:p>
             <a:fld id="{51673806-0BCD-1F42-BAA8-2011034B3C6A}" type="datetimeFigureOut">
               <a:rPr lang="en-US" smtClean="0"/>
-              <a:t>5/18/21</a:t>
+              <a:t>5/19/21</a:t>
             </a:fld>
             <a:endParaRPr lang="en-US"/>
           </a:p>
@@ -6213,7 +6213,7 @@
           <a:p>
             <a:fld id="{51673806-0BCD-1F42-BAA8-2011034B3C6A}" type="datetimeFigureOut">
               <a:rPr lang="en-US" smtClean="0"/>
-              <a:t>5/18/21</a:t>
+              <a:t>5/19/21</a:t>
             </a:fld>
             <a:endParaRPr lang="en-US"/>
           </a:p>
@@ -6589,7 +6589,7 @@
           <a:p>
             <a:fld id="{51673806-0BCD-1F42-BAA8-2011034B3C6A}" type="datetimeFigureOut">
               <a:rPr lang="en-US" smtClean="0"/>
-              <a:t>5/18/21</a:t>
+              <a:t>5/19/21</a:t>
             </a:fld>
             <a:endParaRPr lang="en-US"/>
           </a:p>
@@ -7095,7 +7095,7 @@
           <a:p>
             <a:fld id="{51673806-0BCD-1F42-BAA8-2011034B3C6A}" type="datetimeFigureOut">
               <a:rPr lang="en-US" smtClean="0"/>
-              <a:t>5/18/21</a:t>
+              <a:t>5/19/21</a:t>
             </a:fld>
             <a:endParaRPr lang="en-US"/>
           </a:p>
@@ -7352,7 +7352,7 @@
           <a:p>
             <a:fld id="{51673806-0BCD-1F42-BAA8-2011034B3C6A}" type="datetimeFigureOut">
               <a:rPr lang="en-US" smtClean="0"/>
-              <a:t>5/18/21</a:t>
+              <a:t>5/19/21</a:t>
             </a:fld>
             <a:endParaRPr lang="en-US"/>
           </a:p>
@@ -7510,7 +7510,7 @@
           <a:p>
             <a:fld id="{51673806-0BCD-1F42-BAA8-2011034B3C6A}" type="datetimeFigureOut">
               <a:rPr lang="en-US" smtClean="0"/>
-              <a:t>5/18/21</a:t>
+              <a:t>5/19/21</a:t>
             </a:fld>
             <a:endParaRPr lang="en-US"/>
           </a:p>
@@ -7900,7 +7900,7 @@
           <a:p>
             <a:fld id="{51673806-0BCD-1F42-BAA8-2011034B3C6A}" type="datetimeFigureOut">
               <a:rPr lang="en-US" smtClean="0"/>
-              <a:t>5/18/21</a:t>
+              <a:t>5/19/21</a:t>
             </a:fld>
             <a:endParaRPr lang="en-US"/>
           </a:p>
@@ -8309,7 +8309,7 @@
           <a:p>
             <a:fld id="{51673806-0BCD-1F42-BAA8-2011034B3C6A}" type="datetimeFigureOut">
               <a:rPr lang="en-US" smtClean="0"/>
-              <a:t>5/18/21</a:t>
+              <a:t>5/19/21</a:t>
             </a:fld>
             <a:endParaRPr lang="en-US"/>
           </a:p>
@@ -8555,7 +8555,7 @@
             <a:fld id="{51673806-0BCD-1F42-BAA8-2011034B3C6A}" type="datetimeFigureOut">
               <a:rPr lang="en-US" smtClean="0"/>
               <a:pPr/>
-              <a:t>5/18/21</a:t>
+              <a:t>5/19/21</a:t>
             </a:fld>
             <a:endParaRPr lang="en-US" dirty="0"/>
           </a:p>
@@ -10246,10 +10246,10 @@
       </p:sp>
       <p:pic>
         <p:nvPicPr>
-          <p:cNvPr id="5" name="Picture 4">
+          <p:cNvPr id="8" name="Picture 7">
             <a:extLst>
               <a:ext uri="{FF2B5EF4-FFF2-40B4-BE49-F238E27FC236}">
-                <a16:creationId xmlns:a16="http://schemas.microsoft.com/office/drawing/2014/main" id="{80D6EC6A-49B8-A44F-BBA0-3BDE1080A256}"/>
+                <a16:creationId xmlns:a16="http://schemas.microsoft.com/office/drawing/2014/main" id="{EE787CBC-5721-3D48-A86B-B56DA4EC0E66}"/>
               </a:ext>
             </a:extLst>
           </p:cNvPr>
@@ -10266,8 +10266,8 @@
         </p:blipFill>
         <p:spPr>
           <a:xfrm>
-            <a:off x="6073253" y="2047106"/>
-            <a:ext cx="5905500" cy="4711700"/>
+            <a:off x="5649047" y="2255067"/>
+            <a:ext cx="6542953" cy="4377744"/>
           </a:xfrm>
           <a:prstGeom prst="rect">
             <a:avLst/>
@@ -10543,10 +10543,10 @@
       </p:sp>
       <p:pic>
         <p:nvPicPr>
-          <p:cNvPr id="6" name="Picture 5">
+          <p:cNvPr id="5" name="Picture 4">
             <a:extLst>
               <a:ext uri="{FF2B5EF4-FFF2-40B4-BE49-F238E27FC236}">
-                <a16:creationId xmlns:a16="http://schemas.microsoft.com/office/drawing/2014/main" id="{30DAC113-D2E8-AA4C-9090-23C43DB43A2C}"/>
+                <a16:creationId xmlns:a16="http://schemas.microsoft.com/office/drawing/2014/main" id="{6561EE19-9FA9-5746-8017-054747855673}"/>
               </a:ext>
             </a:extLst>
           </p:cNvPr>
@@ -10563,8 +10563,8 @@
         </p:blipFill>
         <p:spPr>
           <a:xfrm>
-            <a:off x="5893842" y="2112908"/>
-            <a:ext cx="6088892" cy="4615911"/>
+            <a:off x="5747667" y="2019870"/>
+            <a:ext cx="6330896" cy="4783540"/>
           </a:xfrm>
           <a:prstGeom prst="rect">
             <a:avLst/>

--- a/slides/inheritance_composition.pptx
+++ b/slides/inheritance_composition.pptx
@@ -22,7 +22,7 @@
     <p:sldId id="280" r:id="rId13"/>
     <p:sldId id="277" r:id="rId14"/>
     <p:sldId id="281" r:id="rId15"/>
-    <p:sldId id="282" r:id="rId16"/>
+    <p:sldId id="283" r:id="rId16"/>
     <p:sldId id="278" r:id="rId17"/>
     <p:sldId id="267" r:id="rId18"/>
     <p:sldId id="268" r:id="rId19"/>
@@ -534,18 +534,6 @@
           <a:bodyPr/>
           <a:lstStyle/>
           <a:p>
-            <a:r>
-              <a:rPr lang="en-US" dirty="0"/>
-              <a:t>In case anyone hasn’t seen it yet, </a:t>
-            </a:r>
-            <a:r>
-              <a:rPr lang="en-US" i="1" dirty="0"/>
-              <a:t>del</a:t>
-            </a:r>
-            <a:r>
-              <a:rPr lang="en-US" i="0" dirty="0"/>
-              <a:t> is a keyword which means delete. </a:t>
-            </a:r>
             <a:endParaRPr lang="en-US" dirty="0"/>
           </a:p>
         </p:txBody>
@@ -567,7 +555,7 @@
           <a:p>
             <a:fld id="{BDAAE321-3917-0140-B87E-FBAD3B4B5EF6}" type="slidenum">
               <a:rPr lang="en-US" smtClean="0"/>
-              <a:t>11</a:t>
+              <a:t>10</a:t>
             </a:fld>
             <a:endParaRPr lang="en-US"/>
           </a:p>
@@ -576,7 +564,7 @@
     </p:spTree>
     <p:extLst>
       <p:ext uri="{BB962C8B-B14F-4D97-AF65-F5344CB8AC3E}">
-        <p14:creationId xmlns:p14="http://schemas.microsoft.com/office/powerpoint/2010/main" val="2418599241"/>
+        <p14:creationId xmlns:p14="http://schemas.microsoft.com/office/powerpoint/2010/main" val="3192238249"/>
       </p:ext>
     </p:extLst>
   </p:cSld>
@@ -632,43 +620,15 @@
           <a:p>
             <a:r>
               <a:rPr lang="en-US" dirty="0"/>
-              <a:t>Say verbally</a:t>
-            </a:r>
-            <a:r>
-              <a:rPr lang="en-US" baseline="0" dirty="0"/>
-              <a:t> that you can do this simply because even the __</a:t>
-            </a:r>
-            <a:r>
-              <a:rPr lang="en-US" baseline="0" dirty="0" err="1"/>
-              <a:t>init</a:t>
-            </a:r>
-            <a:r>
-              <a:rPr lang="en-US" baseline="0" dirty="0"/>
-              <a:t>__ function can be inherited. If you’re just going to “</a:t>
-            </a:r>
-            <a:r>
-              <a:rPr lang="en-US" baseline="0" dirty="0" err="1"/>
-              <a:t>def</a:t>
-            </a:r>
-            <a:r>
-              <a:rPr lang="en-US" baseline="0" dirty="0"/>
-              <a:t> __</a:t>
-            </a:r>
-            <a:r>
-              <a:rPr lang="en-US" baseline="0" dirty="0" err="1"/>
-              <a:t>init</a:t>
-            </a:r>
-            <a:r>
-              <a:rPr lang="en-US" baseline="0" dirty="0"/>
-              <a:t>__(self): super().__</a:t>
-            </a:r>
-            <a:r>
-              <a:rPr lang="en-US" baseline="0" dirty="0" err="1"/>
-              <a:t>init</a:t>
-            </a:r>
-            <a:r>
-              <a:rPr lang="en-US" baseline="0" dirty="0"/>
-              <a:t>__()” then you don’t even need to write that. </a:t>
+              <a:t>In case anyone hasn’t seen it yet, </a:t>
+            </a:r>
+            <a:r>
+              <a:rPr lang="en-US" i="1" dirty="0"/>
+              <a:t>del</a:t>
+            </a:r>
+            <a:r>
+              <a:rPr lang="en-US" i="0" dirty="0"/>
+              <a:t> is a keyword which means delete. </a:t>
             </a:r>
             <a:endParaRPr lang="en-US" dirty="0"/>
           </a:p>
@@ -681,7 +641,7 @@
             <a:spLocks noGrp="1"/>
           </p:cNvSpPr>
           <p:nvPr>
-            <p:ph type="sldNum" sz="quarter" idx="10"/>
+            <p:ph type="sldNum" sz="quarter" idx="5"/>
           </p:nvPr>
         </p:nvSpPr>
         <p:spPr/>
@@ -691,7 +651,7 @@
           <a:p>
             <a:fld id="{BDAAE321-3917-0140-B87E-FBAD3B4B5EF6}" type="slidenum">
               <a:rPr lang="en-US" smtClean="0"/>
-              <a:t>13</a:t>
+              <a:t>11</a:t>
             </a:fld>
             <a:endParaRPr lang="en-US"/>
           </a:p>
@@ -700,7 +660,7 @@
     </p:spTree>
     <p:extLst>
       <p:ext uri="{BB962C8B-B14F-4D97-AF65-F5344CB8AC3E}">
-        <p14:creationId xmlns:p14="http://schemas.microsoft.com/office/powerpoint/2010/main" val="502024618"/>
+        <p14:creationId xmlns:p14="http://schemas.microsoft.com/office/powerpoint/2010/main" val="2418599241"/>
       </p:ext>
     </p:extLst>
   </p:cSld>
@@ -756,62 +716,43 @@
           <a:p>
             <a:r>
               <a:rPr lang="en-US" dirty="0"/>
-              <a:t>Note verbally here that “</a:t>
-            </a:r>
-            <a:r>
-              <a:rPr lang="en-US" dirty="0" err="1"/>
-              <a:t>self.__class</a:t>
-            </a:r>
-            <a:r>
-              <a:rPr lang="en-US" dirty="0"/>
-              <a:t>__” is the same as saying “positive(…)” – it’s a way of invoking the class without having to type its actual name (what if the name changed?). This class is in the git repository under examples/classes/</a:t>
-            </a:r>
-            <a:r>
-              <a:rPr lang="en-US" dirty="0" err="1"/>
-              <a:t>positive.py</a:t>
-            </a:r>
-            <a:r>
-              <a:rPr lang="en-US" dirty="0"/>
-              <a:t>. </a:t>
-            </a:r>
-          </a:p>
-          <a:p>
-            <a:pPr marL="0" marR="0" lvl="0" indent="0" algn="l" defTabSz="914400" rtl="0" eaLnBrk="1" fontAlgn="auto" latinLnBrk="0" hangingPunct="1">
-              <a:lnSpc>
-                <a:spcPct val="100000"/>
-              </a:lnSpc>
-              <a:spcBef>
-                <a:spcPts val="0"/>
-              </a:spcBef>
-              <a:spcAft>
-                <a:spcPts val="0"/>
-              </a:spcAft>
-              <a:buClrTx/>
-              <a:buSzTx/>
-              <a:buFontTx/>
-              <a:buNone/>
-              <a:tabLst/>
-              <a:defRPr/>
-            </a:pPr>
-            <a:r>
-              <a:rPr lang="en-US" dirty="0"/>
-              <a:t>A good example of </a:t>
-            </a:r>
-            <a:r>
-              <a:rPr lang="en-US" i="1" dirty="0"/>
-              <a:t>__new__</a:t>
-            </a:r>
-            <a:r>
-              <a:rPr lang="en-US" i="0" dirty="0"/>
-              <a:t> returning a different class is the multizone object in VICE returning a </a:t>
-            </a:r>
-            <a:r>
-              <a:rPr lang="en-US" i="0" dirty="0" err="1"/>
-              <a:t>singlezone</a:t>
-            </a:r>
-            <a:r>
-              <a:rPr lang="en-US" i="0" dirty="0"/>
-              <a:t> object when the number of zones is equal to one. </a:t>
+              <a:t>Say verbally</a:t>
+            </a:r>
+            <a:r>
+              <a:rPr lang="en-US" baseline="0" dirty="0"/>
+              <a:t> that you can do this simply because even the __</a:t>
+            </a:r>
+            <a:r>
+              <a:rPr lang="en-US" baseline="0" dirty="0" err="1"/>
+              <a:t>init</a:t>
+            </a:r>
+            <a:r>
+              <a:rPr lang="en-US" baseline="0" dirty="0"/>
+              <a:t>__ function can be inherited. If you’re just going to “</a:t>
+            </a:r>
+            <a:r>
+              <a:rPr lang="en-US" baseline="0" dirty="0" err="1"/>
+              <a:t>def</a:t>
+            </a:r>
+            <a:r>
+              <a:rPr lang="en-US" baseline="0" dirty="0"/>
+              <a:t> __</a:t>
+            </a:r>
+            <a:r>
+              <a:rPr lang="en-US" baseline="0" dirty="0" err="1"/>
+              <a:t>init</a:t>
+            </a:r>
+            <a:r>
+              <a:rPr lang="en-US" baseline="0" dirty="0"/>
+              <a:t>__(self): super().__</a:t>
+            </a:r>
+            <a:r>
+              <a:rPr lang="en-US" baseline="0" dirty="0" err="1"/>
+              <a:t>init</a:t>
+            </a:r>
+            <a:r>
+              <a:rPr lang="en-US" baseline="0" dirty="0"/>
+              <a:t>__()” then you don’t even need to write that. </a:t>
             </a:r>
             <a:endParaRPr lang="en-US" dirty="0"/>
           </a:p>
@@ -824,7 +765,7 @@
             <a:spLocks noGrp="1"/>
           </p:cNvSpPr>
           <p:nvPr>
-            <p:ph type="sldNum" sz="quarter" idx="5"/>
+            <p:ph type="sldNum" sz="quarter" idx="10"/>
           </p:nvPr>
         </p:nvSpPr>
         <p:spPr/>
@@ -834,7 +775,7 @@
           <a:p>
             <a:fld id="{BDAAE321-3917-0140-B87E-FBAD3B4B5EF6}" type="slidenum">
               <a:rPr lang="en-US" smtClean="0"/>
-              <a:t>14</a:t>
+              <a:t>13</a:t>
             </a:fld>
             <a:endParaRPr lang="en-US"/>
           </a:p>
@@ -843,7 +784,7 @@
     </p:spTree>
     <p:extLst>
       <p:ext uri="{BB962C8B-B14F-4D97-AF65-F5344CB8AC3E}">
-        <p14:creationId xmlns:p14="http://schemas.microsoft.com/office/powerpoint/2010/main" val="2243112266"/>
+        <p14:creationId xmlns:p14="http://schemas.microsoft.com/office/powerpoint/2010/main" val="502024618"/>
       </p:ext>
     </p:extLst>
   </p:cSld>
@@ -919,6 +860,23 @@
             </a:r>
           </a:p>
           <a:p>
+            <a:pPr marL="0" marR="0" lvl="0" indent="0" algn="l" defTabSz="914400" rtl="0" eaLnBrk="1" fontAlgn="auto" latinLnBrk="0" hangingPunct="1">
+              <a:lnSpc>
+                <a:spcPct val="100000"/>
+              </a:lnSpc>
+              <a:spcBef>
+                <a:spcPts val="0"/>
+              </a:spcBef>
+              <a:spcAft>
+                <a:spcPts val="0"/>
+              </a:spcAft>
+              <a:buClrTx/>
+              <a:buSzTx/>
+              <a:buFontTx/>
+              <a:buNone/>
+              <a:tabLst/>
+              <a:defRPr/>
+            </a:pPr>
             <a:r>
               <a:rPr lang="en-US" dirty="0"/>
               <a:t>A good example of </a:t>
@@ -960,7 +918,7 @@
           <a:p>
             <a:fld id="{BDAAE321-3917-0140-B87E-FBAD3B4B5EF6}" type="slidenum">
               <a:rPr lang="en-US" smtClean="0"/>
-              <a:t>15</a:t>
+              <a:t>14</a:t>
             </a:fld>
             <a:endParaRPr lang="en-US"/>
           </a:p>
@@ -969,7 +927,7 @@
     </p:spTree>
     <p:extLst>
       <p:ext uri="{BB962C8B-B14F-4D97-AF65-F5344CB8AC3E}">
-        <p14:creationId xmlns:p14="http://schemas.microsoft.com/office/powerpoint/2010/main" val="994287842"/>
+        <p14:creationId xmlns:p14="http://schemas.microsoft.com/office/powerpoint/2010/main" val="2243112266"/>
       </p:ext>
     </p:extLst>
   </p:cSld>
@@ -1025,19 +983,62 @@
           <a:p>
             <a:r>
               <a:rPr lang="en-US" dirty="0"/>
-              <a:t>In case anyone hadn’t seen</a:t>
-            </a:r>
-            <a:r>
-              <a:rPr lang="en-US" baseline="0" dirty="0"/>
-              <a:t> it up to this point, </a:t>
-            </a:r>
-            <a:r>
-              <a:rPr lang="en-US" i="1" baseline="0" dirty="0"/>
-              <a:t>pass</a:t>
-            </a:r>
-            <a:r>
-              <a:rPr lang="en-US" i="0" baseline="0" dirty="0"/>
-              <a:t> is a python keyword that just means “do nothing” </a:t>
+              <a:t>Note verbally here that “</a:t>
+            </a:r>
+            <a:r>
+              <a:rPr lang="en-US" dirty="0" err="1"/>
+              <a:t>self.__class</a:t>
+            </a:r>
+            <a:r>
+              <a:rPr lang="en-US" dirty="0"/>
+              <a:t>__” is the same as saying “positive(…)” – it’s a way of invoking the class without having to type its actual name (what if the name changed?). This class is in the git repository under examples/classes/</a:t>
+            </a:r>
+            <a:r>
+              <a:rPr lang="en-US" dirty="0" err="1"/>
+              <a:t>positive.py</a:t>
+            </a:r>
+            <a:r>
+              <a:rPr lang="en-US" dirty="0"/>
+              <a:t>. </a:t>
+            </a:r>
+          </a:p>
+          <a:p>
+            <a:pPr marL="0" marR="0" lvl="0" indent="0" algn="l" defTabSz="914400" rtl="0" eaLnBrk="1" fontAlgn="auto" latinLnBrk="0" hangingPunct="1">
+              <a:lnSpc>
+                <a:spcPct val="100000"/>
+              </a:lnSpc>
+              <a:spcBef>
+                <a:spcPts val="0"/>
+              </a:spcBef>
+              <a:spcAft>
+                <a:spcPts val="0"/>
+              </a:spcAft>
+              <a:buClrTx/>
+              <a:buSzTx/>
+              <a:buFontTx/>
+              <a:buNone/>
+              <a:tabLst/>
+              <a:defRPr/>
+            </a:pPr>
+            <a:r>
+              <a:rPr lang="en-US" dirty="0"/>
+              <a:t>A good example of </a:t>
+            </a:r>
+            <a:r>
+              <a:rPr lang="en-US" i="1" dirty="0"/>
+              <a:t>__new__</a:t>
+            </a:r>
+            <a:r>
+              <a:rPr lang="en-US" i="0" dirty="0"/>
+              <a:t> returning a different class is the multizone object in VICE returning a </a:t>
+            </a:r>
+            <a:r>
+              <a:rPr lang="en-US" i="0" dirty="0" err="1"/>
+              <a:t>singlezone</a:t>
+            </a:r>
+            <a:r>
+              <a:rPr lang="en-US" i="0" dirty="0"/>
+              <a:t> object when the number of zones is equal to one. </a:t>
             </a:r>
             <a:endParaRPr lang="en-US" dirty="0"/>
           </a:p>
@@ -1050,7 +1051,7 @@
             <a:spLocks noGrp="1"/>
           </p:cNvSpPr>
           <p:nvPr>
-            <p:ph type="sldNum" sz="quarter" idx="10"/>
+            <p:ph type="sldNum" sz="quarter" idx="5"/>
           </p:nvPr>
         </p:nvSpPr>
         <p:spPr/>
@@ -1060,7 +1061,7 @@
           <a:p>
             <a:fld id="{BDAAE321-3917-0140-B87E-FBAD3B4B5EF6}" type="slidenum">
               <a:rPr lang="en-US" smtClean="0"/>
-              <a:t>20</a:t>
+              <a:t>15</a:t>
             </a:fld>
             <a:endParaRPr lang="en-US"/>
           </a:p>
@@ -1069,7 +1070,7 @@
     </p:spTree>
     <p:extLst>
       <p:ext uri="{BB962C8B-B14F-4D97-AF65-F5344CB8AC3E}">
-        <p14:creationId xmlns:p14="http://schemas.microsoft.com/office/powerpoint/2010/main" val="1309425973"/>
+        <p14:creationId xmlns:p14="http://schemas.microsoft.com/office/powerpoint/2010/main" val="4117832186"/>
       </p:ext>
     </p:extLst>
   </p:cSld>
@@ -1160,7 +1161,7 @@
           <a:p>
             <a:fld id="{BDAAE321-3917-0140-B87E-FBAD3B4B5EF6}" type="slidenum">
               <a:rPr lang="en-US" smtClean="0"/>
-              <a:t>21</a:t>
+              <a:t>20</a:t>
             </a:fld>
             <a:endParaRPr lang="en-US"/>
           </a:p>
@@ -1169,7 +1170,7 @@
     </p:spTree>
     <p:extLst>
       <p:ext uri="{BB962C8B-B14F-4D97-AF65-F5344CB8AC3E}">
-        <p14:creationId xmlns:p14="http://schemas.microsoft.com/office/powerpoint/2010/main" val="1054605821"/>
+        <p14:creationId xmlns:p14="http://schemas.microsoft.com/office/powerpoint/2010/main" val="1309425973"/>
       </p:ext>
     </p:extLst>
   </p:cSld>
@@ -1260,6 +1261,106 @@
           <a:p>
             <a:fld id="{BDAAE321-3917-0140-B87E-FBAD3B4B5EF6}" type="slidenum">
               <a:rPr lang="en-US" smtClean="0"/>
+              <a:t>21</a:t>
+            </a:fld>
+            <a:endParaRPr lang="en-US"/>
+          </a:p>
+        </p:txBody>
+      </p:sp>
+    </p:spTree>
+    <p:extLst>
+      <p:ext uri="{BB962C8B-B14F-4D97-AF65-F5344CB8AC3E}">
+        <p14:creationId xmlns:p14="http://schemas.microsoft.com/office/powerpoint/2010/main" val="1054605821"/>
+      </p:ext>
+    </p:extLst>
+  </p:cSld>
+  <p:clrMapOvr>
+    <a:masterClrMapping/>
+  </p:clrMapOvr>
+</p:notes>
+</file>
+
+<file path=ppt/notesSlides/notesSlide8.xml><?xml version="1.0" encoding="utf-8"?>
+<p:notes xmlns:a="http://schemas.openxmlformats.org/drawingml/2006/main" xmlns:r="http://schemas.openxmlformats.org/officeDocument/2006/relationships" xmlns:p="http://schemas.openxmlformats.org/presentationml/2006/main">
+  <p:cSld>
+    <p:spTree>
+      <p:nvGrpSpPr>
+        <p:cNvPr id="1" name=""/>
+        <p:cNvGrpSpPr/>
+        <p:nvPr/>
+      </p:nvGrpSpPr>
+      <p:grpSpPr>
+        <a:xfrm>
+          <a:off x="0" y="0"/>
+          <a:ext cx="0" cy="0"/>
+          <a:chOff x="0" y="0"/>
+          <a:chExt cx="0" cy="0"/>
+        </a:xfrm>
+      </p:grpSpPr>
+      <p:sp>
+        <p:nvSpPr>
+          <p:cNvPr id="2" name="Slide Image Placeholder 1"/>
+          <p:cNvSpPr>
+            <a:spLocks noGrp="1" noRot="1" noChangeAspect="1"/>
+          </p:cNvSpPr>
+          <p:nvPr>
+            <p:ph type="sldImg"/>
+          </p:nvPr>
+        </p:nvSpPr>
+        <p:spPr/>
+      </p:sp>
+      <p:sp>
+        <p:nvSpPr>
+          <p:cNvPr id="3" name="Notes Placeholder 2"/>
+          <p:cNvSpPr>
+            <a:spLocks noGrp="1"/>
+          </p:cNvSpPr>
+          <p:nvPr>
+            <p:ph type="body" idx="1"/>
+          </p:nvPr>
+        </p:nvSpPr>
+        <p:spPr/>
+        <p:txBody>
+          <a:bodyPr/>
+          <a:lstStyle/>
+          <a:p>
+            <a:r>
+              <a:rPr lang="en-US" dirty="0"/>
+              <a:t>In case anyone hadn’t seen</a:t>
+            </a:r>
+            <a:r>
+              <a:rPr lang="en-US" baseline="0" dirty="0"/>
+              <a:t> it up to this point, </a:t>
+            </a:r>
+            <a:r>
+              <a:rPr lang="en-US" i="1" baseline="0" dirty="0"/>
+              <a:t>pass</a:t>
+            </a:r>
+            <a:r>
+              <a:rPr lang="en-US" i="0" baseline="0" dirty="0"/>
+              <a:t> is a python keyword that just means “do nothing” </a:t>
+            </a:r>
+            <a:endParaRPr lang="en-US" dirty="0"/>
+          </a:p>
+        </p:txBody>
+      </p:sp>
+      <p:sp>
+        <p:nvSpPr>
+          <p:cNvPr id="4" name="Slide Number Placeholder 3"/>
+          <p:cNvSpPr>
+            <a:spLocks noGrp="1"/>
+          </p:cNvSpPr>
+          <p:nvPr>
+            <p:ph type="sldNum" sz="quarter" idx="10"/>
+          </p:nvPr>
+        </p:nvSpPr>
+        <p:spPr/>
+        <p:txBody>
+          <a:bodyPr/>
+          <a:lstStyle/>
+          <a:p>
+            <a:fld id="{BDAAE321-3917-0140-B87E-FBAD3B4B5EF6}" type="slidenum">
+              <a:rPr lang="en-US" smtClean="0"/>
               <a:t>22</a:t>
             </a:fld>
             <a:endParaRPr lang="en-US"/>
@@ -1279,7 +1380,7 @@
 </p:notes>
 </file>
 
-<file path=ppt/notesSlides/notesSlide8.xml><?xml version="1.0" encoding="utf-8"?>
+<file path=ppt/notesSlides/notesSlide9.xml><?xml version="1.0" encoding="utf-8"?>
 <p:notes xmlns:a="http://schemas.openxmlformats.org/drawingml/2006/main" xmlns:r="http://schemas.openxmlformats.org/officeDocument/2006/relationships" xmlns:p="http://schemas.openxmlformats.org/presentationml/2006/main">
   <p:cSld>
     <p:spTree>
@@ -9269,7 +9370,7 @@
           <p:nvPr/>
         </p:nvPicPr>
         <p:blipFill>
-          <a:blip r:embed="rId2">
+          <a:blip r:embed="rId3">
             <a:extLst>
               <a:ext uri="{28A0092B-C50C-407E-A947-70E740481C1C}">
                 <a14:useLocalDpi xmlns:a14="http://schemas.microsoft.com/office/drawing/2010/main" val="0"/>
@@ -10061,7 +10162,7 @@
         </p:nvSpPr>
         <p:spPr>
           <a:xfrm>
-            <a:off x="680321" y="2336872"/>
+            <a:off x="325479" y="2336872"/>
             <a:ext cx="4956204" cy="4295939"/>
           </a:xfrm>
         </p:spPr>
@@ -10246,10 +10347,10 @@
       </p:sp>
       <p:pic>
         <p:nvPicPr>
-          <p:cNvPr id="8" name="Picture 7">
+          <p:cNvPr id="5" name="Picture 4">
             <a:extLst>
               <a:ext uri="{FF2B5EF4-FFF2-40B4-BE49-F238E27FC236}">
-                <a16:creationId xmlns:a16="http://schemas.microsoft.com/office/drawing/2014/main" id="{EE787CBC-5721-3D48-A86B-B56DA4EC0E66}"/>
+                <a16:creationId xmlns:a16="http://schemas.microsoft.com/office/drawing/2014/main" id="{22A56CA0-B35C-3F46-9850-8AFAAC7A6C6B}"/>
               </a:ext>
             </a:extLst>
           </p:cNvPr>
@@ -10266,8 +10367,8 @@
         </p:blipFill>
         <p:spPr>
           <a:xfrm>
-            <a:off x="5649047" y="2255067"/>
-            <a:ext cx="6542953" cy="4377744"/>
+            <a:off x="5581858" y="2265396"/>
+            <a:ext cx="6610142" cy="4367415"/>
           </a:xfrm>
           <a:prstGeom prst="rect">
             <a:avLst/>
@@ -10358,7 +10459,7 @@
         </p:nvSpPr>
         <p:spPr>
           <a:xfrm>
-            <a:off x="680321" y="2336872"/>
+            <a:off x="325479" y="2336872"/>
             <a:ext cx="4956204" cy="4295939"/>
           </a:xfrm>
         </p:spPr>
@@ -10543,10 +10644,10 @@
       </p:sp>
       <p:pic>
         <p:nvPicPr>
-          <p:cNvPr id="5" name="Picture 4">
+          <p:cNvPr id="6" name="Picture 5">
             <a:extLst>
               <a:ext uri="{FF2B5EF4-FFF2-40B4-BE49-F238E27FC236}">
-                <a16:creationId xmlns:a16="http://schemas.microsoft.com/office/drawing/2014/main" id="{6561EE19-9FA9-5746-8017-054747855673}"/>
+                <a16:creationId xmlns:a16="http://schemas.microsoft.com/office/drawing/2014/main" id="{35302211-4187-2249-8F2A-65A9F83882AA}"/>
               </a:ext>
             </a:extLst>
           </p:cNvPr>
@@ -10563,8 +10664,8 @@
         </p:blipFill>
         <p:spPr>
           <a:xfrm>
-            <a:off x="5747667" y="2019870"/>
-            <a:ext cx="6330896" cy="4783540"/>
+            <a:off x="5445458" y="1760403"/>
+            <a:ext cx="6746542" cy="5097597"/>
           </a:xfrm>
           <a:prstGeom prst="rect">
             <a:avLst/>
@@ -10574,7 +10675,7 @@
     </p:spTree>
     <p:extLst>
       <p:ext uri="{BB962C8B-B14F-4D97-AF65-F5344CB8AC3E}">
-        <p14:creationId xmlns:p14="http://schemas.microsoft.com/office/powerpoint/2010/main" val="2126732098"/>
+        <p14:creationId xmlns:p14="http://schemas.microsoft.com/office/powerpoint/2010/main" val="1771904430"/>
       </p:ext>
     </p:extLst>
   </p:cSld>

--- a/slides/inheritance_composition.pptx
+++ b/slides/inheritance_composition.pptx
@@ -223,7 +223,7 @@
           <a:p>
             <a:fld id="{C24E9693-3B1A-6144-852A-5B7733F5E2A6}" type="datetimeFigureOut">
               <a:rPr lang="en-US" smtClean="0"/>
-              <a:t>5/19/21</a:t>
+              <a:t>5/8/22</a:t>
             </a:fld>
             <a:endParaRPr lang="en-US"/>
           </a:p>
@@ -1748,7 +1748,7 @@
           <a:p>
             <a:fld id="{51673806-0BCD-1F42-BAA8-2011034B3C6A}" type="datetimeFigureOut">
               <a:rPr lang="en-US" smtClean="0"/>
-              <a:t>5/19/21</a:t>
+              <a:t>5/8/22</a:t>
             </a:fld>
             <a:endParaRPr lang="en-US"/>
           </a:p>
@@ -2162,7 +2162,7 @@
           <a:p>
             <a:fld id="{51673806-0BCD-1F42-BAA8-2011034B3C6A}" type="datetimeFigureOut">
               <a:rPr lang="en-US" smtClean="0"/>
-              <a:t>5/19/21</a:t>
+              <a:t>5/8/22</a:t>
             </a:fld>
             <a:endParaRPr lang="en-US"/>
           </a:p>
@@ -2493,7 +2493,7 @@
           <a:p>
             <a:fld id="{51673806-0BCD-1F42-BAA8-2011034B3C6A}" type="datetimeFigureOut">
               <a:rPr lang="en-US" smtClean="0"/>
-              <a:t>5/19/21</a:t>
+              <a:t>5/8/22</a:t>
             </a:fld>
             <a:endParaRPr lang="en-US"/>
           </a:p>
@@ -2893,7 +2893,7 @@
           <a:p>
             <a:fld id="{51673806-0BCD-1F42-BAA8-2011034B3C6A}" type="datetimeFigureOut">
               <a:rPr lang="en-US" smtClean="0"/>
-              <a:t>5/19/21</a:t>
+              <a:t>5/8/22</a:t>
             </a:fld>
             <a:endParaRPr lang="en-US"/>
           </a:p>
@@ -3456,7 +3456,7 @@
           <a:p>
             <a:fld id="{51673806-0BCD-1F42-BAA8-2011034B3C6A}" type="datetimeFigureOut">
               <a:rPr lang="en-US" smtClean="0"/>
-              <a:t>5/19/21</a:t>
+              <a:t>5/8/22</a:t>
             </a:fld>
             <a:endParaRPr lang="en-US"/>
           </a:p>
@@ -4132,7 +4132,7 @@
           <a:p>
             <a:fld id="{51673806-0BCD-1F42-BAA8-2011034B3C6A}" type="datetimeFigureOut">
               <a:rPr lang="en-US" smtClean="0"/>
-              <a:t>5/19/21</a:t>
+              <a:t>5/8/22</a:t>
             </a:fld>
             <a:endParaRPr lang="en-US"/>
           </a:p>
@@ -5040,7 +5040,7 @@
           <a:p>
             <a:fld id="{51673806-0BCD-1F42-BAA8-2011034B3C6A}" type="datetimeFigureOut">
               <a:rPr lang="en-US" smtClean="0"/>
-              <a:t>5/19/21</a:t>
+              <a:t>5/8/22</a:t>
             </a:fld>
             <a:endParaRPr lang="en-US"/>
           </a:p>
@@ -5348,7 +5348,7 @@
           <a:p>
             <a:fld id="{51673806-0BCD-1F42-BAA8-2011034B3C6A}" type="datetimeFigureOut">
               <a:rPr lang="en-US" smtClean="0"/>
-              <a:t>5/19/21</a:t>
+              <a:t>5/8/22</a:t>
             </a:fld>
             <a:endParaRPr lang="en-US"/>
           </a:p>
@@ -5607,7 +5607,7 @@
           <a:p>
             <a:fld id="{51673806-0BCD-1F42-BAA8-2011034B3C6A}" type="datetimeFigureOut">
               <a:rPr lang="en-US" smtClean="0"/>
-              <a:t>5/19/21</a:t>
+              <a:t>5/8/22</a:t>
             </a:fld>
             <a:endParaRPr lang="en-US"/>
           </a:p>
@@ -5930,7 +5930,7 @@
           <a:p>
             <a:fld id="{51673806-0BCD-1F42-BAA8-2011034B3C6A}" type="datetimeFigureOut">
               <a:rPr lang="en-US" smtClean="0"/>
-              <a:t>5/19/21</a:t>
+              <a:t>5/8/22</a:t>
             </a:fld>
             <a:endParaRPr lang="en-US"/>
           </a:p>
@@ -6314,7 +6314,7 @@
           <a:p>
             <a:fld id="{51673806-0BCD-1F42-BAA8-2011034B3C6A}" type="datetimeFigureOut">
               <a:rPr lang="en-US" smtClean="0"/>
-              <a:t>5/19/21</a:t>
+              <a:t>5/8/22</a:t>
             </a:fld>
             <a:endParaRPr lang="en-US"/>
           </a:p>
@@ -6690,7 +6690,7 @@
           <a:p>
             <a:fld id="{51673806-0BCD-1F42-BAA8-2011034B3C6A}" type="datetimeFigureOut">
               <a:rPr lang="en-US" smtClean="0"/>
-              <a:t>5/19/21</a:t>
+              <a:t>5/8/22</a:t>
             </a:fld>
             <a:endParaRPr lang="en-US"/>
           </a:p>
@@ -7196,7 +7196,7 @@
           <a:p>
             <a:fld id="{51673806-0BCD-1F42-BAA8-2011034B3C6A}" type="datetimeFigureOut">
               <a:rPr lang="en-US" smtClean="0"/>
-              <a:t>5/19/21</a:t>
+              <a:t>5/8/22</a:t>
             </a:fld>
             <a:endParaRPr lang="en-US"/>
           </a:p>
@@ -7453,7 +7453,7 @@
           <a:p>
             <a:fld id="{51673806-0BCD-1F42-BAA8-2011034B3C6A}" type="datetimeFigureOut">
               <a:rPr lang="en-US" smtClean="0"/>
-              <a:t>5/19/21</a:t>
+              <a:t>5/8/22</a:t>
             </a:fld>
             <a:endParaRPr lang="en-US"/>
           </a:p>
@@ -7611,7 +7611,7 @@
           <a:p>
             <a:fld id="{51673806-0BCD-1F42-BAA8-2011034B3C6A}" type="datetimeFigureOut">
               <a:rPr lang="en-US" smtClean="0"/>
-              <a:t>5/19/21</a:t>
+              <a:t>5/8/22</a:t>
             </a:fld>
             <a:endParaRPr lang="en-US"/>
           </a:p>
@@ -8001,7 +8001,7 @@
           <a:p>
             <a:fld id="{51673806-0BCD-1F42-BAA8-2011034B3C6A}" type="datetimeFigureOut">
               <a:rPr lang="en-US" smtClean="0"/>
-              <a:t>5/19/21</a:t>
+              <a:t>5/8/22</a:t>
             </a:fld>
             <a:endParaRPr lang="en-US"/>
           </a:p>
@@ -8410,7 +8410,7 @@
           <a:p>
             <a:fld id="{51673806-0BCD-1F42-BAA8-2011034B3C6A}" type="datetimeFigureOut">
               <a:rPr lang="en-US" smtClean="0"/>
-              <a:t>5/19/21</a:t>
+              <a:t>5/8/22</a:t>
             </a:fld>
             <a:endParaRPr lang="en-US"/>
           </a:p>
@@ -8656,7 +8656,7 @@
             <a:fld id="{51673806-0BCD-1F42-BAA8-2011034B3C6A}" type="datetimeFigureOut">
               <a:rPr lang="en-US" smtClean="0"/>
               <a:pPr/>
-              <a:t>5/19/21</a:t>
+              <a:t>5/8/22</a:t>
             </a:fld>
             <a:endParaRPr lang="en-US" dirty="0"/>
           </a:p>
@@ -9120,7 +9120,7 @@
           <a:p>
             <a:r>
               <a:rPr lang="en-US"/>
-              <a:t>SURP 2021 </a:t>
+              <a:t>SURP 2022 </a:t>
             </a:r>
             <a:r>
               <a:rPr lang="en-US" dirty="0"/>

--- a/slides/inheritance_composition.pptx
+++ b/slides/inheritance_composition.pptx
@@ -223,7 +223,7 @@
           <a:p>
             <a:fld id="{C24E9693-3B1A-6144-852A-5B7733F5E2A6}" type="datetimeFigureOut">
               <a:rPr lang="en-US" smtClean="0"/>
-              <a:t>5/8/22</a:t>
+              <a:t>5/18/22</a:t>
             </a:fld>
             <a:endParaRPr lang="en-US"/>
           </a:p>
@@ -534,7 +534,18 @@
           <a:bodyPr/>
           <a:lstStyle/>
           <a:p>
-            <a:endParaRPr lang="en-US" dirty="0"/>
+            <a:r>
+              <a:rPr lang="en-US" dirty="0"/>
+              <a:t>These classes are included in the bootcamp material under examples/classes/</a:t>
+            </a:r>
+            <a:r>
+              <a:rPr lang="en-US" dirty="0" err="1"/>
+              <a:t>people.py</a:t>
+            </a:r>
+            <a:r>
+              <a:rPr lang="en-US" dirty="0"/>
+              <a:t>. Note verbally that these import statements will only work if you’re running python from within that directory (the ins and outs of import statements were covered in session 3).</a:t>
+            </a:r>
           </a:p>
         </p:txBody>
       </p:sp>
@@ -555,7 +566,7 @@
           <a:p>
             <a:fld id="{BDAAE321-3917-0140-B87E-FBAD3B4B5EF6}" type="slidenum">
               <a:rPr lang="en-US" smtClean="0"/>
-              <a:t>10</a:t>
+              <a:t>5</a:t>
             </a:fld>
             <a:endParaRPr lang="en-US"/>
           </a:p>
@@ -564,7 +575,186 @@
     </p:spTree>
     <p:extLst>
       <p:ext uri="{BB962C8B-B14F-4D97-AF65-F5344CB8AC3E}">
-        <p14:creationId xmlns:p14="http://schemas.microsoft.com/office/powerpoint/2010/main" val="3192238249"/>
+        <p14:creationId xmlns:p14="http://schemas.microsoft.com/office/powerpoint/2010/main" val="554421673"/>
+      </p:ext>
+    </p:extLst>
+  </p:cSld>
+  <p:clrMapOvr>
+    <a:masterClrMapping/>
+  </p:clrMapOvr>
+</p:notes>
+</file>
+
+<file path=ppt/notesSlides/notesSlide10.xml><?xml version="1.0" encoding="utf-8"?>
+<p:notes xmlns:a="http://schemas.openxmlformats.org/drawingml/2006/main" xmlns:r="http://schemas.openxmlformats.org/officeDocument/2006/relationships" xmlns:p="http://schemas.openxmlformats.org/presentationml/2006/main">
+  <p:cSld>
+    <p:spTree>
+      <p:nvGrpSpPr>
+        <p:cNvPr id="1" name=""/>
+        <p:cNvGrpSpPr/>
+        <p:nvPr/>
+      </p:nvGrpSpPr>
+      <p:grpSpPr>
+        <a:xfrm>
+          <a:off x="0" y="0"/>
+          <a:ext cx="0" cy="0"/>
+          <a:chOff x="0" y="0"/>
+          <a:chExt cx="0" cy="0"/>
+        </a:xfrm>
+      </p:grpSpPr>
+      <p:sp>
+        <p:nvSpPr>
+          <p:cNvPr id="2" name="Slide Image Placeholder 1"/>
+          <p:cNvSpPr>
+            <a:spLocks noGrp="1" noRot="1" noChangeAspect="1"/>
+          </p:cNvSpPr>
+          <p:nvPr>
+            <p:ph type="sldImg"/>
+          </p:nvPr>
+        </p:nvSpPr>
+        <p:spPr/>
+      </p:sp>
+      <p:sp>
+        <p:nvSpPr>
+          <p:cNvPr id="3" name="Notes Placeholder 2"/>
+          <p:cNvSpPr>
+            <a:spLocks noGrp="1"/>
+          </p:cNvSpPr>
+          <p:nvPr>
+            <p:ph type="body" idx="1"/>
+          </p:nvPr>
+        </p:nvSpPr>
+        <p:spPr/>
+        <p:txBody>
+          <a:bodyPr/>
+          <a:lstStyle/>
+          <a:p>
+            <a:r>
+              <a:rPr lang="en-US" dirty="0"/>
+              <a:t>Could give the sun the name “Sol,” but this is fine for a demonstration.</a:t>
+            </a:r>
+          </a:p>
+        </p:txBody>
+      </p:sp>
+      <p:sp>
+        <p:nvSpPr>
+          <p:cNvPr id="4" name="Slide Number Placeholder 3"/>
+          <p:cNvSpPr>
+            <a:spLocks noGrp="1"/>
+          </p:cNvSpPr>
+          <p:nvPr>
+            <p:ph type="sldNum" sz="quarter" idx="5"/>
+          </p:nvPr>
+        </p:nvSpPr>
+        <p:spPr/>
+        <p:txBody>
+          <a:bodyPr/>
+          <a:lstStyle/>
+          <a:p>
+            <a:fld id="{BDAAE321-3917-0140-B87E-FBAD3B4B5EF6}" type="slidenum">
+              <a:rPr lang="en-US" smtClean="0"/>
+              <a:t>26</a:t>
+            </a:fld>
+            <a:endParaRPr lang="en-US"/>
+          </a:p>
+        </p:txBody>
+      </p:sp>
+    </p:spTree>
+    <p:extLst>
+      <p:ext uri="{BB962C8B-B14F-4D97-AF65-F5344CB8AC3E}">
+        <p14:creationId xmlns:p14="http://schemas.microsoft.com/office/powerpoint/2010/main" val="2803434152"/>
+      </p:ext>
+    </p:extLst>
+  </p:cSld>
+  <p:clrMapOvr>
+    <a:masterClrMapping/>
+  </p:clrMapOvr>
+</p:notes>
+</file>
+
+<file path=ppt/notesSlides/notesSlide11.xml><?xml version="1.0" encoding="utf-8"?>
+<p:notes xmlns:a="http://schemas.openxmlformats.org/drawingml/2006/main" xmlns:r="http://schemas.openxmlformats.org/officeDocument/2006/relationships" xmlns:p="http://schemas.openxmlformats.org/presentationml/2006/main">
+  <p:cSld>
+    <p:spTree>
+      <p:nvGrpSpPr>
+        <p:cNvPr id="1" name=""/>
+        <p:cNvGrpSpPr/>
+        <p:nvPr/>
+      </p:nvGrpSpPr>
+      <p:grpSpPr>
+        <a:xfrm>
+          <a:off x="0" y="0"/>
+          <a:ext cx="0" cy="0"/>
+          <a:chOff x="0" y="0"/>
+          <a:chExt cx="0" cy="0"/>
+        </a:xfrm>
+      </p:grpSpPr>
+      <p:sp>
+        <p:nvSpPr>
+          <p:cNvPr id="2" name="Slide Image Placeholder 1"/>
+          <p:cNvSpPr>
+            <a:spLocks noGrp="1" noRot="1" noChangeAspect="1"/>
+          </p:cNvSpPr>
+          <p:nvPr>
+            <p:ph type="sldImg"/>
+          </p:nvPr>
+        </p:nvSpPr>
+        <p:spPr/>
+      </p:sp>
+      <p:sp>
+        <p:nvSpPr>
+          <p:cNvPr id="3" name="Notes Placeholder 2"/>
+          <p:cNvSpPr>
+            <a:spLocks noGrp="1"/>
+          </p:cNvSpPr>
+          <p:nvPr>
+            <p:ph type="body" idx="1"/>
+          </p:nvPr>
+        </p:nvSpPr>
+        <p:spPr/>
+        <p:txBody>
+          <a:bodyPr/>
+          <a:lstStyle/>
+          <a:p>
+            <a:r>
+              <a:rPr lang="en-US" dirty="0"/>
+              <a:t>This is worth noting because folks who engineer their code will</a:t>
+            </a:r>
+            <a:r>
+              <a:rPr lang="en-US" baseline="0" dirty="0"/>
+              <a:t> likely run across this caveat. </a:t>
+            </a:r>
+            <a:endParaRPr lang="en-US" dirty="0"/>
+          </a:p>
+        </p:txBody>
+      </p:sp>
+      <p:sp>
+        <p:nvSpPr>
+          <p:cNvPr id="4" name="Slide Number Placeholder 3"/>
+          <p:cNvSpPr>
+            <a:spLocks noGrp="1"/>
+          </p:cNvSpPr>
+          <p:nvPr>
+            <p:ph type="sldNum" sz="quarter" idx="10"/>
+          </p:nvPr>
+        </p:nvSpPr>
+        <p:spPr/>
+        <p:txBody>
+          <a:bodyPr/>
+          <a:lstStyle/>
+          <a:p>
+            <a:fld id="{BDAAE321-3917-0140-B87E-FBAD3B4B5EF6}" type="slidenum">
+              <a:rPr lang="en-US" smtClean="0"/>
+              <a:t>27</a:t>
+            </a:fld>
+            <a:endParaRPr lang="en-US"/>
+          </a:p>
+        </p:txBody>
+      </p:sp>
+    </p:spTree>
+    <p:extLst>
+      <p:ext uri="{BB962C8B-B14F-4D97-AF65-F5344CB8AC3E}">
+        <p14:creationId xmlns:p14="http://schemas.microsoft.com/office/powerpoint/2010/main" val="1857646328"/>
       </p:ext>
     </p:extLst>
   </p:cSld>
@@ -618,18 +808,6 @@
           <a:bodyPr/>
           <a:lstStyle/>
           <a:p>
-            <a:r>
-              <a:rPr lang="en-US" dirty="0"/>
-              <a:t>In case anyone hasn’t seen it yet, </a:t>
-            </a:r>
-            <a:r>
-              <a:rPr lang="en-US" i="1" dirty="0"/>
-              <a:t>del</a:t>
-            </a:r>
-            <a:r>
-              <a:rPr lang="en-US" i="0" dirty="0"/>
-              <a:t> is a keyword which means delete. </a:t>
-            </a:r>
             <a:endParaRPr lang="en-US" dirty="0"/>
           </a:p>
         </p:txBody>
@@ -651,7 +829,7 @@
           <a:p>
             <a:fld id="{BDAAE321-3917-0140-B87E-FBAD3B4B5EF6}" type="slidenum">
               <a:rPr lang="en-US" smtClean="0"/>
-              <a:t>11</a:t>
+              <a:t>10</a:t>
             </a:fld>
             <a:endParaRPr lang="en-US"/>
           </a:p>
@@ -660,7 +838,7 @@
     </p:spTree>
     <p:extLst>
       <p:ext uri="{BB962C8B-B14F-4D97-AF65-F5344CB8AC3E}">
-        <p14:creationId xmlns:p14="http://schemas.microsoft.com/office/powerpoint/2010/main" val="2418599241"/>
+        <p14:creationId xmlns:p14="http://schemas.microsoft.com/office/powerpoint/2010/main" val="3192238249"/>
       </p:ext>
     </p:extLst>
   </p:cSld>
@@ -716,43 +894,15 @@
           <a:p>
             <a:r>
               <a:rPr lang="en-US" dirty="0"/>
-              <a:t>Say verbally</a:t>
-            </a:r>
-            <a:r>
-              <a:rPr lang="en-US" baseline="0" dirty="0"/>
-              <a:t> that you can do this simply because even the __</a:t>
-            </a:r>
-            <a:r>
-              <a:rPr lang="en-US" baseline="0" dirty="0" err="1"/>
-              <a:t>init</a:t>
-            </a:r>
-            <a:r>
-              <a:rPr lang="en-US" baseline="0" dirty="0"/>
-              <a:t>__ function can be inherited. If you’re just going to “</a:t>
-            </a:r>
-            <a:r>
-              <a:rPr lang="en-US" baseline="0" dirty="0" err="1"/>
-              <a:t>def</a:t>
-            </a:r>
-            <a:r>
-              <a:rPr lang="en-US" baseline="0" dirty="0"/>
-              <a:t> __</a:t>
-            </a:r>
-            <a:r>
-              <a:rPr lang="en-US" baseline="0" dirty="0" err="1"/>
-              <a:t>init</a:t>
-            </a:r>
-            <a:r>
-              <a:rPr lang="en-US" baseline="0" dirty="0"/>
-              <a:t>__(self): super().__</a:t>
-            </a:r>
-            <a:r>
-              <a:rPr lang="en-US" baseline="0" dirty="0" err="1"/>
-              <a:t>init</a:t>
-            </a:r>
-            <a:r>
-              <a:rPr lang="en-US" baseline="0" dirty="0"/>
-              <a:t>__()” then you don’t even need to write that. </a:t>
+              <a:t>In case anyone hasn’t seen it yet, </a:t>
+            </a:r>
+            <a:r>
+              <a:rPr lang="en-US" i="1" dirty="0"/>
+              <a:t>del</a:t>
+            </a:r>
+            <a:r>
+              <a:rPr lang="en-US" i="0" dirty="0"/>
+              <a:t> is a keyword which means delete. </a:t>
             </a:r>
             <a:endParaRPr lang="en-US" dirty="0"/>
           </a:p>
@@ -765,7 +915,7 @@
             <a:spLocks noGrp="1"/>
           </p:cNvSpPr>
           <p:nvPr>
-            <p:ph type="sldNum" sz="quarter" idx="10"/>
+            <p:ph type="sldNum" sz="quarter" idx="5"/>
           </p:nvPr>
         </p:nvSpPr>
         <p:spPr/>
@@ -775,7 +925,7 @@
           <a:p>
             <a:fld id="{BDAAE321-3917-0140-B87E-FBAD3B4B5EF6}" type="slidenum">
               <a:rPr lang="en-US" smtClean="0"/>
-              <a:t>13</a:t>
+              <a:t>11</a:t>
             </a:fld>
             <a:endParaRPr lang="en-US"/>
           </a:p>
@@ -784,7 +934,7 @@
     </p:spTree>
     <p:extLst>
       <p:ext uri="{BB962C8B-B14F-4D97-AF65-F5344CB8AC3E}">
-        <p14:creationId xmlns:p14="http://schemas.microsoft.com/office/powerpoint/2010/main" val="502024618"/>
+        <p14:creationId xmlns:p14="http://schemas.microsoft.com/office/powerpoint/2010/main" val="2418599241"/>
       </p:ext>
     </p:extLst>
   </p:cSld>
@@ -840,62 +990,43 @@
           <a:p>
             <a:r>
               <a:rPr lang="en-US" dirty="0"/>
-              <a:t>Note verbally here that “</a:t>
-            </a:r>
-            <a:r>
-              <a:rPr lang="en-US" dirty="0" err="1"/>
-              <a:t>self.__class</a:t>
-            </a:r>
-            <a:r>
-              <a:rPr lang="en-US" dirty="0"/>
-              <a:t>__” is the same as saying “positive(…)” – it’s a way of invoking the class without having to type its actual name (what if the name changed?). This class is in the git repository under examples/classes/</a:t>
-            </a:r>
-            <a:r>
-              <a:rPr lang="en-US" dirty="0" err="1"/>
-              <a:t>positive.py</a:t>
-            </a:r>
-            <a:r>
-              <a:rPr lang="en-US" dirty="0"/>
-              <a:t>. </a:t>
-            </a:r>
-          </a:p>
-          <a:p>
-            <a:pPr marL="0" marR="0" lvl="0" indent="0" algn="l" defTabSz="914400" rtl="0" eaLnBrk="1" fontAlgn="auto" latinLnBrk="0" hangingPunct="1">
-              <a:lnSpc>
-                <a:spcPct val="100000"/>
-              </a:lnSpc>
-              <a:spcBef>
-                <a:spcPts val="0"/>
-              </a:spcBef>
-              <a:spcAft>
-                <a:spcPts val="0"/>
-              </a:spcAft>
-              <a:buClrTx/>
-              <a:buSzTx/>
-              <a:buFontTx/>
-              <a:buNone/>
-              <a:tabLst/>
-              <a:defRPr/>
-            </a:pPr>
-            <a:r>
-              <a:rPr lang="en-US" dirty="0"/>
-              <a:t>A good example of </a:t>
-            </a:r>
-            <a:r>
-              <a:rPr lang="en-US" i="1" dirty="0"/>
-              <a:t>__new__</a:t>
-            </a:r>
-            <a:r>
-              <a:rPr lang="en-US" i="0" dirty="0"/>
-              <a:t> returning a different class is the multizone object in VICE returning a </a:t>
-            </a:r>
-            <a:r>
-              <a:rPr lang="en-US" i="0" dirty="0" err="1"/>
-              <a:t>singlezone</a:t>
-            </a:r>
-            <a:r>
-              <a:rPr lang="en-US" i="0" dirty="0"/>
-              <a:t> object when the number of zones is equal to one. </a:t>
+              <a:t>Say verbally</a:t>
+            </a:r>
+            <a:r>
+              <a:rPr lang="en-US" baseline="0" dirty="0"/>
+              <a:t> that you can do this simply because even the __</a:t>
+            </a:r>
+            <a:r>
+              <a:rPr lang="en-US" baseline="0" dirty="0" err="1"/>
+              <a:t>init</a:t>
+            </a:r>
+            <a:r>
+              <a:rPr lang="en-US" baseline="0" dirty="0"/>
+              <a:t>__ function can be inherited. If you’re just going to “</a:t>
+            </a:r>
+            <a:r>
+              <a:rPr lang="en-US" baseline="0" dirty="0" err="1"/>
+              <a:t>def</a:t>
+            </a:r>
+            <a:r>
+              <a:rPr lang="en-US" baseline="0" dirty="0"/>
+              <a:t> __</a:t>
+            </a:r>
+            <a:r>
+              <a:rPr lang="en-US" baseline="0" dirty="0" err="1"/>
+              <a:t>init</a:t>
+            </a:r>
+            <a:r>
+              <a:rPr lang="en-US" baseline="0" dirty="0"/>
+              <a:t>__(self): super().__</a:t>
+            </a:r>
+            <a:r>
+              <a:rPr lang="en-US" baseline="0" dirty="0" err="1"/>
+              <a:t>init</a:t>
+            </a:r>
+            <a:r>
+              <a:rPr lang="en-US" baseline="0" dirty="0"/>
+              <a:t>__()” then you don’t even need to write that. </a:t>
             </a:r>
             <a:endParaRPr lang="en-US" dirty="0"/>
           </a:p>
@@ -908,7 +1039,7 @@
             <a:spLocks noGrp="1"/>
           </p:cNvSpPr>
           <p:nvPr>
-            <p:ph type="sldNum" sz="quarter" idx="5"/>
+            <p:ph type="sldNum" sz="quarter" idx="10"/>
           </p:nvPr>
         </p:nvSpPr>
         <p:spPr/>
@@ -918,7 +1049,7 @@
           <a:p>
             <a:fld id="{BDAAE321-3917-0140-B87E-FBAD3B4B5EF6}" type="slidenum">
               <a:rPr lang="en-US" smtClean="0"/>
-              <a:t>14</a:t>
+              <a:t>13</a:t>
             </a:fld>
             <a:endParaRPr lang="en-US"/>
           </a:p>
@@ -927,7 +1058,7 @@
     </p:spTree>
     <p:extLst>
       <p:ext uri="{BB962C8B-B14F-4D97-AF65-F5344CB8AC3E}">
-        <p14:creationId xmlns:p14="http://schemas.microsoft.com/office/powerpoint/2010/main" val="2243112266"/>
+        <p14:creationId xmlns:p14="http://schemas.microsoft.com/office/powerpoint/2010/main" val="502024618"/>
       </p:ext>
     </p:extLst>
   </p:cSld>
@@ -999,30 +1130,23 @@
             </a:r>
             <a:r>
               <a:rPr lang="en-US" dirty="0"/>
+              <a:t>. Note verbally also that </a:t>
+            </a:r>
+            <a:r>
+              <a:rPr lang="en-US" i="1" dirty="0" err="1"/>
+              <a:t>cls</a:t>
+            </a:r>
+            <a:r>
+              <a:rPr lang="en-US" i="0" dirty="0"/>
+              <a:t> is the parameter taken by a </a:t>
+            </a:r>
+            <a:r>
+              <a:rPr lang="en-US" i="1" dirty="0" err="1"/>
+              <a:t>classmethod</a:t>
+            </a:r>
+            <a:r>
+              <a:rPr lang="en-US" i="0" dirty="0"/>
               <a:t>. </a:t>
-            </a:r>
-          </a:p>
-          <a:p>
-            <a:pPr marL="0" marR="0" lvl="0" indent="0" algn="l" defTabSz="914400" rtl="0" eaLnBrk="1" fontAlgn="auto" latinLnBrk="0" hangingPunct="1">
-              <a:lnSpc>
-                <a:spcPct val="100000"/>
-              </a:lnSpc>
-              <a:spcBef>
-                <a:spcPts val="0"/>
-              </a:spcBef>
-              <a:spcAft>
-                <a:spcPts val="0"/>
-              </a:spcAft>
-              <a:buClrTx/>
-              <a:buSzTx/>
-              <a:buFontTx/>
-              <a:buNone/>
-              <a:tabLst/>
-              <a:defRPr/>
-            </a:pPr>
-            <a:r>
-              <a:rPr lang="en-US" dirty="0"/>
-              <a:t>A good example of </a:t>
             </a:r>
             <a:r>
               <a:rPr lang="en-US" i="1" dirty="0"/>
@@ -1030,15 +1154,15 @@
             </a:r>
             <a:r>
               <a:rPr lang="en-US" i="0" dirty="0"/>
-              <a:t> returning a different class is the multizone object in VICE returning a </a:t>
-            </a:r>
-            <a:r>
-              <a:rPr lang="en-US" i="0" dirty="0" err="1"/>
-              <a:t>singlezone</a:t>
+              <a:t> is like a </a:t>
+            </a:r>
+            <a:r>
+              <a:rPr lang="en-US" i="1" dirty="0" err="1"/>
+              <a:t>classmethod</a:t>
             </a:r>
             <a:r>
               <a:rPr lang="en-US" i="0" dirty="0"/>
-              <a:t> object when the number of zones is equal to one. </a:t>
+              <a:t> in that it also returns an instance of the class.</a:t>
             </a:r>
             <a:endParaRPr lang="en-US" dirty="0"/>
           </a:p>
@@ -1061,7 +1185,7 @@
           <a:p>
             <a:fld id="{BDAAE321-3917-0140-B87E-FBAD3B4B5EF6}" type="slidenum">
               <a:rPr lang="en-US" smtClean="0"/>
-              <a:t>15</a:t>
+              <a:t>14</a:t>
             </a:fld>
             <a:endParaRPr lang="en-US"/>
           </a:p>
@@ -1070,7 +1194,7 @@
     </p:spTree>
     <p:extLst>
       <p:ext uri="{BB962C8B-B14F-4D97-AF65-F5344CB8AC3E}">
-        <p14:creationId xmlns:p14="http://schemas.microsoft.com/office/powerpoint/2010/main" val="4117832186"/>
+        <p14:creationId xmlns:p14="http://schemas.microsoft.com/office/powerpoint/2010/main" val="2243112266"/>
       </p:ext>
     </p:extLst>
   </p:cSld>
@@ -1126,19 +1250,62 @@
           <a:p>
             <a:r>
               <a:rPr lang="en-US" dirty="0"/>
-              <a:t>In case anyone hadn’t seen</a:t>
-            </a:r>
-            <a:r>
-              <a:rPr lang="en-US" baseline="0" dirty="0"/>
-              <a:t> it up to this point, </a:t>
-            </a:r>
-            <a:r>
-              <a:rPr lang="en-US" i="1" baseline="0" dirty="0"/>
-              <a:t>pass</a:t>
-            </a:r>
-            <a:r>
-              <a:rPr lang="en-US" i="0" baseline="0" dirty="0"/>
-              <a:t> is a python keyword that just means “do nothing” </a:t>
+              <a:t>Note verbally here that “</a:t>
+            </a:r>
+            <a:r>
+              <a:rPr lang="en-US" dirty="0" err="1"/>
+              <a:t>self.__class</a:t>
+            </a:r>
+            <a:r>
+              <a:rPr lang="en-US" dirty="0"/>
+              <a:t>__” is the same as saying “positive(…)” – it’s a way of invoking the class without having to type its actual name (what if the name changed?). This class is in the git repository under examples/classes/</a:t>
+            </a:r>
+            <a:r>
+              <a:rPr lang="en-US" dirty="0" err="1"/>
+              <a:t>positive.py</a:t>
+            </a:r>
+            <a:r>
+              <a:rPr lang="en-US" dirty="0"/>
+              <a:t>. </a:t>
+            </a:r>
+          </a:p>
+          <a:p>
+            <a:pPr marL="0" marR="0" lvl="0" indent="0" algn="l" defTabSz="914400" rtl="0" eaLnBrk="1" fontAlgn="auto" latinLnBrk="0" hangingPunct="1">
+              <a:lnSpc>
+                <a:spcPct val="100000"/>
+              </a:lnSpc>
+              <a:spcBef>
+                <a:spcPts val="0"/>
+              </a:spcBef>
+              <a:spcAft>
+                <a:spcPts val="0"/>
+              </a:spcAft>
+              <a:buClrTx/>
+              <a:buSzTx/>
+              <a:buFontTx/>
+              <a:buNone/>
+              <a:tabLst/>
+              <a:defRPr/>
+            </a:pPr>
+            <a:r>
+              <a:rPr lang="en-US" dirty="0"/>
+              <a:t>A good example of </a:t>
+            </a:r>
+            <a:r>
+              <a:rPr lang="en-US" i="1" dirty="0"/>
+              <a:t>__new__</a:t>
+            </a:r>
+            <a:r>
+              <a:rPr lang="en-US" i="0" dirty="0"/>
+              <a:t> returning a different class is the multizone object in VICE returning a </a:t>
+            </a:r>
+            <a:r>
+              <a:rPr lang="en-US" i="0" dirty="0" err="1"/>
+              <a:t>singlezone</a:t>
+            </a:r>
+            <a:r>
+              <a:rPr lang="en-US" i="0" dirty="0"/>
+              <a:t> object when the number of zones is equal to one. </a:t>
             </a:r>
             <a:endParaRPr lang="en-US" dirty="0"/>
           </a:p>
@@ -1151,7 +1318,7 @@
             <a:spLocks noGrp="1"/>
           </p:cNvSpPr>
           <p:nvPr>
-            <p:ph type="sldNum" sz="quarter" idx="10"/>
+            <p:ph type="sldNum" sz="quarter" idx="5"/>
           </p:nvPr>
         </p:nvSpPr>
         <p:spPr/>
@@ -1161,7 +1328,7 @@
           <a:p>
             <a:fld id="{BDAAE321-3917-0140-B87E-FBAD3B4B5EF6}" type="slidenum">
               <a:rPr lang="en-US" smtClean="0"/>
-              <a:t>20</a:t>
+              <a:t>15</a:t>
             </a:fld>
             <a:endParaRPr lang="en-US"/>
           </a:p>
@@ -1170,7 +1337,7 @@
     </p:spTree>
     <p:extLst>
       <p:ext uri="{BB962C8B-B14F-4D97-AF65-F5344CB8AC3E}">
-        <p14:creationId xmlns:p14="http://schemas.microsoft.com/office/powerpoint/2010/main" val="1309425973"/>
+        <p14:creationId xmlns:p14="http://schemas.microsoft.com/office/powerpoint/2010/main" val="4117832186"/>
       </p:ext>
     </p:extLst>
   </p:cSld>
@@ -1226,19 +1393,47 @@
           <a:p>
             <a:r>
               <a:rPr lang="en-US" dirty="0"/>
-              <a:t>In case anyone hadn’t seen</a:t>
-            </a:r>
-            <a:r>
-              <a:rPr lang="en-US" baseline="0" dirty="0"/>
-              <a:t> it up to this point, </a:t>
-            </a:r>
-            <a:r>
-              <a:rPr lang="en-US" i="1" baseline="0" dirty="0"/>
+              <a:t>Recall that </a:t>
+            </a:r>
+            <a:r>
+              <a:rPr lang="en-US" i="1" dirty="0"/>
               <a:t>pass</a:t>
             </a:r>
             <a:r>
-              <a:rPr lang="en-US" i="0" baseline="0" dirty="0"/>
-              <a:t> is a python keyword that just means “do nothing” </a:t>
+              <a:rPr lang="en-US" i="0" dirty="0"/>
+              <a:t> is a keyword which just means “do nothing.” The examples at the beginning of this set of slides didn’t actually need to do </a:t>
+            </a:r>
+            <a:r>
+              <a:rPr lang="en-US" i="1" dirty="0"/>
+              <a:t>def __</a:t>
+            </a:r>
+            <a:r>
+              <a:rPr lang="en-US" i="1" dirty="0" err="1"/>
+              <a:t>init</a:t>
+            </a:r>
+            <a:r>
+              <a:rPr lang="en-US" i="1" dirty="0"/>
+              <a:t>__(self, name): super().__</a:t>
+            </a:r>
+            <a:r>
+              <a:rPr lang="en-US" i="1" dirty="0" err="1"/>
+              <a:t>init</a:t>
+            </a:r>
+            <a:r>
+              <a:rPr lang="en-US" i="1" dirty="0"/>
+              <a:t>__(name)</a:t>
+            </a:r>
+            <a:r>
+              <a:rPr lang="en-US" i="0" dirty="0"/>
+              <a:t> - that was included just for demonstration purposes to introduce </a:t>
+            </a:r>
+            <a:r>
+              <a:rPr lang="en-US" i="1" dirty="0"/>
+              <a:t>super</a:t>
+            </a:r>
+            <a:r>
+              <a:rPr lang="en-US" i="0" dirty="0"/>
+              <a:t>.</a:t>
             </a:r>
             <a:endParaRPr lang="en-US" dirty="0"/>
           </a:p>
@@ -1261,7 +1456,7 @@
           <a:p>
             <a:fld id="{BDAAE321-3917-0140-B87E-FBAD3B4B5EF6}" type="slidenum">
               <a:rPr lang="en-US" smtClean="0"/>
-              <a:t>21</a:t>
+              <a:t>20</a:t>
             </a:fld>
             <a:endParaRPr lang="en-US"/>
           </a:p>
@@ -1270,7 +1465,7 @@
     </p:spTree>
     <p:extLst>
       <p:ext uri="{BB962C8B-B14F-4D97-AF65-F5344CB8AC3E}">
-        <p14:creationId xmlns:p14="http://schemas.microsoft.com/office/powerpoint/2010/main" val="1054605821"/>
+        <p14:creationId xmlns:p14="http://schemas.microsoft.com/office/powerpoint/2010/main" val="1309425973"/>
       </p:ext>
     </p:extLst>
   </p:cSld>
@@ -1361,7 +1556,7 @@
           <a:p>
             <a:fld id="{BDAAE321-3917-0140-B87E-FBAD3B4B5EF6}" type="slidenum">
               <a:rPr lang="en-US" smtClean="0"/>
-              <a:t>22</a:t>
+              <a:t>21</a:t>
             </a:fld>
             <a:endParaRPr lang="en-US"/>
           </a:p>
@@ -1370,7 +1565,7 @@
     </p:spTree>
     <p:extLst>
       <p:ext uri="{BB962C8B-B14F-4D97-AF65-F5344CB8AC3E}">
-        <p14:creationId xmlns:p14="http://schemas.microsoft.com/office/powerpoint/2010/main" val="1717272031"/>
+        <p14:creationId xmlns:p14="http://schemas.microsoft.com/office/powerpoint/2010/main" val="1054605821"/>
       </p:ext>
     </p:extLst>
   </p:cSld>
@@ -1426,11 +1621,19 @@
           <a:p>
             <a:r>
               <a:rPr lang="en-US" dirty="0"/>
-              <a:t>This is worth noting because folks who engineer their code will</a:t>
+              <a:t>In case anyone hadn’t seen</a:t>
             </a:r>
             <a:r>
               <a:rPr lang="en-US" baseline="0" dirty="0"/>
-              <a:t> likely run across this caveat. </a:t>
+              <a:t> it up to this point, </a:t>
+            </a:r>
+            <a:r>
+              <a:rPr lang="en-US" i="1" baseline="0" dirty="0"/>
+              <a:t>pass</a:t>
+            </a:r>
+            <a:r>
+              <a:rPr lang="en-US" i="0" baseline="0" dirty="0"/>
+              <a:t> is a python keyword that just means “do nothing” </a:t>
             </a:r>
             <a:endParaRPr lang="en-US" dirty="0"/>
           </a:p>
@@ -1453,7 +1656,7 @@
           <a:p>
             <a:fld id="{BDAAE321-3917-0140-B87E-FBAD3B4B5EF6}" type="slidenum">
               <a:rPr lang="en-US" smtClean="0"/>
-              <a:t>27</a:t>
+              <a:t>22</a:t>
             </a:fld>
             <a:endParaRPr lang="en-US"/>
           </a:p>
@@ -1462,7 +1665,7 @@
     </p:spTree>
     <p:extLst>
       <p:ext uri="{BB962C8B-B14F-4D97-AF65-F5344CB8AC3E}">
-        <p14:creationId xmlns:p14="http://schemas.microsoft.com/office/powerpoint/2010/main" val="1857646328"/>
+        <p14:creationId xmlns:p14="http://schemas.microsoft.com/office/powerpoint/2010/main" val="1717272031"/>
       </p:ext>
     </p:extLst>
   </p:cSld>
@@ -1748,7 +1951,7 @@
           <a:p>
             <a:fld id="{51673806-0BCD-1F42-BAA8-2011034B3C6A}" type="datetimeFigureOut">
               <a:rPr lang="en-US" smtClean="0"/>
-              <a:t>5/8/22</a:t>
+              <a:t>5/18/22</a:t>
             </a:fld>
             <a:endParaRPr lang="en-US"/>
           </a:p>
@@ -2162,7 +2365,7 @@
           <a:p>
             <a:fld id="{51673806-0BCD-1F42-BAA8-2011034B3C6A}" type="datetimeFigureOut">
               <a:rPr lang="en-US" smtClean="0"/>
-              <a:t>5/8/22</a:t>
+              <a:t>5/18/22</a:t>
             </a:fld>
             <a:endParaRPr lang="en-US"/>
           </a:p>
@@ -2493,7 +2696,7 @@
           <a:p>
             <a:fld id="{51673806-0BCD-1F42-BAA8-2011034B3C6A}" type="datetimeFigureOut">
               <a:rPr lang="en-US" smtClean="0"/>
-              <a:t>5/8/22</a:t>
+              <a:t>5/18/22</a:t>
             </a:fld>
             <a:endParaRPr lang="en-US"/>
           </a:p>
@@ -2893,7 +3096,7 @@
           <a:p>
             <a:fld id="{51673806-0BCD-1F42-BAA8-2011034B3C6A}" type="datetimeFigureOut">
               <a:rPr lang="en-US" smtClean="0"/>
-              <a:t>5/8/22</a:t>
+              <a:t>5/18/22</a:t>
             </a:fld>
             <a:endParaRPr lang="en-US"/>
           </a:p>
@@ -3456,7 +3659,7 @@
           <a:p>
             <a:fld id="{51673806-0BCD-1F42-BAA8-2011034B3C6A}" type="datetimeFigureOut">
               <a:rPr lang="en-US" smtClean="0"/>
-              <a:t>5/8/22</a:t>
+              <a:t>5/18/22</a:t>
             </a:fld>
             <a:endParaRPr lang="en-US"/>
           </a:p>
@@ -4132,7 +4335,7 @@
           <a:p>
             <a:fld id="{51673806-0BCD-1F42-BAA8-2011034B3C6A}" type="datetimeFigureOut">
               <a:rPr lang="en-US" smtClean="0"/>
-              <a:t>5/8/22</a:t>
+              <a:t>5/18/22</a:t>
             </a:fld>
             <a:endParaRPr lang="en-US"/>
           </a:p>
@@ -5040,7 +5243,7 @@
           <a:p>
             <a:fld id="{51673806-0BCD-1F42-BAA8-2011034B3C6A}" type="datetimeFigureOut">
               <a:rPr lang="en-US" smtClean="0"/>
-              <a:t>5/8/22</a:t>
+              <a:t>5/18/22</a:t>
             </a:fld>
             <a:endParaRPr lang="en-US"/>
           </a:p>
@@ -5348,7 +5551,7 @@
           <a:p>
             <a:fld id="{51673806-0BCD-1F42-BAA8-2011034B3C6A}" type="datetimeFigureOut">
               <a:rPr lang="en-US" smtClean="0"/>
-              <a:t>5/8/22</a:t>
+              <a:t>5/18/22</a:t>
             </a:fld>
             <a:endParaRPr lang="en-US"/>
           </a:p>
@@ -5607,7 +5810,7 @@
           <a:p>
             <a:fld id="{51673806-0BCD-1F42-BAA8-2011034B3C6A}" type="datetimeFigureOut">
               <a:rPr lang="en-US" smtClean="0"/>
-              <a:t>5/8/22</a:t>
+              <a:t>5/18/22</a:t>
             </a:fld>
             <a:endParaRPr lang="en-US"/>
           </a:p>
@@ -5930,7 +6133,7 @@
           <a:p>
             <a:fld id="{51673806-0BCD-1F42-BAA8-2011034B3C6A}" type="datetimeFigureOut">
               <a:rPr lang="en-US" smtClean="0"/>
-              <a:t>5/8/22</a:t>
+              <a:t>5/18/22</a:t>
             </a:fld>
             <a:endParaRPr lang="en-US"/>
           </a:p>
@@ -6314,7 +6517,7 @@
           <a:p>
             <a:fld id="{51673806-0BCD-1F42-BAA8-2011034B3C6A}" type="datetimeFigureOut">
               <a:rPr lang="en-US" smtClean="0"/>
-              <a:t>5/8/22</a:t>
+              <a:t>5/18/22</a:t>
             </a:fld>
             <a:endParaRPr lang="en-US"/>
           </a:p>
@@ -6690,7 +6893,7 @@
           <a:p>
             <a:fld id="{51673806-0BCD-1F42-BAA8-2011034B3C6A}" type="datetimeFigureOut">
               <a:rPr lang="en-US" smtClean="0"/>
-              <a:t>5/8/22</a:t>
+              <a:t>5/18/22</a:t>
             </a:fld>
             <a:endParaRPr lang="en-US"/>
           </a:p>
@@ -7196,7 +7399,7 @@
           <a:p>
             <a:fld id="{51673806-0BCD-1F42-BAA8-2011034B3C6A}" type="datetimeFigureOut">
               <a:rPr lang="en-US" smtClean="0"/>
-              <a:t>5/8/22</a:t>
+              <a:t>5/18/22</a:t>
             </a:fld>
             <a:endParaRPr lang="en-US"/>
           </a:p>
@@ -7453,7 +7656,7 @@
           <a:p>
             <a:fld id="{51673806-0BCD-1F42-BAA8-2011034B3C6A}" type="datetimeFigureOut">
               <a:rPr lang="en-US" smtClean="0"/>
-              <a:t>5/8/22</a:t>
+              <a:t>5/18/22</a:t>
             </a:fld>
             <a:endParaRPr lang="en-US"/>
           </a:p>
@@ -7611,7 +7814,7 @@
           <a:p>
             <a:fld id="{51673806-0BCD-1F42-BAA8-2011034B3C6A}" type="datetimeFigureOut">
               <a:rPr lang="en-US" smtClean="0"/>
-              <a:t>5/8/22</a:t>
+              <a:t>5/18/22</a:t>
             </a:fld>
             <a:endParaRPr lang="en-US"/>
           </a:p>
@@ -8001,7 +8204,7 @@
           <a:p>
             <a:fld id="{51673806-0BCD-1F42-BAA8-2011034B3C6A}" type="datetimeFigureOut">
               <a:rPr lang="en-US" smtClean="0"/>
-              <a:t>5/8/22</a:t>
+              <a:t>5/18/22</a:t>
             </a:fld>
             <a:endParaRPr lang="en-US"/>
           </a:p>
@@ -8410,7 +8613,7 @@
           <a:p>
             <a:fld id="{51673806-0BCD-1F42-BAA8-2011034B3C6A}" type="datetimeFigureOut">
               <a:rPr lang="en-US" smtClean="0"/>
-              <a:t>5/8/22</a:t>
+              <a:t>5/18/22</a:t>
             </a:fld>
             <a:endParaRPr lang="en-US"/>
           </a:p>
@@ -8656,7 +8859,7 @@
             <a:fld id="{51673806-0BCD-1F42-BAA8-2011034B3C6A}" type="datetimeFigureOut">
               <a:rPr lang="en-US" smtClean="0"/>
               <a:pPr/>
-              <a:t>5/8/22</a:t>
+              <a:t>5/18/22</a:t>
             </a:fld>
             <a:endParaRPr lang="en-US" dirty="0"/>
           </a:p>
@@ -12614,12 +12817,12 @@
         <p:spPr>
           <a:xfrm>
             <a:off x="680321" y="2336873"/>
-            <a:ext cx="5229160" cy="3599316"/>
+            <a:ext cx="5229160" cy="4091636"/>
           </a:xfrm>
         </p:spPr>
         <p:txBody>
           <a:bodyPr>
-            <a:normAutofit lnSpcReduction="10000"/>
+            <a:normAutofit/>
           </a:bodyPr>
           <a:lstStyle/>
           <a:p>
@@ -12820,8 +13023,8 @@
         </p:nvSpPr>
         <p:spPr>
           <a:xfrm>
-            <a:off x="680322" y="2336873"/>
-            <a:ext cx="5065386" cy="3599316"/>
+            <a:off x="680322" y="2336872"/>
+            <a:ext cx="5065386" cy="4384647"/>
           </a:xfrm>
         </p:spPr>
         <p:txBody>
@@ -12918,7 +13121,7 @@
             </a:pPr>
             <a:r>
               <a:rPr lang="en-US" dirty="0"/>
-              <a:t>Here the planet attribute is just the planet object, and the moons is a list of moon objects. </a:t>
+              <a:t>Here the planet attribute is just the planet object, and the moons is a list of moon objects. Composition introduces no new syntax - it just refers to properties of a specific type.</a:t>
             </a:r>
           </a:p>
         </p:txBody>
@@ -13480,7 +13683,7 @@
           <p:nvPr/>
         </p:nvPicPr>
         <p:blipFill>
-          <a:blip r:embed="rId2">
+          <a:blip r:embed="rId3">
             <a:extLst>
               <a:ext uri="{28A0092B-C50C-407E-A947-70E740481C1C}">
                 <a14:useLocalDpi xmlns:a14="http://schemas.microsoft.com/office/drawing/2010/main" val="0"/>
@@ -13510,7 +13713,7 @@
           <p:nvPr/>
         </p:nvPicPr>
         <p:blipFill>
-          <a:blip r:embed="rId3">
+          <a:blip r:embed="rId4">
             <a:extLst>
               <a:ext uri="{28A0092B-C50C-407E-A947-70E740481C1C}">
                 <a14:useLocalDpi xmlns:a14="http://schemas.microsoft.com/office/drawing/2010/main" val="0"/>
@@ -13595,8 +13798,8 @@
         </p:nvSpPr>
         <p:spPr>
           <a:xfrm>
-            <a:off x="334187" y="2132156"/>
-            <a:ext cx="10306127" cy="4725843"/>
+            <a:off x="55414" y="2050474"/>
+            <a:ext cx="12025745" cy="4807526"/>
           </a:xfrm>
         </p:spPr>
         <p:txBody>
@@ -13640,7 +13843,7 @@
             </a:r>
             <a:r>
               <a:rPr lang="en-US" dirty="0"/>
-              <a:t> composition implies ownership whereas aggregation implies usage. </a:t>
+              <a:t> composition implies ownership whereas aggregation implies usage.</a:t>
             </a:r>
           </a:p>
           <a:p>
@@ -13661,7 +13864,7 @@
               <a:tabLst/>
               <a:defRPr/>
             </a:pPr>
-            <a:endParaRPr lang="en-US" i="1" dirty="0"/>
+            <a:endParaRPr lang="en-US" dirty="0"/>
           </a:p>
           <a:p>
             <a:pPr marL="0" marR="0" lvl="0" indent="0" defTabSz="914400" eaLnBrk="1" fontAlgn="auto" latinLnBrk="0" hangingPunct="1">
@@ -13681,10 +13884,7 @@
               <a:tabLst/>
               <a:defRPr/>
             </a:pPr>
-            <a:r>
-              <a:rPr lang="en-US" dirty="0"/>
-              <a:t>Consider a program in which object A “owns” object B, and object B is destroyed when object A is destroyed. This is composition. </a:t>
-            </a:r>
+            <a:endParaRPr lang="en-US" dirty="0"/>
           </a:p>
           <a:p>
             <a:pPr marL="0" marR="0" lvl="0" indent="0" defTabSz="914400" eaLnBrk="1" fontAlgn="auto" latinLnBrk="0" hangingPunct="1">
@@ -13704,7 +13904,48 @@
               <a:tabLst/>
               <a:defRPr/>
             </a:pPr>
-            <a:endParaRPr lang="en-US" dirty="0"/>
+            <a:r>
+              <a:rPr lang="en-US" dirty="0"/>
+              <a:t>Consider a program with two objects: A and B</a:t>
+            </a:r>
+          </a:p>
+          <a:p>
+            <a:pPr lvl="1">
+              <a:lnSpc>
+                <a:spcPct val="100000"/>
+              </a:lnSpc>
+              <a:spcBef>
+                <a:spcPts val="0"/>
+              </a:spcBef>
+              <a:defRPr/>
+            </a:pPr>
+            <a:r>
+              <a:rPr lang="en-US" dirty="0"/>
+              <a:t>Composition: A “owns” B, and B is destroyed when A is destroyed</a:t>
+            </a:r>
+          </a:p>
+          <a:p>
+            <a:pPr lvl="1">
+              <a:lnSpc>
+                <a:spcPct val="100000"/>
+              </a:lnSpc>
+              <a:spcBef>
+                <a:spcPts val="0"/>
+              </a:spcBef>
+              <a:defRPr/>
+            </a:pPr>
+            <a:r>
+              <a:rPr lang="en-US" dirty="0"/>
+              <a:t>Aggregation: A “uses” B, and B is </a:t>
+            </a:r>
+            <a:r>
+              <a:rPr lang="en-US" i="1" dirty="0"/>
+              <a:t>not</a:t>
+            </a:r>
+            <a:r>
+              <a:rPr lang="en-US" dirty="0"/>
+              <a:t> destroyed when A is destroyed</a:t>
+            </a:r>
           </a:p>
           <a:p>
             <a:pPr marL="0" marR="0" lvl="0" indent="0" defTabSz="914400" eaLnBrk="1" fontAlgn="auto" latinLnBrk="0" hangingPunct="1">
@@ -13724,18 +13965,7 @@
               <a:tabLst/>
               <a:defRPr/>
             </a:pPr>
-            <a:r>
-              <a:rPr lang="en-US" dirty="0"/>
-              <a:t>Consider another program in which object A “uses” object B, and object B is </a:t>
-            </a:r>
-            <a:r>
-              <a:rPr lang="en-US" i="1" dirty="0"/>
-              <a:t>not</a:t>
-            </a:r>
-            <a:r>
-              <a:rPr lang="en-US" dirty="0"/>
-              <a:t> destroyed when object A is destroyed. This is aggregation. </a:t>
-            </a:r>
+            <a:endParaRPr lang="en-US" i="1" dirty="0"/>
           </a:p>
           <a:p>
             <a:pPr marL="0" marR="0" lvl="0" indent="0" defTabSz="914400" eaLnBrk="1" fontAlgn="auto" latinLnBrk="0" hangingPunct="1">
@@ -13777,7 +14007,7 @@
             </a:pPr>
             <a:r>
               <a:rPr lang="en-US" dirty="0"/>
-              <a:t>Like composition, aggregation requires no syntax we haven’t already covered - the two are often confused. A simple example would be a file importing some instance of a class and making use of that particular instance in another class. </a:t>
+              <a:t>Like composition, aggregation requires no syntax we haven’t already covered - the two are often confused. A real-world example would be ammunition in a first-person shooter video game – in some games it’s dropped when you have to re-spawn and another player can pick it up</a:t>
             </a:r>
           </a:p>
         </p:txBody>
@@ -14780,7 +15010,7 @@
             </a:pPr>
             <a:r>
               <a:rPr lang="en-US" dirty="0"/>
-              <a:t>So far there’s nothing new. </a:t>
+              <a:t>So far this is all material from last session. </a:t>
             </a:r>
           </a:p>
         </p:txBody>
@@ -15042,7 +15272,7 @@
           <p:nvPr/>
         </p:nvPicPr>
         <p:blipFill>
-          <a:blip r:embed="rId2">
+          <a:blip r:embed="rId3">
             <a:extLst>
               <a:ext uri="{28A0092B-C50C-407E-A947-70E740481C1C}">
                 <a14:useLocalDpi xmlns:a14="http://schemas.microsoft.com/office/drawing/2010/main" val="0"/>
@@ -15072,7 +15302,7 @@
           <p:nvPr/>
         </p:nvPicPr>
         <p:blipFill>
-          <a:blip r:embed="rId3">
+          <a:blip r:embed="rId4">
             <a:extLst>
               <a:ext uri="{28A0092B-C50C-407E-A947-70E740481C1C}">
                 <a14:useLocalDpi xmlns:a14="http://schemas.microsoft.com/office/drawing/2010/main" val="0"/>
@@ -16269,25 +16499,33 @@
             </a:r>
             <a:r>
               <a:rPr lang="en-US" dirty="0"/>
-              <a:t> in rare, specific instances </a:t>
-            </a:r>
-          </a:p>
-          <a:p>
-            <a:pPr marL="0" marR="0" lvl="0" indent="0" defTabSz="914400" eaLnBrk="1" fontAlgn="auto" latinLnBrk="0" hangingPunct="1">
+              <a:t> in rare, specific instances</a:t>
+            </a:r>
+          </a:p>
+          <a:p>
+            <a:pPr lvl="1">
               <a:lnSpc>
                 <a:spcPct val="100000"/>
               </a:lnSpc>
               <a:spcBef>
                 <a:spcPts val="0"/>
               </a:spcBef>
-              <a:spcAft>
-                <a:spcPts val="0"/>
-              </a:spcAft>
-              <a:buClrTx/>
-              <a:buSzTx/>
-              <a:buFontTx/>
-              <a:buNone/>
-              <a:tabLst/>
+              <a:defRPr/>
+            </a:pPr>
+            <a:r>
+              <a:rPr lang="en-US" dirty="0"/>
+              <a:t>We’ll see an example of this in a few slides</a:t>
+            </a:r>
+          </a:p>
+          <a:p>
+            <a:pPr marL="0" indent="0">
+              <a:lnSpc>
+                <a:spcPct val="100000"/>
+              </a:lnSpc>
+              <a:spcBef>
+                <a:spcPts val="0"/>
+              </a:spcBef>
+              <a:buNone/>
               <a:defRPr/>
             </a:pPr>
             <a:endParaRPr lang="en-US" dirty="0"/>

--- a/slides/inheritance_composition.pptx
+++ b/slides/inheritance_composition.pptx
@@ -13798,8 +13798,8 @@
         </p:nvSpPr>
         <p:spPr>
           <a:xfrm>
-            <a:off x="55414" y="2050474"/>
-            <a:ext cx="12025745" cy="4807526"/>
+            <a:off x="457198" y="2050474"/>
+            <a:ext cx="11277604" cy="4807526"/>
           </a:xfrm>
         </p:spPr>
         <p:txBody>
@@ -13843,7 +13843,7 @@
             </a:r>
             <a:r>
               <a:rPr lang="en-US" dirty="0"/>
-              <a:t> composition implies ownership whereas aggregation implies usage.</a:t>
+              <a:t> composition implies ownership whereas aggregation implies usage – the two are often confused. Neither involve special syntax.</a:t>
             </a:r>
           </a:p>
           <a:p>
@@ -14007,8 +14007,51 @@
             </a:pPr>
             <a:r>
               <a:rPr lang="en-US" dirty="0"/>
-              <a:t>Like composition, aggregation requires no syntax we haven’t already covered - the two are often confused. A real-world example would be ammunition in a first-person shooter video game – in some games it’s dropped when you have to re-spawn and another player can pick it up</a:t>
-            </a:r>
+              <a:t>Real world example: ammunition in a shooter video game</a:t>
+            </a:r>
+          </a:p>
+          <a:p>
+            <a:pPr lvl="1">
+              <a:lnSpc>
+                <a:spcPct val="100000"/>
+              </a:lnSpc>
+              <a:spcBef>
+                <a:spcPts val="0"/>
+              </a:spcBef>
+              <a:defRPr/>
+            </a:pPr>
+            <a:r>
+              <a:rPr lang="en-US" dirty="0"/>
+              <a:t>If it’s dropped when you die, and another player can pick it up </a:t>
+            </a:r>
+            <a:r>
+              <a:rPr lang="en-US" dirty="0">
+                <a:sym typeface="Wingdings" pitchFamily="2" charset="2"/>
+              </a:rPr>
+              <a:t> aggregation</a:t>
+            </a:r>
+          </a:p>
+          <a:p>
+            <a:pPr lvl="1">
+              <a:lnSpc>
+                <a:spcPct val="100000"/>
+              </a:lnSpc>
+              <a:spcBef>
+                <a:spcPts val="0"/>
+              </a:spcBef>
+              <a:defRPr/>
+            </a:pPr>
+            <a:r>
+              <a:rPr lang="en-US" dirty="0"/>
+              <a:t>If it’s not dropped when you die, instead disappearing from the game </a:t>
+            </a:r>
+            <a:r>
+              <a:rPr lang="en-US" dirty="0">
+                <a:sym typeface="Wingdings" pitchFamily="2" charset="2"/>
+              </a:rPr>
+              <a:t> composition</a:t>
+            </a:r>
+            <a:endParaRPr lang="en-US" dirty="0"/>
           </a:p>
         </p:txBody>
       </p:sp>
